--- a/Documents/apresentacao.pptx
+++ b/Documents/apresentacao.pptx
@@ -6,6 +6,38 @@
   </p:sldMasterIdLst>
   <p:sldIdLst>
     <p:sldId id="256" r:id="rId2"/>
+    <p:sldId id="258" r:id="rId3"/>
+    <p:sldId id="257" r:id="rId4"/>
+    <p:sldId id="264" r:id="rId5"/>
+    <p:sldId id="265" r:id="rId6"/>
+    <p:sldId id="266" r:id="rId7"/>
+    <p:sldId id="267" r:id="rId8"/>
+    <p:sldId id="268" r:id="rId9"/>
+    <p:sldId id="269" r:id="rId10"/>
+    <p:sldId id="271" r:id="rId11"/>
+    <p:sldId id="272" r:id="rId12"/>
+    <p:sldId id="259" r:id="rId13"/>
+    <p:sldId id="273" r:id="rId14"/>
+    <p:sldId id="274" r:id="rId15"/>
+    <p:sldId id="275" r:id="rId16"/>
+    <p:sldId id="277" r:id="rId17"/>
+    <p:sldId id="276" r:id="rId18"/>
+    <p:sldId id="260" r:id="rId19"/>
+    <p:sldId id="261" r:id="rId20"/>
+    <p:sldId id="278" r:id="rId21"/>
+    <p:sldId id="279" r:id="rId22"/>
+    <p:sldId id="280" r:id="rId23"/>
+    <p:sldId id="283" r:id="rId24"/>
+    <p:sldId id="284" r:id="rId25"/>
+    <p:sldId id="281" r:id="rId26"/>
+    <p:sldId id="286" r:id="rId27"/>
+    <p:sldId id="287" r:id="rId28"/>
+    <p:sldId id="288" r:id="rId29"/>
+    <p:sldId id="289" r:id="rId30"/>
+    <p:sldId id="282" r:id="rId31"/>
+    <p:sldId id="262" r:id="rId32"/>
+    <p:sldId id="263" r:id="rId33"/>
+    <p:sldId id="285" r:id="rId34"/>
   </p:sldIdLst>
   <p:sldSz cx="9144000" cy="6858000" type="screen4x3"/>
   <p:notesSz cx="6858000" cy="9144000"/>
@@ -104,6 +136,49 @@
       </a:defRPr>
     </a:lvl9pPr>
   </p:defaultTextStyle>
+  <p:extLst>
+    <p:ext uri="{521415D9-36F7-43E2-AB2F-B90AF26B5E84}">
+      <p14:sectionLst xmlns:p14="http://schemas.microsoft.com/office/powerpoint/2010/main">
+        <p14:section name="Seção Padrão" id="{03D6C73A-7EA0-49A7-8673-D5D269E69D29}">
+          <p14:sldIdLst>
+            <p14:sldId id="256"/>
+            <p14:sldId id="258"/>
+            <p14:sldId id="257"/>
+            <p14:sldId id="264"/>
+            <p14:sldId id="265"/>
+            <p14:sldId id="266"/>
+            <p14:sldId id="267"/>
+            <p14:sldId id="268"/>
+            <p14:sldId id="269"/>
+            <p14:sldId id="271"/>
+            <p14:sldId id="272"/>
+            <p14:sldId id="259"/>
+            <p14:sldId id="273"/>
+            <p14:sldId id="274"/>
+            <p14:sldId id="275"/>
+            <p14:sldId id="277"/>
+            <p14:sldId id="276"/>
+            <p14:sldId id="260"/>
+            <p14:sldId id="261"/>
+            <p14:sldId id="278"/>
+            <p14:sldId id="279"/>
+            <p14:sldId id="280"/>
+            <p14:sldId id="283"/>
+            <p14:sldId id="284"/>
+            <p14:sldId id="281"/>
+            <p14:sldId id="286"/>
+            <p14:sldId id="287"/>
+            <p14:sldId id="288"/>
+            <p14:sldId id="289"/>
+            <p14:sldId id="282"/>
+            <p14:sldId id="262"/>
+            <p14:sldId id="263"/>
+            <p14:sldId id="285"/>
+          </p14:sldIdLst>
+        </p14:section>
+      </p14:sectionLst>
+    </p:ext>
+  </p:extLst>
 </p:presentation>
 </file>
 
@@ -3050,6 +3125,18 @@
           <a:bodyPr/>
           <a:lstStyle/>
           <a:p>
+            <a:r>
+              <a:rPr lang="pt-BR" dirty="0" err="1" smtClean="0"/>
+              <a:t>Invisible</a:t>
+            </a:r>
+            <a:r>
+              <a:rPr lang="pt-BR" dirty="0" smtClean="0"/>
+              <a:t> </a:t>
+            </a:r>
+            <a:r>
+              <a:rPr lang="pt-BR" dirty="0" err="1" smtClean="0"/>
+              <a:t>Battlefields</a:t>
+            </a:r>
             <a:endParaRPr lang="pt-BR" dirty="0"/>
           </a:p>
         </p:txBody>
@@ -3069,7 +3156,11 @@
           <a:bodyPr/>
           <a:lstStyle/>
           <a:p>
-            <a:endParaRPr lang="pt-BR"/>
+            <a:r>
+              <a:rPr lang="pt-BR" dirty="0" smtClean="0"/>
+              <a:t>Jogo móvel colaborativo online com SDDL</a:t>
+            </a:r>
+            <a:endParaRPr lang="pt-BR" dirty="0"/>
           </a:p>
         </p:txBody>
       </p:sp>
@@ -3077,6 +3168,5508 @@
     <p:extLst>
       <p:ext uri="{BB962C8B-B14F-4D97-AF65-F5344CB8AC3E}">
         <p14:creationId xmlns:p14="http://schemas.microsoft.com/office/powerpoint/2010/main" val="4094975486"/>
+      </p:ext>
+    </p:extLst>
+  </p:cSld>
+  <p:clrMapOvr>
+    <a:masterClrMapping/>
+  </p:clrMapOvr>
+</p:sld>
+</file>
+
+<file path=ppt/slides/slide10.xml><?xml version="1.0" encoding="utf-8"?>
+<p:sld xmlns:a="http://schemas.openxmlformats.org/drawingml/2006/main" xmlns:r="http://schemas.openxmlformats.org/officeDocument/2006/relationships" xmlns:p="http://schemas.openxmlformats.org/presentationml/2006/main">
+  <p:cSld>
+    <p:spTree>
+      <p:nvGrpSpPr>
+        <p:cNvPr id="1" name=""/>
+        <p:cNvGrpSpPr/>
+        <p:nvPr/>
+      </p:nvGrpSpPr>
+      <p:grpSpPr>
+        <a:xfrm>
+          <a:off x="0" y="0"/>
+          <a:ext cx="0" cy="0"/>
+          <a:chOff x="0" y="0"/>
+          <a:chExt cx="0" cy="0"/>
+        </a:xfrm>
+      </p:grpSpPr>
+      <p:sp>
+        <p:nvSpPr>
+          <p:cNvPr id="2" name="Título 1"/>
+          <p:cNvSpPr>
+            <a:spLocks noGrp="1"/>
+          </p:cNvSpPr>
+          <p:nvPr>
+            <p:ph type="title"/>
+          </p:nvPr>
+        </p:nvSpPr>
+        <p:spPr/>
+        <p:txBody>
+          <a:bodyPr/>
+          <a:lstStyle/>
+          <a:p>
+            <a:r>
+              <a:rPr lang="pt-BR" dirty="0" smtClean="0"/>
+              <a:t>Mecânica das Batalhas</a:t>
+            </a:r>
+            <a:endParaRPr lang="pt-BR" dirty="0"/>
+          </a:p>
+        </p:txBody>
+      </p:sp>
+      <p:sp>
+        <p:nvSpPr>
+          <p:cNvPr id="3" name="Espaço Reservado para Conteúdo 2"/>
+          <p:cNvSpPr>
+            <a:spLocks noGrp="1"/>
+          </p:cNvSpPr>
+          <p:nvPr>
+            <p:ph idx="1"/>
+          </p:nvPr>
+        </p:nvSpPr>
+        <p:spPr/>
+        <p:txBody>
+          <a:bodyPr/>
+          <a:lstStyle/>
+          <a:p>
+            <a:r>
+              <a:rPr lang="pt-BR" dirty="0" smtClean="0"/>
+              <a:t>Ao se cadastrar em uma Batalha, o servidor cadastra que, para essa batalha, o Jogador X atacou o </a:t>
+            </a:r>
+            <a:r>
+              <a:rPr lang="pt-BR" dirty="0" err="1" smtClean="0"/>
+              <a:t>Clan</a:t>
+            </a:r>
+            <a:r>
+              <a:rPr lang="pt-BR" dirty="0" smtClean="0"/>
+              <a:t> N com um determinado atributo (Força, Agilidade ou Inteligência).</a:t>
+            </a:r>
+          </a:p>
+          <a:p>
+            <a:endParaRPr lang="pt-BR" dirty="0"/>
+          </a:p>
+          <a:p>
+            <a:r>
+              <a:rPr lang="pt-BR" dirty="0" smtClean="0"/>
+              <a:t>Os atributos são sorteados na criação do personagem. O jogador sempre ataca com o maior atributo.</a:t>
+            </a:r>
+            <a:endParaRPr lang="pt-BR" dirty="0"/>
+          </a:p>
+        </p:txBody>
+      </p:sp>
+    </p:spTree>
+    <p:extLst>
+      <p:ext uri="{BB962C8B-B14F-4D97-AF65-F5344CB8AC3E}">
+        <p14:creationId xmlns:p14="http://schemas.microsoft.com/office/powerpoint/2010/main" val="434885143"/>
+      </p:ext>
+    </p:extLst>
+  </p:cSld>
+  <p:clrMapOvr>
+    <a:masterClrMapping/>
+  </p:clrMapOvr>
+</p:sld>
+</file>
+
+<file path=ppt/slides/slide11.xml><?xml version="1.0" encoding="utf-8"?>
+<p:sld xmlns:a="http://schemas.openxmlformats.org/drawingml/2006/main" xmlns:r="http://schemas.openxmlformats.org/officeDocument/2006/relationships" xmlns:p="http://schemas.openxmlformats.org/presentationml/2006/main">
+  <p:cSld>
+    <p:spTree>
+      <p:nvGrpSpPr>
+        <p:cNvPr id="1" name=""/>
+        <p:cNvGrpSpPr/>
+        <p:nvPr/>
+      </p:nvGrpSpPr>
+      <p:grpSpPr>
+        <a:xfrm>
+          <a:off x="0" y="0"/>
+          <a:ext cx="0" cy="0"/>
+          <a:chOff x="0" y="0"/>
+          <a:chExt cx="0" cy="0"/>
+        </a:xfrm>
+      </p:grpSpPr>
+      <p:sp>
+        <p:nvSpPr>
+          <p:cNvPr id="2" name="Título 1"/>
+          <p:cNvSpPr>
+            <a:spLocks noGrp="1"/>
+          </p:cNvSpPr>
+          <p:nvPr>
+            <p:ph type="title"/>
+          </p:nvPr>
+        </p:nvSpPr>
+        <p:spPr/>
+        <p:txBody>
+          <a:bodyPr/>
+          <a:lstStyle/>
+          <a:p>
+            <a:r>
+              <a:rPr lang="pt-BR" dirty="0" smtClean="0"/>
+              <a:t>Mecânica das Batalhas</a:t>
+            </a:r>
+            <a:endParaRPr lang="pt-BR" dirty="0"/>
+          </a:p>
+        </p:txBody>
+      </p:sp>
+      <p:sp>
+        <p:nvSpPr>
+          <p:cNvPr id="3" name="Espaço Reservado para Conteúdo 2"/>
+          <p:cNvSpPr>
+            <a:spLocks noGrp="1"/>
+          </p:cNvSpPr>
+          <p:nvPr>
+            <p:ph idx="1"/>
+          </p:nvPr>
+        </p:nvSpPr>
+        <p:spPr/>
+        <p:txBody>
+          <a:bodyPr/>
+          <a:lstStyle/>
+          <a:p>
+            <a:r>
+              <a:rPr lang="pt-BR" dirty="0" smtClean="0"/>
+              <a:t>Na hora da batalha, o servidor faz o calculo de cada uma dessas requisições e determina o número de vitórias de cada </a:t>
+            </a:r>
+            <a:r>
+              <a:rPr lang="pt-BR" dirty="0" err="1" smtClean="0"/>
+              <a:t>Clan</a:t>
+            </a:r>
+            <a:r>
+              <a:rPr lang="pt-BR" dirty="0" smtClean="0"/>
+              <a:t>.</a:t>
+            </a:r>
+          </a:p>
+          <a:p>
+            <a:endParaRPr lang="pt-BR" dirty="0"/>
+          </a:p>
+          <a:p>
+            <a:r>
+              <a:rPr lang="pt-BR" dirty="0" smtClean="0"/>
+              <a:t>Todos os jogadores vencedores ganham pontos de experiência. Jogadores do </a:t>
+            </a:r>
+            <a:r>
+              <a:rPr lang="pt-BR" dirty="0" err="1" smtClean="0"/>
+              <a:t>Clan</a:t>
+            </a:r>
+            <a:r>
+              <a:rPr lang="pt-BR" dirty="0" smtClean="0"/>
+              <a:t> vencedor ganham um bônus.</a:t>
+            </a:r>
+            <a:endParaRPr lang="pt-BR" dirty="0"/>
+          </a:p>
+        </p:txBody>
+      </p:sp>
+    </p:spTree>
+    <p:extLst>
+      <p:ext uri="{BB962C8B-B14F-4D97-AF65-F5344CB8AC3E}">
+        <p14:creationId xmlns:p14="http://schemas.microsoft.com/office/powerpoint/2010/main" val="2636892924"/>
+      </p:ext>
+    </p:extLst>
+  </p:cSld>
+  <p:clrMapOvr>
+    <a:masterClrMapping/>
+  </p:clrMapOvr>
+</p:sld>
+</file>
+
+<file path=ppt/slides/slide12.xml><?xml version="1.0" encoding="utf-8"?>
+<p:sld xmlns:a="http://schemas.openxmlformats.org/drawingml/2006/main" xmlns:r="http://schemas.openxmlformats.org/officeDocument/2006/relationships" xmlns:p="http://schemas.openxmlformats.org/presentationml/2006/main">
+  <p:cSld>
+    <p:spTree>
+      <p:nvGrpSpPr>
+        <p:cNvPr id="1" name=""/>
+        <p:cNvGrpSpPr/>
+        <p:nvPr/>
+      </p:nvGrpSpPr>
+      <p:grpSpPr>
+        <a:xfrm>
+          <a:off x="0" y="0"/>
+          <a:ext cx="0" cy="0"/>
+          <a:chOff x="0" y="0"/>
+          <a:chExt cx="0" cy="0"/>
+        </a:xfrm>
+      </p:grpSpPr>
+      <p:sp>
+        <p:nvSpPr>
+          <p:cNvPr id="2" name="Título 1"/>
+          <p:cNvSpPr>
+            <a:spLocks noGrp="1"/>
+          </p:cNvSpPr>
+          <p:nvPr>
+            <p:ph type="title"/>
+          </p:nvPr>
+        </p:nvSpPr>
+        <p:spPr/>
+        <p:txBody>
+          <a:bodyPr/>
+          <a:lstStyle/>
+          <a:p>
+            <a:r>
+              <a:rPr lang="pt-BR" dirty="0" smtClean="0"/>
+              <a:t>Serviços e Arquitetura</a:t>
+            </a:r>
+            <a:endParaRPr lang="pt-BR" dirty="0"/>
+          </a:p>
+        </p:txBody>
+      </p:sp>
+      <p:sp>
+        <p:nvSpPr>
+          <p:cNvPr id="3" name="Espaço Reservado para Conteúdo 2"/>
+          <p:cNvSpPr>
+            <a:spLocks noGrp="1"/>
+          </p:cNvSpPr>
+          <p:nvPr>
+            <p:ph idx="1"/>
+          </p:nvPr>
+        </p:nvSpPr>
+        <p:spPr/>
+        <p:txBody>
+          <a:bodyPr/>
+          <a:lstStyle/>
+          <a:p>
+            <a:endParaRPr lang="pt-BR" dirty="0" smtClean="0"/>
+          </a:p>
+          <a:p>
+            <a:r>
+              <a:rPr lang="pt-BR" dirty="0" smtClean="0"/>
+              <a:t>Percebemos que o serviço de Cadastro de Nós criado para o T1 seria útil após especializa-lo para o jogo</a:t>
+            </a:r>
+          </a:p>
+          <a:p>
+            <a:endParaRPr lang="pt-BR" dirty="0"/>
+          </a:p>
+          <a:p>
+            <a:r>
+              <a:rPr lang="pt-BR" dirty="0" smtClean="0"/>
+              <a:t>Serviço de Jogo server-</a:t>
+            </a:r>
+            <a:r>
+              <a:rPr lang="pt-BR" dirty="0" err="1" smtClean="0"/>
+              <a:t>side</a:t>
+            </a:r>
+            <a:r>
+              <a:rPr lang="pt-BR" dirty="0" smtClean="0"/>
+              <a:t> era necessário para cálculo das batalhas</a:t>
+            </a:r>
+            <a:endParaRPr lang="pt-BR" dirty="0"/>
+          </a:p>
+        </p:txBody>
+      </p:sp>
+    </p:spTree>
+    <p:extLst>
+      <p:ext uri="{BB962C8B-B14F-4D97-AF65-F5344CB8AC3E}">
+        <p14:creationId xmlns:p14="http://schemas.microsoft.com/office/powerpoint/2010/main" val="1509915828"/>
+      </p:ext>
+    </p:extLst>
+  </p:cSld>
+  <p:clrMapOvr>
+    <a:masterClrMapping/>
+  </p:clrMapOvr>
+</p:sld>
+</file>
+
+<file path=ppt/slides/slide13.xml><?xml version="1.0" encoding="utf-8"?>
+<p:sld xmlns:a="http://schemas.openxmlformats.org/drawingml/2006/main" xmlns:r="http://schemas.openxmlformats.org/officeDocument/2006/relationships" xmlns:p="http://schemas.openxmlformats.org/presentationml/2006/main">
+  <p:cSld>
+    <p:spTree>
+      <p:nvGrpSpPr>
+        <p:cNvPr id="1" name=""/>
+        <p:cNvGrpSpPr/>
+        <p:nvPr/>
+      </p:nvGrpSpPr>
+      <p:grpSpPr>
+        <a:xfrm>
+          <a:off x="0" y="0"/>
+          <a:ext cx="0" cy="0"/>
+          <a:chOff x="0" y="0"/>
+          <a:chExt cx="0" cy="0"/>
+        </a:xfrm>
+      </p:grpSpPr>
+      <p:sp>
+        <p:nvSpPr>
+          <p:cNvPr id="2" name="Título 1"/>
+          <p:cNvSpPr>
+            <a:spLocks noGrp="1"/>
+          </p:cNvSpPr>
+          <p:nvPr>
+            <p:ph type="title"/>
+          </p:nvPr>
+        </p:nvSpPr>
+        <p:spPr/>
+        <p:txBody>
+          <a:bodyPr/>
+          <a:lstStyle/>
+          <a:p>
+            <a:r>
+              <a:rPr lang="pt-BR" dirty="0" smtClean="0"/>
+              <a:t>Serviços e Arquitetura</a:t>
+            </a:r>
+            <a:endParaRPr lang="pt-BR" dirty="0"/>
+          </a:p>
+        </p:txBody>
+      </p:sp>
+      <p:sp>
+        <p:nvSpPr>
+          <p:cNvPr id="3" name="Espaço Reservado para Conteúdo 2"/>
+          <p:cNvSpPr>
+            <a:spLocks noGrp="1"/>
+          </p:cNvSpPr>
+          <p:nvPr>
+            <p:ph idx="1"/>
+          </p:nvPr>
+        </p:nvSpPr>
+        <p:spPr/>
+        <p:txBody>
+          <a:bodyPr/>
+          <a:lstStyle/>
+          <a:p>
+            <a:r>
+              <a:rPr lang="pt-BR" dirty="0" smtClean="0"/>
+              <a:t>Ideia inicial: usar </a:t>
+            </a:r>
+            <a:r>
+              <a:rPr lang="pt-BR" dirty="0" err="1" smtClean="0"/>
+              <a:t>Vagrant</a:t>
+            </a:r>
+            <a:r>
+              <a:rPr lang="pt-BR" dirty="0"/>
+              <a:t> </a:t>
+            </a:r>
+            <a:r>
+              <a:rPr lang="pt-BR" dirty="0" smtClean="0"/>
+              <a:t>para facilitar a criação do Servidor Core em uma VM e conexão dos clientes.</a:t>
+            </a:r>
+          </a:p>
+        </p:txBody>
+      </p:sp>
+    </p:spTree>
+    <p:extLst>
+      <p:ext uri="{BB962C8B-B14F-4D97-AF65-F5344CB8AC3E}">
+        <p14:creationId xmlns:p14="http://schemas.microsoft.com/office/powerpoint/2010/main" val="980810388"/>
+      </p:ext>
+    </p:extLst>
+  </p:cSld>
+  <p:clrMapOvr>
+    <a:masterClrMapping/>
+  </p:clrMapOvr>
+</p:sld>
+</file>
+
+<file path=ppt/slides/slide14.xml><?xml version="1.0" encoding="utf-8"?>
+<p:sld xmlns:a="http://schemas.openxmlformats.org/drawingml/2006/main" xmlns:r="http://schemas.openxmlformats.org/officeDocument/2006/relationships" xmlns:p="http://schemas.openxmlformats.org/presentationml/2006/main">
+  <p:cSld>
+    <p:spTree>
+      <p:nvGrpSpPr>
+        <p:cNvPr id="1" name=""/>
+        <p:cNvGrpSpPr/>
+        <p:nvPr/>
+      </p:nvGrpSpPr>
+      <p:grpSpPr>
+        <a:xfrm>
+          <a:off x="0" y="0"/>
+          <a:ext cx="0" cy="0"/>
+          <a:chOff x="0" y="0"/>
+          <a:chExt cx="0" cy="0"/>
+        </a:xfrm>
+      </p:grpSpPr>
+      <p:pic>
+        <p:nvPicPr>
+          <p:cNvPr id="2050" name="Picture 2" descr="C:\Users\andre_000\Documents\GitHub\InvisibleBattlefields\Documents\UBI_T2_Arquitetura_vagrant_1.png"/>
+          <p:cNvPicPr>
+            <a:picLocks noChangeAspect="1" noChangeArrowheads="1"/>
+          </p:cNvPicPr>
+          <p:nvPr/>
+        </p:nvPicPr>
+        <p:blipFill>
+          <a:blip r:embed="rId2">
+            <a:extLst>
+              <a:ext uri="{28A0092B-C50C-407E-A947-70E740481C1C}">
+                <a14:useLocalDpi xmlns:a14="http://schemas.microsoft.com/office/drawing/2010/main" val="0"/>
+              </a:ext>
+            </a:extLst>
+          </a:blip>
+          <a:srcRect/>
+          <a:stretch>
+            <a:fillRect/>
+          </a:stretch>
+        </p:blipFill>
+        <p:spPr bwMode="auto">
+          <a:xfrm>
+            <a:off x="533559" y="48638"/>
+            <a:ext cx="8142897" cy="6764738"/>
+          </a:xfrm>
+          <a:prstGeom prst="rect">
+            <a:avLst/>
+          </a:prstGeom>
+          <a:noFill/>
+          <a:extLst>
+            <a:ext uri="{909E8E84-426E-40DD-AFC4-6F175D3DCCD1}">
+              <a14:hiddenFill xmlns:a14="http://schemas.microsoft.com/office/drawing/2010/main">
+                <a:solidFill>
+                  <a:srgbClr val="FFFFFF"/>
+                </a:solidFill>
+              </a14:hiddenFill>
+            </a:ext>
+          </a:extLst>
+        </p:spPr>
+      </p:pic>
+    </p:spTree>
+    <p:extLst>
+      <p:ext uri="{BB962C8B-B14F-4D97-AF65-F5344CB8AC3E}">
+        <p14:creationId xmlns:p14="http://schemas.microsoft.com/office/powerpoint/2010/main" val="684006526"/>
+      </p:ext>
+    </p:extLst>
+  </p:cSld>
+  <p:clrMapOvr>
+    <a:masterClrMapping/>
+  </p:clrMapOvr>
+</p:sld>
+</file>
+
+<file path=ppt/slides/slide15.xml><?xml version="1.0" encoding="utf-8"?>
+<p:sld xmlns:a="http://schemas.openxmlformats.org/drawingml/2006/main" xmlns:r="http://schemas.openxmlformats.org/officeDocument/2006/relationships" xmlns:p="http://schemas.openxmlformats.org/presentationml/2006/main">
+  <p:cSld>
+    <p:spTree>
+      <p:nvGrpSpPr>
+        <p:cNvPr id="1" name=""/>
+        <p:cNvGrpSpPr/>
+        <p:nvPr/>
+      </p:nvGrpSpPr>
+      <p:grpSpPr>
+        <a:xfrm>
+          <a:off x="0" y="0"/>
+          <a:ext cx="0" cy="0"/>
+          <a:chOff x="0" y="0"/>
+          <a:chExt cx="0" cy="0"/>
+        </a:xfrm>
+      </p:grpSpPr>
+      <p:sp>
+        <p:nvSpPr>
+          <p:cNvPr id="2" name="Título 1"/>
+          <p:cNvSpPr>
+            <a:spLocks noGrp="1"/>
+          </p:cNvSpPr>
+          <p:nvPr>
+            <p:ph type="title"/>
+          </p:nvPr>
+        </p:nvSpPr>
+        <p:spPr/>
+        <p:txBody>
+          <a:bodyPr/>
+          <a:lstStyle/>
+          <a:p>
+            <a:r>
+              <a:rPr lang="pt-BR" dirty="0" smtClean="0"/>
+              <a:t>Serviços e Arquitetura</a:t>
+            </a:r>
+            <a:endParaRPr lang="pt-BR" dirty="0"/>
+          </a:p>
+        </p:txBody>
+      </p:sp>
+      <p:sp>
+        <p:nvSpPr>
+          <p:cNvPr id="3" name="Espaço Reservado para Conteúdo 2"/>
+          <p:cNvSpPr>
+            <a:spLocks noGrp="1"/>
+          </p:cNvSpPr>
+          <p:nvPr>
+            <p:ph idx="1"/>
+          </p:nvPr>
+        </p:nvSpPr>
+        <p:spPr/>
+        <p:txBody>
+          <a:bodyPr/>
+          <a:lstStyle/>
+          <a:p>
+            <a:r>
+              <a:rPr lang="pt-BR" dirty="0" smtClean="0"/>
+              <a:t>Não foi possível. Optamos por usar a estrutura clássica em rede local:</a:t>
+            </a:r>
+          </a:p>
+        </p:txBody>
+      </p:sp>
+    </p:spTree>
+    <p:extLst>
+      <p:ext uri="{BB962C8B-B14F-4D97-AF65-F5344CB8AC3E}">
+        <p14:creationId xmlns:p14="http://schemas.microsoft.com/office/powerpoint/2010/main" val="4195407195"/>
+      </p:ext>
+    </p:extLst>
+  </p:cSld>
+  <p:clrMapOvr>
+    <a:masterClrMapping/>
+  </p:clrMapOvr>
+</p:sld>
+</file>
+
+<file path=ppt/slides/slide16.xml><?xml version="1.0" encoding="utf-8"?>
+<p:sld xmlns:a="http://schemas.openxmlformats.org/drawingml/2006/main" xmlns:r="http://schemas.openxmlformats.org/officeDocument/2006/relationships" xmlns:p="http://schemas.openxmlformats.org/presentationml/2006/main">
+  <p:cSld>
+    <p:spTree>
+      <p:nvGrpSpPr>
+        <p:cNvPr id="1" name=""/>
+        <p:cNvGrpSpPr/>
+        <p:nvPr/>
+      </p:nvGrpSpPr>
+      <p:grpSpPr>
+        <a:xfrm>
+          <a:off x="0" y="0"/>
+          <a:ext cx="0" cy="0"/>
+          <a:chOff x="0" y="0"/>
+          <a:chExt cx="0" cy="0"/>
+        </a:xfrm>
+      </p:grpSpPr>
+      <p:pic>
+        <p:nvPicPr>
+          <p:cNvPr id="3074" name="Picture 2" descr="C:\Users\andre_000\Documents\GitHub\InvisibleBattlefields\Documents\UBI_T2_Arquitetura_final_1.png"/>
+          <p:cNvPicPr>
+            <a:picLocks noChangeAspect="1" noChangeArrowheads="1"/>
+          </p:cNvPicPr>
+          <p:nvPr/>
+        </p:nvPicPr>
+        <p:blipFill>
+          <a:blip r:embed="rId2">
+            <a:extLst>
+              <a:ext uri="{28A0092B-C50C-407E-A947-70E740481C1C}">
+                <a14:useLocalDpi xmlns:a14="http://schemas.microsoft.com/office/drawing/2010/main" val="0"/>
+              </a:ext>
+            </a:extLst>
+          </a:blip>
+          <a:srcRect/>
+          <a:stretch>
+            <a:fillRect/>
+          </a:stretch>
+        </p:blipFill>
+        <p:spPr bwMode="auto">
+          <a:xfrm>
+            <a:off x="814883" y="-76577"/>
+            <a:ext cx="8293621" cy="6889953"/>
+          </a:xfrm>
+          <a:prstGeom prst="rect">
+            <a:avLst/>
+          </a:prstGeom>
+          <a:noFill/>
+          <a:extLst>
+            <a:ext uri="{909E8E84-426E-40DD-AFC4-6F175D3DCCD1}">
+              <a14:hiddenFill xmlns:a14="http://schemas.microsoft.com/office/drawing/2010/main">
+                <a:solidFill>
+                  <a:srgbClr val="FFFFFF"/>
+                </a:solidFill>
+              </a14:hiddenFill>
+            </a:ext>
+          </a:extLst>
+        </p:spPr>
+      </p:pic>
+    </p:spTree>
+    <p:extLst>
+      <p:ext uri="{BB962C8B-B14F-4D97-AF65-F5344CB8AC3E}">
+        <p14:creationId xmlns:p14="http://schemas.microsoft.com/office/powerpoint/2010/main" val="3236840140"/>
+      </p:ext>
+    </p:extLst>
+  </p:cSld>
+  <p:clrMapOvr>
+    <a:masterClrMapping/>
+  </p:clrMapOvr>
+</p:sld>
+</file>
+
+<file path=ppt/slides/slide17.xml><?xml version="1.0" encoding="utf-8"?>
+<p:sld xmlns:a="http://schemas.openxmlformats.org/drawingml/2006/main" xmlns:r="http://schemas.openxmlformats.org/officeDocument/2006/relationships" xmlns:p="http://schemas.openxmlformats.org/presentationml/2006/main">
+  <p:cSld>
+    <p:spTree>
+      <p:nvGrpSpPr>
+        <p:cNvPr id="1" name=""/>
+        <p:cNvGrpSpPr/>
+        <p:nvPr/>
+      </p:nvGrpSpPr>
+      <p:grpSpPr>
+        <a:xfrm>
+          <a:off x="0" y="0"/>
+          <a:ext cx="0" cy="0"/>
+          <a:chOff x="0" y="0"/>
+          <a:chExt cx="0" cy="0"/>
+        </a:xfrm>
+      </p:grpSpPr>
+      <p:pic>
+        <p:nvPicPr>
+          <p:cNvPr id="4098" name="Picture 2" descr="C:\Users\andre_000\Documents\GitHub\InvisibleBattlefields\Documents\UBI_T2_Arquitetura_final_2.png"/>
+          <p:cNvPicPr>
+            <a:picLocks noChangeAspect="1" noChangeArrowheads="1"/>
+          </p:cNvPicPr>
+          <p:nvPr/>
+        </p:nvPicPr>
+        <p:blipFill>
+          <a:blip r:embed="rId2">
+            <a:extLst>
+              <a:ext uri="{28A0092B-C50C-407E-A947-70E740481C1C}">
+                <a14:useLocalDpi xmlns:a14="http://schemas.microsoft.com/office/drawing/2010/main" val="0"/>
+              </a:ext>
+            </a:extLst>
+          </a:blip>
+          <a:srcRect/>
+          <a:stretch>
+            <a:fillRect/>
+          </a:stretch>
+        </p:blipFill>
+        <p:spPr bwMode="auto">
+          <a:xfrm>
+            <a:off x="-108520" y="0"/>
+            <a:ext cx="9144000" cy="6858000"/>
+          </a:xfrm>
+          <a:prstGeom prst="rect">
+            <a:avLst/>
+          </a:prstGeom>
+          <a:noFill/>
+          <a:extLst>
+            <a:ext uri="{909E8E84-426E-40DD-AFC4-6F175D3DCCD1}">
+              <a14:hiddenFill xmlns:a14="http://schemas.microsoft.com/office/drawing/2010/main">
+                <a:solidFill>
+                  <a:srgbClr val="FFFFFF"/>
+                </a:solidFill>
+              </a14:hiddenFill>
+            </a:ext>
+          </a:extLst>
+        </p:spPr>
+      </p:pic>
+    </p:spTree>
+    <p:extLst>
+      <p:ext uri="{BB962C8B-B14F-4D97-AF65-F5344CB8AC3E}">
+        <p14:creationId xmlns:p14="http://schemas.microsoft.com/office/powerpoint/2010/main" val="527856463"/>
+      </p:ext>
+    </p:extLst>
+  </p:cSld>
+  <p:clrMapOvr>
+    <a:masterClrMapping/>
+  </p:clrMapOvr>
+</p:sld>
+</file>
+
+<file path=ppt/slides/slide18.xml><?xml version="1.0" encoding="utf-8"?>
+<p:sld xmlns:a="http://schemas.openxmlformats.org/drawingml/2006/main" xmlns:r="http://schemas.openxmlformats.org/officeDocument/2006/relationships" xmlns:p="http://schemas.openxmlformats.org/presentationml/2006/main">
+  <p:cSld>
+    <p:spTree>
+      <p:nvGrpSpPr>
+        <p:cNvPr id="1" name=""/>
+        <p:cNvGrpSpPr/>
+        <p:nvPr/>
+      </p:nvGrpSpPr>
+      <p:grpSpPr>
+        <a:xfrm>
+          <a:off x="0" y="0"/>
+          <a:ext cx="0" cy="0"/>
+          <a:chOff x="0" y="0"/>
+          <a:chExt cx="0" cy="0"/>
+        </a:xfrm>
+      </p:grpSpPr>
+      <p:sp>
+        <p:nvSpPr>
+          <p:cNvPr id="2" name="Título 1"/>
+          <p:cNvSpPr>
+            <a:spLocks noGrp="1"/>
+          </p:cNvSpPr>
+          <p:nvPr>
+            <p:ph type="title"/>
+          </p:nvPr>
+        </p:nvSpPr>
+        <p:spPr>
+          <a:xfrm>
+            <a:off x="323528" y="-90264"/>
+            <a:ext cx="8229600" cy="1143000"/>
+          </a:xfrm>
+        </p:spPr>
+        <p:txBody>
+          <a:bodyPr/>
+          <a:lstStyle/>
+          <a:p>
+            <a:r>
+              <a:rPr lang="pt-BR" dirty="0" smtClean="0"/>
+              <a:t>Modelagem</a:t>
+            </a:r>
+            <a:endParaRPr lang="pt-BR" dirty="0"/>
+          </a:p>
+        </p:txBody>
+      </p:sp>
+      <p:pic>
+        <p:nvPicPr>
+          <p:cNvPr id="5122" name="Picture 2" descr="C:\Users\andre_000\Documents\GitHub\InvisibleBattlefields\Documents\DB_model.png"/>
+          <p:cNvPicPr>
+            <a:picLocks noChangeAspect="1" noChangeArrowheads="1"/>
+          </p:cNvPicPr>
+          <p:nvPr/>
+        </p:nvPicPr>
+        <p:blipFill>
+          <a:blip r:embed="rId2">
+            <a:extLst>
+              <a:ext uri="{28A0092B-C50C-407E-A947-70E740481C1C}">
+                <a14:useLocalDpi xmlns:a14="http://schemas.microsoft.com/office/drawing/2010/main" val="0"/>
+              </a:ext>
+            </a:extLst>
+          </a:blip>
+          <a:srcRect/>
+          <a:stretch>
+            <a:fillRect/>
+          </a:stretch>
+        </p:blipFill>
+        <p:spPr bwMode="auto">
+          <a:xfrm>
+            <a:off x="1259631" y="1329655"/>
+            <a:ext cx="6343651" cy="4619625"/>
+          </a:xfrm>
+          <a:prstGeom prst="rect">
+            <a:avLst/>
+          </a:prstGeom>
+          <a:noFill/>
+          <a:extLst>
+            <a:ext uri="{909E8E84-426E-40DD-AFC4-6F175D3DCCD1}">
+              <a14:hiddenFill xmlns:a14="http://schemas.microsoft.com/office/drawing/2010/main">
+                <a:solidFill>
+                  <a:srgbClr val="FFFFFF"/>
+                </a:solidFill>
+              </a14:hiddenFill>
+            </a:ext>
+          </a:extLst>
+        </p:spPr>
+      </p:pic>
+    </p:spTree>
+    <p:extLst>
+      <p:ext uri="{BB962C8B-B14F-4D97-AF65-F5344CB8AC3E}">
+        <p14:creationId xmlns:p14="http://schemas.microsoft.com/office/powerpoint/2010/main" val="4160440524"/>
+      </p:ext>
+    </p:extLst>
+  </p:cSld>
+  <p:clrMapOvr>
+    <a:masterClrMapping/>
+  </p:clrMapOvr>
+</p:sld>
+</file>
+
+<file path=ppt/slides/slide19.xml><?xml version="1.0" encoding="utf-8"?>
+<p:sld xmlns:a="http://schemas.openxmlformats.org/drawingml/2006/main" xmlns:r="http://schemas.openxmlformats.org/officeDocument/2006/relationships" xmlns:p="http://schemas.openxmlformats.org/presentationml/2006/main">
+  <p:cSld>
+    <p:spTree>
+      <p:nvGrpSpPr>
+        <p:cNvPr id="1" name=""/>
+        <p:cNvGrpSpPr/>
+        <p:nvPr/>
+      </p:nvGrpSpPr>
+      <p:grpSpPr>
+        <a:xfrm>
+          <a:off x="0" y="0"/>
+          <a:ext cx="0" cy="0"/>
+          <a:chOff x="0" y="0"/>
+          <a:chExt cx="0" cy="0"/>
+        </a:xfrm>
+      </p:grpSpPr>
+      <p:sp>
+        <p:nvSpPr>
+          <p:cNvPr id="2" name="Título 1"/>
+          <p:cNvSpPr>
+            <a:spLocks noGrp="1"/>
+          </p:cNvSpPr>
+          <p:nvPr>
+            <p:ph type="title"/>
+          </p:nvPr>
+        </p:nvSpPr>
+        <p:spPr/>
+        <p:txBody>
+          <a:bodyPr/>
+          <a:lstStyle/>
+          <a:p>
+            <a:r>
+              <a:rPr lang="pt-BR" dirty="0" smtClean="0"/>
+              <a:t>Estrutura de Comunicação</a:t>
+            </a:r>
+            <a:endParaRPr lang="pt-BR" dirty="0"/>
+          </a:p>
+        </p:txBody>
+      </p:sp>
+      <p:sp>
+        <p:nvSpPr>
+          <p:cNvPr id="3" name="Espaço Reservado para Conteúdo 2"/>
+          <p:cNvSpPr>
+            <a:spLocks noGrp="1"/>
+          </p:cNvSpPr>
+          <p:nvPr>
+            <p:ph idx="1"/>
+          </p:nvPr>
+        </p:nvSpPr>
+        <p:spPr/>
+        <p:txBody>
+          <a:bodyPr>
+            <a:normAutofit lnSpcReduction="10000"/>
+          </a:bodyPr>
+          <a:lstStyle/>
+          <a:p>
+            <a:r>
+              <a:rPr lang="pt-BR" dirty="0" smtClean="0"/>
+              <a:t>Optamos por usar uma estrutura de comunicação </a:t>
+            </a:r>
+            <a:r>
+              <a:rPr lang="pt-BR" dirty="0" err="1" smtClean="0"/>
+              <a:t>Request</a:t>
+            </a:r>
+            <a:r>
+              <a:rPr lang="pt-BR" dirty="0"/>
+              <a:t> </a:t>
+            </a:r>
+            <a:r>
+              <a:rPr lang="pt-BR" dirty="0" smtClean="0"/>
+              <a:t>&lt;-&gt; Response semelhante a do T1</a:t>
+            </a:r>
+          </a:p>
+          <a:p>
+            <a:endParaRPr lang="pt-BR" dirty="0"/>
+          </a:p>
+          <a:p>
+            <a:r>
+              <a:rPr lang="pt-BR" dirty="0" smtClean="0"/>
+              <a:t>Agora, o servidor nunca envia dados para o cliente sem o cliente antes pedir algo. Assim, o servidor nunca precisa guardar o UUID do cliente, pois basta responder ao que ele recebe.</a:t>
+            </a:r>
+            <a:endParaRPr lang="pt-BR" dirty="0"/>
+          </a:p>
+        </p:txBody>
+      </p:sp>
+    </p:spTree>
+    <p:extLst>
+      <p:ext uri="{BB962C8B-B14F-4D97-AF65-F5344CB8AC3E}">
+        <p14:creationId xmlns:p14="http://schemas.microsoft.com/office/powerpoint/2010/main" val="4160440524"/>
+      </p:ext>
+    </p:extLst>
+  </p:cSld>
+  <p:clrMapOvr>
+    <a:masterClrMapping/>
+  </p:clrMapOvr>
+</p:sld>
+</file>
+
+<file path=ppt/slides/slide2.xml><?xml version="1.0" encoding="utf-8"?>
+<p:sld xmlns:a="http://schemas.openxmlformats.org/drawingml/2006/main" xmlns:r="http://schemas.openxmlformats.org/officeDocument/2006/relationships" xmlns:p="http://schemas.openxmlformats.org/presentationml/2006/main">
+  <p:cSld>
+    <p:spTree>
+      <p:nvGrpSpPr>
+        <p:cNvPr id="1" name=""/>
+        <p:cNvGrpSpPr/>
+        <p:nvPr/>
+      </p:nvGrpSpPr>
+      <p:grpSpPr>
+        <a:xfrm>
+          <a:off x="0" y="0"/>
+          <a:ext cx="0" cy="0"/>
+          <a:chOff x="0" y="0"/>
+          <a:chExt cx="0" cy="0"/>
+        </a:xfrm>
+      </p:grpSpPr>
+      <p:sp>
+        <p:nvSpPr>
+          <p:cNvPr id="2" name="Título 1"/>
+          <p:cNvSpPr>
+            <a:spLocks noGrp="1"/>
+          </p:cNvSpPr>
+          <p:nvPr>
+            <p:ph type="title"/>
+          </p:nvPr>
+        </p:nvSpPr>
+        <p:spPr/>
+        <p:txBody>
+          <a:bodyPr/>
+          <a:lstStyle/>
+          <a:p>
+            <a:r>
+              <a:rPr lang="pt-BR" dirty="0" smtClean="0"/>
+              <a:t>Introdução</a:t>
+            </a:r>
+            <a:endParaRPr lang="pt-BR" dirty="0"/>
+          </a:p>
+        </p:txBody>
+      </p:sp>
+      <p:sp>
+        <p:nvSpPr>
+          <p:cNvPr id="3" name="Espaço Reservado para Conteúdo 2"/>
+          <p:cNvSpPr>
+            <a:spLocks noGrp="1"/>
+          </p:cNvSpPr>
+          <p:nvPr>
+            <p:ph idx="1"/>
+          </p:nvPr>
+        </p:nvSpPr>
+        <p:spPr/>
+        <p:txBody>
+          <a:bodyPr/>
+          <a:lstStyle/>
+          <a:p>
+            <a:endParaRPr lang="pt-BR" dirty="0" smtClean="0"/>
+          </a:p>
+          <a:p>
+            <a:r>
+              <a:rPr lang="pt-BR" dirty="0" err="1" smtClean="0"/>
+              <a:t>InvBat</a:t>
+            </a:r>
+            <a:r>
+              <a:rPr lang="pt-BR" dirty="0" smtClean="0"/>
+              <a:t> é um jogo colaborativo onde jogadores participam de batalhas de clãs pela cidade</a:t>
+            </a:r>
+          </a:p>
+          <a:p>
+            <a:endParaRPr lang="pt-BR" dirty="0"/>
+          </a:p>
+          <a:p>
+            <a:r>
+              <a:rPr lang="pt-BR" dirty="0" smtClean="0"/>
+              <a:t>Uma batalha ocorre em uma determinada região fixa em determinados horários pré-determinados</a:t>
+            </a:r>
+            <a:endParaRPr lang="pt-BR" dirty="0"/>
+          </a:p>
+        </p:txBody>
+      </p:sp>
+    </p:spTree>
+    <p:extLst>
+      <p:ext uri="{BB962C8B-B14F-4D97-AF65-F5344CB8AC3E}">
+        <p14:creationId xmlns:p14="http://schemas.microsoft.com/office/powerpoint/2010/main" val="1834329012"/>
+      </p:ext>
+    </p:extLst>
+  </p:cSld>
+  <p:clrMapOvr>
+    <a:masterClrMapping/>
+  </p:clrMapOvr>
+</p:sld>
+</file>
+
+<file path=ppt/slides/slide20.xml><?xml version="1.0" encoding="utf-8"?>
+<p:sld xmlns:a="http://schemas.openxmlformats.org/drawingml/2006/main" xmlns:r="http://schemas.openxmlformats.org/officeDocument/2006/relationships" xmlns:p="http://schemas.openxmlformats.org/presentationml/2006/main">
+  <p:cSld>
+    <p:spTree>
+      <p:nvGrpSpPr>
+        <p:cNvPr id="1" name=""/>
+        <p:cNvGrpSpPr/>
+        <p:nvPr/>
+      </p:nvGrpSpPr>
+      <p:grpSpPr>
+        <a:xfrm>
+          <a:off x="0" y="0"/>
+          <a:ext cx="0" cy="0"/>
+          <a:chOff x="0" y="0"/>
+          <a:chExt cx="0" cy="0"/>
+        </a:xfrm>
+      </p:grpSpPr>
+      <p:sp>
+        <p:nvSpPr>
+          <p:cNvPr id="2" name="Título 1"/>
+          <p:cNvSpPr>
+            <a:spLocks noGrp="1"/>
+          </p:cNvSpPr>
+          <p:nvPr>
+            <p:ph type="title"/>
+          </p:nvPr>
+        </p:nvSpPr>
+        <p:spPr/>
+        <p:txBody>
+          <a:bodyPr/>
+          <a:lstStyle/>
+          <a:p>
+            <a:r>
+              <a:rPr lang="pt-BR" dirty="0" smtClean="0"/>
+              <a:t>Estrutura de Comunicação</a:t>
+            </a:r>
+            <a:endParaRPr lang="pt-BR" dirty="0"/>
+          </a:p>
+        </p:txBody>
+      </p:sp>
+      <p:sp>
+        <p:nvSpPr>
+          <p:cNvPr id="3" name="Espaço Reservado para Conteúdo 2"/>
+          <p:cNvSpPr>
+            <a:spLocks noGrp="1"/>
+          </p:cNvSpPr>
+          <p:nvPr>
+            <p:ph idx="1"/>
+          </p:nvPr>
+        </p:nvSpPr>
+        <p:spPr/>
+        <p:txBody>
+          <a:bodyPr>
+            <a:normAutofit/>
+          </a:bodyPr>
+          <a:lstStyle/>
+          <a:p>
+            <a:r>
+              <a:rPr lang="pt-BR" dirty="0" smtClean="0"/>
+              <a:t>A nomenclatura sempre segue “nome do que é pedido” + </a:t>
+            </a:r>
+            <a:r>
+              <a:rPr lang="pt-BR" dirty="0" err="1" smtClean="0"/>
+              <a:t>Request</a:t>
+            </a:r>
+            <a:r>
+              <a:rPr lang="pt-BR" dirty="0" smtClean="0"/>
+              <a:t>/Response</a:t>
+            </a:r>
+          </a:p>
+          <a:p>
+            <a:endParaRPr lang="pt-BR" dirty="0"/>
+          </a:p>
+        </p:txBody>
+      </p:sp>
+      <p:pic>
+        <p:nvPicPr>
+          <p:cNvPr id="6148" name="Picture 4" descr="C:\Users\andre_000\Documents\GitHub\InvisibleBattlefields\Documents\arq_comm.png"/>
+          <p:cNvPicPr>
+            <a:picLocks noChangeAspect="1" noChangeArrowheads="1"/>
+          </p:cNvPicPr>
+          <p:nvPr/>
+        </p:nvPicPr>
+        <p:blipFill>
+          <a:blip r:embed="rId2">
+            <a:extLst>
+              <a:ext uri="{28A0092B-C50C-407E-A947-70E740481C1C}">
+                <a14:useLocalDpi xmlns:a14="http://schemas.microsoft.com/office/drawing/2010/main" val="0"/>
+              </a:ext>
+            </a:extLst>
+          </a:blip>
+          <a:srcRect/>
+          <a:stretch>
+            <a:fillRect/>
+          </a:stretch>
+        </p:blipFill>
+        <p:spPr bwMode="auto">
+          <a:xfrm>
+            <a:off x="395536" y="3573016"/>
+            <a:ext cx="8515419" cy="1206351"/>
+          </a:xfrm>
+          <a:prstGeom prst="rect">
+            <a:avLst/>
+          </a:prstGeom>
+          <a:noFill/>
+          <a:extLst>
+            <a:ext uri="{909E8E84-426E-40DD-AFC4-6F175D3DCCD1}">
+              <a14:hiddenFill xmlns:a14="http://schemas.microsoft.com/office/drawing/2010/main">
+                <a:solidFill>
+                  <a:srgbClr val="FFFFFF"/>
+                </a:solidFill>
+              </a14:hiddenFill>
+            </a:ext>
+          </a:extLst>
+        </p:spPr>
+      </p:pic>
+    </p:spTree>
+    <p:extLst>
+      <p:ext uri="{BB962C8B-B14F-4D97-AF65-F5344CB8AC3E}">
+        <p14:creationId xmlns:p14="http://schemas.microsoft.com/office/powerpoint/2010/main" val="3398747509"/>
+      </p:ext>
+    </p:extLst>
+  </p:cSld>
+  <p:clrMapOvr>
+    <a:masterClrMapping/>
+  </p:clrMapOvr>
+</p:sld>
+</file>
+
+<file path=ppt/slides/slide21.xml><?xml version="1.0" encoding="utf-8"?>
+<p:sld xmlns:a="http://schemas.openxmlformats.org/drawingml/2006/main" xmlns:r="http://schemas.openxmlformats.org/officeDocument/2006/relationships" xmlns:p="http://schemas.openxmlformats.org/presentationml/2006/main">
+  <p:cSld>
+    <p:spTree>
+      <p:nvGrpSpPr>
+        <p:cNvPr id="1" name=""/>
+        <p:cNvGrpSpPr/>
+        <p:nvPr/>
+      </p:nvGrpSpPr>
+      <p:grpSpPr>
+        <a:xfrm>
+          <a:off x="0" y="0"/>
+          <a:ext cx="0" cy="0"/>
+          <a:chOff x="0" y="0"/>
+          <a:chExt cx="0" cy="0"/>
+        </a:xfrm>
+      </p:grpSpPr>
+      <p:sp>
+        <p:nvSpPr>
+          <p:cNvPr id="2" name="Título 1"/>
+          <p:cNvSpPr>
+            <a:spLocks noGrp="1"/>
+          </p:cNvSpPr>
+          <p:nvPr>
+            <p:ph type="title"/>
+          </p:nvPr>
+        </p:nvSpPr>
+        <p:spPr/>
+        <p:txBody>
+          <a:bodyPr/>
+          <a:lstStyle/>
+          <a:p>
+            <a:r>
+              <a:rPr lang="pt-BR" dirty="0" smtClean="0"/>
+              <a:t>Estrutura de Comunicação</a:t>
+            </a:r>
+            <a:endParaRPr lang="pt-BR" dirty="0"/>
+          </a:p>
+        </p:txBody>
+      </p:sp>
+      <p:sp>
+        <p:nvSpPr>
+          <p:cNvPr id="3" name="Espaço Reservado para Conteúdo 2"/>
+          <p:cNvSpPr>
+            <a:spLocks noGrp="1"/>
+          </p:cNvSpPr>
+          <p:nvPr>
+            <p:ph idx="1"/>
+          </p:nvPr>
+        </p:nvSpPr>
+        <p:spPr>
+          <a:xfrm>
+            <a:off x="457200" y="1600200"/>
+            <a:ext cx="3970784" cy="4525963"/>
+          </a:xfrm>
+        </p:spPr>
+        <p:txBody>
+          <a:bodyPr>
+            <a:normAutofit/>
+          </a:bodyPr>
+          <a:lstStyle/>
+          <a:p>
+            <a:pPr marL="0" indent="0" algn="ctr">
+              <a:buNone/>
+            </a:pPr>
+            <a:r>
+              <a:rPr lang="pt-BR" b="1" dirty="0" smtClean="0"/>
+              <a:t>CLIENTE</a:t>
+            </a:r>
+          </a:p>
+          <a:p>
+            <a:r>
+              <a:rPr lang="pt-BR" dirty="0" smtClean="0"/>
+              <a:t>Envia:</a:t>
+            </a:r>
+          </a:p>
+          <a:p>
+            <a:pPr lvl="1"/>
+            <a:r>
+              <a:rPr lang="pt-BR" dirty="0" err="1" smtClean="0"/>
+              <a:t>RegistrationRequest</a:t>
+            </a:r>
+            <a:endParaRPr lang="pt-BR" dirty="0" smtClean="0"/>
+          </a:p>
+          <a:p>
+            <a:pPr lvl="1"/>
+            <a:r>
+              <a:rPr lang="pt-BR" dirty="0" err="1" smtClean="0"/>
+              <a:t>LoginRequest</a:t>
+            </a:r>
+            <a:endParaRPr lang="pt-BR" dirty="0" smtClean="0"/>
+          </a:p>
+          <a:p>
+            <a:pPr lvl="1"/>
+            <a:r>
+              <a:rPr lang="pt-BR" dirty="0" err="1" smtClean="0"/>
+              <a:t>LocationRequest</a:t>
+            </a:r>
+            <a:endParaRPr lang="pt-BR" dirty="0" smtClean="0"/>
+          </a:p>
+          <a:p>
+            <a:pPr lvl="1"/>
+            <a:r>
+              <a:rPr lang="pt-BR" dirty="0" err="1" smtClean="0"/>
+              <a:t>FightResponse</a:t>
+            </a:r>
+            <a:endParaRPr lang="pt-BR" dirty="0" smtClean="0"/>
+          </a:p>
+          <a:p>
+            <a:pPr lvl="1"/>
+            <a:r>
+              <a:rPr lang="pt-BR" dirty="0" err="1" smtClean="0"/>
+              <a:t>FightResultRequest</a:t>
+            </a:r>
+            <a:endParaRPr lang="pt-BR" dirty="0"/>
+          </a:p>
+        </p:txBody>
+      </p:sp>
+      <p:sp>
+        <p:nvSpPr>
+          <p:cNvPr id="5" name="Espaço Reservado para Conteúdo 2"/>
+          <p:cNvSpPr txBox="1">
+            <a:spLocks/>
+          </p:cNvSpPr>
+          <p:nvPr/>
+        </p:nvSpPr>
+        <p:spPr>
+          <a:xfrm>
+            <a:off x="4481265" y="1556792"/>
+            <a:ext cx="4411215" cy="4525963"/>
+          </a:xfrm>
+          <a:prstGeom prst="rect">
+            <a:avLst/>
+          </a:prstGeom>
+        </p:spPr>
+        <p:txBody>
+          <a:bodyPr vert="horz" lIns="91440" tIns="45720" rIns="91440" bIns="45720" rtlCol="0">
+            <a:normAutofit/>
+          </a:bodyPr>
+          <a:lstStyle>
+            <a:lvl1pPr marL="342900" indent="-342900" algn="l" defTabSz="914400" rtl="0" eaLnBrk="1" latinLnBrk="0" hangingPunct="1">
+              <a:spcBef>
+                <a:spcPct val="20000"/>
+              </a:spcBef>
+              <a:buFont typeface="Arial" pitchFamily="34" charset="0"/>
+              <a:buChar char="•"/>
+              <a:defRPr sz="3200" kern="1200">
+                <a:solidFill>
+                  <a:schemeClr val="tx1"/>
+                </a:solidFill>
+                <a:latin typeface="+mn-lt"/>
+                <a:ea typeface="+mn-ea"/>
+                <a:cs typeface="+mn-cs"/>
+              </a:defRPr>
+            </a:lvl1pPr>
+            <a:lvl2pPr marL="742950" indent="-285750" algn="l" defTabSz="914400" rtl="0" eaLnBrk="1" latinLnBrk="0" hangingPunct="1">
+              <a:spcBef>
+                <a:spcPct val="20000"/>
+              </a:spcBef>
+              <a:buFont typeface="Arial" pitchFamily="34" charset="0"/>
+              <a:buChar char="–"/>
+              <a:defRPr sz="2800" kern="1200">
+                <a:solidFill>
+                  <a:schemeClr val="tx1"/>
+                </a:solidFill>
+                <a:latin typeface="+mn-lt"/>
+                <a:ea typeface="+mn-ea"/>
+                <a:cs typeface="+mn-cs"/>
+              </a:defRPr>
+            </a:lvl2pPr>
+            <a:lvl3pPr marL="1143000" indent="-228600" algn="l" defTabSz="914400" rtl="0" eaLnBrk="1" latinLnBrk="0" hangingPunct="1">
+              <a:spcBef>
+                <a:spcPct val="20000"/>
+              </a:spcBef>
+              <a:buFont typeface="Arial" pitchFamily="34" charset="0"/>
+              <a:buChar char="•"/>
+              <a:defRPr sz="2400" kern="1200">
+                <a:solidFill>
+                  <a:schemeClr val="tx1"/>
+                </a:solidFill>
+                <a:latin typeface="+mn-lt"/>
+                <a:ea typeface="+mn-ea"/>
+                <a:cs typeface="+mn-cs"/>
+              </a:defRPr>
+            </a:lvl3pPr>
+            <a:lvl4pPr marL="1600200" indent="-228600" algn="l" defTabSz="914400" rtl="0" eaLnBrk="1" latinLnBrk="0" hangingPunct="1">
+              <a:spcBef>
+                <a:spcPct val="20000"/>
+              </a:spcBef>
+              <a:buFont typeface="Arial" pitchFamily="34" charset="0"/>
+              <a:buChar char="–"/>
+              <a:defRPr sz="2000" kern="1200">
+                <a:solidFill>
+                  <a:schemeClr val="tx1"/>
+                </a:solidFill>
+                <a:latin typeface="+mn-lt"/>
+                <a:ea typeface="+mn-ea"/>
+                <a:cs typeface="+mn-cs"/>
+              </a:defRPr>
+            </a:lvl4pPr>
+            <a:lvl5pPr marL="2057400" indent="-228600" algn="l" defTabSz="914400" rtl="0" eaLnBrk="1" latinLnBrk="0" hangingPunct="1">
+              <a:spcBef>
+                <a:spcPct val="20000"/>
+              </a:spcBef>
+              <a:buFont typeface="Arial" pitchFamily="34" charset="0"/>
+              <a:buChar char="»"/>
+              <a:defRPr sz="2000" kern="1200">
+                <a:solidFill>
+                  <a:schemeClr val="tx1"/>
+                </a:solidFill>
+                <a:latin typeface="+mn-lt"/>
+                <a:ea typeface="+mn-ea"/>
+                <a:cs typeface="+mn-cs"/>
+              </a:defRPr>
+            </a:lvl5pPr>
+            <a:lvl6pPr marL="2514600" indent="-228600" algn="l" defTabSz="914400" rtl="0" eaLnBrk="1" latinLnBrk="0" hangingPunct="1">
+              <a:spcBef>
+                <a:spcPct val="20000"/>
+              </a:spcBef>
+              <a:buFont typeface="Arial" pitchFamily="34" charset="0"/>
+              <a:buChar char="•"/>
+              <a:defRPr sz="2000" kern="1200">
+                <a:solidFill>
+                  <a:schemeClr val="tx1"/>
+                </a:solidFill>
+                <a:latin typeface="+mn-lt"/>
+                <a:ea typeface="+mn-ea"/>
+                <a:cs typeface="+mn-cs"/>
+              </a:defRPr>
+            </a:lvl6pPr>
+            <a:lvl7pPr marL="2971800" indent="-228600" algn="l" defTabSz="914400" rtl="0" eaLnBrk="1" latinLnBrk="0" hangingPunct="1">
+              <a:spcBef>
+                <a:spcPct val="20000"/>
+              </a:spcBef>
+              <a:buFont typeface="Arial" pitchFamily="34" charset="0"/>
+              <a:buChar char="•"/>
+              <a:defRPr sz="2000" kern="1200">
+                <a:solidFill>
+                  <a:schemeClr val="tx1"/>
+                </a:solidFill>
+                <a:latin typeface="+mn-lt"/>
+                <a:ea typeface="+mn-ea"/>
+                <a:cs typeface="+mn-cs"/>
+              </a:defRPr>
+            </a:lvl7pPr>
+            <a:lvl8pPr marL="3429000" indent="-228600" algn="l" defTabSz="914400" rtl="0" eaLnBrk="1" latinLnBrk="0" hangingPunct="1">
+              <a:spcBef>
+                <a:spcPct val="20000"/>
+              </a:spcBef>
+              <a:buFont typeface="Arial" pitchFamily="34" charset="0"/>
+              <a:buChar char="•"/>
+              <a:defRPr sz="2000" kern="1200">
+                <a:solidFill>
+                  <a:schemeClr val="tx1"/>
+                </a:solidFill>
+                <a:latin typeface="+mn-lt"/>
+                <a:ea typeface="+mn-ea"/>
+                <a:cs typeface="+mn-cs"/>
+              </a:defRPr>
+            </a:lvl8pPr>
+            <a:lvl9pPr marL="3886200" indent="-228600" algn="l" defTabSz="914400" rtl="0" eaLnBrk="1" latinLnBrk="0" hangingPunct="1">
+              <a:spcBef>
+                <a:spcPct val="20000"/>
+              </a:spcBef>
+              <a:buFont typeface="Arial" pitchFamily="34" charset="0"/>
+              <a:buChar char="•"/>
+              <a:defRPr sz="2000" kern="1200">
+                <a:solidFill>
+                  <a:schemeClr val="tx1"/>
+                </a:solidFill>
+                <a:latin typeface="+mn-lt"/>
+                <a:ea typeface="+mn-ea"/>
+                <a:cs typeface="+mn-cs"/>
+              </a:defRPr>
+            </a:lvl9pPr>
+          </a:lstStyle>
+          <a:p>
+            <a:pPr marL="0" indent="0" algn="ctr">
+              <a:buNone/>
+            </a:pPr>
+            <a:r>
+              <a:rPr lang="pt-BR" b="1" dirty="0" smtClean="0"/>
+              <a:t>CORE</a:t>
+            </a:r>
+          </a:p>
+          <a:p>
+            <a:r>
+              <a:rPr lang="pt-BR" dirty="0" smtClean="0"/>
+              <a:t>Retorna</a:t>
+            </a:r>
+          </a:p>
+          <a:p>
+            <a:pPr lvl="1"/>
+            <a:r>
+              <a:rPr lang="pt-BR" dirty="0" err="1" smtClean="0"/>
+              <a:t>LoginResponse</a:t>
+            </a:r>
+            <a:endParaRPr lang="pt-BR" dirty="0" smtClean="0"/>
+          </a:p>
+          <a:p>
+            <a:pPr lvl="1"/>
+            <a:r>
+              <a:rPr lang="pt-BR" dirty="0" err="1" smtClean="0"/>
+              <a:t>LoginResponse</a:t>
+            </a:r>
+            <a:endParaRPr lang="pt-BR" dirty="0" smtClean="0"/>
+          </a:p>
+          <a:p>
+            <a:pPr lvl="1"/>
+            <a:r>
+              <a:rPr lang="pt-BR" dirty="0" smtClean="0"/>
+              <a:t>Nada/</a:t>
+            </a:r>
+            <a:r>
+              <a:rPr lang="pt-BR" dirty="0" err="1" smtClean="0"/>
+              <a:t>FightRequest</a:t>
+            </a:r>
+            <a:endParaRPr lang="pt-BR" dirty="0" smtClean="0"/>
+          </a:p>
+          <a:p>
+            <a:pPr lvl="1"/>
+            <a:r>
+              <a:rPr lang="pt-BR" dirty="0" smtClean="0"/>
+              <a:t>Nada</a:t>
+            </a:r>
+          </a:p>
+          <a:p>
+            <a:pPr lvl="1"/>
+            <a:r>
+              <a:rPr lang="pt-BR" dirty="0" err="1" smtClean="0"/>
+              <a:t>FightResultResponse</a:t>
+            </a:r>
+            <a:endParaRPr lang="pt-BR" dirty="0"/>
+          </a:p>
+        </p:txBody>
+      </p:sp>
+    </p:spTree>
+    <p:extLst>
+      <p:ext uri="{BB962C8B-B14F-4D97-AF65-F5344CB8AC3E}">
+        <p14:creationId xmlns:p14="http://schemas.microsoft.com/office/powerpoint/2010/main" val="1182962690"/>
+      </p:ext>
+    </p:extLst>
+  </p:cSld>
+  <p:clrMapOvr>
+    <a:masterClrMapping/>
+  </p:clrMapOvr>
+</p:sld>
+</file>
+
+<file path=ppt/slides/slide22.xml><?xml version="1.0" encoding="utf-8"?>
+<p:sld xmlns:a="http://schemas.openxmlformats.org/drawingml/2006/main" xmlns:r="http://schemas.openxmlformats.org/officeDocument/2006/relationships" xmlns:p="http://schemas.openxmlformats.org/presentationml/2006/main">
+  <p:cSld>
+    <p:spTree>
+      <p:nvGrpSpPr>
+        <p:cNvPr id="1" name=""/>
+        <p:cNvGrpSpPr/>
+        <p:nvPr/>
+      </p:nvGrpSpPr>
+      <p:grpSpPr>
+        <a:xfrm>
+          <a:off x="0" y="0"/>
+          <a:ext cx="0" cy="0"/>
+          <a:chOff x="0" y="0"/>
+          <a:chExt cx="0" cy="0"/>
+        </a:xfrm>
+      </p:grpSpPr>
+      <p:sp>
+        <p:nvSpPr>
+          <p:cNvPr id="2" name="Título 1"/>
+          <p:cNvSpPr>
+            <a:spLocks noGrp="1"/>
+          </p:cNvSpPr>
+          <p:nvPr>
+            <p:ph type="title"/>
+          </p:nvPr>
+        </p:nvSpPr>
+        <p:spPr/>
+        <p:txBody>
+          <a:bodyPr/>
+          <a:lstStyle/>
+          <a:p>
+            <a:r>
+              <a:rPr lang="pt-BR" dirty="0" smtClean="0"/>
+              <a:t>Estratégia de </a:t>
+            </a:r>
+            <a:r>
+              <a:rPr lang="pt-BR" dirty="0" err="1" smtClean="0"/>
+              <a:t>Matching</a:t>
+            </a:r>
+            <a:r>
+              <a:rPr lang="pt-BR" dirty="0" smtClean="0"/>
+              <a:t> de Clientes</a:t>
+            </a:r>
+            <a:endParaRPr lang="pt-BR" dirty="0"/>
+          </a:p>
+        </p:txBody>
+      </p:sp>
+      <p:sp>
+        <p:nvSpPr>
+          <p:cNvPr id="4" name="Espaço Reservado para Conteúdo 3"/>
+          <p:cNvSpPr>
+            <a:spLocks noGrp="1"/>
+          </p:cNvSpPr>
+          <p:nvPr>
+            <p:ph idx="1"/>
+          </p:nvPr>
+        </p:nvSpPr>
+        <p:spPr>
+          <a:xfrm>
+            <a:off x="467544" y="1700808"/>
+            <a:ext cx="8229600" cy="4525963"/>
+          </a:xfrm>
+        </p:spPr>
+        <p:txBody>
+          <a:bodyPr/>
+          <a:lstStyle/>
+          <a:p>
+            <a:endParaRPr lang="pt-BR" dirty="0"/>
+          </a:p>
+          <a:p>
+            <a:r>
+              <a:rPr lang="pt-BR" dirty="0" smtClean="0"/>
+              <a:t>Duas opções:</a:t>
+            </a:r>
+          </a:p>
+          <a:p>
+            <a:pPr lvl="1"/>
+            <a:r>
+              <a:rPr lang="pt-BR" dirty="0" err="1" smtClean="0"/>
+              <a:t>Matching</a:t>
+            </a:r>
+            <a:r>
+              <a:rPr lang="pt-BR" dirty="0" smtClean="0"/>
+              <a:t> </a:t>
+            </a:r>
+            <a:r>
+              <a:rPr lang="pt-BR" dirty="0" err="1" smtClean="0"/>
+              <a:t>Client-Side</a:t>
+            </a:r>
+            <a:endParaRPr lang="pt-BR" dirty="0" smtClean="0"/>
+          </a:p>
+          <a:p>
+            <a:pPr lvl="1"/>
+            <a:r>
+              <a:rPr lang="pt-BR" dirty="0" err="1" smtClean="0"/>
+              <a:t>Matching</a:t>
+            </a:r>
+            <a:r>
+              <a:rPr lang="pt-BR" dirty="0" smtClean="0"/>
+              <a:t> Server-</a:t>
+            </a:r>
+            <a:r>
+              <a:rPr lang="pt-BR" dirty="0" err="1" smtClean="0"/>
+              <a:t>Side</a:t>
+            </a:r>
+            <a:endParaRPr lang="pt-BR" dirty="0" smtClean="0"/>
+          </a:p>
+        </p:txBody>
+      </p:sp>
+    </p:spTree>
+    <p:extLst>
+      <p:ext uri="{BB962C8B-B14F-4D97-AF65-F5344CB8AC3E}">
+        <p14:creationId xmlns:p14="http://schemas.microsoft.com/office/powerpoint/2010/main" val="1204796906"/>
+      </p:ext>
+    </p:extLst>
+  </p:cSld>
+  <p:clrMapOvr>
+    <a:masterClrMapping/>
+  </p:clrMapOvr>
+</p:sld>
+</file>
+
+<file path=ppt/slides/slide23.xml><?xml version="1.0" encoding="utf-8"?>
+<p:sld xmlns:a="http://schemas.openxmlformats.org/drawingml/2006/main" xmlns:r="http://schemas.openxmlformats.org/officeDocument/2006/relationships" xmlns:p="http://schemas.openxmlformats.org/presentationml/2006/main">
+  <p:cSld>
+    <p:spTree>
+      <p:nvGrpSpPr>
+        <p:cNvPr id="1" name=""/>
+        <p:cNvGrpSpPr/>
+        <p:nvPr/>
+      </p:nvGrpSpPr>
+      <p:grpSpPr>
+        <a:xfrm>
+          <a:off x="0" y="0"/>
+          <a:ext cx="0" cy="0"/>
+          <a:chOff x="0" y="0"/>
+          <a:chExt cx="0" cy="0"/>
+        </a:xfrm>
+      </p:grpSpPr>
+      <p:sp>
+        <p:nvSpPr>
+          <p:cNvPr id="2" name="Título 1"/>
+          <p:cNvSpPr>
+            <a:spLocks noGrp="1"/>
+          </p:cNvSpPr>
+          <p:nvPr>
+            <p:ph type="title"/>
+          </p:nvPr>
+        </p:nvSpPr>
+        <p:spPr/>
+        <p:txBody>
+          <a:bodyPr/>
+          <a:lstStyle/>
+          <a:p>
+            <a:r>
+              <a:rPr lang="pt-BR" dirty="0" smtClean="0"/>
+              <a:t>Estratégia de </a:t>
+            </a:r>
+            <a:r>
+              <a:rPr lang="pt-BR" dirty="0" err="1" smtClean="0"/>
+              <a:t>Matching</a:t>
+            </a:r>
+            <a:r>
+              <a:rPr lang="pt-BR" dirty="0" smtClean="0"/>
+              <a:t> de Clientes</a:t>
+            </a:r>
+            <a:endParaRPr lang="pt-BR" dirty="0"/>
+          </a:p>
+        </p:txBody>
+      </p:sp>
+      <p:sp>
+        <p:nvSpPr>
+          <p:cNvPr id="4" name="Espaço Reservado para Conteúdo 3"/>
+          <p:cNvSpPr>
+            <a:spLocks noGrp="1"/>
+          </p:cNvSpPr>
+          <p:nvPr>
+            <p:ph idx="1"/>
+          </p:nvPr>
+        </p:nvSpPr>
+        <p:spPr>
+          <a:xfrm>
+            <a:off x="467544" y="1700808"/>
+            <a:ext cx="8229600" cy="4525963"/>
+          </a:xfrm>
+        </p:spPr>
+        <p:txBody>
+          <a:bodyPr/>
+          <a:lstStyle/>
+          <a:p>
+            <a:r>
+              <a:rPr lang="pt-BR" dirty="0" err="1" smtClean="0"/>
+              <a:t>Client-Side</a:t>
+            </a:r>
+            <a:endParaRPr lang="pt-BR" dirty="0" smtClean="0"/>
+          </a:p>
+          <a:p>
+            <a:pPr lvl="1"/>
+            <a:r>
+              <a:rPr lang="pt-BR" dirty="0" smtClean="0"/>
+              <a:t>Cliente manda localização para o servidor a cada 30 minutos</a:t>
+            </a:r>
+          </a:p>
+          <a:p>
+            <a:pPr lvl="1"/>
+            <a:r>
+              <a:rPr lang="pt-BR" dirty="0" smtClean="0"/>
+              <a:t>Servidor devolve as regiões de batalha em um raio de 100 km (arbitrário)</a:t>
+            </a:r>
+          </a:p>
+          <a:p>
+            <a:pPr lvl="1"/>
+            <a:r>
+              <a:rPr lang="pt-BR" dirty="0" smtClean="0"/>
+              <a:t>Cliente faz o </a:t>
+            </a:r>
+            <a:r>
+              <a:rPr lang="pt-BR" dirty="0" err="1" smtClean="0"/>
+              <a:t>matching</a:t>
+            </a:r>
+            <a:r>
+              <a:rPr lang="pt-BR" dirty="0" smtClean="0"/>
+              <a:t> dentre as regiões recebidas (a cada alguns segundos) e faz o envio de </a:t>
+            </a:r>
+            <a:r>
+              <a:rPr lang="pt-BR" dirty="0" err="1" smtClean="0"/>
+              <a:t>FightResponses</a:t>
+            </a:r>
+            <a:r>
+              <a:rPr lang="pt-BR" dirty="0" smtClean="0"/>
+              <a:t> para o Server caso ocorra </a:t>
+            </a:r>
+            <a:r>
+              <a:rPr lang="pt-BR" dirty="0" err="1" smtClean="0"/>
+              <a:t>matching</a:t>
+            </a:r>
+            <a:r>
+              <a:rPr lang="pt-BR" dirty="0" smtClean="0"/>
+              <a:t>.</a:t>
+            </a:r>
+          </a:p>
+        </p:txBody>
+      </p:sp>
+    </p:spTree>
+    <p:extLst>
+      <p:ext uri="{BB962C8B-B14F-4D97-AF65-F5344CB8AC3E}">
+        <p14:creationId xmlns:p14="http://schemas.microsoft.com/office/powerpoint/2010/main" val="3036522473"/>
+      </p:ext>
+    </p:extLst>
+  </p:cSld>
+  <p:clrMapOvr>
+    <a:masterClrMapping/>
+  </p:clrMapOvr>
+</p:sld>
+</file>
+
+<file path=ppt/slides/slide24.xml><?xml version="1.0" encoding="utf-8"?>
+<p:sld xmlns:a="http://schemas.openxmlformats.org/drawingml/2006/main" xmlns:r="http://schemas.openxmlformats.org/officeDocument/2006/relationships" xmlns:p="http://schemas.openxmlformats.org/presentationml/2006/main">
+  <p:cSld>
+    <p:spTree>
+      <p:nvGrpSpPr>
+        <p:cNvPr id="1" name=""/>
+        <p:cNvGrpSpPr/>
+        <p:nvPr/>
+      </p:nvGrpSpPr>
+      <p:grpSpPr>
+        <a:xfrm>
+          <a:off x="0" y="0"/>
+          <a:ext cx="0" cy="0"/>
+          <a:chOff x="0" y="0"/>
+          <a:chExt cx="0" cy="0"/>
+        </a:xfrm>
+      </p:grpSpPr>
+      <p:sp>
+        <p:nvSpPr>
+          <p:cNvPr id="2" name="Título 1"/>
+          <p:cNvSpPr>
+            <a:spLocks noGrp="1"/>
+          </p:cNvSpPr>
+          <p:nvPr>
+            <p:ph type="title"/>
+          </p:nvPr>
+        </p:nvSpPr>
+        <p:spPr/>
+        <p:txBody>
+          <a:bodyPr/>
+          <a:lstStyle/>
+          <a:p>
+            <a:r>
+              <a:rPr lang="pt-BR" dirty="0" smtClean="0"/>
+              <a:t>Estratégia de </a:t>
+            </a:r>
+            <a:r>
+              <a:rPr lang="pt-BR" dirty="0" err="1" smtClean="0"/>
+              <a:t>Matching</a:t>
+            </a:r>
+            <a:r>
+              <a:rPr lang="pt-BR" dirty="0" smtClean="0"/>
+              <a:t> de Clientes</a:t>
+            </a:r>
+            <a:endParaRPr lang="pt-BR" dirty="0"/>
+          </a:p>
+        </p:txBody>
+      </p:sp>
+      <p:sp>
+        <p:nvSpPr>
+          <p:cNvPr id="4" name="Espaço Reservado para Conteúdo 3"/>
+          <p:cNvSpPr>
+            <a:spLocks noGrp="1"/>
+          </p:cNvSpPr>
+          <p:nvPr>
+            <p:ph idx="1"/>
+          </p:nvPr>
+        </p:nvSpPr>
+        <p:spPr>
+          <a:xfrm>
+            <a:off x="467544" y="1700808"/>
+            <a:ext cx="8229600" cy="4525963"/>
+          </a:xfrm>
+        </p:spPr>
+        <p:txBody>
+          <a:bodyPr/>
+          <a:lstStyle/>
+          <a:p>
+            <a:r>
+              <a:rPr lang="pt-BR" dirty="0" smtClean="0"/>
+              <a:t>Server-</a:t>
+            </a:r>
+            <a:r>
+              <a:rPr lang="pt-BR" dirty="0" err="1" smtClean="0"/>
+              <a:t>Side</a:t>
+            </a:r>
+            <a:endParaRPr lang="pt-BR" dirty="0" smtClean="0"/>
+          </a:p>
+          <a:p>
+            <a:pPr lvl="1"/>
+            <a:r>
+              <a:rPr lang="pt-BR" dirty="0" smtClean="0"/>
+              <a:t>Cliente manda localização para o servidor a cada alguns segundos</a:t>
+            </a:r>
+          </a:p>
+          <a:p>
+            <a:pPr lvl="1"/>
+            <a:r>
+              <a:rPr lang="pt-BR" dirty="0" smtClean="0"/>
+              <a:t>Servidor faz o </a:t>
+            </a:r>
+            <a:r>
+              <a:rPr lang="pt-BR" dirty="0" err="1" smtClean="0"/>
+              <a:t>matching</a:t>
+            </a:r>
+            <a:r>
+              <a:rPr lang="pt-BR" dirty="0" smtClean="0"/>
+              <a:t> da localização recebida (de cada cliente) com as regiões de batalhas disponíveis</a:t>
+            </a:r>
+          </a:p>
+          <a:p>
+            <a:pPr lvl="1"/>
+            <a:r>
+              <a:rPr lang="pt-BR" dirty="0" smtClean="0"/>
+              <a:t>Servidor retorna para o cliente um </a:t>
+            </a:r>
+            <a:r>
+              <a:rPr lang="pt-BR" dirty="0" err="1" smtClean="0"/>
+              <a:t>FightRequest</a:t>
+            </a:r>
+            <a:r>
+              <a:rPr lang="pt-BR" dirty="0" smtClean="0"/>
+              <a:t> se ocorre um </a:t>
+            </a:r>
+            <a:r>
+              <a:rPr lang="pt-BR" dirty="0" err="1" smtClean="0"/>
+              <a:t>matching</a:t>
+            </a:r>
+            <a:endParaRPr lang="pt-BR" dirty="0" smtClean="0"/>
+          </a:p>
+        </p:txBody>
+      </p:sp>
+    </p:spTree>
+    <p:extLst>
+      <p:ext uri="{BB962C8B-B14F-4D97-AF65-F5344CB8AC3E}">
+        <p14:creationId xmlns:p14="http://schemas.microsoft.com/office/powerpoint/2010/main" val="4224635044"/>
+      </p:ext>
+    </p:extLst>
+  </p:cSld>
+  <p:clrMapOvr>
+    <a:masterClrMapping/>
+  </p:clrMapOvr>
+</p:sld>
+</file>
+
+<file path=ppt/slides/slide25.xml><?xml version="1.0" encoding="utf-8"?>
+<p:sld xmlns:a="http://schemas.openxmlformats.org/drawingml/2006/main" xmlns:r="http://schemas.openxmlformats.org/officeDocument/2006/relationships" xmlns:p="http://schemas.openxmlformats.org/presentationml/2006/main">
+  <p:cSld>
+    <p:spTree>
+      <p:nvGrpSpPr>
+        <p:cNvPr id="1" name=""/>
+        <p:cNvGrpSpPr/>
+        <p:nvPr/>
+      </p:nvGrpSpPr>
+      <p:grpSpPr>
+        <a:xfrm>
+          <a:off x="0" y="0"/>
+          <a:ext cx="0" cy="0"/>
+          <a:chOff x="0" y="0"/>
+          <a:chExt cx="0" cy="0"/>
+        </a:xfrm>
+      </p:grpSpPr>
+      <p:sp>
+        <p:nvSpPr>
+          <p:cNvPr id="2" name="Título 1"/>
+          <p:cNvSpPr>
+            <a:spLocks noGrp="1"/>
+          </p:cNvSpPr>
+          <p:nvPr>
+            <p:ph type="title"/>
+          </p:nvPr>
+        </p:nvSpPr>
+        <p:spPr/>
+        <p:txBody>
+          <a:bodyPr/>
+          <a:lstStyle/>
+          <a:p>
+            <a:r>
+              <a:rPr lang="pt-BR" dirty="0" smtClean="0"/>
+              <a:t>Cliente </a:t>
+            </a:r>
+            <a:r>
+              <a:rPr lang="pt-BR" dirty="0" err="1" smtClean="0"/>
+              <a:t>Android</a:t>
+            </a:r>
+            <a:endParaRPr lang="pt-BR" dirty="0"/>
+          </a:p>
+        </p:txBody>
+      </p:sp>
+      <p:pic>
+        <p:nvPicPr>
+          <p:cNvPr id="7172" name="Picture 4" descr="C:\Users\andre_000\Documents\GitHub\InvisibleBattlefields\Documents\imagens\fotos do cliente\1_screen_login.png"/>
+          <p:cNvPicPr>
+            <a:picLocks noChangeAspect="1" noChangeArrowheads="1"/>
+          </p:cNvPicPr>
+          <p:nvPr/>
+        </p:nvPicPr>
+        <p:blipFill>
+          <a:blip r:embed="rId2">
+            <a:extLst>
+              <a:ext uri="{28A0092B-C50C-407E-A947-70E740481C1C}">
+                <a14:useLocalDpi xmlns:a14="http://schemas.microsoft.com/office/drawing/2010/main" val="0"/>
+              </a:ext>
+            </a:extLst>
+          </a:blip>
+          <a:srcRect/>
+          <a:stretch>
+            <a:fillRect/>
+          </a:stretch>
+        </p:blipFill>
+        <p:spPr bwMode="auto">
+          <a:xfrm>
+            <a:off x="1043608" y="1340768"/>
+            <a:ext cx="3007602" cy="5346847"/>
+          </a:xfrm>
+          <a:prstGeom prst="rect">
+            <a:avLst/>
+          </a:prstGeom>
+          <a:noFill/>
+          <a:extLst>
+            <a:ext uri="{909E8E84-426E-40DD-AFC4-6F175D3DCCD1}">
+              <a14:hiddenFill xmlns:a14="http://schemas.microsoft.com/office/drawing/2010/main">
+                <a:solidFill>
+                  <a:srgbClr val="FFFFFF"/>
+                </a:solidFill>
+              </a14:hiddenFill>
+            </a:ext>
+          </a:extLst>
+        </p:spPr>
+      </p:pic>
+      <p:pic>
+        <p:nvPicPr>
+          <p:cNvPr id="7173" name="Picture 5" descr="C:\Users\andre_000\Documents\GitHub\InvisibleBattlefields\Documents\imagens\fotos do cliente\2_screen_registration.png"/>
+          <p:cNvPicPr>
+            <a:picLocks noChangeAspect="1" noChangeArrowheads="1"/>
+          </p:cNvPicPr>
+          <p:nvPr/>
+        </p:nvPicPr>
+        <p:blipFill>
+          <a:blip r:embed="rId3">
+            <a:extLst>
+              <a:ext uri="{28A0092B-C50C-407E-A947-70E740481C1C}">
+                <a14:useLocalDpi xmlns:a14="http://schemas.microsoft.com/office/drawing/2010/main" val="0"/>
+              </a:ext>
+            </a:extLst>
+          </a:blip>
+          <a:srcRect/>
+          <a:stretch>
+            <a:fillRect/>
+          </a:stretch>
+        </p:blipFill>
+        <p:spPr bwMode="auto">
+          <a:xfrm>
+            <a:off x="5004048" y="1340768"/>
+            <a:ext cx="3007602" cy="5346847"/>
+          </a:xfrm>
+          <a:prstGeom prst="rect">
+            <a:avLst/>
+          </a:prstGeom>
+          <a:noFill/>
+          <a:extLst>
+            <a:ext uri="{909E8E84-426E-40DD-AFC4-6F175D3DCCD1}">
+              <a14:hiddenFill xmlns:a14="http://schemas.microsoft.com/office/drawing/2010/main">
+                <a:solidFill>
+                  <a:srgbClr val="FFFFFF"/>
+                </a:solidFill>
+              </a14:hiddenFill>
+            </a:ext>
+          </a:extLst>
+        </p:spPr>
+      </p:pic>
+    </p:spTree>
+    <p:extLst>
+      <p:ext uri="{BB962C8B-B14F-4D97-AF65-F5344CB8AC3E}">
+        <p14:creationId xmlns:p14="http://schemas.microsoft.com/office/powerpoint/2010/main" val="1429154980"/>
+      </p:ext>
+    </p:extLst>
+  </p:cSld>
+  <p:clrMapOvr>
+    <a:masterClrMapping/>
+  </p:clrMapOvr>
+</p:sld>
+</file>
+
+<file path=ppt/slides/slide26.xml><?xml version="1.0" encoding="utf-8"?>
+<p:sld xmlns:a="http://schemas.openxmlformats.org/drawingml/2006/main" xmlns:r="http://schemas.openxmlformats.org/officeDocument/2006/relationships" xmlns:p="http://schemas.openxmlformats.org/presentationml/2006/main">
+  <p:cSld>
+    <p:spTree>
+      <p:nvGrpSpPr>
+        <p:cNvPr id="1" name=""/>
+        <p:cNvGrpSpPr/>
+        <p:nvPr/>
+      </p:nvGrpSpPr>
+      <p:grpSpPr>
+        <a:xfrm>
+          <a:off x="0" y="0"/>
+          <a:ext cx="0" cy="0"/>
+          <a:chOff x="0" y="0"/>
+          <a:chExt cx="0" cy="0"/>
+        </a:xfrm>
+      </p:grpSpPr>
+      <p:sp>
+        <p:nvSpPr>
+          <p:cNvPr id="2" name="Título 1"/>
+          <p:cNvSpPr>
+            <a:spLocks noGrp="1"/>
+          </p:cNvSpPr>
+          <p:nvPr>
+            <p:ph type="title"/>
+          </p:nvPr>
+        </p:nvSpPr>
+        <p:spPr/>
+        <p:txBody>
+          <a:bodyPr/>
+          <a:lstStyle/>
+          <a:p>
+            <a:r>
+              <a:rPr lang="pt-BR" dirty="0" smtClean="0"/>
+              <a:t>Cliente </a:t>
+            </a:r>
+            <a:r>
+              <a:rPr lang="pt-BR" dirty="0" err="1" smtClean="0"/>
+              <a:t>Android</a:t>
+            </a:r>
+            <a:endParaRPr lang="pt-BR" dirty="0"/>
+          </a:p>
+        </p:txBody>
+      </p:sp>
+      <p:pic>
+        <p:nvPicPr>
+          <p:cNvPr id="8194" name="Picture 2" descr="C:\Users\andre_000\Documents\GitHub\InvisibleBattlefields\Documents\imagens\fotos do cliente\3.1_mainmenu.png"/>
+          <p:cNvPicPr>
+            <a:picLocks noChangeAspect="1" noChangeArrowheads="1"/>
+          </p:cNvPicPr>
+          <p:nvPr/>
+        </p:nvPicPr>
+        <p:blipFill>
+          <a:blip r:embed="rId2">
+            <a:extLst>
+              <a:ext uri="{28A0092B-C50C-407E-A947-70E740481C1C}">
+                <a14:useLocalDpi xmlns:a14="http://schemas.microsoft.com/office/drawing/2010/main" val="0"/>
+              </a:ext>
+            </a:extLst>
+          </a:blip>
+          <a:srcRect/>
+          <a:stretch>
+            <a:fillRect/>
+          </a:stretch>
+        </p:blipFill>
+        <p:spPr bwMode="auto">
+          <a:xfrm>
+            <a:off x="1048248" y="1340768"/>
+            <a:ext cx="3019696" cy="5368348"/>
+          </a:xfrm>
+          <a:prstGeom prst="rect">
+            <a:avLst/>
+          </a:prstGeom>
+          <a:noFill/>
+          <a:extLst>
+            <a:ext uri="{909E8E84-426E-40DD-AFC4-6F175D3DCCD1}">
+              <a14:hiddenFill xmlns:a14="http://schemas.microsoft.com/office/drawing/2010/main">
+                <a:solidFill>
+                  <a:srgbClr val="FFFFFF"/>
+                </a:solidFill>
+              </a14:hiddenFill>
+            </a:ext>
+          </a:extLst>
+        </p:spPr>
+      </p:pic>
+      <p:pic>
+        <p:nvPicPr>
+          <p:cNvPr id="8195" name="Picture 3" descr="C:\Users\andre_000\Documents\GitHub\InvisibleBattlefields\Documents\imagens\fotos do cliente\3.2_mainmenu.png"/>
+          <p:cNvPicPr>
+            <a:picLocks noChangeAspect="1" noChangeArrowheads="1"/>
+          </p:cNvPicPr>
+          <p:nvPr/>
+        </p:nvPicPr>
+        <p:blipFill>
+          <a:blip r:embed="rId3">
+            <a:extLst>
+              <a:ext uri="{28A0092B-C50C-407E-A947-70E740481C1C}">
+                <a14:useLocalDpi xmlns:a14="http://schemas.microsoft.com/office/drawing/2010/main" val="0"/>
+              </a:ext>
+            </a:extLst>
+          </a:blip>
+          <a:srcRect/>
+          <a:stretch>
+            <a:fillRect/>
+          </a:stretch>
+        </p:blipFill>
+        <p:spPr bwMode="auto">
+          <a:xfrm>
+            <a:off x="5004048" y="1340768"/>
+            <a:ext cx="3024336" cy="5376597"/>
+          </a:xfrm>
+          <a:prstGeom prst="rect">
+            <a:avLst/>
+          </a:prstGeom>
+          <a:noFill/>
+          <a:extLst>
+            <a:ext uri="{909E8E84-426E-40DD-AFC4-6F175D3DCCD1}">
+              <a14:hiddenFill xmlns:a14="http://schemas.microsoft.com/office/drawing/2010/main">
+                <a:solidFill>
+                  <a:srgbClr val="FFFFFF"/>
+                </a:solidFill>
+              </a14:hiddenFill>
+            </a:ext>
+          </a:extLst>
+        </p:spPr>
+      </p:pic>
+    </p:spTree>
+    <p:extLst>
+      <p:ext uri="{BB962C8B-B14F-4D97-AF65-F5344CB8AC3E}">
+        <p14:creationId xmlns:p14="http://schemas.microsoft.com/office/powerpoint/2010/main" val="3410469738"/>
+      </p:ext>
+    </p:extLst>
+  </p:cSld>
+  <p:clrMapOvr>
+    <a:masterClrMapping/>
+  </p:clrMapOvr>
+</p:sld>
+</file>
+
+<file path=ppt/slides/slide27.xml><?xml version="1.0" encoding="utf-8"?>
+<p:sld xmlns:a="http://schemas.openxmlformats.org/drawingml/2006/main" xmlns:r="http://schemas.openxmlformats.org/officeDocument/2006/relationships" xmlns:p="http://schemas.openxmlformats.org/presentationml/2006/main">
+  <p:cSld>
+    <p:spTree>
+      <p:nvGrpSpPr>
+        <p:cNvPr id="1" name=""/>
+        <p:cNvGrpSpPr/>
+        <p:nvPr/>
+      </p:nvGrpSpPr>
+      <p:grpSpPr>
+        <a:xfrm>
+          <a:off x="0" y="0"/>
+          <a:ext cx="0" cy="0"/>
+          <a:chOff x="0" y="0"/>
+          <a:chExt cx="0" cy="0"/>
+        </a:xfrm>
+      </p:grpSpPr>
+      <p:sp>
+        <p:nvSpPr>
+          <p:cNvPr id="2" name="Título 1"/>
+          <p:cNvSpPr>
+            <a:spLocks noGrp="1"/>
+          </p:cNvSpPr>
+          <p:nvPr>
+            <p:ph type="title"/>
+          </p:nvPr>
+        </p:nvSpPr>
+        <p:spPr/>
+        <p:txBody>
+          <a:bodyPr/>
+          <a:lstStyle/>
+          <a:p>
+            <a:r>
+              <a:rPr lang="pt-BR" dirty="0" smtClean="0"/>
+              <a:t>Cliente </a:t>
+            </a:r>
+            <a:r>
+              <a:rPr lang="pt-BR" dirty="0" err="1" smtClean="0"/>
+              <a:t>Android</a:t>
+            </a:r>
+            <a:endParaRPr lang="pt-BR" dirty="0"/>
+          </a:p>
+        </p:txBody>
+      </p:sp>
+      <p:pic>
+        <p:nvPicPr>
+          <p:cNvPr id="9218" name="Picture 2" descr="C:\Users\andre_000\Documents\GitHub\InvisibleBattlefields\Documents\imagens\fotos do cliente\4_battlescreen.png"/>
+          <p:cNvPicPr>
+            <a:picLocks noChangeAspect="1" noChangeArrowheads="1"/>
+          </p:cNvPicPr>
+          <p:nvPr/>
+        </p:nvPicPr>
+        <p:blipFill>
+          <a:blip r:embed="rId2" cstate="print">
+            <a:extLst>
+              <a:ext uri="{28A0092B-C50C-407E-A947-70E740481C1C}">
+                <a14:useLocalDpi xmlns:a14="http://schemas.microsoft.com/office/drawing/2010/main" val="0"/>
+              </a:ext>
+            </a:extLst>
+          </a:blip>
+          <a:srcRect/>
+          <a:stretch>
+            <a:fillRect/>
+          </a:stretch>
+        </p:blipFill>
+        <p:spPr bwMode="auto">
+          <a:xfrm>
+            <a:off x="1098376" y="1340768"/>
+            <a:ext cx="2969568" cy="5279232"/>
+          </a:xfrm>
+          <a:prstGeom prst="rect">
+            <a:avLst/>
+          </a:prstGeom>
+          <a:noFill/>
+          <a:extLst>
+            <a:ext uri="{909E8E84-426E-40DD-AFC4-6F175D3DCCD1}">
+              <a14:hiddenFill xmlns:a14="http://schemas.microsoft.com/office/drawing/2010/main">
+                <a:solidFill>
+                  <a:srgbClr val="FFFFFF"/>
+                </a:solidFill>
+              </a14:hiddenFill>
+            </a:ext>
+          </a:extLst>
+        </p:spPr>
+      </p:pic>
+      <p:pic>
+        <p:nvPicPr>
+          <p:cNvPr id="9219" name="Picture 3" descr="C:\Users\andre_000\Documents\GitHub\InvisibleBattlefields\Documents\imagens\fotos do cliente\3.3_mainmenu.png"/>
+          <p:cNvPicPr>
+            <a:picLocks noChangeAspect="1" noChangeArrowheads="1"/>
+          </p:cNvPicPr>
+          <p:nvPr/>
+        </p:nvPicPr>
+        <p:blipFill>
+          <a:blip r:embed="rId3" cstate="print">
+            <a:extLst>
+              <a:ext uri="{28A0092B-C50C-407E-A947-70E740481C1C}">
+                <a14:useLocalDpi xmlns:a14="http://schemas.microsoft.com/office/drawing/2010/main" val="0"/>
+              </a:ext>
+            </a:extLst>
+          </a:blip>
+          <a:srcRect/>
+          <a:stretch>
+            <a:fillRect/>
+          </a:stretch>
+        </p:blipFill>
+        <p:spPr bwMode="auto">
+          <a:xfrm>
+            <a:off x="5058816" y="1340768"/>
+            <a:ext cx="2969568" cy="5279232"/>
+          </a:xfrm>
+          <a:prstGeom prst="rect">
+            <a:avLst/>
+          </a:prstGeom>
+          <a:noFill/>
+          <a:extLst>
+            <a:ext uri="{909E8E84-426E-40DD-AFC4-6F175D3DCCD1}">
+              <a14:hiddenFill xmlns:a14="http://schemas.microsoft.com/office/drawing/2010/main">
+                <a:solidFill>
+                  <a:srgbClr val="FFFFFF"/>
+                </a:solidFill>
+              </a14:hiddenFill>
+            </a:ext>
+          </a:extLst>
+        </p:spPr>
+      </p:pic>
+    </p:spTree>
+    <p:extLst>
+      <p:ext uri="{BB962C8B-B14F-4D97-AF65-F5344CB8AC3E}">
+        <p14:creationId xmlns:p14="http://schemas.microsoft.com/office/powerpoint/2010/main" val="1477135145"/>
+      </p:ext>
+    </p:extLst>
+  </p:cSld>
+  <p:clrMapOvr>
+    <a:masterClrMapping/>
+  </p:clrMapOvr>
+</p:sld>
+</file>
+
+<file path=ppt/slides/slide28.xml><?xml version="1.0" encoding="utf-8"?>
+<p:sld xmlns:a="http://schemas.openxmlformats.org/drawingml/2006/main" xmlns:r="http://schemas.openxmlformats.org/officeDocument/2006/relationships" xmlns:p="http://schemas.openxmlformats.org/presentationml/2006/main">
+  <p:cSld>
+    <p:spTree>
+      <p:nvGrpSpPr>
+        <p:cNvPr id="1" name=""/>
+        <p:cNvGrpSpPr/>
+        <p:nvPr/>
+      </p:nvGrpSpPr>
+      <p:grpSpPr>
+        <a:xfrm>
+          <a:off x="0" y="0"/>
+          <a:ext cx="0" cy="0"/>
+          <a:chOff x="0" y="0"/>
+          <a:chExt cx="0" cy="0"/>
+        </a:xfrm>
+      </p:grpSpPr>
+      <p:sp>
+        <p:nvSpPr>
+          <p:cNvPr id="2" name="Título 1"/>
+          <p:cNvSpPr>
+            <a:spLocks noGrp="1"/>
+          </p:cNvSpPr>
+          <p:nvPr>
+            <p:ph type="title"/>
+          </p:nvPr>
+        </p:nvSpPr>
+        <p:spPr/>
+        <p:txBody>
+          <a:bodyPr/>
+          <a:lstStyle/>
+          <a:p>
+            <a:r>
+              <a:rPr lang="pt-BR" dirty="0" smtClean="0"/>
+              <a:t>Cliente </a:t>
+            </a:r>
+            <a:r>
+              <a:rPr lang="pt-BR" dirty="0" err="1" smtClean="0"/>
+              <a:t>Android</a:t>
+            </a:r>
+            <a:endParaRPr lang="pt-BR" dirty="0"/>
+          </a:p>
+        </p:txBody>
+      </p:sp>
+      <p:pic>
+        <p:nvPicPr>
+          <p:cNvPr id="10242" name="Picture 2" descr="C:\Users\andre_000\Documents\GitHub\InvisibleBattlefields\Documents\imagens\fotos do cliente\3.4_mainmenu.png"/>
+          <p:cNvPicPr>
+            <a:picLocks noChangeAspect="1" noChangeArrowheads="1"/>
+          </p:cNvPicPr>
+          <p:nvPr/>
+        </p:nvPicPr>
+        <p:blipFill>
+          <a:blip r:embed="rId2">
+            <a:extLst>
+              <a:ext uri="{28A0092B-C50C-407E-A947-70E740481C1C}">
+                <a14:useLocalDpi xmlns:a14="http://schemas.microsoft.com/office/drawing/2010/main" val="0"/>
+              </a:ext>
+            </a:extLst>
+          </a:blip>
+          <a:srcRect/>
+          <a:stretch>
+            <a:fillRect/>
+          </a:stretch>
+        </p:blipFill>
+        <p:spPr bwMode="auto">
+          <a:xfrm>
+            <a:off x="1045510" y="1296144"/>
+            <a:ext cx="3022434" cy="5373216"/>
+          </a:xfrm>
+          <a:prstGeom prst="rect">
+            <a:avLst/>
+          </a:prstGeom>
+          <a:noFill/>
+          <a:extLst>
+            <a:ext uri="{909E8E84-426E-40DD-AFC4-6F175D3DCCD1}">
+              <a14:hiddenFill xmlns:a14="http://schemas.microsoft.com/office/drawing/2010/main">
+                <a:solidFill>
+                  <a:srgbClr val="FFFFFF"/>
+                </a:solidFill>
+              </a14:hiddenFill>
+            </a:ext>
+          </a:extLst>
+        </p:spPr>
+      </p:pic>
+      <p:pic>
+        <p:nvPicPr>
+          <p:cNvPr id="10243" name="Picture 3" descr="C:\Users\andre_000\Documents\GitHub\InvisibleBattlefields\Documents\imagens\fotos do cliente\3.5_mainmenu.png"/>
+          <p:cNvPicPr>
+            <a:picLocks noChangeAspect="1" noChangeArrowheads="1"/>
+          </p:cNvPicPr>
+          <p:nvPr/>
+        </p:nvPicPr>
+        <p:blipFill>
+          <a:blip r:embed="rId3">
+            <a:extLst>
+              <a:ext uri="{28A0092B-C50C-407E-A947-70E740481C1C}">
+                <a14:useLocalDpi xmlns:a14="http://schemas.microsoft.com/office/drawing/2010/main" val="0"/>
+              </a:ext>
+            </a:extLst>
+          </a:blip>
+          <a:srcRect/>
+          <a:stretch>
+            <a:fillRect/>
+          </a:stretch>
+        </p:blipFill>
+        <p:spPr bwMode="auto">
+          <a:xfrm>
+            <a:off x="5090319" y="1318120"/>
+            <a:ext cx="3010073" cy="5351240"/>
+          </a:xfrm>
+          <a:prstGeom prst="rect">
+            <a:avLst/>
+          </a:prstGeom>
+          <a:noFill/>
+          <a:extLst>
+            <a:ext uri="{909E8E84-426E-40DD-AFC4-6F175D3DCCD1}">
+              <a14:hiddenFill xmlns:a14="http://schemas.microsoft.com/office/drawing/2010/main">
+                <a:solidFill>
+                  <a:srgbClr val="FFFFFF"/>
+                </a:solidFill>
+              </a14:hiddenFill>
+            </a:ext>
+          </a:extLst>
+        </p:spPr>
+      </p:pic>
+    </p:spTree>
+    <p:extLst>
+      <p:ext uri="{BB962C8B-B14F-4D97-AF65-F5344CB8AC3E}">
+        <p14:creationId xmlns:p14="http://schemas.microsoft.com/office/powerpoint/2010/main" val="1110430753"/>
+      </p:ext>
+    </p:extLst>
+  </p:cSld>
+  <p:clrMapOvr>
+    <a:masterClrMapping/>
+  </p:clrMapOvr>
+</p:sld>
+</file>
+
+<file path=ppt/slides/slide29.xml><?xml version="1.0" encoding="utf-8"?>
+<p:sld xmlns:a="http://schemas.openxmlformats.org/drawingml/2006/main" xmlns:r="http://schemas.openxmlformats.org/officeDocument/2006/relationships" xmlns:p="http://schemas.openxmlformats.org/presentationml/2006/main">
+  <p:cSld>
+    <p:spTree>
+      <p:nvGrpSpPr>
+        <p:cNvPr id="1" name=""/>
+        <p:cNvGrpSpPr/>
+        <p:nvPr/>
+      </p:nvGrpSpPr>
+      <p:grpSpPr>
+        <a:xfrm>
+          <a:off x="0" y="0"/>
+          <a:ext cx="0" cy="0"/>
+          <a:chOff x="0" y="0"/>
+          <a:chExt cx="0" cy="0"/>
+        </a:xfrm>
+      </p:grpSpPr>
+      <p:sp>
+        <p:nvSpPr>
+          <p:cNvPr id="2" name="Título 1"/>
+          <p:cNvSpPr>
+            <a:spLocks noGrp="1"/>
+          </p:cNvSpPr>
+          <p:nvPr>
+            <p:ph type="title"/>
+          </p:nvPr>
+        </p:nvSpPr>
+        <p:spPr/>
+        <p:txBody>
+          <a:bodyPr/>
+          <a:lstStyle/>
+          <a:p>
+            <a:r>
+              <a:rPr lang="pt-BR" dirty="0" smtClean="0"/>
+              <a:t>Cliente </a:t>
+            </a:r>
+            <a:r>
+              <a:rPr lang="pt-BR" dirty="0" err="1" smtClean="0"/>
+              <a:t>Android</a:t>
+            </a:r>
+            <a:endParaRPr lang="pt-BR" dirty="0"/>
+          </a:p>
+        </p:txBody>
+      </p:sp>
+      <p:pic>
+        <p:nvPicPr>
+          <p:cNvPr id="11266" name="Picture 2" descr="C:\Users\andre_000\Documents\GitHub\InvisibleBattlefields\Documents\imagens\fotos do cliente\3.6_mainmenu.png"/>
+          <p:cNvPicPr>
+            <a:picLocks noChangeAspect="1" noChangeArrowheads="1"/>
+          </p:cNvPicPr>
+          <p:nvPr/>
+        </p:nvPicPr>
+        <p:blipFill>
+          <a:blip r:embed="rId2">
+            <a:extLst>
+              <a:ext uri="{28A0092B-C50C-407E-A947-70E740481C1C}">
+                <a14:useLocalDpi xmlns:a14="http://schemas.microsoft.com/office/drawing/2010/main" val="0"/>
+              </a:ext>
+            </a:extLst>
+          </a:blip>
+          <a:srcRect/>
+          <a:stretch>
+            <a:fillRect/>
+          </a:stretch>
+        </p:blipFill>
+        <p:spPr bwMode="auto">
+          <a:xfrm>
+            <a:off x="3123601" y="1196752"/>
+            <a:ext cx="3032575" cy="5391245"/>
+          </a:xfrm>
+          <a:prstGeom prst="rect">
+            <a:avLst/>
+          </a:prstGeom>
+          <a:noFill/>
+          <a:extLst>
+            <a:ext uri="{909E8E84-426E-40DD-AFC4-6F175D3DCCD1}">
+              <a14:hiddenFill xmlns:a14="http://schemas.microsoft.com/office/drawing/2010/main">
+                <a:solidFill>
+                  <a:srgbClr val="FFFFFF"/>
+                </a:solidFill>
+              </a14:hiddenFill>
+            </a:ext>
+          </a:extLst>
+        </p:spPr>
+      </p:pic>
+    </p:spTree>
+    <p:extLst>
+      <p:ext uri="{BB962C8B-B14F-4D97-AF65-F5344CB8AC3E}">
+        <p14:creationId xmlns:p14="http://schemas.microsoft.com/office/powerpoint/2010/main" val="628634919"/>
+      </p:ext>
+    </p:extLst>
+  </p:cSld>
+  <p:clrMapOvr>
+    <a:masterClrMapping/>
+  </p:clrMapOvr>
+</p:sld>
+</file>
+
+<file path=ppt/slides/slide3.xml><?xml version="1.0" encoding="utf-8"?>
+<p:sld xmlns:a="http://schemas.openxmlformats.org/drawingml/2006/main" xmlns:r="http://schemas.openxmlformats.org/officeDocument/2006/relationships" xmlns:p="http://schemas.openxmlformats.org/presentationml/2006/main">
+  <p:cSld>
+    <p:spTree>
+      <p:nvGrpSpPr>
+        <p:cNvPr id="1" name=""/>
+        <p:cNvGrpSpPr/>
+        <p:nvPr/>
+      </p:nvGrpSpPr>
+      <p:grpSpPr>
+        <a:xfrm>
+          <a:off x="0" y="0"/>
+          <a:ext cx="0" cy="0"/>
+          <a:chOff x="0" y="0"/>
+          <a:chExt cx="0" cy="0"/>
+        </a:xfrm>
+      </p:grpSpPr>
+      <p:sp>
+        <p:nvSpPr>
+          <p:cNvPr id="2" name="Título 1"/>
+          <p:cNvSpPr>
+            <a:spLocks noGrp="1"/>
+          </p:cNvSpPr>
+          <p:nvPr>
+            <p:ph type="title"/>
+          </p:nvPr>
+        </p:nvSpPr>
+        <p:spPr/>
+        <p:txBody>
+          <a:bodyPr/>
+          <a:lstStyle/>
+          <a:p>
+            <a:r>
+              <a:rPr lang="pt-BR" dirty="0"/>
+              <a:t>Introdução</a:t>
+            </a:r>
+          </a:p>
+        </p:txBody>
+      </p:sp>
+      <p:sp>
+        <p:nvSpPr>
+          <p:cNvPr id="3" name="Espaço Reservado para Conteúdo 2"/>
+          <p:cNvSpPr>
+            <a:spLocks noGrp="1"/>
+          </p:cNvSpPr>
+          <p:nvPr>
+            <p:ph idx="1"/>
+          </p:nvPr>
+        </p:nvSpPr>
+        <p:spPr/>
+        <p:txBody>
+          <a:bodyPr/>
+          <a:lstStyle/>
+          <a:p>
+            <a:endParaRPr lang="pt-BR" dirty="0" smtClean="0"/>
+          </a:p>
+          <a:p>
+            <a:r>
+              <a:rPr lang="pt-BR" dirty="0" smtClean="0"/>
+              <a:t>O jogador escolhe de que clã quer participar, atacando os outros durante as batalhas</a:t>
+            </a:r>
+          </a:p>
+          <a:p>
+            <a:endParaRPr lang="pt-BR" dirty="0"/>
+          </a:p>
+          <a:p>
+            <a:r>
+              <a:rPr lang="pt-BR" dirty="0" smtClean="0"/>
+              <a:t>Os personagens tem atributos e sobem de nível, tornando-se mais fortes</a:t>
+            </a:r>
+            <a:endParaRPr lang="pt-BR" dirty="0"/>
+          </a:p>
+        </p:txBody>
+      </p:sp>
+    </p:spTree>
+    <p:extLst>
+      <p:ext uri="{BB962C8B-B14F-4D97-AF65-F5344CB8AC3E}">
+        <p14:creationId xmlns:p14="http://schemas.microsoft.com/office/powerpoint/2010/main" val="3655942973"/>
+      </p:ext>
+    </p:extLst>
+  </p:cSld>
+  <p:clrMapOvr>
+    <a:masterClrMapping/>
+  </p:clrMapOvr>
+</p:sld>
+</file>
+
+<file path=ppt/slides/slide30.xml><?xml version="1.0" encoding="utf-8"?>
+<p:sld xmlns:a="http://schemas.openxmlformats.org/drawingml/2006/main" xmlns:r="http://schemas.openxmlformats.org/officeDocument/2006/relationships" xmlns:p="http://schemas.openxmlformats.org/presentationml/2006/main">
+  <p:cSld>
+    <p:spTree>
+      <p:nvGrpSpPr>
+        <p:cNvPr id="1" name=""/>
+        <p:cNvGrpSpPr/>
+        <p:nvPr/>
+      </p:nvGrpSpPr>
+      <p:grpSpPr>
+        <a:xfrm>
+          <a:off x="0" y="0"/>
+          <a:ext cx="0" cy="0"/>
+          <a:chOff x="0" y="0"/>
+          <a:chExt cx="0" cy="0"/>
+        </a:xfrm>
+      </p:grpSpPr>
+      <p:sp>
+        <p:nvSpPr>
+          <p:cNvPr id="2" name="Título 1"/>
+          <p:cNvSpPr>
+            <a:spLocks noGrp="1"/>
+          </p:cNvSpPr>
+          <p:nvPr>
+            <p:ph type="title"/>
+          </p:nvPr>
+        </p:nvSpPr>
+        <p:spPr/>
+        <p:txBody>
+          <a:bodyPr/>
+          <a:lstStyle/>
+          <a:p>
+            <a:r>
+              <a:rPr lang="pt-BR" dirty="0" smtClean="0"/>
+              <a:t>Core Server</a:t>
+            </a:r>
+            <a:endParaRPr lang="pt-BR" dirty="0"/>
+          </a:p>
+        </p:txBody>
+      </p:sp>
+      <p:sp>
+        <p:nvSpPr>
+          <p:cNvPr id="4" name="Espaço Reservado para Conteúdo 3"/>
+          <p:cNvSpPr>
+            <a:spLocks noGrp="1"/>
+          </p:cNvSpPr>
+          <p:nvPr>
+            <p:ph idx="1"/>
+          </p:nvPr>
+        </p:nvSpPr>
+        <p:spPr>
+          <a:xfrm>
+            <a:off x="467544" y="1700808"/>
+            <a:ext cx="8229600" cy="4525963"/>
+          </a:xfrm>
+        </p:spPr>
+        <p:txBody>
+          <a:bodyPr/>
+          <a:lstStyle/>
+          <a:p>
+            <a:endParaRPr lang="pt-BR" dirty="0"/>
+          </a:p>
+        </p:txBody>
+      </p:sp>
+    </p:spTree>
+    <p:extLst>
+      <p:ext uri="{BB962C8B-B14F-4D97-AF65-F5344CB8AC3E}">
+        <p14:creationId xmlns:p14="http://schemas.microsoft.com/office/powerpoint/2010/main" val="1596588433"/>
+      </p:ext>
+    </p:extLst>
+  </p:cSld>
+  <p:clrMapOvr>
+    <a:masterClrMapping/>
+  </p:clrMapOvr>
+</p:sld>
+</file>
+
+<file path=ppt/slides/slide31.xml><?xml version="1.0" encoding="utf-8"?>
+<p:sld xmlns:a="http://schemas.openxmlformats.org/drawingml/2006/main" xmlns:r="http://schemas.openxmlformats.org/officeDocument/2006/relationships" xmlns:p="http://schemas.openxmlformats.org/presentationml/2006/main">
+  <p:cSld>
+    <p:spTree>
+      <p:nvGrpSpPr>
+        <p:cNvPr id="1" name=""/>
+        <p:cNvGrpSpPr/>
+        <p:nvPr/>
+      </p:nvGrpSpPr>
+      <p:grpSpPr>
+        <a:xfrm>
+          <a:off x="0" y="0"/>
+          <a:ext cx="0" cy="0"/>
+          <a:chOff x="0" y="0"/>
+          <a:chExt cx="0" cy="0"/>
+        </a:xfrm>
+      </p:grpSpPr>
+      <p:sp>
+        <p:nvSpPr>
+          <p:cNvPr id="2" name="Título 1"/>
+          <p:cNvSpPr>
+            <a:spLocks noGrp="1"/>
+          </p:cNvSpPr>
+          <p:nvPr>
+            <p:ph type="title"/>
+          </p:nvPr>
+        </p:nvSpPr>
+        <p:spPr/>
+        <p:txBody>
+          <a:bodyPr/>
+          <a:lstStyle/>
+          <a:p>
+            <a:r>
+              <a:rPr lang="pt-BR" dirty="0" smtClean="0"/>
+              <a:t>Problemas e melhorias Futuras</a:t>
+            </a:r>
+            <a:endParaRPr lang="pt-BR" dirty="0"/>
+          </a:p>
+        </p:txBody>
+      </p:sp>
+      <p:sp>
+        <p:nvSpPr>
+          <p:cNvPr id="3" name="Espaço Reservado para Conteúdo 2"/>
+          <p:cNvSpPr>
+            <a:spLocks noGrp="1"/>
+          </p:cNvSpPr>
+          <p:nvPr>
+            <p:ph idx="1"/>
+          </p:nvPr>
+        </p:nvSpPr>
+        <p:spPr/>
+        <p:txBody>
+          <a:bodyPr/>
+          <a:lstStyle/>
+          <a:p>
+            <a:r>
+              <a:rPr lang="pt-BR" dirty="0" smtClean="0"/>
+              <a:t>Uso do </a:t>
+            </a:r>
+            <a:r>
+              <a:rPr lang="pt-BR" dirty="0" err="1" smtClean="0"/>
+              <a:t>Vagrant</a:t>
+            </a:r>
+            <a:r>
+              <a:rPr lang="pt-BR" dirty="0" smtClean="0"/>
+              <a:t> para possibilitar uso em WAN e testes concisos com o Core Server</a:t>
+            </a:r>
+          </a:p>
+          <a:p>
+            <a:endParaRPr lang="pt-BR" u="sng" dirty="0"/>
+          </a:p>
+          <a:p>
+            <a:r>
+              <a:rPr lang="pt-BR" dirty="0" smtClean="0"/>
+              <a:t>Tornar o jogo interessante com a proposta original</a:t>
+            </a:r>
+          </a:p>
+          <a:p>
+            <a:endParaRPr lang="pt-BR" dirty="0"/>
+          </a:p>
+          <a:p>
+            <a:r>
+              <a:rPr lang="pt-BR" dirty="0" smtClean="0"/>
+              <a:t>Mudar a estratégia de </a:t>
+            </a:r>
+            <a:r>
+              <a:rPr lang="pt-BR" dirty="0" err="1" smtClean="0"/>
+              <a:t>matching</a:t>
+            </a:r>
+            <a:r>
+              <a:rPr lang="pt-BR" dirty="0" smtClean="0"/>
+              <a:t> para </a:t>
+            </a:r>
+            <a:r>
+              <a:rPr lang="pt-BR" dirty="0" err="1" smtClean="0"/>
+              <a:t>client</a:t>
+            </a:r>
+            <a:r>
+              <a:rPr lang="pt-BR" dirty="0" err="1"/>
+              <a:t>-</a:t>
+            </a:r>
+            <a:r>
+              <a:rPr lang="pt-BR" dirty="0" err="1" smtClean="0"/>
+              <a:t>side</a:t>
+            </a:r>
+            <a:r>
+              <a:rPr lang="pt-BR" dirty="0" smtClean="0"/>
+              <a:t>.</a:t>
+            </a:r>
+            <a:endParaRPr lang="pt-BR" dirty="0"/>
+          </a:p>
+        </p:txBody>
+      </p:sp>
+    </p:spTree>
+    <p:extLst>
+      <p:ext uri="{BB962C8B-B14F-4D97-AF65-F5344CB8AC3E}">
+        <p14:creationId xmlns:p14="http://schemas.microsoft.com/office/powerpoint/2010/main" val="3715886609"/>
+      </p:ext>
+    </p:extLst>
+  </p:cSld>
+  <p:clrMapOvr>
+    <a:masterClrMapping/>
+  </p:clrMapOvr>
+</p:sld>
+</file>
+
+<file path=ppt/slides/slide32.xml><?xml version="1.0" encoding="utf-8"?>
+<p:sld xmlns:a="http://schemas.openxmlformats.org/drawingml/2006/main" xmlns:r="http://schemas.openxmlformats.org/officeDocument/2006/relationships" xmlns:p="http://schemas.openxmlformats.org/presentationml/2006/main">
+  <p:cSld>
+    <p:spTree>
+      <p:nvGrpSpPr>
+        <p:cNvPr id="1" name=""/>
+        <p:cNvGrpSpPr/>
+        <p:nvPr/>
+      </p:nvGrpSpPr>
+      <p:grpSpPr>
+        <a:xfrm>
+          <a:off x="0" y="0"/>
+          <a:ext cx="0" cy="0"/>
+          <a:chOff x="0" y="0"/>
+          <a:chExt cx="0" cy="0"/>
+        </a:xfrm>
+      </p:grpSpPr>
+      <p:sp>
+        <p:nvSpPr>
+          <p:cNvPr id="2" name="Título 1"/>
+          <p:cNvSpPr>
+            <a:spLocks noGrp="1"/>
+          </p:cNvSpPr>
+          <p:nvPr>
+            <p:ph type="title"/>
+          </p:nvPr>
+        </p:nvSpPr>
+        <p:spPr/>
+        <p:txBody>
+          <a:bodyPr/>
+          <a:lstStyle/>
+          <a:p>
+            <a:r>
+              <a:rPr lang="pt-BR" smtClean="0"/>
+              <a:t>Perguntas?</a:t>
+            </a:r>
+            <a:endParaRPr lang="pt-BR" dirty="0"/>
+          </a:p>
+        </p:txBody>
+      </p:sp>
+      <p:sp>
+        <p:nvSpPr>
+          <p:cNvPr id="3" name="Espaço Reservado para Conteúdo 2"/>
+          <p:cNvSpPr>
+            <a:spLocks noGrp="1"/>
+          </p:cNvSpPr>
+          <p:nvPr>
+            <p:ph idx="1"/>
+          </p:nvPr>
+        </p:nvSpPr>
+        <p:spPr/>
+        <p:txBody>
+          <a:bodyPr/>
+          <a:lstStyle/>
+          <a:p>
+            <a:endParaRPr lang="pt-BR" dirty="0"/>
+          </a:p>
+        </p:txBody>
+      </p:sp>
+    </p:spTree>
+    <p:extLst>
+      <p:ext uri="{BB962C8B-B14F-4D97-AF65-F5344CB8AC3E}">
+        <p14:creationId xmlns:p14="http://schemas.microsoft.com/office/powerpoint/2010/main" val="2854714406"/>
+      </p:ext>
+    </p:extLst>
+  </p:cSld>
+  <p:clrMapOvr>
+    <a:masterClrMapping/>
+  </p:clrMapOvr>
+</p:sld>
+</file>
+
+<file path=ppt/slides/slide33.xml><?xml version="1.0" encoding="utf-8"?>
+<p:sld xmlns:a="http://schemas.openxmlformats.org/drawingml/2006/main" xmlns:r="http://schemas.openxmlformats.org/officeDocument/2006/relationships" xmlns:p="http://schemas.openxmlformats.org/presentationml/2006/main">
+  <p:cSld>
+    <p:spTree>
+      <p:nvGrpSpPr>
+        <p:cNvPr id="1" name=""/>
+        <p:cNvGrpSpPr/>
+        <p:nvPr/>
+      </p:nvGrpSpPr>
+      <p:grpSpPr>
+        <a:xfrm>
+          <a:off x="0" y="0"/>
+          <a:ext cx="0" cy="0"/>
+          <a:chOff x="0" y="0"/>
+          <a:chExt cx="0" cy="0"/>
+        </a:xfrm>
+      </p:grpSpPr>
+      <p:sp>
+        <p:nvSpPr>
+          <p:cNvPr id="2" name="Título 1"/>
+          <p:cNvSpPr>
+            <a:spLocks noGrp="1"/>
+          </p:cNvSpPr>
+          <p:nvPr>
+            <p:ph type="title"/>
+          </p:nvPr>
+        </p:nvSpPr>
+        <p:spPr/>
+        <p:txBody>
+          <a:bodyPr/>
+          <a:lstStyle/>
+          <a:p>
+            <a:r>
+              <a:rPr lang="pt-BR" smtClean="0"/>
+              <a:t>Perguntas?</a:t>
+            </a:r>
+            <a:endParaRPr lang="pt-BR" dirty="0"/>
+          </a:p>
+        </p:txBody>
+      </p:sp>
+      <p:sp>
+        <p:nvSpPr>
+          <p:cNvPr id="3" name="Espaço Reservado para Conteúdo 2"/>
+          <p:cNvSpPr>
+            <a:spLocks noGrp="1"/>
+          </p:cNvSpPr>
+          <p:nvPr>
+            <p:ph idx="1"/>
+          </p:nvPr>
+        </p:nvSpPr>
+        <p:spPr/>
+        <p:txBody>
+          <a:bodyPr>
+            <a:normAutofit/>
+          </a:bodyPr>
+          <a:lstStyle/>
+          <a:p>
+            <a:endParaRPr lang="pt-BR" dirty="0" smtClean="0"/>
+          </a:p>
+          <a:p>
+            <a:pPr marL="0" indent="0">
+              <a:buNone/>
+            </a:pPr>
+            <a:endParaRPr lang="pt-BR" dirty="0" smtClean="0"/>
+          </a:p>
+          <a:p>
+            <a:pPr marL="0" indent="0" algn="ctr">
+              <a:buNone/>
+            </a:pPr>
+            <a:r>
+              <a:rPr lang="pt-BR" b="1" i="1" u="sng" dirty="0" smtClean="0"/>
+              <a:t>Obrigado!</a:t>
+            </a:r>
+          </a:p>
+          <a:p>
+            <a:pPr marL="0" indent="0" algn="r">
+              <a:buNone/>
+            </a:pPr>
+            <a:endParaRPr lang="pt-BR" b="1" i="1" u="sng" dirty="0"/>
+          </a:p>
+          <a:p>
+            <a:pPr marL="0" indent="0" algn="just">
+              <a:buNone/>
+            </a:pPr>
+            <a:endParaRPr lang="pt-BR" sz="1900" dirty="0" smtClean="0"/>
+          </a:p>
+          <a:p>
+            <a:pPr marL="0" indent="0" algn="just">
+              <a:buNone/>
+            </a:pPr>
+            <a:endParaRPr lang="pt-BR" sz="1900" dirty="0"/>
+          </a:p>
+          <a:p>
+            <a:pPr marL="0" indent="0" algn="just">
+              <a:buNone/>
+            </a:pPr>
+            <a:r>
+              <a:rPr lang="pt-BR" sz="1900" dirty="0" smtClean="0"/>
+              <a:t>André </a:t>
+            </a:r>
+            <a:r>
+              <a:rPr lang="pt-BR" sz="1900" dirty="0"/>
+              <a:t>Mac </a:t>
+            </a:r>
+            <a:r>
+              <a:rPr lang="pt-BR" sz="1900" dirty="0" err="1"/>
+              <a:t>Dowell</a:t>
+            </a:r>
+            <a:r>
+              <a:rPr lang="pt-BR" sz="1900" dirty="0"/>
+              <a:t> &lt;adowell@inf.puc-rio.br&gt;</a:t>
+            </a:r>
+          </a:p>
+          <a:p>
+            <a:pPr marL="0" indent="0" algn="just">
+              <a:buNone/>
+            </a:pPr>
+            <a:r>
+              <a:rPr lang="pt-BR" sz="1900" dirty="0"/>
+              <a:t>Ivan Xavier Araújo de Lima &lt;ilima@inf.puc-rio.br&gt;</a:t>
+            </a:r>
+          </a:p>
+          <a:p>
+            <a:pPr marL="0" indent="0" algn="just">
+              <a:buNone/>
+            </a:pPr>
+            <a:r>
+              <a:rPr lang="pt-BR" sz="1900" dirty="0"/>
+              <a:t>Rogério Carvalho Schneider &lt;rschneider@inf.puc-rio.br&gt;</a:t>
+            </a:r>
+          </a:p>
+          <a:p>
+            <a:pPr marL="0" indent="0" algn="just">
+              <a:buNone/>
+            </a:pPr>
+            <a:r>
+              <a:rPr lang="pt-BR" sz="1900" dirty="0" err="1"/>
+              <a:t>Markus</a:t>
+            </a:r>
+            <a:r>
+              <a:rPr lang="pt-BR" sz="1900" dirty="0"/>
+              <a:t> </a:t>
+            </a:r>
+            <a:r>
+              <a:rPr lang="pt-BR" sz="1900" dirty="0" err="1"/>
+              <a:t>Endler</a:t>
+            </a:r>
+            <a:r>
+              <a:rPr lang="pt-BR" sz="1900" dirty="0"/>
+              <a:t> &lt;endler@inf.puc-rio.br&gt;</a:t>
+            </a:r>
+          </a:p>
+          <a:p>
+            <a:pPr marL="0" indent="0" algn="just">
+              <a:buNone/>
+            </a:pPr>
+            <a:endParaRPr lang="pt-BR" b="1" i="1" u="sng" dirty="0"/>
+          </a:p>
+        </p:txBody>
+      </p:sp>
+    </p:spTree>
+    <p:extLst>
+      <p:ext uri="{BB962C8B-B14F-4D97-AF65-F5344CB8AC3E}">
+        <p14:creationId xmlns:p14="http://schemas.microsoft.com/office/powerpoint/2010/main" val="1103087381"/>
+      </p:ext>
+    </p:extLst>
+  </p:cSld>
+  <p:clrMapOvr>
+    <a:masterClrMapping/>
+  </p:clrMapOvr>
+</p:sld>
+</file>
+
+<file path=ppt/slides/slide4.xml><?xml version="1.0" encoding="utf-8"?>
+<p:sld xmlns:a="http://schemas.openxmlformats.org/drawingml/2006/main" xmlns:r="http://schemas.openxmlformats.org/officeDocument/2006/relationships" xmlns:p="http://schemas.openxmlformats.org/presentationml/2006/main">
+  <p:cSld>
+    <p:spTree>
+      <p:nvGrpSpPr>
+        <p:cNvPr id="1" name=""/>
+        <p:cNvGrpSpPr/>
+        <p:nvPr/>
+      </p:nvGrpSpPr>
+      <p:grpSpPr>
+        <a:xfrm>
+          <a:off x="0" y="0"/>
+          <a:ext cx="0" cy="0"/>
+          <a:chOff x="0" y="0"/>
+          <a:chExt cx="0" cy="0"/>
+        </a:xfrm>
+      </p:grpSpPr>
+      <p:sp>
+        <p:nvSpPr>
+          <p:cNvPr id="2" name="Título 1"/>
+          <p:cNvSpPr>
+            <a:spLocks noGrp="1"/>
+          </p:cNvSpPr>
+          <p:nvPr>
+            <p:ph type="title"/>
+          </p:nvPr>
+        </p:nvSpPr>
+        <p:spPr/>
+        <p:txBody>
+          <a:bodyPr/>
+          <a:lstStyle/>
+          <a:p>
+            <a:r>
+              <a:rPr lang="pt-BR" dirty="0" smtClean="0"/>
+              <a:t>Historia do Jogo</a:t>
+            </a:r>
+            <a:endParaRPr lang="pt-BR" dirty="0"/>
+          </a:p>
+        </p:txBody>
+      </p:sp>
+      <p:sp>
+        <p:nvSpPr>
+          <p:cNvPr id="3" name="Espaço Reservado para Conteúdo 2"/>
+          <p:cNvSpPr>
+            <a:spLocks noGrp="1"/>
+          </p:cNvSpPr>
+          <p:nvPr>
+            <p:ph idx="1"/>
+          </p:nvPr>
+        </p:nvSpPr>
+        <p:spPr/>
+        <p:txBody>
+          <a:bodyPr/>
+          <a:lstStyle/>
+          <a:p>
+            <a:r>
+              <a:rPr lang="pt-BR" dirty="0" smtClean="0"/>
+              <a:t>Há três clãs lutando pelo domínio das regiões do seu país</a:t>
+            </a:r>
+          </a:p>
+          <a:p>
+            <a:pPr lvl="1"/>
+            <a:r>
+              <a:rPr lang="pt-BR" dirty="0" smtClean="0"/>
+              <a:t>The Union</a:t>
+            </a:r>
+          </a:p>
+          <a:p>
+            <a:pPr lvl="1"/>
+            <a:endParaRPr lang="pt-BR" dirty="0"/>
+          </a:p>
+          <a:p>
+            <a:pPr lvl="1"/>
+            <a:r>
+              <a:rPr lang="pt-BR" dirty="0" smtClean="0"/>
+              <a:t>The </a:t>
+            </a:r>
+            <a:r>
+              <a:rPr lang="pt-BR" dirty="0" err="1" smtClean="0"/>
+              <a:t>Mercenaries</a:t>
+            </a:r>
+            <a:endParaRPr lang="pt-BR" dirty="0" smtClean="0"/>
+          </a:p>
+          <a:p>
+            <a:pPr lvl="1"/>
+            <a:endParaRPr lang="pt-BR" dirty="0"/>
+          </a:p>
+          <a:p>
+            <a:pPr lvl="1"/>
+            <a:r>
+              <a:rPr lang="pt-BR" dirty="0" smtClean="0"/>
+              <a:t>The </a:t>
+            </a:r>
+            <a:r>
+              <a:rPr lang="pt-BR" dirty="0" err="1" smtClean="0"/>
+              <a:t>Berserkers</a:t>
+            </a:r>
+            <a:endParaRPr lang="pt-BR" dirty="0" smtClean="0"/>
+          </a:p>
+        </p:txBody>
+      </p:sp>
+      <p:pic>
+        <p:nvPicPr>
+          <p:cNvPr id="1026" name="Picture 2" descr="C:\Users\andre_000\Documents\GitHub\InvisibleBattlefields\InvisibleBattlefieldsClient\res\drawable-hdpi\mercenaries.png"/>
+          <p:cNvPicPr>
+            <a:picLocks noChangeAspect="1" noChangeArrowheads="1"/>
+          </p:cNvPicPr>
+          <p:nvPr/>
+        </p:nvPicPr>
+        <p:blipFill>
+          <a:blip r:embed="rId2" cstate="print">
+            <a:extLst>
+              <a:ext uri="{28A0092B-C50C-407E-A947-70E740481C1C}">
+                <a14:useLocalDpi xmlns:a14="http://schemas.microsoft.com/office/drawing/2010/main" val="0"/>
+              </a:ext>
+            </a:extLst>
+          </a:blip>
+          <a:srcRect/>
+          <a:stretch>
+            <a:fillRect/>
+          </a:stretch>
+        </p:blipFill>
+        <p:spPr bwMode="auto">
+          <a:xfrm>
+            <a:off x="3935921" y="3573016"/>
+            <a:ext cx="715714" cy="721557"/>
+          </a:xfrm>
+          <a:prstGeom prst="rect">
+            <a:avLst/>
+          </a:prstGeom>
+          <a:noFill/>
+          <a:extLst>
+            <a:ext uri="{909E8E84-426E-40DD-AFC4-6F175D3DCCD1}">
+              <a14:hiddenFill xmlns:a14="http://schemas.microsoft.com/office/drawing/2010/main">
+                <a:solidFill>
+                  <a:srgbClr val="FFFFFF"/>
+                </a:solidFill>
+              </a14:hiddenFill>
+            </a:ext>
+          </a:extLst>
+        </p:spPr>
+      </p:pic>
+      <p:pic>
+        <p:nvPicPr>
+          <p:cNvPr id="1027" name="Picture 3" descr="C:\Users\andre_000\Documents\GitHub\InvisibleBattlefields\InvisibleBattlefieldsClient\res\drawable-hdpi\union.png"/>
+          <p:cNvPicPr>
+            <a:picLocks noChangeAspect="1" noChangeArrowheads="1"/>
+          </p:cNvPicPr>
+          <p:nvPr/>
+        </p:nvPicPr>
+        <p:blipFill>
+          <a:blip r:embed="rId3" cstate="print">
+            <a:extLst>
+              <a:ext uri="{28A0092B-C50C-407E-A947-70E740481C1C}">
+                <a14:useLocalDpi xmlns:a14="http://schemas.microsoft.com/office/drawing/2010/main" val="0"/>
+              </a:ext>
+            </a:extLst>
+          </a:blip>
+          <a:srcRect/>
+          <a:stretch>
+            <a:fillRect/>
+          </a:stretch>
+        </p:blipFill>
+        <p:spPr bwMode="auto">
+          <a:xfrm>
+            <a:off x="2990205" y="2636912"/>
+            <a:ext cx="645691" cy="645691"/>
+          </a:xfrm>
+          <a:prstGeom prst="rect">
+            <a:avLst/>
+          </a:prstGeom>
+          <a:noFill/>
+          <a:extLst>
+            <a:ext uri="{909E8E84-426E-40DD-AFC4-6F175D3DCCD1}">
+              <a14:hiddenFill xmlns:a14="http://schemas.microsoft.com/office/drawing/2010/main">
+                <a:solidFill>
+                  <a:srgbClr val="FFFFFF"/>
+                </a:solidFill>
+              </a14:hiddenFill>
+            </a:ext>
+          </a:extLst>
+        </p:spPr>
+      </p:pic>
+      <p:pic>
+        <p:nvPicPr>
+          <p:cNvPr id="1028" name="Picture 4" descr="C:\Users\andre_000\Documents\GitHub\InvisibleBattlefields\InvisibleBattlefieldsClient\res\drawable-hdpi\berserk.png"/>
+          <p:cNvPicPr>
+            <a:picLocks noChangeAspect="1" noChangeArrowheads="1"/>
+          </p:cNvPicPr>
+          <p:nvPr/>
+        </p:nvPicPr>
+        <p:blipFill>
+          <a:blip r:embed="rId4" cstate="print">
+            <a:extLst>
+              <a:ext uri="{28A0092B-C50C-407E-A947-70E740481C1C}">
+                <a14:useLocalDpi xmlns:a14="http://schemas.microsoft.com/office/drawing/2010/main" val="0"/>
+              </a:ext>
+            </a:extLst>
+          </a:blip>
+          <a:srcRect/>
+          <a:stretch>
+            <a:fillRect/>
+          </a:stretch>
+        </p:blipFill>
+        <p:spPr bwMode="auto">
+          <a:xfrm>
+            <a:off x="3523492" y="4653136"/>
+            <a:ext cx="770285" cy="770285"/>
+          </a:xfrm>
+          <a:prstGeom prst="rect">
+            <a:avLst/>
+          </a:prstGeom>
+          <a:noFill/>
+          <a:extLst>
+            <a:ext uri="{909E8E84-426E-40DD-AFC4-6F175D3DCCD1}">
+              <a14:hiddenFill xmlns:a14="http://schemas.microsoft.com/office/drawing/2010/main">
+                <a:solidFill>
+                  <a:srgbClr val="FFFFFF"/>
+                </a:solidFill>
+              </a14:hiddenFill>
+            </a:ext>
+          </a:extLst>
+        </p:spPr>
+      </p:pic>
+    </p:spTree>
+    <p:extLst>
+      <p:ext uri="{BB962C8B-B14F-4D97-AF65-F5344CB8AC3E}">
+        <p14:creationId xmlns:p14="http://schemas.microsoft.com/office/powerpoint/2010/main" val="3850708156"/>
+      </p:ext>
+    </p:extLst>
+  </p:cSld>
+  <p:clrMapOvr>
+    <a:masterClrMapping/>
+  </p:clrMapOvr>
+</p:sld>
+</file>
+
+<file path=ppt/slides/slide5.xml><?xml version="1.0" encoding="utf-8"?>
+<p:sld xmlns:a="http://schemas.openxmlformats.org/drawingml/2006/main" xmlns:r="http://schemas.openxmlformats.org/officeDocument/2006/relationships" xmlns:p="http://schemas.openxmlformats.org/presentationml/2006/main">
+  <p:cSld>
+    <p:spTree>
+      <p:nvGrpSpPr>
+        <p:cNvPr id="1" name=""/>
+        <p:cNvGrpSpPr/>
+        <p:nvPr/>
+      </p:nvGrpSpPr>
+      <p:grpSpPr>
+        <a:xfrm>
+          <a:off x="0" y="0"/>
+          <a:ext cx="0" cy="0"/>
+          <a:chOff x="0" y="0"/>
+          <a:chExt cx="0" cy="0"/>
+        </a:xfrm>
+      </p:grpSpPr>
+      <p:sp>
+        <p:nvSpPr>
+          <p:cNvPr id="2" name="Título 1"/>
+          <p:cNvSpPr>
+            <a:spLocks noGrp="1"/>
+          </p:cNvSpPr>
+          <p:nvPr>
+            <p:ph type="title"/>
+          </p:nvPr>
+        </p:nvSpPr>
+        <p:spPr/>
+        <p:txBody>
+          <a:bodyPr/>
+          <a:lstStyle/>
+          <a:p>
+            <a:r>
+              <a:rPr lang="pt-BR" dirty="0"/>
+              <a:t>Mecânica do Jogo</a:t>
+            </a:r>
+          </a:p>
+        </p:txBody>
+      </p:sp>
+      <p:sp>
+        <p:nvSpPr>
+          <p:cNvPr id="3" name="Espaço Reservado para Conteúdo 2"/>
+          <p:cNvSpPr>
+            <a:spLocks noGrp="1"/>
+          </p:cNvSpPr>
+          <p:nvPr>
+            <p:ph idx="1"/>
+          </p:nvPr>
+        </p:nvSpPr>
+        <p:spPr/>
+        <p:txBody>
+          <a:bodyPr/>
+          <a:lstStyle/>
+          <a:p>
+            <a:endParaRPr lang="pt-BR" dirty="0" smtClean="0"/>
+          </a:p>
+          <a:p>
+            <a:endParaRPr lang="pt-BR" dirty="0" smtClean="0"/>
+          </a:p>
+        </p:txBody>
+      </p:sp>
+      <p:sp>
+        <p:nvSpPr>
+          <p:cNvPr id="4" name="Forma livre 3"/>
+          <p:cNvSpPr/>
+          <p:nvPr/>
+        </p:nvSpPr>
+        <p:spPr>
+          <a:xfrm>
+            <a:off x="1403648" y="1628800"/>
+            <a:ext cx="2448604" cy="3060385"/>
+          </a:xfrm>
+          <a:custGeom>
+            <a:avLst/>
+            <a:gdLst>
+              <a:gd name="connsiteX0" fmla="*/ 285267 w 2448604"/>
+              <a:gd name="connsiteY0" fmla="*/ 1259493 h 3060385"/>
+              <a:gd name="connsiteX1" fmla="*/ 415895 w 2448604"/>
+              <a:gd name="connsiteY1" fmla="*/ 494383 h 3060385"/>
+              <a:gd name="connsiteX2" fmla="*/ 453218 w 2448604"/>
+              <a:gd name="connsiteY2" fmla="*/ 251787 h 3060385"/>
+              <a:gd name="connsiteX3" fmla="*/ 863765 w 2448604"/>
+              <a:gd name="connsiteY3" fmla="*/ 27852 h 3060385"/>
+              <a:gd name="connsiteX4" fmla="*/ 2132728 w 2448604"/>
+              <a:gd name="connsiteY4" fmla="*/ 177142 h 3060385"/>
+              <a:gd name="connsiteX5" fmla="*/ 2412646 w 2448604"/>
+              <a:gd name="connsiteY5" fmla="*/ 1576734 h 3060385"/>
+              <a:gd name="connsiteX6" fmla="*/ 1516907 w 2448604"/>
+              <a:gd name="connsiteY6" fmla="*/ 1222171 h 3060385"/>
+              <a:gd name="connsiteX7" fmla="*/ 919748 w 2448604"/>
+              <a:gd name="connsiteY7" fmla="*/ 1707363 h 3060385"/>
+              <a:gd name="connsiteX8" fmla="*/ 1125022 w 2448604"/>
+              <a:gd name="connsiteY8" fmla="*/ 3032310 h 3060385"/>
+              <a:gd name="connsiteX9" fmla="*/ 24009 w 2448604"/>
+              <a:gd name="connsiteY9" fmla="*/ 2528456 h 3060385"/>
+              <a:gd name="connsiteX10" fmla="*/ 359912 w 2448604"/>
+              <a:gd name="connsiteY10" fmla="*/ 1558073 h 3060385"/>
+              <a:gd name="connsiteX11" fmla="*/ 285267 w 2448604"/>
+              <a:gd name="connsiteY11" fmla="*/ 1259493 h 3060385"/>
+            </a:gdLst>
+            <a:ahLst/>
+            <a:cxnLst>
+              <a:cxn ang="0">
+                <a:pos x="connsiteX0" y="connsiteY0"/>
+              </a:cxn>
+              <a:cxn ang="0">
+                <a:pos x="connsiteX1" y="connsiteY1"/>
+              </a:cxn>
+              <a:cxn ang="0">
+                <a:pos x="connsiteX2" y="connsiteY2"/>
+              </a:cxn>
+              <a:cxn ang="0">
+                <a:pos x="connsiteX3" y="connsiteY3"/>
+              </a:cxn>
+              <a:cxn ang="0">
+                <a:pos x="connsiteX4" y="connsiteY4"/>
+              </a:cxn>
+              <a:cxn ang="0">
+                <a:pos x="connsiteX5" y="connsiteY5"/>
+              </a:cxn>
+              <a:cxn ang="0">
+                <a:pos x="connsiteX6" y="connsiteY6"/>
+              </a:cxn>
+              <a:cxn ang="0">
+                <a:pos x="connsiteX7" y="connsiteY7"/>
+              </a:cxn>
+              <a:cxn ang="0">
+                <a:pos x="connsiteX8" y="connsiteY8"/>
+              </a:cxn>
+              <a:cxn ang="0">
+                <a:pos x="connsiteX9" y="connsiteY9"/>
+              </a:cxn>
+              <a:cxn ang="0">
+                <a:pos x="connsiteX10" y="connsiteY10"/>
+              </a:cxn>
+              <a:cxn ang="0">
+                <a:pos x="connsiteX11" y="connsiteY11"/>
+              </a:cxn>
+            </a:cxnLst>
+            <a:rect l="l" t="t" r="r" b="b"/>
+            <a:pathLst>
+              <a:path w="2448604" h="3060385">
+                <a:moveTo>
+                  <a:pt x="285267" y="1259493"/>
+                </a:moveTo>
+                <a:cubicBezTo>
+                  <a:pt x="294597" y="1082211"/>
+                  <a:pt x="387903" y="662334"/>
+                  <a:pt x="415895" y="494383"/>
+                </a:cubicBezTo>
+                <a:cubicBezTo>
+                  <a:pt x="443887" y="326432"/>
+                  <a:pt x="378573" y="329542"/>
+                  <a:pt x="453218" y="251787"/>
+                </a:cubicBezTo>
+                <a:cubicBezTo>
+                  <a:pt x="527863" y="174032"/>
+                  <a:pt x="583847" y="40293"/>
+                  <a:pt x="863765" y="27852"/>
+                </a:cubicBezTo>
+                <a:cubicBezTo>
+                  <a:pt x="1143683" y="15411"/>
+                  <a:pt x="1874581" y="-81005"/>
+                  <a:pt x="2132728" y="177142"/>
+                </a:cubicBezTo>
+                <a:cubicBezTo>
+                  <a:pt x="2390875" y="435289"/>
+                  <a:pt x="2515283" y="1402563"/>
+                  <a:pt x="2412646" y="1576734"/>
+                </a:cubicBezTo>
+                <a:cubicBezTo>
+                  <a:pt x="2310009" y="1750906"/>
+                  <a:pt x="1765723" y="1200400"/>
+                  <a:pt x="1516907" y="1222171"/>
+                </a:cubicBezTo>
+                <a:cubicBezTo>
+                  <a:pt x="1268091" y="1243942"/>
+                  <a:pt x="985062" y="1405673"/>
+                  <a:pt x="919748" y="1707363"/>
+                </a:cubicBezTo>
+                <a:cubicBezTo>
+                  <a:pt x="854434" y="2009053"/>
+                  <a:pt x="1274312" y="2895461"/>
+                  <a:pt x="1125022" y="3032310"/>
+                </a:cubicBezTo>
+                <a:cubicBezTo>
+                  <a:pt x="975732" y="3169159"/>
+                  <a:pt x="151527" y="2774162"/>
+                  <a:pt x="24009" y="2528456"/>
+                </a:cubicBezTo>
+                <a:cubicBezTo>
+                  <a:pt x="-103509" y="2282750"/>
+                  <a:pt x="316369" y="1769567"/>
+                  <a:pt x="359912" y="1558073"/>
+                </a:cubicBezTo>
+                <a:cubicBezTo>
+                  <a:pt x="403455" y="1346579"/>
+                  <a:pt x="275937" y="1436775"/>
+                  <a:pt x="285267" y="1259493"/>
+                </a:cubicBezTo>
+                <a:close/>
+              </a:path>
+            </a:pathLst>
+          </a:custGeom>
+          <a:solidFill>
+            <a:schemeClr val="bg1"/>
+          </a:solidFill>
+          <a:ln>
+            <a:solidFill>
+              <a:srgbClr val="FF0000"/>
+            </a:solidFill>
+          </a:ln>
+        </p:spPr>
+        <p:style>
+          <a:lnRef idx="2">
+            <a:schemeClr val="accent1">
+              <a:shade val="50000"/>
+            </a:schemeClr>
+          </a:lnRef>
+          <a:fillRef idx="1">
+            <a:schemeClr val="accent1"/>
+          </a:fillRef>
+          <a:effectRef idx="0">
+            <a:schemeClr val="accent1"/>
+          </a:effectRef>
+          <a:fontRef idx="minor">
+            <a:schemeClr val="lt1"/>
+          </a:fontRef>
+        </p:style>
+        <p:txBody>
+          <a:bodyPr rtlCol="0" anchor="ctr"/>
+          <a:lstStyle/>
+          <a:p>
+            <a:pPr algn="ctr"/>
+            <a:endParaRPr lang="pt-BR" dirty="0" smtClean="0">
+              <a:solidFill>
+                <a:schemeClr val="tx1"/>
+              </a:solidFill>
+            </a:endParaRPr>
+          </a:p>
+          <a:p>
+            <a:pPr algn="ctr"/>
+            <a:endParaRPr lang="pt-BR" dirty="0">
+              <a:solidFill>
+                <a:schemeClr val="tx1"/>
+              </a:solidFill>
+            </a:endParaRPr>
+          </a:p>
+          <a:p>
+            <a:pPr algn="ctr"/>
+            <a:endParaRPr lang="pt-BR" dirty="0" smtClean="0">
+              <a:solidFill>
+                <a:schemeClr val="tx1"/>
+              </a:solidFill>
+            </a:endParaRPr>
+          </a:p>
+          <a:p>
+            <a:pPr algn="ctr"/>
+            <a:endParaRPr lang="pt-BR" dirty="0">
+              <a:solidFill>
+                <a:schemeClr val="tx1"/>
+              </a:solidFill>
+            </a:endParaRPr>
+          </a:p>
+          <a:p>
+            <a:pPr algn="ctr"/>
+            <a:endParaRPr lang="pt-BR" dirty="0" smtClean="0">
+              <a:solidFill>
+                <a:schemeClr val="tx1"/>
+              </a:solidFill>
+            </a:endParaRPr>
+          </a:p>
+          <a:p>
+            <a:pPr algn="ctr"/>
+            <a:endParaRPr lang="pt-BR" dirty="0">
+              <a:solidFill>
+                <a:schemeClr val="tx1"/>
+              </a:solidFill>
+            </a:endParaRPr>
+          </a:p>
+          <a:p>
+            <a:pPr algn="ctr"/>
+            <a:endParaRPr lang="pt-BR" dirty="0" smtClean="0">
+              <a:solidFill>
+                <a:schemeClr val="tx1"/>
+              </a:solidFill>
+            </a:endParaRPr>
+          </a:p>
+          <a:p>
+            <a:pPr algn="ctr"/>
+            <a:endParaRPr lang="pt-BR" dirty="0">
+              <a:solidFill>
+                <a:schemeClr val="tx1"/>
+              </a:solidFill>
+            </a:endParaRPr>
+          </a:p>
+          <a:p>
+            <a:pPr algn="ctr"/>
+            <a:r>
+              <a:rPr lang="pt-BR" dirty="0" smtClean="0">
+                <a:solidFill>
+                  <a:schemeClr val="tx1"/>
+                </a:solidFill>
+              </a:rPr>
+              <a:t>			Região 1</a:t>
+            </a:r>
+            <a:endParaRPr lang="pt-BR" dirty="0">
+              <a:solidFill>
+                <a:schemeClr val="tx1"/>
+              </a:solidFill>
+            </a:endParaRPr>
+          </a:p>
+        </p:txBody>
+      </p:sp>
+      <p:sp>
+        <p:nvSpPr>
+          <p:cNvPr id="7" name="Rosto feliz 6"/>
+          <p:cNvSpPr/>
+          <p:nvPr/>
+        </p:nvSpPr>
+        <p:spPr>
+          <a:xfrm>
+            <a:off x="4276463" y="1711356"/>
+            <a:ext cx="457200" cy="421500"/>
+          </a:xfrm>
+          <a:prstGeom prst="smileyFace">
+            <a:avLst/>
+          </a:prstGeom>
+          <a:solidFill>
+            <a:schemeClr val="bg1"/>
+          </a:solidFill>
+        </p:spPr>
+        <p:style>
+          <a:lnRef idx="2">
+            <a:schemeClr val="accent1">
+              <a:shade val="50000"/>
+            </a:schemeClr>
+          </a:lnRef>
+          <a:fillRef idx="1">
+            <a:schemeClr val="accent1"/>
+          </a:fillRef>
+          <a:effectRef idx="0">
+            <a:schemeClr val="accent1"/>
+          </a:effectRef>
+          <a:fontRef idx="minor">
+            <a:schemeClr val="lt1"/>
+          </a:fontRef>
+        </p:style>
+        <p:txBody>
+          <a:bodyPr rtlCol="0" anchor="ctr"/>
+          <a:lstStyle/>
+          <a:p>
+            <a:pPr algn="ctr"/>
+            <a:endParaRPr lang="pt-BR"/>
+          </a:p>
+        </p:txBody>
+      </p:sp>
+      <p:sp>
+        <p:nvSpPr>
+          <p:cNvPr id="9" name="CaixaDeTexto 8"/>
+          <p:cNvSpPr txBox="1"/>
+          <p:nvPr/>
+        </p:nvSpPr>
+        <p:spPr>
+          <a:xfrm>
+            <a:off x="251520" y="5799990"/>
+            <a:ext cx="1631729" cy="369332"/>
+          </a:xfrm>
+          <a:prstGeom prst="rect">
+            <a:avLst/>
+          </a:prstGeom>
+          <a:noFill/>
+        </p:spPr>
+        <p:txBody>
+          <a:bodyPr wrap="none" rtlCol="0">
+            <a:spAutoFit/>
+          </a:bodyPr>
+          <a:lstStyle/>
+          <a:p>
+            <a:r>
+              <a:rPr lang="pt-BR" dirty="0" smtClean="0"/>
+              <a:t>Hora atual: </a:t>
+            </a:r>
+            <a:r>
+              <a:rPr lang="pt-BR" b="1" dirty="0" smtClean="0"/>
+              <a:t>12h</a:t>
+            </a:r>
+            <a:endParaRPr lang="pt-BR" b="1" dirty="0"/>
+          </a:p>
+        </p:txBody>
+      </p:sp>
+    </p:spTree>
+    <p:extLst>
+      <p:ext uri="{BB962C8B-B14F-4D97-AF65-F5344CB8AC3E}">
+        <p14:creationId xmlns:p14="http://schemas.microsoft.com/office/powerpoint/2010/main" val="1242803640"/>
+      </p:ext>
+    </p:extLst>
+  </p:cSld>
+  <p:clrMapOvr>
+    <a:masterClrMapping/>
+  </p:clrMapOvr>
+</p:sld>
+</file>
+
+<file path=ppt/slides/slide6.xml><?xml version="1.0" encoding="utf-8"?>
+<p:sld xmlns:a="http://schemas.openxmlformats.org/drawingml/2006/main" xmlns:r="http://schemas.openxmlformats.org/officeDocument/2006/relationships" xmlns:p="http://schemas.openxmlformats.org/presentationml/2006/main">
+  <p:cSld>
+    <p:spTree>
+      <p:nvGrpSpPr>
+        <p:cNvPr id="1" name=""/>
+        <p:cNvGrpSpPr/>
+        <p:nvPr/>
+      </p:nvGrpSpPr>
+      <p:grpSpPr>
+        <a:xfrm>
+          <a:off x="0" y="0"/>
+          <a:ext cx="0" cy="0"/>
+          <a:chOff x="0" y="0"/>
+          <a:chExt cx="0" cy="0"/>
+        </a:xfrm>
+      </p:grpSpPr>
+      <p:sp>
+        <p:nvSpPr>
+          <p:cNvPr id="2" name="Título 1"/>
+          <p:cNvSpPr>
+            <a:spLocks noGrp="1"/>
+          </p:cNvSpPr>
+          <p:nvPr>
+            <p:ph type="title"/>
+          </p:nvPr>
+        </p:nvSpPr>
+        <p:spPr/>
+        <p:txBody>
+          <a:bodyPr/>
+          <a:lstStyle/>
+          <a:p>
+            <a:r>
+              <a:rPr lang="pt-BR" dirty="0" smtClean="0"/>
+              <a:t>Mecânica do Jogo</a:t>
+            </a:r>
+            <a:endParaRPr lang="pt-BR" dirty="0"/>
+          </a:p>
+        </p:txBody>
+      </p:sp>
+      <p:sp>
+        <p:nvSpPr>
+          <p:cNvPr id="3" name="Espaço Reservado para Conteúdo 2"/>
+          <p:cNvSpPr>
+            <a:spLocks noGrp="1"/>
+          </p:cNvSpPr>
+          <p:nvPr>
+            <p:ph idx="1"/>
+          </p:nvPr>
+        </p:nvSpPr>
+        <p:spPr/>
+        <p:txBody>
+          <a:bodyPr/>
+          <a:lstStyle/>
+          <a:p>
+            <a:endParaRPr lang="pt-BR" dirty="0" smtClean="0"/>
+          </a:p>
+          <a:p>
+            <a:endParaRPr lang="pt-BR" dirty="0" smtClean="0"/>
+          </a:p>
+        </p:txBody>
+      </p:sp>
+      <p:sp>
+        <p:nvSpPr>
+          <p:cNvPr id="4" name="Forma livre 3"/>
+          <p:cNvSpPr/>
+          <p:nvPr/>
+        </p:nvSpPr>
+        <p:spPr>
+          <a:xfrm>
+            <a:off x="1403648" y="1628800"/>
+            <a:ext cx="2448604" cy="3060385"/>
+          </a:xfrm>
+          <a:custGeom>
+            <a:avLst/>
+            <a:gdLst>
+              <a:gd name="connsiteX0" fmla="*/ 285267 w 2448604"/>
+              <a:gd name="connsiteY0" fmla="*/ 1259493 h 3060385"/>
+              <a:gd name="connsiteX1" fmla="*/ 415895 w 2448604"/>
+              <a:gd name="connsiteY1" fmla="*/ 494383 h 3060385"/>
+              <a:gd name="connsiteX2" fmla="*/ 453218 w 2448604"/>
+              <a:gd name="connsiteY2" fmla="*/ 251787 h 3060385"/>
+              <a:gd name="connsiteX3" fmla="*/ 863765 w 2448604"/>
+              <a:gd name="connsiteY3" fmla="*/ 27852 h 3060385"/>
+              <a:gd name="connsiteX4" fmla="*/ 2132728 w 2448604"/>
+              <a:gd name="connsiteY4" fmla="*/ 177142 h 3060385"/>
+              <a:gd name="connsiteX5" fmla="*/ 2412646 w 2448604"/>
+              <a:gd name="connsiteY5" fmla="*/ 1576734 h 3060385"/>
+              <a:gd name="connsiteX6" fmla="*/ 1516907 w 2448604"/>
+              <a:gd name="connsiteY6" fmla="*/ 1222171 h 3060385"/>
+              <a:gd name="connsiteX7" fmla="*/ 919748 w 2448604"/>
+              <a:gd name="connsiteY7" fmla="*/ 1707363 h 3060385"/>
+              <a:gd name="connsiteX8" fmla="*/ 1125022 w 2448604"/>
+              <a:gd name="connsiteY8" fmla="*/ 3032310 h 3060385"/>
+              <a:gd name="connsiteX9" fmla="*/ 24009 w 2448604"/>
+              <a:gd name="connsiteY9" fmla="*/ 2528456 h 3060385"/>
+              <a:gd name="connsiteX10" fmla="*/ 359912 w 2448604"/>
+              <a:gd name="connsiteY10" fmla="*/ 1558073 h 3060385"/>
+              <a:gd name="connsiteX11" fmla="*/ 285267 w 2448604"/>
+              <a:gd name="connsiteY11" fmla="*/ 1259493 h 3060385"/>
+            </a:gdLst>
+            <a:ahLst/>
+            <a:cxnLst>
+              <a:cxn ang="0">
+                <a:pos x="connsiteX0" y="connsiteY0"/>
+              </a:cxn>
+              <a:cxn ang="0">
+                <a:pos x="connsiteX1" y="connsiteY1"/>
+              </a:cxn>
+              <a:cxn ang="0">
+                <a:pos x="connsiteX2" y="connsiteY2"/>
+              </a:cxn>
+              <a:cxn ang="0">
+                <a:pos x="connsiteX3" y="connsiteY3"/>
+              </a:cxn>
+              <a:cxn ang="0">
+                <a:pos x="connsiteX4" y="connsiteY4"/>
+              </a:cxn>
+              <a:cxn ang="0">
+                <a:pos x="connsiteX5" y="connsiteY5"/>
+              </a:cxn>
+              <a:cxn ang="0">
+                <a:pos x="connsiteX6" y="connsiteY6"/>
+              </a:cxn>
+              <a:cxn ang="0">
+                <a:pos x="connsiteX7" y="connsiteY7"/>
+              </a:cxn>
+              <a:cxn ang="0">
+                <a:pos x="connsiteX8" y="connsiteY8"/>
+              </a:cxn>
+              <a:cxn ang="0">
+                <a:pos x="connsiteX9" y="connsiteY9"/>
+              </a:cxn>
+              <a:cxn ang="0">
+                <a:pos x="connsiteX10" y="connsiteY10"/>
+              </a:cxn>
+              <a:cxn ang="0">
+                <a:pos x="connsiteX11" y="connsiteY11"/>
+              </a:cxn>
+            </a:cxnLst>
+            <a:rect l="l" t="t" r="r" b="b"/>
+            <a:pathLst>
+              <a:path w="2448604" h="3060385">
+                <a:moveTo>
+                  <a:pt x="285267" y="1259493"/>
+                </a:moveTo>
+                <a:cubicBezTo>
+                  <a:pt x="294597" y="1082211"/>
+                  <a:pt x="387903" y="662334"/>
+                  <a:pt x="415895" y="494383"/>
+                </a:cubicBezTo>
+                <a:cubicBezTo>
+                  <a:pt x="443887" y="326432"/>
+                  <a:pt x="378573" y="329542"/>
+                  <a:pt x="453218" y="251787"/>
+                </a:cubicBezTo>
+                <a:cubicBezTo>
+                  <a:pt x="527863" y="174032"/>
+                  <a:pt x="583847" y="40293"/>
+                  <a:pt x="863765" y="27852"/>
+                </a:cubicBezTo>
+                <a:cubicBezTo>
+                  <a:pt x="1143683" y="15411"/>
+                  <a:pt x="1874581" y="-81005"/>
+                  <a:pt x="2132728" y="177142"/>
+                </a:cubicBezTo>
+                <a:cubicBezTo>
+                  <a:pt x="2390875" y="435289"/>
+                  <a:pt x="2515283" y="1402563"/>
+                  <a:pt x="2412646" y="1576734"/>
+                </a:cubicBezTo>
+                <a:cubicBezTo>
+                  <a:pt x="2310009" y="1750906"/>
+                  <a:pt x="1765723" y="1200400"/>
+                  <a:pt x="1516907" y="1222171"/>
+                </a:cubicBezTo>
+                <a:cubicBezTo>
+                  <a:pt x="1268091" y="1243942"/>
+                  <a:pt x="985062" y="1405673"/>
+                  <a:pt x="919748" y="1707363"/>
+                </a:cubicBezTo>
+                <a:cubicBezTo>
+                  <a:pt x="854434" y="2009053"/>
+                  <a:pt x="1274312" y="2895461"/>
+                  <a:pt x="1125022" y="3032310"/>
+                </a:cubicBezTo>
+                <a:cubicBezTo>
+                  <a:pt x="975732" y="3169159"/>
+                  <a:pt x="151527" y="2774162"/>
+                  <a:pt x="24009" y="2528456"/>
+                </a:cubicBezTo>
+                <a:cubicBezTo>
+                  <a:pt x="-103509" y="2282750"/>
+                  <a:pt x="316369" y="1769567"/>
+                  <a:pt x="359912" y="1558073"/>
+                </a:cubicBezTo>
+                <a:cubicBezTo>
+                  <a:pt x="403455" y="1346579"/>
+                  <a:pt x="275937" y="1436775"/>
+                  <a:pt x="285267" y="1259493"/>
+                </a:cubicBezTo>
+                <a:close/>
+              </a:path>
+            </a:pathLst>
+          </a:custGeom>
+          <a:solidFill>
+            <a:schemeClr val="bg1"/>
+          </a:solidFill>
+          <a:ln>
+            <a:solidFill>
+              <a:srgbClr val="FF0000"/>
+            </a:solidFill>
+          </a:ln>
+        </p:spPr>
+        <p:style>
+          <a:lnRef idx="2">
+            <a:schemeClr val="accent1">
+              <a:shade val="50000"/>
+            </a:schemeClr>
+          </a:lnRef>
+          <a:fillRef idx="1">
+            <a:schemeClr val="accent1"/>
+          </a:fillRef>
+          <a:effectRef idx="0">
+            <a:schemeClr val="accent1"/>
+          </a:effectRef>
+          <a:fontRef idx="minor">
+            <a:schemeClr val="lt1"/>
+          </a:fontRef>
+        </p:style>
+        <p:txBody>
+          <a:bodyPr rtlCol="0" anchor="ctr"/>
+          <a:lstStyle/>
+          <a:p>
+            <a:pPr algn="ctr"/>
+            <a:endParaRPr lang="pt-BR" dirty="0" smtClean="0">
+              <a:solidFill>
+                <a:schemeClr val="tx1"/>
+              </a:solidFill>
+            </a:endParaRPr>
+          </a:p>
+          <a:p>
+            <a:pPr algn="ctr"/>
+            <a:endParaRPr lang="pt-BR" dirty="0">
+              <a:solidFill>
+                <a:schemeClr val="tx1"/>
+              </a:solidFill>
+            </a:endParaRPr>
+          </a:p>
+          <a:p>
+            <a:pPr algn="ctr"/>
+            <a:endParaRPr lang="pt-BR" dirty="0" smtClean="0">
+              <a:solidFill>
+                <a:schemeClr val="tx1"/>
+              </a:solidFill>
+            </a:endParaRPr>
+          </a:p>
+          <a:p>
+            <a:pPr algn="ctr"/>
+            <a:endParaRPr lang="pt-BR" dirty="0">
+              <a:solidFill>
+                <a:schemeClr val="tx1"/>
+              </a:solidFill>
+            </a:endParaRPr>
+          </a:p>
+          <a:p>
+            <a:pPr algn="ctr"/>
+            <a:endParaRPr lang="pt-BR" dirty="0" smtClean="0">
+              <a:solidFill>
+                <a:schemeClr val="tx1"/>
+              </a:solidFill>
+            </a:endParaRPr>
+          </a:p>
+          <a:p>
+            <a:pPr algn="ctr"/>
+            <a:endParaRPr lang="pt-BR" dirty="0">
+              <a:solidFill>
+                <a:schemeClr val="tx1"/>
+              </a:solidFill>
+            </a:endParaRPr>
+          </a:p>
+          <a:p>
+            <a:pPr algn="ctr"/>
+            <a:endParaRPr lang="pt-BR" dirty="0" smtClean="0">
+              <a:solidFill>
+                <a:schemeClr val="tx1"/>
+              </a:solidFill>
+            </a:endParaRPr>
+          </a:p>
+          <a:p>
+            <a:pPr algn="ctr"/>
+            <a:endParaRPr lang="pt-BR" dirty="0">
+              <a:solidFill>
+                <a:schemeClr val="tx1"/>
+              </a:solidFill>
+            </a:endParaRPr>
+          </a:p>
+          <a:p>
+            <a:pPr algn="ctr"/>
+            <a:r>
+              <a:rPr lang="pt-BR" dirty="0" smtClean="0">
+                <a:solidFill>
+                  <a:schemeClr val="tx1"/>
+                </a:solidFill>
+              </a:rPr>
+              <a:t>			Região 1</a:t>
+            </a:r>
+            <a:endParaRPr lang="pt-BR" dirty="0">
+              <a:solidFill>
+                <a:schemeClr val="tx1"/>
+              </a:solidFill>
+            </a:endParaRPr>
+          </a:p>
+        </p:txBody>
+      </p:sp>
+      <p:cxnSp>
+        <p:nvCxnSpPr>
+          <p:cNvPr id="6" name="Conector de seta reta 5"/>
+          <p:cNvCxnSpPr/>
+          <p:nvPr/>
+        </p:nvCxnSpPr>
+        <p:spPr>
+          <a:xfrm flipH="1">
+            <a:off x="1043608" y="2132856"/>
+            <a:ext cx="3168352" cy="2232248"/>
+          </a:xfrm>
+          <a:prstGeom prst="straightConnector1">
+            <a:avLst/>
+          </a:prstGeom>
+          <a:ln>
+            <a:tailEnd type="arrow"/>
+          </a:ln>
+        </p:spPr>
+        <p:style>
+          <a:lnRef idx="1">
+            <a:schemeClr val="accent1"/>
+          </a:lnRef>
+          <a:fillRef idx="0">
+            <a:schemeClr val="accent1"/>
+          </a:fillRef>
+          <a:effectRef idx="0">
+            <a:schemeClr val="accent1"/>
+          </a:effectRef>
+          <a:fontRef idx="minor">
+            <a:schemeClr val="tx1"/>
+          </a:fontRef>
+        </p:style>
+      </p:cxnSp>
+      <p:sp>
+        <p:nvSpPr>
+          <p:cNvPr id="7" name="Rosto feliz 6"/>
+          <p:cNvSpPr/>
+          <p:nvPr/>
+        </p:nvSpPr>
+        <p:spPr>
+          <a:xfrm>
+            <a:off x="586408" y="4421088"/>
+            <a:ext cx="457200" cy="421500"/>
+          </a:xfrm>
+          <a:prstGeom prst="smileyFace">
+            <a:avLst/>
+          </a:prstGeom>
+          <a:solidFill>
+            <a:schemeClr val="bg1"/>
+          </a:solidFill>
+        </p:spPr>
+        <p:style>
+          <a:lnRef idx="2">
+            <a:schemeClr val="accent1">
+              <a:shade val="50000"/>
+            </a:schemeClr>
+          </a:lnRef>
+          <a:fillRef idx="1">
+            <a:schemeClr val="accent1"/>
+          </a:fillRef>
+          <a:effectRef idx="0">
+            <a:schemeClr val="accent1"/>
+          </a:effectRef>
+          <a:fontRef idx="minor">
+            <a:schemeClr val="lt1"/>
+          </a:fontRef>
+        </p:style>
+        <p:txBody>
+          <a:bodyPr rtlCol="0" anchor="ctr"/>
+          <a:lstStyle/>
+          <a:p>
+            <a:pPr algn="ctr"/>
+            <a:endParaRPr lang="pt-BR"/>
+          </a:p>
+        </p:txBody>
+      </p:sp>
+      <p:sp>
+        <p:nvSpPr>
+          <p:cNvPr id="8" name="CaixaDeTexto 7"/>
+          <p:cNvSpPr txBox="1"/>
+          <p:nvPr/>
+        </p:nvSpPr>
+        <p:spPr>
+          <a:xfrm>
+            <a:off x="251520" y="5799990"/>
+            <a:ext cx="1928285" cy="369332"/>
+          </a:xfrm>
+          <a:prstGeom prst="rect">
+            <a:avLst/>
+          </a:prstGeom>
+          <a:noFill/>
+        </p:spPr>
+        <p:txBody>
+          <a:bodyPr wrap="none" rtlCol="0">
+            <a:spAutoFit/>
+          </a:bodyPr>
+          <a:lstStyle/>
+          <a:p>
+            <a:r>
+              <a:rPr lang="pt-BR" dirty="0" smtClean="0"/>
+              <a:t>Hora atual: </a:t>
+            </a:r>
+            <a:r>
+              <a:rPr lang="pt-BR" b="1" dirty="0" smtClean="0"/>
+              <a:t>12:01h</a:t>
+            </a:r>
+            <a:endParaRPr lang="pt-BR" b="1" dirty="0"/>
+          </a:p>
+        </p:txBody>
+      </p:sp>
+      <p:sp>
+        <p:nvSpPr>
+          <p:cNvPr id="5" name="Retângulo de cantos arredondados 4"/>
+          <p:cNvSpPr/>
+          <p:nvPr/>
+        </p:nvSpPr>
+        <p:spPr>
+          <a:xfrm>
+            <a:off x="5652120" y="1412776"/>
+            <a:ext cx="2304256" cy="4387214"/>
+          </a:xfrm>
+          <a:prstGeom prst="roundRect">
+            <a:avLst/>
+          </a:prstGeom>
+          <a:solidFill>
+            <a:schemeClr val="bg2"/>
+          </a:solidFill>
+        </p:spPr>
+        <p:style>
+          <a:lnRef idx="2">
+            <a:schemeClr val="accent1">
+              <a:shade val="50000"/>
+            </a:schemeClr>
+          </a:lnRef>
+          <a:fillRef idx="1">
+            <a:schemeClr val="accent1"/>
+          </a:fillRef>
+          <a:effectRef idx="0">
+            <a:schemeClr val="accent1"/>
+          </a:effectRef>
+          <a:fontRef idx="minor">
+            <a:schemeClr val="lt1"/>
+          </a:fontRef>
+        </p:style>
+        <p:txBody>
+          <a:bodyPr rtlCol="0" anchor="ctr"/>
+          <a:lstStyle/>
+          <a:p>
+            <a:pPr algn="ctr"/>
+            <a:endParaRPr lang="pt-BR" dirty="0"/>
+          </a:p>
+        </p:txBody>
+      </p:sp>
+      <p:sp>
+        <p:nvSpPr>
+          <p:cNvPr id="10" name="Retângulo 9"/>
+          <p:cNvSpPr/>
+          <p:nvPr/>
+        </p:nvSpPr>
+        <p:spPr>
+          <a:xfrm>
+            <a:off x="5916213" y="1711356"/>
+            <a:ext cx="1776069" cy="1621829"/>
+          </a:xfrm>
+          <a:prstGeom prst="rect">
+            <a:avLst/>
+          </a:prstGeom>
+          <a:solidFill>
+            <a:schemeClr val="bg2">
+              <a:lumMod val="90000"/>
+            </a:schemeClr>
+          </a:solidFill>
+          <a:ln w="28575">
+            <a:solidFill>
+              <a:srgbClr val="00B050"/>
+            </a:solidFill>
+          </a:ln>
+        </p:spPr>
+        <p:style>
+          <a:lnRef idx="2">
+            <a:schemeClr val="accent1">
+              <a:shade val="50000"/>
+            </a:schemeClr>
+          </a:lnRef>
+          <a:fillRef idx="1">
+            <a:schemeClr val="accent1"/>
+          </a:fillRef>
+          <a:effectRef idx="0">
+            <a:schemeClr val="accent1"/>
+          </a:effectRef>
+          <a:fontRef idx="minor">
+            <a:schemeClr val="lt1"/>
+          </a:fontRef>
+        </p:style>
+        <p:txBody>
+          <a:bodyPr rtlCol="0" anchor="ctr"/>
+          <a:lstStyle/>
+          <a:p>
+            <a:pPr algn="ctr"/>
+            <a:endParaRPr lang="pt-BR"/>
+          </a:p>
+        </p:txBody>
+      </p:sp>
+      <p:sp>
+        <p:nvSpPr>
+          <p:cNvPr id="9" name="CaixaDeTexto 8"/>
+          <p:cNvSpPr txBox="1"/>
+          <p:nvPr/>
+        </p:nvSpPr>
+        <p:spPr>
+          <a:xfrm>
+            <a:off x="5916213" y="2132856"/>
+            <a:ext cx="1776069" cy="1200329"/>
+          </a:xfrm>
+          <a:prstGeom prst="rect">
+            <a:avLst/>
+          </a:prstGeom>
+          <a:noFill/>
+        </p:spPr>
+        <p:txBody>
+          <a:bodyPr wrap="square" rtlCol="0">
+            <a:spAutoFit/>
+          </a:bodyPr>
+          <a:lstStyle/>
+          <a:p>
+            <a:r>
+              <a:rPr lang="pt-BR" dirty="0" smtClean="0"/>
+              <a:t>Batalha pendente em “Região 1” às 15h! </a:t>
+            </a:r>
+            <a:endParaRPr lang="pt-BR" dirty="0"/>
+          </a:p>
+        </p:txBody>
+      </p:sp>
+      <p:sp>
+        <p:nvSpPr>
+          <p:cNvPr id="11" name="CaixaDeTexto 10"/>
+          <p:cNvSpPr txBox="1"/>
+          <p:nvPr/>
+        </p:nvSpPr>
+        <p:spPr>
+          <a:xfrm>
+            <a:off x="6132973" y="1763524"/>
+            <a:ext cx="1342547" cy="369332"/>
+          </a:xfrm>
+          <a:prstGeom prst="rect">
+            <a:avLst/>
+          </a:prstGeom>
+          <a:noFill/>
+        </p:spPr>
+        <p:txBody>
+          <a:bodyPr wrap="none" rtlCol="0">
+            <a:spAutoFit/>
+          </a:bodyPr>
+          <a:lstStyle/>
+          <a:p>
+            <a:r>
+              <a:rPr lang="pt-BR" b="1" u="sng" dirty="0" smtClean="0"/>
+              <a:t>Notificação!</a:t>
+            </a:r>
+            <a:endParaRPr lang="pt-BR" b="1" u="sng" dirty="0"/>
+          </a:p>
+        </p:txBody>
+      </p:sp>
+      <p:sp>
+        <p:nvSpPr>
+          <p:cNvPr id="12" name="Elipse 11"/>
+          <p:cNvSpPr/>
+          <p:nvPr/>
+        </p:nvSpPr>
+        <p:spPr>
+          <a:xfrm>
+            <a:off x="6588224" y="5085184"/>
+            <a:ext cx="504056" cy="504056"/>
+          </a:xfrm>
+          <a:prstGeom prst="ellipse">
+            <a:avLst/>
+          </a:prstGeom>
+        </p:spPr>
+        <p:style>
+          <a:lnRef idx="2">
+            <a:schemeClr val="accent1">
+              <a:shade val="50000"/>
+            </a:schemeClr>
+          </a:lnRef>
+          <a:fillRef idx="1">
+            <a:schemeClr val="accent1"/>
+          </a:fillRef>
+          <a:effectRef idx="0">
+            <a:schemeClr val="accent1"/>
+          </a:effectRef>
+          <a:fontRef idx="minor">
+            <a:schemeClr val="lt1"/>
+          </a:fontRef>
+        </p:style>
+        <p:txBody>
+          <a:bodyPr rtlCol="0" anchor="ctr"/>
+          <a:lstStyle/>
+          <a:p>
+            <a:pPr algn="ctr"/>
+            <a:endParaRPr lang="pt-BR"/>
+          </a:p>
+        </p:txBody>
+      </p:sp>
+    </p:spTree>
+    <p:extLst>
+      <p:ext uri="{BB962C8B-B14F-4D97-AF65-F5344CB8AC3E}">
+        <p14:creationId xmlns:p14="http://schemas.microsoft.com/office/powerpoint/2010/main" val="525030691"/>
+      </p:ext>
+    </p:extLst>
+  </p:cSld>
+  <p:clrMapOvr>
+    <a:masterClrMapping/>
+  </p:clrMapOvr>
+</p:sld>
+</file>
+
+<file path=ppt/slides/slide7.xml><?xml version="1.0" encoding="utf-8"?>
+<p:sld xmlns:a="http://schemas.openxmlformats.org/drawingml/2006/main" xmlns:r="http://schemas.openxmlformats.org/officeDocument/2006/relationships" xmlns:p="http://schemas.openxmlformats.org/presentationml/2006/main">
+  <p:cSld>
+    <p:spTree>
+      <p:nvGrpSpPr>
+        <p:cNvPr id="1" name=""/>
+        <p:cNvGrpSpPr/>
+        <p:nvPr/>
+      </p:nvGrpSpPr>
+      <p:grpSpPr>
+        <a:xfrm>
+          <a:off x="0" y="0"/>
+          <a:ext cx="0" cy="0"/>
+          <a:chOff x="0" y="0"/>
+          <a:chExt cx="0" cy="0"/>
+        </a:xfrm>
+      </p:grpSpPr>
+      <p:sp>
+        <p:nvSpPr>
+          <p:cNvPr id="2" name="Título 1"/>
+          <p:cNvSpPr>
+            <a:spLocks noGrp="1"/>
+          </p:cNvSpPr>
+          <p:nvPr>
+            <p:ph type="title"/>
+          </p:nvPr>
+        </p:nvSpPr>
+        <p:spPr/>
+        <p:txBody>
+          <a:bodyPr/>
+          <a:lstStyle/>
+          <a:p>
+            <a:r>
+              <a:rPr lang="pt-BR" dirty="0"/>
+              <a:t>Mecânica do Jogo</a:t>
+            </a:r>
+          </a:p>
+        </p:txBody>
+      </p:sp>
+      <p:sp>
+        <p:nvSpPr>
+          <p:cNvPr id="3" name="Espaço Reservado para Conteúdo 2"/>
+          <p:cNvSpPr>
+            <a:spLocks noGrp="1"/>
+          </p:cNvSpPr>
+          <p:nvPr>
+            <p:ph idx="1"/>
+          </p:nvPr>
+        </p:nvSpPr>
+        <p:spPr/>
+        <p:txBody>
+          <a:bodyPr/>
+          <a:lstStyle/>
+          <a:p>
+            <a:endParaRPr lang="pt-BR" dirty="0" smtClean="0"/>
+          </a:p>
+          <a:p>
+            <a:endParaRPr lang="pt-BR" dirty="0" smtClean="0"/>
+          </a:p>
+        </p:txBody>
+      </p:sp>
+      <p:sp>
+        <p:nvSpPr>
+          <p:cNvPr id="7" name="Rosto feliz 6"/>
+          <p:cNvSpPr/>
+          <p:nvPr/>
+        </p:nvSpPr>
+        <p:spPr>
+          <a:xfrm>
+            <a:off x="3347864" y="5378490"/>
+            <a:ext cx="457200" cy="421500"/>
+          </a:xfrm>
+          <a:prstGeom prst="smileyFace">
+            <a:avLst/>
+          </a:prstGeom>
+          <a:solidFill>
+            <a:schemeClr val="bg1"/>
+          </a:solidFill>
+        </p:spPr>
+        <p:style>
+          <a:lnRef idx="2">
+            <a:schemeClr val="accent1">
+              <a:shade val="50000"/>
+            </a:schemeClr>
+          </a:lnRef>
+          <a:fillRef idx="1">
+            <a:schemeClr val="accent1"/>
+          </a:fillRef>
+          <a:effectRef idx="0">
+            <a:schemeClr val="accent1"/>
+          </a:effectRef>
+          <a:fontRef idx="minor">
+            <a:schemeClr val="lt1"/>
+          </a:fontRef>
+        </p:style>
+        <p:txBody>
+          <a:bodyPr rtlCol="0" anchor="ctr"/>
+          <a:lstStyle/>
+          <a:p>
+            <a:pPr algn="ctr"/>
+            <a:endParaRPr lang="pt-BR"/>
+          </a:p>
+        </p:txBody>
+      </p:sp>
+      <p:sp>
+        <p:nvSpPr>
+          <p:cNvPr id="8" name="CaixaDeTexto 7"/>
+          <p:cNvSpPr txBox="1"/>
+          <p:nvPr/>
+        </p:nvSpPr>
+        <p:spPr>
+          <a:xfrm>
+            <a:off x="251520" y="5799990"/>
+            <a:ext cx="1928285" cy="369332"/>
+          </a:xfrm>
+          <a:prstGeom prst="rect">
+            <a:avLst/>
+          </a:prstGeom>
+          <a:noFill/>
+        </p:spPr>
+        <p:txBody>
+          <a:bodyPr wrap="none" rtlCol="0">
+            <a:spAutoFit/>
+          </a:bodyPr>
+          <a:lstStyle/>
+          <a:p>
+            <a:r>
+              <a:rPr lang="pt-BR" dirty="0" smtClean="0"/>
+              <a:t>Hora atual: </a:t>
+            </a:r>
+            <a:r>
+              <a:rPr lang="pt-BR" b="1" dirty="0" smtClean="0"/>
+              <a:t>15:01h</a:t>
+            </a:r>
+            <a:endParaRPr lang="pt-BR" b="1" dirty="0"/>
+          </a:p>
+        </p:txBody>
+      </p:sp>
+      <p:sp>
+        <p:nvSpPr>
+          <p:cNvPr id="5" name="Retângulo de cantos arredondados 4"/>
+          <p:cNvSpPr/>
+          <p:nvPr/>
+        </p:nvSpPr>
+        <p:spPr>
+          <a:xfrm>
+            <a:off x="5652120" y="1412776"/>
+            <a:ext cx="2304256" cy="4387214"/>
+          </a:xfrm>
+          <a:prstGeom prst="roundRect">
+            <a:avLst/>
+          </a:prstGeom>
+          <a:solidFill>
+            <a:schemeClr val="bg2"/>
+          </a:solidFill>
+        </p:spPr>
+        <p:style>
+          <a:lnRef idx="2">
+            <a:schemeClr val="accent1">
+              <a:shade val="50000"/>
+            </a:schemeClr>
+          </a:lnRef>
+          <a:fillRef idx="1">
+            <a:schemeClr val="accent1"/>
+          </a:fillRef>
+          <a:effectRef idx="0">
+            <a:schemeClr val="accent1"/>
+          </a:effectRef>
+          <a:fontRef idx="minor">
+            <a:schemeClr val="lt1"/>
+          </a:fontRef>
+        </p:style>
+        <p:txBody>
+          <a:bodyPr rtlCol="0" anchor="ctr"/>
+          <a:lstStyle/>
+          <a:p>
+            <a:pPr algn="ctr"/>
+            <a:endParaRPr lang="pt-BR" dirty="0"/>
+          </a:p>
+        </p:txBody>
+      </p:sp>
+      <p:sp>
+        <p:nvSpPr>
+          <p:cNvPr id="10" name="Retângulo 9"/>
+          <p:cNvSpPr/>
+          <p:nvPr/>
+        </p:nvSpPr>
+        <p:spPr>
+          <a:xfrm>
+            <a:off x="5916213" y="1711356"/>
+            <a:ext cx="1776069" cy="1621829"/>
+          </a:xfrm>
+          <a:prstGeom prst="rect">
+            <a:avLst/>
+          </a:prstGeom>
+          <a:solidFill>
+            <a:schemeClr val="bg2">
+              <a:lumMod val="90000"/>
+            </a:schemeClr>
+          </a:solidFill>
+          <a:ln w="38100">
+            <a:solidFill>
+              <a:srgbClr val="FF0000"/>
+            </a:solidFill>
+          </a:ln>
+        </p:spPr>
+        <p:style>
+          <a:lnRef idx="2">
+            <a:schemeClr val="accent1">
+              <a:shade val="50000"/>
+            </a:schemeClr>
+          </a:lnRef>
+          <a:fillRef idx="1">
+            <a:schemeClr val="accent1"/>
+          </a:fillRef>
+          <a:effectRef idx="0">
+            <a:schemeClr val="accent1"/>
+          </a:effectRef>
+          <a:fontRef idx="minor">
+            <a:schemeClr val="lt1"/>
+          </a:fontRef>
+        </p:style>
+        <p:txBody>
+          <a:bodyPr rtlCol="0" anchor="ctr"/>
+          <a:lstStyle/>
+          <a:p>
+            <a:pPr algn="ctr"/>
+            <a:endParaRPr lang="pt-BR"/>
+          </a:p>
+        </p:txBody>
+      </p:sp>
+      <p:sp>
+        <p:nvSpPr>
+          <p:cNvPr id="9" name="CaixaDeTexto 8"/>
+          <p:cNvSpPr txBox="1"/>
+          <p:nvPr/>
+        </p:nvSpPr>
+        <p:spPr>
+          <a:xfrm>
+            <a:off x="5916213" y="2132856"/>
+            <a:ext cx="1776069" cy="923330"/>
+          </a:xfrm>
+          <a:prstGeom prst="rect">
+            <a:avLst/>
+          </a:prstGeom>
+          <a:noFill/>
+        </p:spPr>
+        <p:txBody>
+          <a:bodyPr wrap="square" rtlCol="0">
+            <a:spAutoFit/>
+          </a:bodyPr>
+          <a:lstStyle/>
+          <a:p>
+            <a:r>
+              <a:rPr lang="pt-BR" dirty="0" smtClean="0"/>
+              <a:t>Batalha da “Região 1” das 15h expirou!</a:t>
+            </a:r>
+            <a:endParaRPr lang="pt-BR" dirty="0"/>
+          </a:p>
+        </p:txBody>
+      </p:sp>
+      <p:sp>
+        <p:nvSpPr>
+          <p:cNvPr id="11" name="CaixaDeTexto 10"/>
+          <p:cNvSpPr txBox="1"/>
+          <p:nvPr/>
+        </p:nvSpPr>
+        <p:spPr>
+          <a:xfrm>
+            <a:off x="6132973" y="1763524"/>
+            <a:ext cx="1342547" cy="369332"/>
+          </a:xfrm>
+          <a:prstGeom prst="rect">
+            <a:avLst/>
+          </a:prstGeom>
+          <a:noFill/>
+        </p:spPr>
+        <p:txBody>
+          <a:bodyPr wrap="none" rtlCol="0">
+            <a:spAutoFit/>
+          </a:bodyPr>
+          <a:lstStyle/>
+          <a:p>
+            <a:r>
+              <a:rPr lang="pt-BR" b="1" u="sng" dirty="0" smtClean="0"/>
+              <a:t>Notificação!</a:t>
+            </a:r>
+            <a:endParaRPr lang="pt-BR" b="1" u="sng" dirty="0"/>
+          </a:p>
+        </p:txBody>
+      </p:sp>
+      <p:sp>
+        <p:nvSpPr>
+          <p:cNvPr id="12" name="Elipse 11"/>
+          <p:cNvSpPr/>
+          <p:nvPr/>
+        </p:nvSpPr>
+        <p:spPr>
+          <a:xfrm>
+            <a:off x="6588224" y="5085184"/>
+            <a:ext cx="504056" cy="504056"/>
+          </a:xfrm>
+          <a:prstGeom prst="ellipse">
+            <a:avLst/>
+          </a:prstGeom>
+        </p:spPr>
+        <p:style>
+          <a:lnRef idx="2">
+            <a:schemeClr val="accent1">
+              <a:shade val="50000"/>
+            </a:schemeClr>
+          </a:lnRef>
+          <a:fillRef idx="1">
+            <a:schemeClr val="accent1"/>
+          </a:fillRef>
+          <a:effectRef idx="0">
+            <a:schemeClr val="accent1"/>
+          </a:effectRef>
+          <a:fontRef idx="minor">
+            <a:schemeClr val="lt1"/>
+          </a:fontRef>
+        </p:style>
+        <p:txBody>
+          <a:bodyPr rtlCol="0" anchor="ctr"/>
+          <a:lstStyle/>
+          <a:p>
+            <a:pPr algn="ctr"/>
+            <a:endParaRPr lang="pt-BR"/>
+          </a:p>
+        </p:txBody>
+      </p:sp>
+    </p:spTree>
+    <p:extLst>
+      <p:ext uri="{BB962C8B-B14F-4D97-AF65-F5344CB8AC3E}">
+        <p14:creationId xmlns:p14="http://schemas.microsoft.com/office/powerpoint/2010/main" val="3182673923"/>
+      </p:ext>
+    </p:extLst>
+  </p:cSld>
+  <p:clrMapOvr>
+    <a:masterClrMapping/>
+  </p:clrMapOvr>
+</p:sld>
+</file>
+
+<file path=ppt/slides/slide8.xml><?xml version="1.0" encoding="utf-8"?>
+<p:sld xmlns:a="http://schemas.openxmlformats.org/drawingml/2006/main" xmlns:r="http://schemas.openxmlformats.org/officeDocument/2006/relationships" xmlns:p="http://schemas.openxmlformats.org/presentationml/2006/main">
+  <p:cSld>
+    <p:spTree>
+      <p:nvGrpSpPr>
+        <p:cNvPr id="1" name=""/>
+        <p:cNvGrpSpPr/>
+        <p:nvPr/>
+      </p:nvGrpSpPr>
+      <p:grpSpPr>
+        <a:xfrm>
+          <a:off x="0" y="0"/>
+          <a:ext cx="0" cy="0"/>
+          <a:chOff x="0" y="0"/>
+          <a:chExt cx="0" cy="0"/>
+        </a:xfrm>
+      </p:grpSpPr>
+      <p:sp>
+        <p:nvSpPr>
+          <p:cNvPr id="2" name="Título 1"/>
+          <p:cNvSpPr>
+            <a:spLocks noGrp="1"/>
+          </p:cNvSpPr>
+          <p:nvPr>
+            <p:ph type="title"/>
+          </p:nvPr>
+        </p:nvSpPr>
+        <p:spPr/>
+        <p:txBody>
+          <a:bodyPr/>
+          <a:lstStyle/>
+          <a:p>
+            <a:r>
+              <a:rPr lang="pt-BR" dirty="0"/>
+              <a:t>Mecânica do Jogo</a:t>
+            </a:r>
+          </a:p>
+        </p:txBody>
+      </p:sp>
+      <p:sp>
+        <p:nvSpPr>
+          <p:cNvPr id="3" name="Espaço Reservado para Conteúdo 2"/>
+          <p:cNvSpPr>
+            <a:spLocks noGrp="1"/>
+          </p:cNvSpPr>
+          <p:nvPr>
+            <p:ph idx="1"/>
+          </p:nvPr>
+        </p:nvSpPr>
+        <p:spPr/>
+        <p:txBody>
+          <a:bodyPr/>
+          <a:lstStyle/>
+          <a:p>
+            <a:endParaRPr lang="pt-BR" dirty="0" smtClean="0"/>
+          </a:p>
+          <a:p>
+            <a:endParaRPr lang="pt-BR" dirty="0" smtClean="0"/>
+          </a:p>
+        </p:txBody>
+      </p:sp>
+      <p:sp>
+        <p:nvSpPr>
+          <p:cNvPr id="7" name="Rosto feliz 6"/>
+          <p:cNvSpPr/>
+          <p:nvPr/>
+        </p:nvSpPr>
+        <p:spPr>
+          <a:xfrm>
+            <a:off x="4909118" y="1763524"/>
+            <a:ext cx="457200" cy="421500"/>
+          </a:xfrm>
+          <a:prstGeom prst="smileyFace">
+            <a:avLst/>
+          </a:prstGeom>
+          <a:solidFill>
+            <a:schemeClr val="bg1"/>
+          </a:solidFill>
+        </p:spPr>
+        <p:style>
+          <a:lnRef idx="2">
+            <a:schemeClr val="accent1">
+              <a:shade val="50000"/>
+            </a:schemeClr>
+          </a:lnRef>
+          <a:fillRef idx="1">
+            <a:schemeClr val="accent1"/>
+          </a:fillRef>
+          <a:effectRef idx="0">
+            <a:schemeClr val="accent1"/>
+          </a:effectRef>
+          <a:fontRef idx="minor">
+            <a:schemeClr val="lt1"/>
+          </a:fontRef>
+        </p:style>
+        <p:txBody>
+          <a:bodyPr rtlCol="0" anchor="ctr"/>
+          <a:lstStyle/>
+          <a:p>
+            <a:pPr algn="ctr"/>
+            <a:endParaRPr lang="pt-BR"/>
+          </a:p>
+        </p:txBody>
+      </p:sp>
+      <p:sp>
+        <p:nvSpPr>
+          <p:cNvPr id="8" name="CaixaDeTexto 7"/>
+          <p:cNvSpPr txBox="1"/>
+          <p:nvPr/>
+        </p:nvSpPr>
+        <p:spPr>
+          <a:xfrm>
+            <a:off x="251520" y="5799990"/>
+            <a:ext cx="1931491" cy="369332"/>
+          </a:xfrm>
+          <a:prstGeom prst="rect">
+            <a:avLst/>
+          </a:prstGeom>
+          <a:noFill/>
+        </p:spPr>
+        <p:txBody>
+          <a:bodyPr wrap="none" rtlCol="0">
+            <a:spAutoFit/>
+          </a:bodyPr>
+          <a:lstStyle/>
+          <a:p>
+            <a:r>
+              <a:rPr lang="pt-BR" dirty="0" smtClean="0"/>
+              <a:t>Hora atual: </a:t>
+            </a:r>
+            <a:r>
+              <a:rPr lang="pt-BR" b="1" dirty="0" smtClean="0"/>
+              <a:t>14:13h</a:t>
+            </a:r>
+            <a:endParaRPr lang="pt-BR" b="1" dirty="0"/>
+          </a:p>
+        </p:txBody>
+      </p:sp>
+      <p:sp>
+        <p:nvSpPr>
+          <p:cNvPr id="5" name="Retângulo de cantos arredondados 4"/>
+          <p:cNvSpPr/>
+          <p:nvPr/>
+        </p:nvSpPr>
+        <p:spPr>
+          <a:xfrm>
+            <a:off x="5652120" y="1412776"/>
+            <a:ext cx="2304256" cy="4387214"/>
+          </a:xfrm>
+          <a:prstGeom prst="roundRect">
+            <a:avLst/>
+          </a:prstGeom>
+          <a:solidFill>
+            <a:schemeClr val="bg2"/>
+          </a:solidFill>
+        </p:spPr>
+        <p:style>
+          <a:lnRef idx="2">
+            <a:schemeClr val="accent1">
+              <a:shade val="50000"/>
+            </a:schemeClr>
+          </a:lnRef>
+          <a:fillRef idx="1">
+            <a:schemeClr val="accent1"/>
+          </a:fillRef>
+          <a:effectRef idx="0">
+            <a:schemeClr val="accent1"/>
+          </a:effectRef>
+          <a:fontRef idx="minor">
+            <a:schemeClr val="lt1"/>
+          </a:fontRef>
+        </p:style>
+        <p:txBody>
+          <a:bodyPr rtlCol="0" anchor="ctr"/>
+          <a:lstStyle/>
+          <a:p>
+            <a:pPr algn="ctr"/>
+            <a:endParaRPr lang="pt-BR" dirty="0"/>
+          </a:p>
+        </p:txBody>
+      </p:sp>
+      <p:sp>
+        <p:nvSpPr>
+          <p:cNvPr id="10" name="Retângulo 9"/>
+          <p:cNvSpPr/>
+          <p:nvPr/>
+        </p:nvSpPr>
+        <p:spPr>
+          <a:xfrm>
+            <a:off x="5916213" y="1711356"/>
+            <a:ext cx="1776069" cy="3157804"/>
+          </a:xfrm>
+          <a:prstGeom prst="rect">
+            <a:avLst/>
+          </a:prstGeom>
+          <a:solidFill>
+            <a:schemeClr val="bg2">
+              <a:lumMod val="90000"/>
+            </a:schemeClr>
+          </a:solidFill>
+          <a:ln w="38100">
+            <a:solidFill>
+              <a:srgbClr val="0070C0"/>
+            </a:solidFill>
+          </a:ln>
+        </p:spPr>
+        <p:style>
+          <a:lnRef idx="2">
+            <a:schemeClr val="accent1">
+              <a:shade val="50000"/>
+            </a:schemeClr>
+          </a:lnRef>
+          <a:fillRef idx="1">
+            <a:schemeClr val="accent1"/>
+          </a:fillRef>
+          <a:effectRef idx="0">
+            <a:schemeClr val="accent1"/>
+          </a:effectRef>
+          <a:fontRef idx="minor">
+            <a:schemeClr val="lt1"/>
+          </a:fontRef>
+        </p:style>
+        <p:txBody>
+          <a:bodyPr rtlCol="0" anchor="ctr"/>
+          <a:lstStyle/>
+          <a:p>
+            <a:pPr algn="ctr"/>
+            <a:endParaRPr lang="pt-BR"/>
+          </a:p>
+        </p:txBody>
+      </p:sp>
+      <p:sp>
+        <p:nvSpPr>
+          <p:cNvPr id="9" name="CaixaDeTexto 8"/>
+          <p:cNvSpPr txBox="1"/>
+          <p:nvPr/>
+        </p:nvSpPr>
+        <p:spPr>
+          <a:xfrm>
+            <a:off x="5916213" y="2132856"/>
+            <a:ext cx="1776069" cy="646331"/>
+          </a:xfrm>
+          <a:prstGeom prst="rect">
+            <a:avLst/>
+          </a:prstGeom>
+          <a:noFill/>
+        </p:spPr>
+        <p:txBody>
+          <a:bodyPr wrap="square" rtlCol="0">
+            <a:spAutoFit/>
+          </a:bodyPr>
+          <a:lstStyle/>
+          <a:p>
+            <a:r>
+              <a:rPr lang="pt-BR" dirty="0" smtClean="0"/>
+              <a:t>Escolha um clã para atacar:</a:t>
+            </a:r>
+            <a:endParaRPr lang="pt-BR" dirty="0"/>
+          </a:p>
+        </p:txBody>
+      </p:sp>
+      <p:sp>
+        <p:nvSpPr>
+          <p:cNvPr id="11" name="CaixaDeTexto 10"/>
+          <p:cNvSpPr txBox="1"/>
+          <p:nvPr/>
+        </p:nvSpPr>
+        <p:spPr>
+          <a:xfrm>
+            <a:off x="6300192" y="1763524"/>
+            <a:ext cx="998800" cy="369332"/>
+          </a:xfrm>
+          <a:prstGeom prst="rect">
+            <a:avLst/>
+          </a:prstGeom>
+          <a:noFill/>
+        </p:spPr>
+        <p:txBody>
+          <a:bodyPr wrap="none" rtlCol="0">
+            <a:spAutoFit/>
+          </a:bodyPr>
+          <a:lstStyle/>
+          <a:p>
+            <a:r>
+              <a:rPr lang="pt-BR" b="1" u="sng" dirty="0" smtClean="0"/>
+              <a:t>Região 1</a:t>
+            </a:r>
+            <a:endParaRPr lang="pt-BR" b="1" u="sng" dirty="0"/>
+          </a:p>
+        </p:txBody>
+      </p:sp>
+      <p:sp>
+        <p:nvSpPr>
+          <p:cNvPr id="12" name="Elipse 11"/>
+          <p:cNvSpPr/>
+          <p:nvPr/>
+        </p:nvSpPr>
+        <p:spPr>
+          <a:xfrm>
+            <a:off x="6588224" y="5085184"/>
+            <a:ext cx="504056" cy="504056"/>
+          </a:xfrm>
+          <a:prstGeom prst="ellipse">
+            <a:avLst/>
+          </a:prstGeom>
+        </p:spPr>
+        <p:style>
+          <a:lnRef idx="2">
+            <a:schemeClr val="accent1">
+              <a:shade val="50000"/>
+            </a:schemeClr>
+          </a:lnRef>
+          <a:fillRef idx="1">
+            <a:schemeClr val="accent1"/>
+          </a:fillRef>
+          <a:effectRef idx="0">
+            <a:schemeClr val="accent1"/>
+          </a:effectRef>
+          <a:fontRef idx="minor">
+            <a:schemeClr val="lt1"/>
+          </a:fontRef>
+        </p:style>
+        <p:txBody>
+          <a:bodyPr rtlCol="0" anchor="ctr"/>
+          <a:lstStyle/>
+          <a:p>
+            <a:pPr algn="ctr"/>
+            <a:endParaRPr lang="pt-BR"/>
+          </a:p>
+        </p:txBody>
+      </p:sp>
+      <p:sp>
+        <p:nvSpPr>
+          <p:cNvPr id="4" name="Retângulo de cantos arredondados 3"/>
+          <p:cNvSpPr/>
+          <p:nvPr/>
+        </p:nvSpPr>
+        <p:spPr>
+          <a:xfrm>
+            <a:off x="6060229" y="3212976"/>
+            <a:ext cx="672011" cy="642798"/>
+          </a:xfrm>
+          <a:prstGeom prst="roundRect">
+            <a:avLst/>
+          </a:prstGeom>
+          <a:solidFill>
+            <a:schemeClr val="bg1">
+              <a:lumMod val="75000"/>
+            </a:schemeClr>
+          </a:solidFill>
+        </p:spPr>
+        <p:style>
+          <a:lnRef idx="2">
+            <a:schemeClr val="accent1">
+              <a:shade val="50000"/>
+            </a:schemeClr>
+          </a:lnRef>
+          <a:fillRef idx="1">
+            <a:schemeClr val="accent1"/>
+          </a:fillRef>
+          <a:effectRef idx="0">
+            <a:schemeClr val="accent1"/>
+          </a:effectRef>
+          <a:fontRef idx="minor">
+            <a:schemeClr val="lt1"/>
+          </a:fontRef>
+        </p:style>
+        <p:txBody>
+          <a:bodyPr rtlCol="0" anchor="ctr"/>
+          <a:lstStyle/>
+          <a:p>
+            <a:pPr algn="ctr"/>
+            <a:endParaRPr lang="pt-BR"/>
+          </a:p>
+        </p:txBody>
+      </p:sp>
+      <p:sp>
+        <p:nvSpPr>
+          <p:cNvPr id="13" name="Retângulo de cantos arredondados 12"/>
+          <p:cNvSpPr/>
+          <p:nvPr/>
+        </p:nvSpPr>
+        <p:spPr>
+          <a:xfrm>
+            <a:off x="6852317" y="3212976"/>
+            <a:ext cx="672011" cy="642798"/>
+          </a:xfrm>
+          <a:prstGeom prst="roundRect">
+            <a:avLst/>
+          </a:prstGeom>
+          <a:solidFill>
+            <a:schemeClr val="bg1">
+              <a:lumMod val="75000"/>
+            </a:schemeClr>
+          </a:solidFill>
+        </p:spPr>
+        <p:style>
+          <a:lnRef idx="2">
+            <a:schemeClr val="accent1">
+              <a:shade val="50000"/>
+            </a:schemeClr>
+          </a:lnRef>
+          <a:fillRef idx="1">
+            <a:schemeClr val="accent1"/>
+          </a:fillRef>
+          <a:effectRef idx="0">
+            <a:schemeClr val="accent1"/>
+          </a:effectRef>
+          <a:fontRef idx="minor">
+            <a:schemeClr val="lt1"/>
+          </a:fontRef>
+        </p:style>
+        <p:txBody>
+          <a:bodyPr rtlCol="0" anchor="ctr"/>
+          <a:lstStyle/>
+          <a:p>
+            <a:pPr algn="ctr"/>
+            <a:endParaRPr lang="pt-BR"/>
+          </a:p>
+        </p:txBody>
+      </p:sp>
+      <p:sp>
+        <p:nvSpPr>
+          <p:cNvPr id="6" name="CaixaDeTexto 5"/>
+          <p:cNvSpPr txBox="1"/>
+          <p:nvPr/>
+        </p:nvSpPr>
+        <p:spPr>
+          <a:xfrm>
+            <a:off x="6882806" y="3349709"/>
+            <a:ext cx="641522" cy="369332"/>
+          </a:xfrm>
+          <a:prstGeom prst="rect">
+            <a:avLst/>
+          </a:prstGeom>
+          <a:noFill/>
+        </p:spPr>
+        <p:txBody>
+          <a:bodyPr wrap="none" rtlCol="0">
+            <a:spAutoFit/>
+          </a:bodyPr>
+          <a:lstStyle/>
+          <a:p>
+            <a:r>
+              <a:rPr lang="pt-BR" dirty="0" smtClean="0"/>
+              <a:t>Clã 2</a:t>
+            </a:r>
+            <a:endParaRPr lang="pt-BR" dirty="0"/>
+          </a:p>
+        </p:txBody>
+      </p:sp>
+      <p:sp>
+        <p:nvSpPr>
+          <p:cNvPr id="14" name="CaixaDeTexto 13"/>
+          <p:cNvSpPr txBox="1"/>
+          <p:nvPr/>
+        </p:nvSpPr>
+        <p:spPr>
+          <a:xfrm>
+            <a:off x="6060229" y="3349709"/>
+            <a:ext cx="641522" cy="369332"/>
+          </a:xfrm>
+          <a:prstGeom prst="rect">
+            <a:avLst/>
+          </a:prstGeom>
+          <a:noFill/>
+        </p:spPr>
+        <p:txBody>
+          <a:bodyPr wrap="none" rtlCol="0">
+            <a:spAutoFit/>
+          </a:bodyPr>
+          <a:lstStyle/>
+          <a:p>
+            <a:r>
+              <a:rPr lang="pt-BR" dirty="0" smtClean="0"/>
+              <a:t>Clã 1</a:t>
+            </a:r>
+            <a:endParaRPr lang="pt-BR" dirty="0"/>
+          </a:p>
+        </p:txBody>
+      </p:sp>
+    </p:spTree>
+    <p:extLst>
+      <p:ext uri="{BB962C8B-B14F-4D97-AF65-F5344CB8AC3E}">
+        <p14:creationId xmlns:p14="http://schemas.microsoft.com/office/powerpoint/2010/main" val="3514762499"/>
+      </p:ext>
+    </p:extLst>
+  </p:cSld>
+  <p:clrMapOvr>
+    <a:masterClrMapping/>
+  </p:clrMapOvr>
+</p:sld>
+</file>
+
+<file path=ppt/slides/slide9.xml><?xml version="1.0" encoding="utf-8"?>
+<p:sld xmlns:a="http://schemas.openxmlformats.org/drawingml/2006/main" xmlns:r="http://schemas.openxmlformats.org/officeDocument/2006/relationships" xmlns:p="http://schemas.openxmlformats.org/presentationml/2006/main">
+  <p:cSld>
+    <p:spTree>
+      <p:nvGrpSpPr>
+        <p:cNvPr id="1" name=""/>
+        <p:cNvGrpSpPr/>
+        <p:nvPr/>
+      </p:nvGrpSpPr>
+      <p:grpSpPr>
+        <a:xfrm>
+          <a:off x="0" y="0"/>
+          <a:ext cx="0" cy="0"/>
+          <a:chOff x="0" y="0"/>
+          <a:chExt cx="0" cy="0"/>
+        </a:xfrm>
+      </p:grpSpPr>
+      <p:sp>
+        <p:nvSpPr>
+          <p:cNvPr id="2" name="Título 1"/>
+          <p:cNvSpPr>
+            <a:spLocks noGrp="1"/>
+          </p:cNvSpPr>
+          <p:nvPr>
+            <p:ph type="title"/>
+          </p:nvPr>
+        </p:nvSpPr>
+        <p:spPr/>
+        <p:txBody>
+          <a:bodyPr/>
+          <a:lstStyle/>
+          <a:p>
+            <a:r>
+              <a:rPr lang="pt-BR" dirty="0"/>
+              <a:t>Mecânica do Jogo</a:t>
+            </a:r>
+          </a:p>
+        </p:txBody>
+      </p:sp>
+      <p:sp>
+        <p:nvSpPr>
+          <p:cNvPr id="3" name="Espaço Reservado para Conteúdo 2"/>
+          <p:cNvSpPr>
+            <a:spLocks noGrp="1"/>
+          </p:cNvSpPr>
+          <p:nvPr>
+            <p:ph idx="1"/>
+          </p:nvPr>
+        </p:nvSpPr>
+        <p:spPr/>
+        <p:txBody>
+          <a:bodyPr/>
+          <a:lstStyle/>
+          <a:p>
+            <a:endParaRPr lang="pt-BR" dirty="0" smtClean="0"/>
+          </a:p>
+          <a:p>
+            <a:endParaRPr lang="pt-BR" dirty="0" smtClean="0"/>
+          </a:p>
+        </p:txBody>
+      </p:sp>
+      <p:sp>
+        <p:nvSpPr>
+          <p:cNvPr id="7" name="Rosto feliz 6"/>
+          <p:cNvSpPr/>
+          <p:nvPr/>
+        </p:nvSpPr>
+        <p:spPr>
+          <a:xfrm>
+            <a:off x="4909118" y="1763524"/>
+            <a:ext cx="457200" cy="421500"/>
+          </a:xfrm>
+          <a:prstGeom prst="smileyFace">
+            <a:avLst/>
+          </a:prstGeom>
+          <a:solidFill>
+            <a:schemeClr val="bg1"/>
+          </a:solidFill>
+        </p:spPr>
+        <p:style>
+          <a:lnRef idx="2">
+            <a:schemeClr val="accent1">
+              <a:shade val="50000"/>
+            </a:schemeClr>
+          </a:lnRef>
+          <a:fillRef idx="1">
+            <a:schemeClr val="accent1"/>
+          </a:fillRef>
+          <a:effectRef idx="0">
+            <a:schemeClr val="accent1"/>
+          </a:effectRef>
+          <a:fontRef idx="minor">
+            <a:schemeClr val="lt1"/>
+          </a:fontRef>
+        </p:style>
+        <p:txBody>
+          <a:bodyPr rtlCol="0" anchor="ctr"/>
+          <a:lstStyle/>
+          <a:p>
+            <a:pPr algn="ctr"/>
+            <a:endParaRPr lang="pt-BR"/>
+          </a:p>
+        </p:txBody>
+      </p:sp>
+      <p:sp>
+        <p:nvSpPr>
+          <p:cNvPr id="8" name="CaixaDeTexto 7"/>
+          <p:cNvSpPr txBox="1"/>
+          <p:nvPr/>
+        </p:nvSpPr>
+        <p:spPr>
+          <a:xfrm>
+            <a:off x="251520" y="5799990"/>
+            <a:ext cx="1931491" cy="369332"/>
+          </a:xfrm>
+          <a:prstGeom prst="rect">
+            <a:avLst/>
+          </a:prstGeom>
+          <a:noFill/>
+        </p:spPr>
+        <p:txBody>
+          <a:bodyPr wrap="none" rtlCol="0">
+            <a:spAutoFit/>
+          </a:bodyPr>
+          <a:lstStyle/>
+          <a:p>
+            <a:r>
+              <a:rPr lang="pt-BR" dirty="0" smtClean="0"/>
+              <a:t>Hora atual: </a:t>
+            </a:r>
+            <a:r>
+              <a:rPr lang="pt-BR" b="1" dirty="0" smtClean="0"/>
+              <a:t>15:05h</a:t>
+            </a:r>
+            <a:endParaRPr lang="pt-BR" b="1" dirty="0"/>
+          </a:p>
+        </p:txBody>
+      </p:sp>
+      <p:sp>
+        <p:nvSpPr>
+          <p:cNvPr id="5" name="Retângulo de cantos arredondados 4"/>
+          <p:cNvSpPr/>
+          <p:nvPr/>
+        </p:nvSpPr>
+        <p:spPr>
+          <a:xfrm>
+            <a:off x="5652120" y="1412776"/>
+            <a:ext cx="2304256" cy="4387214"/>
+          </a:xfrm>
+          <a:prstGeom prst="roundRect">
+            <a:avLst/>
+          </a:prstGeom>
+          <a:solidFill>
+            <a:schemeClr val="bg2"/>
+          </a:solidFill>
+        </p:spPr>
+        <p:style>
+          <a:lnRef idx="2">
+            <a:schemeClr val="accent1">
+              <a:shade val="50000"/>
+            </a:schemeClr>
+          </a:lnRef>
+          <a:fillRef idx="1">
+            <a:schemeClr val="accent1"/>
+          </a:fillRef>
+          <a:effectRef idx="0">
+            <a:schemeClr val="accent1"/>
+          </a:effectRef>
+          <a:fontRef idx="minor">
+            <a:schemeClr val="lt1"/>
+          </a:fontRef>
+        </p:style>
+        <p:txBody>
+          <a:bodyPr rtlCol="0" anchor="ctr"/>
+          <a:lstStyle/>
+          <a:p>
+            <a:pPr algn="ctr"/>
+            <a:endParaRPr lang="pt-BR" dirty="0"/>
+          </a:p>
+        </p:txBody>
+      </p:sp>
+      <p:sp>
+        <p:nvSpPr>
+          <p:cNvPr id="10" name="Retângulo 9"/>
+          <p:cNvSpPr/>
+          <p:nvPr/>
+        </p:nvSpPr>
+        <p:spPr>
+          <a:xfrm>
+            <a:off x="5916213" y="1711356"/>
+            <a:ext cx="1776069" cy="3157804"/>
+          </a:xfrm>
+          <a:prstGeom prst="rect">
+            <a:avLst/>
+          </a:prstGeom>
+          <a:solidFill>
+            <a:schemeClr val="bg2">
+              <a:lumMod val="90000"/>
+            </a:schemeClr>
+          </a:solidFill>
+          <a:ln w="38100">
+            <a:solidFill>
+              <a:srgbClr val="0070C0"/>
+            </a:solidFill>
+          </a:ln>
+        </p:spPr>
+        <p:style>
+          <a:lnRef idx="2">
+            <a:schemeClr val="accent1">
+              <a:shade val="50000"/>
+            </a:schemeClr>
+          </a:lnRef>
+          <a:fillRef idx="1">
+            <a:schemeClr val="accent1"/>
+          </a:fillRef>
+          <a:effectRef idx="0">
+            <a:schemeClr val="accent1"/>
+          </a:effectRef>
+          <a:fontRef idx="minor">
+            <a:schemeClr val="lt1"/>
+          </a:fontRef>
+        </p:style>
+        <p:txBody>
+          <a:bodyPr rtlCol="0" anchor="ctr"/>
+          <a:lstStyle/>
+          <a:p>
+            <a:pPr algn="ctr"/>
+            <a:endParaRPr lang="pt-BR"/>
+          </a:p>
+        </p:txBody>
+      </p:sp>
+      <p:sp>
+        <p:nvSpPr>
+          <p:cNvPr id="11" name="CaixaDeTexto 10"/>
+          <p:cNvSpPr txBox="1"/>
+          <p:nvPr/>
+        </p:nvSpPr>
+        <p:spPr>
+          <a:xfrm>
+            <a:off x="6168978" y="1763524"/>
+            <a:ext cx="1342547" cy="369332"/>
+          </a:xfrm>
+          <a:prstGeom prst="rect">
+            <a:avLst/>
+          </a:prstGeom>
+          <a:noFill/>
+        </p:spPr>
+        <p:txBody>
+          <a:bodyPr wrap="none" rtlCol="0">
+            <a:spAutoFit/>
+          </a:bodyPr>
+          <a:lstStyle/>
+          <a:p>
+            <a:r>
+              <a:rPr lang="pt-BR" b="1" u="sng" dirty="0" smtClean="0"/>
+              <a:t>Notificação!</a:t>
+            </a:r>
+            <a:endParaRPr lang="pt-BR" b="1" u="sng" dirty="0"/>
+          </a:p>
+        </p:txBody>
+      </p:sp>
+      <p:sp>
+        <p:nvSpPr>
+          <p:cNvPr id="12" name="Elipse 11"/>
+          <p:cNvSpPr/>
+          <p:nvPr/>
+        </p:nvSpPr>
+        <p:spPr>
+          <a:xfrm>
+            <a:off x="6588224" y="5085184"/>
+            <a:ext cx="504056" cy="504056"/>
+          </a:xfrm>
+          <a:prstGeom prst="ellipse">
+            <a:avLst/>
+          </a:prstGeom>
+        </p:spPr>
+        <p:style>
+          <a:lnRef idx="2">
+            <a:schemeClr val="accent1">
+              <a:shade val="50000"/>
+            </a:schemeClr>
+          </a:lnRef>
+          <a:fillRef idx="1">
+            <a:schemeClr val="accent1"/>
+          </a:fillRef>
+          <a:effectRef idx="0">
+            <a:schemeClr val="accent1"/>
+          </a:effectRef>
+          <a:fontRef idx="minor">
+            <a:schemeClr val="lt1"/>
+          </a:fontRef>
+        </p:style>
+        <p:txBody>
+          <a:bodyPr rtlCol="0" anchor="ctr"/>
+          <a:lstStyle/>
+          <a:p>
+            <a:pPr algn="ctr"/>
+            <a:endParaRPr lang="pt-BR"/>
+          </a:p>
+        </p:txBody>
+      </p:sp>
+      <p:sp>
+        <p:nvSpPr>
+          <p:cNvPr id="15" name="CaixaDeTexto 14"/>
+          <p:cNvSpPr txBox="1"/>
+          <p:nvPr/>
+        </p:nvSpPr>
+        <p:spPr>
+          <a:xfrm>
+            <a:off x="5916213" y="2132856"/>
+            <a:ext cx="1776069" cy="1200329"/>
+          </a:xfrm>
+          <a:prstGeom prst="rect">
+            <a:avLst/>
+          </a:prstGeom>
+          <a:noFill/>
+        </p:spPr>
+        <p:txBody>
+          <a:bodyPr wrap="square" rtlCol="0">
+            <a:spAutoFit/>
+          </a:bodyPr>
+          <a:lstStyle/>
+          <a:p>
+            <a:r>
+              <a:rPr lang="pt-BR" dirty="0" smtClean="0"/>
+              <a:t>Resultado da batalha na “Região 1” das 15h:</a:t>
+            </a:r>
+            <a:endParaRPr lang="pt-BR" dirty="0"/>
+          </a:p>
+        </p:txBody>
+      </p:sp>
+      <p:sp>
+        <p:nvSpPr>
+          <p:cNvPr id="16" name="CaixaDeTexto 15"/>
+          <p:cNvSpPr txBox="1"/>
+          <p:nvPr/>
+        </p:nvSpPr>
+        <p:spPr>
+          <a:xfrm>
+            <a:off x="5940152" y="3606383"/>
+            <a:ext cx="1776069" cy="646331"/>
+          </a:xfrm>
+          <a:prstGeom prst="rect">
+            <a:avLst/>
+          </a:prstGeom>
+          <a:noFill/>
+        </p:spPr>
+        <p:txBody>
+          <a:bodyPr wrap="square" rtlCol="0">
+            <a:spAutoFit/>
+          </a:bodyPr>
+          <a:lstStyle/>
+          <a:p>
+            <a:r>
+              <a:rPr lang="pt-BR" b="1" u="sng" dirty="0" smtClean="0"/>
+              <a:t>Vitória!</a:t>
+            </a:r>
+            <a:r>
+              <a:rPr lang="pt-BR" u="sng" dirty="0" smtClean="0"/>
+              <a:t> Ganhou 8 pontos de exp.</a:t>
+            </a:r>
+            <a:endParaRPr lang="pt-BR" u="sng" dirty="0"/>
+          </a:p>
+        </p:txBody>
+      </p:sp>
+    </p:spTree>
+    <p:extLst>
+      <p:ext uri="{BB962C8B-B14F-4D97-AF65-F5344CB8AC3E}">
+        <p14:creationId xmlns:p14="http://schemas.microsoft.com/office/powerpoint/2010/main" val="4064620984"/>
       </p:ext>
     </p:extLst>
   </p:cSld>

--- a/Documents/apresentacao.pptx
+++ b/Documents/apresentacao.pptx
@@ -2,7 +2,7 @@
 <file path=ppt/presentation.xml><?xml version="1.0" encoding="utf-8"?>
 <p:presentation xmlns:a="http://schemas.openxmlformats.org/drawingml/2006/main" xmlns:r="http://schemas.openxmlformats.org/officeDocument/2006/relationships" xmlns:p="http://schemas.openxmlformats.org/presentationml/2006/main" saveSubsetFonts="1">
   <p:sldMasterIdLst>
-    <p:sldMasterId id="2147483648" r:id="rId1"/>
+    <p:sldMasterId id="2147483660" r:id="rId1"/>
   </p:sldMasterIdLst>
   <p:sldIdLst>
     <p:sldId id="256" r:id="rId2"/>
@@ -35,9 +35,13 @@
     <p:sldId id="288" r:id="rId29"/>
     <p:sldId id="289" r:id="rId30"/>
     <p:sldId id="282" r:id="rId31"/>
-    <p:sldId id="262" r:id="rId32"/>
-    <p:sldId id="263" r:id="rId33"/>
-    <p:sldId id="285" r:id="rId34"/>
+    <p:sldId id="290" r:id="rId32"/>
+    <p:sldId id="291" r:id="rId33"/>
+    <p:sldId id="293" r:id="rId34"/>
+    <p:sldId id="292" r:id="rId35"/>
+    <p:sldId id="262" r:id="rId36"/>
+    <p:sldId id="263" r:id="rId37"/>
+    <p:sldId id="285" r:id="rId38"/>
   </p:sldIdLst>
   <p:sldSz cx="9144000" cy="6858000" type="screen4x3"/>
   <p:notesSz cx="6858000" cy="9144000"/>
@@ -171,6 +175,10 @@
             <p14:sldId id="288"/>
             <p14:sldId id="289"/>
             <p14:sldId id="282"/>
+            <p14:sldId id="290"/>
+            <p14:sldId id="291"/>
+            <p14:sldId id="293"/>
+            <p14:sldId id="292"/>
             <p14:sldId id="262"/>
             <p14:sldId id="263"/>
             <p14:sldId id="285"/>
@@ -183,8 +191,1765 @@
 </file>
 
 <file path=ppt/slideLayouts/slideLayout1.xml><?xml version="1.0" encoding="utf-8"?>
-<p:sldLayout xmlns:a="http://schemas.openxmlformats.org/drawingml/2006/main" xmlns:r="http://schemas.openxmlformats.org/officeDocument/2006/relationships" xmlns:p="http://schemas.openxmlformats.org/presentationml/2006/main" type="title" preserve="1">
-  <p:cSld name="Slide de título">
+<p:sldLayout xmlns:a="http://schemas.openxmlformats.org/drawingml/2006/main" xmlns:r="http://schemas.openxmlformats.org/officeDocument/2006/relationships" xmlns:p="http://schemas.openxmlformats.org/presentationml/2006/main" showMasterSp="0" preserve="1">
+  <p:cSld name="Slide de Título">
+    <p:spTree>
+      <p:nvGrpSpPr>
+        <p:cNvPr id="1" name=""/>
+        <p:cNvGrpSpPr/>
+        <p:nvPr/>
+      </p:nvGrpSpPr>
+      <p:grpSpPr>
+        <a:xfrm>
+          <a:off x="0" y="0"/>
+          <a:ext cx="0" cy="0"/>
+          <a:chOff x="0" y="0"/>
+          <a:chExt cx="0" cy="0"/>
+        </a:xfrm>
+      </p:grpSpPr>
+      <p:pic>
+        <p:nvPicPr>
+          <p:cNvPr id="6" name="Picture 5"/>
+          <p:cNvPicPr>
+            <a:picLocks noChangeAspect="1"/>
+          </p:cNvPicPr>
+          <p:nvPr/>
+        </p:nvPicPr>
+        <p:blipFill rotWithShape="1">
+          <a:blip r:embed="rId2" cstate="email">
+            <a:extLst>
+              <a:ext uri="{28A0092B-C50C-407E-A947-70E740481C1C}">
+                <a14:useLocalDpi xmlns:a14="http://schemas.microsoft.com/office/drawing/2010/main"/>
+              </a:ext>
+            </a:extLst>
+          </a:blip>
+          <a:srcRect/>
+          <a:stretch/>
+        </p:blipFill>
+        <p:spPr>
+          <a:xfrm>
+            <a:off x="43543" y="0"/>
+            <a:ext cx="9100457" cy="6879771"/>
+          </a:xfrm>
+          <a:prstGeom prst="rect">
+            <a:avLst/>
+          </a:prstGeom>
+        </p:spPr>
+      </p:pic>
+      <p:sp>
+        <p:nvSpPr>
+          <p:cNvPr id="2" name="Title 1"/>
+          <p:cNvSpPr>
+            <a:spLocks noGrp="1"/>
+          </p:cNvSpPr>
+          <p:nvPr>
+            <p:ph type="ctrTitle" hasCustomPrompt="1"/>
+          </p:nvPr>
+        </p:nvSpPr>
+        <p:spPr>
+          <a:xfrm>
+            <a:off x="2590800" y="2286000"/>
+            <a:ext cx="6180224" cy="1470025"/>
+          </a:xfrm>
+        </p:spPr>
+        <p:txBody>
+          <a:bodyPr anchor="t"/>
+          <a:lstStyle>
+            <a:lvl1pPr algn="r" eaLnBrk="1" latinLnBrk="0" hangingPunct="1">
+              <a:defRPr kumimoji="0" lang="pt-BR" b="1" cap="small" baseline="0">
+                <a:solidFill>
+                  <a:srgbClr val="003300"/>
+                </a:solidFill>
+              </a:defRPr>
+            </a:lvl1pPr>
+          </a:lstStyle>
+          <a:p>
+            <a:r>
+              <a:rPr kumimoji="0" lang="pt-BR"/>
+              <a:t>Clique para editar o título Mestre</a:t>
+            </a:r>
+          </a:p>
+        </p:txBody>
+      </p:sp>
+      <p:sp>
+        <p:nvSpPr>
+          <p:cNvPr id="3" name="Subtitle 2"/>
+          <p:cNvSpPr>
+            <a:spLocks noGrp="1"/>
+          </p:cNvSpPr>
+          <p:nvPr>
+            <p:ph type="subTitle" idx="1"/>
+          </p:nvPr>
+        </p:nvSpPr>
+        <p:spPr>
+          <a:xfrm>
+            <a:off x="3962400" y="4038600"/>
+            <a:ext cx="4772528" cy="990600"/>
+          </a:xfrm>
+        </p:spPr>
+        <p:txBody>
+          <a:bodyPr>
+            <a:normAutofit/>
+          </a:bodyPr>
+          <a:lstStyle>
+            <a:lvl1pPr marL="0" indent="0" algn="r" eaLnBrk="1" latinLnBrk="0" hangingPunct="1">
+              <a:buNone/>
+              <a:defRPr kumimoji="0" lang="pt-BR" sz="2000" b="0">
+                <a:solidFill>
+                  <a:schemeClr val="tx1"/>
+                </a:solidFill>
+                <a:latin typeface="Georgia" pitchFamily="18" charset="0"/>
+              </a:defRPr>
+            </a:lvl1pPr>
+            <a:lvl2pPr marL="457200" indent="0" algn="ctr" eaLnBrk="1" latinLnBrk="0" hangingPunct="1">
+              <a:buNone/>
+              <a:defRPr kumimoji="0" lang="pt-BR">
+                <a:solidFill>
+                  <a:schemeClr val="tx1">
+                    <a:tint val="75000"/>
+                  </a:schemeClr>
+                </a:solidFill>
+              </a:defRPr>
+            </a:lvl2pPr>
+            <a:lvl3pPr marL="914400" indent="0" algn="ctr" eaLnBrk="1" latinLnBrk="0" hangingPunct="1">
+              <a:buNone/>
+              <a:defRPr kumimoji="0" lang="pt-BR">
+                <a:solidFill>
+                  <a:schemeClr val="tx1">
+                    <a:tint val="75000"/>
+                  </a:schemeClr>
+                </a:solidFill>
+              </a:defRPr>
+            </a:lvl3pPr>
+            <a:lvl4pPr marL="1371600" indent="0" algn="ctr" eaLnBrk="1" latinLnBrk="0" hangingPunct="1">
+              <a:buNone/>
+              <a:defRPr kumimoji="0" lang="pt-BR">
+                <a:solidFill>
+                  <a:schemeClr val="tx1">
+                    <a:tint val="75000"/>
+                  </a:schemeClr>
+                </a:solidFill>
+              </a:defRPr>
+            </a:lvl4pPr>
+            <a:lvl5pPr marL="1828800" indent="0" algn="ctr" eaLnBrk="1" latinLnBrk="0" hangingPunct="1">
+              <a:buNone/>
+              <a:defRPr kumimoji="0" lang="pt-BR">
+                <a:solidFill>
+                  <a:schemeClr val="tx1">
+                    <a:tint val="75000"/>
+                  </a:schemeClr>
+                </a:solidFill>
+              </a:defRPr>
+            </a:lvl5pPr>
+            <a:lvl6pPr marL="2286000" indent="0" algn="ctr" eaLnBrk="1" latinLnBrk="0" hangingPunct="1">
+              <a:buNone/>
+              <a:defRPr kumimoji="0" lang="pt-BR">
+                <a:solidFill>
+                  <a:schemeClr val="tx1">
+                    <a:tint val="75000"/>
+                  </a:schemeClr>
+                </a:solidFill>
+              </a:defRPr>
+            </a:lvl6pPr>
+            <a:lvl7pPr marL="2743200" indent="0" algn="ctr" eaLnBrk="1" latinLnBrk="0" hangingPunct="1">
+              <a:buNone/>
+              <a:defRPr kumimoji="0" lang="pt-BR">
+                <a:solidFill>
+                  <a:schemeClr val="tx1">
+                    <a:tint val="75000"/>
+                  </a:schemeClr>
+                </a:solidFill>
+              </a:defRPr>
+            </a:lvl7pPr>
+            <a:lvl8pPr marL="3200400" indent="0" algn="ctr" eaLnBrk="1" latinLnBrk="0" hangingPunct="1">
+              <a:buNone/>
+              <a:defRPr kumimoji="0" lang="pt-BR">
+                <a:solidFill>
+                  <a:schemeClr val="tx1">
+                    <a:tint val="75000"/>
+                  </a:schemeClr>
+                </a:solidFill>
+              </a:defRPr>
+            </a:lvl8pPr>
+            <a:lvl9pPr marL="3657600" indent="0" algn="ctr" eaLnBrk="1" latinLnBrk="0" hangingPunct="1">
+              <a:buNone/>
+              <a:defRPr kumimoji="0" lang="pt-BR">
+                <a:solidFill>
+                  <a:schemeClr val="tx1">
+                    <a:tint val="75000"/>
+                  </a:schemeClr>
+                </a:solidFill>
+              </a:defRPr>
+            </a:lvl9pPr>
+          </a:lstStyle>
+          <a:p>
+            <a:pPr eaLnBrk="1" latinLnBrk="0" hangingPunct="1"/>
+            <a:r>
+              <a:rPr lang="pt-BR" smtClean="0"/>
+              <a:t>Clique para editar o estilo do subtítulo mestre</a:t>
+            </a:r>
+            <a:endParaRPr/>
+          </a:p>
+        </p:txBody>
+      </p:sp>
+      <p:pic>
+        <p:nvPicPr>
+          <p:cNvPr id="7" name="Picture 6"/>
+          <p:cNvPicPr>
+            <a:picLocks noChangeAspect="1"/>
+          </p:cNvPicPr>
+          <p:nvPr/>
+        </p:nvPicPr>
+        <p:blipFill rotWithShape="1">
+          <a:blip r:embed="rId3" cstate="email">
+            <a:extLst>
+              <a:ext uri="{28A0092B-C50C-407E-A947-70E740481C1C}">
+                <a14:useLocalDpi xmlns:a14="http://schemas.microsoft.com/office/drawing/2010/main"/>
+              </a:ext>
+            </a:extLst>
+          </a:blip>
+          <a:srcRect/>
+          <a:stretch/>
+        </p:blipFill>
+        <p:spPr>
+          <a:xfrm>
+            <a:off x="0" y="1251"/>
+            <a:ext cx="3721618" cy="6858000"/>
+          </a:xfrm>
+          <a:prstGeom prst="rect">
+            <a:avLst/>
+          </a:prstGeom>
+        </p:spPr>
+      </p:pic>
+      <p:sp>
+        <p:nvSpPr>
+          <p:cNvPr id="10" name="Picture Placeholder 9"/>
+          <p:cNvSpPr>
+            <a:spLocks noGrp="1"/>
+          </p:cNvSpPr>
+          <p:nvPr>
+            <p:ph type="pic" sz="quarter" idx="13" hasCustomPrompt="1"/>
+          </p:nvPr>
+        </p:nvSpPr>
+        <p:spPr>
+          <a:xfrm>
+            <a:off x="6858000" y="5105400"/>
+            <a:ext cx="1828800" cy="990600"/>
+          </a:xfrm>
+        </p:spPr>
+        <p:txBody>
+          <a:bodyPr>
+            <a:normAutofit/>
+          </a:bodyPr>
+          <a:lstStyle>
+            <a:lvl1pPr marL="0" indent="0" algn="ctr" eaLnBrk="1" latinLnBrk="0" hangingPunct="1">
+              <a:buNone/>
+              <a:defRPr kumimoji="0" lang="pt-BR" sz="2000" baseline="0"/>
+            </a:lvl1pPr>
+          </a:lstStyle>
+          <a:p>
+            <a:r>
+              <a:rPr kumimoji="0" lang="pt-BR"/>
+              <a:t>Logotipo da Empresa</a:t>
+            </a:r>
+          </a:p>
+        </p:txBody>
+      </p:sp>
+    </p:spTree>
+  </p:cSld>
+  <p:clrMapOvr>
+    <a:masterClrMapping/>
+  </p:clrMapOvr>
+  <p:transition spd="slow">
+    <p:wipe dir="d"/>
+  </p:transition>
+  <p:timing>
+    <p:tnLst>
+      <p:par>
+        <p:cTn id="1" dur="indefinite" restart="never" nodeType="tmRoot">
+          <p:childTnLst>
+            <p:seq concurrent="1" nextAc="seek">
+              <p:cTn id="2" dur="indefinite" nodeType="mainSeq">
+                <p:childTnLst>
+                  <p:par>
+                    <p:cTn id="3" fill="hold">
+                      <p:stCondLst>
+                        <p:cond delay="indefinite"/>
+                        <p:cond evt="onBegin" delay="0">
+                          <p:tn val="2"/>
+                        </p:cond>
+                      </p:stCondLst>
+                      <p:childTnLst>
+                        <p:par>
+                          <p:cTn id="4" fill="hold">
+                            <p:stCondLst>
+                              <p:cond delay="0"/>
+                            </p:stCondLst>
+                            <p:childTnLst>
+                              <p:par>
+                                <p:cTn id="5" presetID="22" presetClass="entr" presetSubtype="4" fill="hold" nodeType="afterEffect">
+                                  <p:stCondLst>
+                                    <p:cond delay="0"/>
+                                  </p:stCondLst>
+                                  <p:childTnLst>
+                                    <p:set>
+                                      <p:cBhvr>
+                                        <p:cTn id="6" dur="1" fill="hold">
+                                          <p:stCondLst>
+                                            <p:cond delay="0"/>
+                                          </p:stCondLst>
+                                        </p:cTn>
+                                        <p:tgtEl>
+                                          <p:spTgt spid="7"/>
+                                        </p:tgtEl>
+                                        <p:attrNameLst>
+                                          <p:attrName>style.visibility</p:attrName>
+                                        </p:attrNameLst>
+                                      </p:cBhvr>
+                                      <p:to>
+                                        <p:strVal val="visible"/>
+                                      </p:to>
+                                    </p:set>
+                                    <p:animEffect transition="in" filter="wipe(down)">
+                                      <p:cBhvr>
+                                        <p:cTn id="7" dur="500"/>
+                                        <p:tgtEl>
+                                          <p:spTgt spid="7"/>
+                                        </p:tgtEl>
+                                      </p:cBhvr>
+                                    </p:animEffect>
+                                  </p:childTnLst>
+                                </p:cTn>
+                              </p:par>
+                            </p:childTnLst>
+                          </p:cTn>
+                        </p:par>
+                        <p:par>
+                          <p:cTn id="8" fill="hold">
+                            <p:stCondLst>
+                              <p:cond delay="500"/>
+                            </p:stCondLst>
+                            <p:childTnLst>
+                              <p:par>
+                                <p:cTn id="9" presetID="10" presetClass="entr" presetSubtype="0" fill="hold" grpId="0" nodeType="afterEffect">
+                                  <p:stCondLst>
+                                    <p:cond delay="0"/>
+                                  </p:stCondLst>
+                                  <p:childTnLst>
+                                    <p:set>
+                                      <p:cBhvr>
+                                        <p:cTn id="10" dur="1" fill="hold">
+                                          <p:stCondLst>
+                                            <p:cond delay="0"/>
+                                          </p:stCondLst>
+                                        </p:cTn>
+                                        <p:tgtEl>
+                                          <p:spTgt spid="10"/>
+                                        </p:tgtEl>
+                                        <p:attrNameLst>
+                                          <p:attrName>style.visibility</p:attrName>
+                                        </p:attrNameLst>
+                                      </p:cBhvr>
+                                      <p:to>
+                                        <p:strVal val="visible"/>
+                                      </p:to>
+                                    </p:set>
+                                    <p:animEffect transition="in" filter="fade">
+                                      <p:cBhvr>
+                                        <p:cTn id="11" dur="500"/>
+                                        <p:tgtEl>
+                                          <p:spTgt spid="10"/>
+                                        </p:tgtEl>
+                                      </p:cBhvr>
+                                    </p:animEffect>
+                                  </p:childTnLst>
+                                </p:cTn>
+                              </p:par>
+                            </p:childTnLst>
+                          </p:cTn>
+                        </p:par>
+                      </p:childTnLst>
+                    </p:cTn>
+                  </p:par>
+                </p:childTnLst>
+              </p:cTn>
+              <p:prevCondLst>
+                <p:cond evt="onPrev" delay="0">
+                  <p:tgtEl>
+                    <p:sldTgt/>
+                  </p:tgtEl>
+                </p:cond>
+              </p:prevCondLst>
+              <p:nextCondLst>
+                <p:cond evt="onNext" delay="0">
+                  <p:tgtEl>
+                    <p:sldTgt/>
+                  </p:tgtEl>
+                </p:cond>
+              </p:nextCondLst>
+            </p:seq>
+          </p:childTnLst>
+        </p:cTn>
+      </p:par>
+    </p:tnLst>
+    <p:bldLst>
+      <p:bldP spid="10" grpId="0"/>
+    </p:bldLst>
+  </p:timing>
+</p:sldLayout>
+</file>
+
+<file path=ppt/slideLayouts/slideLayout10.xml><?xml version="1.0" encoding="utf-8"?>
+<p:sldLayout xmlns:a="http://schemas.openxmlformats.org/drawingml/2006/main" xmlns:r="http://schemas.openxmlformats.org/officeDocument/2006/relationships" xmlns:p="http://schemas.openxmlformats.org/presentationml/2006/main" type="objAndTx">
+  <p:cSld name="Título, Conteúdo e Texto">
+    <p:spTree>
+      <p:nvGrpSpPr>
+        <p:cNvPr id="1" name=""/>
+        <p:cNvGrpSpPr/>
+        <p:nvPr/>
+      </p:nvGrpSpPr>
+      <p:grpSpPr>
+        <a:xfrm>
+          <a:off x="0" y="0"/>
+          <a:ext cx="0" cy="0"/>
+          <a:chOff x="0" y="0"/>
+          <a:chExt cx="0" cy="0"/>
+        </a:xfrm>
+      </p:grpSpPr>
+      <p:sp>
+        <p:nvSpPr>
+          <p:cNvPr id="2" name="Title 1"/>
+          <p:cNvSpPr>
+            <a:spLocks noGrp="1"/>
+          </p:cNvSpPr>
+          <p:nvPr>
+            <p:ph type="title"/>
+          </p:nvPr>
+        </p:nvSpPr>
+        <p:spPr>
+          <a:xfrm>
+            <a:off x="685800" y="355600"/>
+            <a:ext cx="8194675" cy="1143000"/>
+          </a:xfrm>
+        </p:spPr>
+        <p:txBody>
+          <a:bodyPr/>
+          <a:lstStyle/>
+          <a:p>
+            <a:pPr eaLnBrk="1" latinLnBrk="0" hangingPunct="1"/>
+            <a:r>
+              <a:rPr lang="pt-BR" smtClean="0"/>
+              <a:t>Clique para editar o estilo do título mestre</a:t>
+            </a:r>
+            <a:endParaRPr/>
+          </a:p>
+        </p:txBody>
+      </p:sp>
+      <p:sp>
+        <p:nvSpPr>
+          <p:cNvPr id="3" name="Content Placeholder 2"/>
+          <p:cNvSpPr>
+            <a:spLocks noGrp="1"/>
+          </p:cNvSpPr>
+          <p:nvPr>
+            <p:ph sz="half" idx="1"/>
+          </p:nvPr>
+        </p:nvSpPr>
+        <p:spPr>
+          <a:xfrm>
+            <a:off x="673100" y="1497013"/>
+            <a:ext cx="3975100" cy="4759325"/>
+          </a:xfrm>
+        </p:spPr>
+        <p:txBody>
+          <a:bodyPr/>
+          <a:lstStyle>
+            <a:lvl4pPr eaLnBrk="1" latinLnBrk="0" hangingPunct="1">
+              <a:defRPr kumimoji="0" lang="pt-BR" baseline="0"/>
+            </a:lvl4pPr>
+          </a:lstStyle>
+          <a:p>
+            <a:pPr lvl="0" eaLnBrk="1" latinLnBrk="0" hangingPunct="1"/>
+            <a:r>
+              <a:rPr lang="pt-BR" smtClean="0"/>
+              <a:t>Clique para editar os estilos do texto mestre</a:t>
+            </a:r>
+          </a:p>
+          <a:p>
+            <a:pPr lvl="1" eaLnBrk="1" latinLnBrk="0" hangingPunct="1"/>
+            <a:r>
+              <a:rPr lang="pt-BR" smtClean="0"/>
+              <a:t>Segundo nível</a:t>
+            </a:r>
+          </a:p>
+          <a:p>
+            <a:pPr lvl="2" eaLnBrk="1" latinLnBrk="0" hangingPunct="1"/>
+            <a:r>
+              <a:rPr lang="pt-BR" smtClean="0"/>
+              <a:t>Terceiro nível</a:t>
+            </a:r>
+          </a:p>
+          <a:p>
+            <a:pPr lvl="3" eaLnBrk="1" latinLnBrk="0" hangingPunct="1"/>
+            <a:r>
+              <a:rPr lang="pt-BR" smtClean="0"/>
+              <a:t>Quarto nível</a:t>
+            </a:r>
+          </a:p>
+        </p:txBody>
+      </p:sp>
+      <p:sp>
+        <p:nvSpPr>
+          <p:cNvPr id="4" name="Text Placeholder 3"/>
+          <p:cNvSpPr>
+            <a:spLocks noGrp="1"/>
+          </p:cNvSpPr>
+          <p:nvPr>
+            <p:ph type="body" sz="half" idx="2"/>
+          </p:nvPr>
+        </p:nvSpPr>
+        <p:spPr>
+          <a:xfrm>
+            <a:off x="4937760" y="1497013"/>
+            <a:ext cx="3977640" cy="4759325"/>
+          </a:xfrm>
+        </p:spPr>
+        <p:txBody>
+          <a:bodyPr/>
+          <a:lstStyle>
+            <a:lvl4pPr eaLnBrk="1" latinLnBrk="0" hangingPunct="1">
+              <a:defRPr kumimoji="0" lang="pt-BR" baseline="0"/>
+            </a:lvl4pPr>
+          </a:lstStyle>
+          <a:p>
+            <a:pPr lvl="0" eaLnBrk="1" latinLnBrk="0" hangingPunct="1"/>
+            <a:r>
+              <a:rPr lang="pt-BR" smtClean="0"/>
+              <a:t>Clique para editar os estilos do texto mestre</a:t>
+            </a:r>
+          </a:p>
+          <a:p>
+            <a:pPr lvl="1" eaLnBrk="1" latinLnBrk="0" hangingPunct="1"/>
+            <a:r>
+              <a:rPr lang="pt-BR" smtClean="0"/>
+              <a:t>Segundo nível</a:t>
+            </a:r>
+          </a:p>
+          <a:p>
+            <a:pPr lvl="2" eaLnBrk="1" latinLnBrk="0" hangingPunct="1"/>
+            <a:r>
+              <a:rPr lang="pt-BR" smtClean="0"/>
+              <a:t>Terceiro nível</a:t>
+            </a:r>
+          </a:p>
+          <a:p>
+            <a:pPr lvl="3" eaLnBrk="1" latinLnBrk="0" hangingPunct="1"/>
+            <a:r>
+              <a:rPr lang="pt-BR" smtClean="0"/>
+              <a:t>Quarto nível</a:t>
+            </a:r>
+          </a:p>
+        </p:txBody>
+      </p:sp>
+      <p:sp>
+        <p:nvSpPr>
+          <p:cNvPr id="5" name="Date Placeholder 3"/>
+          <p:cNvSpPr>
+            <a:spLocks noGrp="1"/>
+          </p:cNvSpPr>
+          <p:nvPr>
+            <p:ph type="dt" sz="half" idx="10"/>
+          </p:nvPr>
+        </p:nvSpPr>
+        <p:spPr>
+          <a:xfrm>
+            <a:off x="762000" y="6356350"/>
+            <a:ext cx="2133600" cy="365125"/>
+          </a:xfrm>
+        </p:spPr>
+        <p:txBody>
+          <a:bodyPr/>
+          <a:lstStyle/>
+          <a:p>
+            <a:fld id="{2E700DB3-DBF0-4086-B675-117E7A9610B8}" type="datetimeFigureOut">
+              <a:rPr lang="pt-BR" smtClean="0"/>
+              <a:pPr/>
+              <a:t>21/01/2014</a:t>
+            </a:fld>
+            <a:endParaRPr lang="pt-BR"/>
+          </a:p>
+        </p:txBody>
+      </p:sp>
+      <p:sp>
+        <p:nvSpPr>
+          <p:cNvPr id="6" name="Footer Placeholder 4"/>
+          <p:cNvSpPr>
+            <a:spLocks noGrp="1"/>
+          </p:cNvSpPr>
+          <p:nvPr>
+            <p:ph type="ftr" sz="quarter" idx="11"/>
+          </p:nvPr>
+        </p:nvSpPr>
+        <p:spPr>
+          <a:xfrm>
+            <a:off x="3352800" y="6356350"/>
+            <a:ext cx="2895600" cy="365125"/>
+          </a:xfrm>
+        </p:spPr>
+        <p:txBody>
+          <a:bodyPr/>
+          <a:lstStyle/>
+          <a:p>
+            <a:endParaRPr lang="pt-BR"/>
+          </a:p>
+        </p:txBody>
+      </p:sp>
+      <p:sp>
+        <p:nvSpPr>
+          <p:cNvPr id="7" name="Slide Number Placeholder 5"/>
+          <p:cNvSpPr>
+            <a:spLocks noGrp="1"/>
+          </p:cNvSpPr>
+          <p:nvPr>
+            <p:ph type="sldNum" sz="quarter" idx="12"/>
+          </p:nvPr>
+        </p:nvSpPr>
+        <p:spPr>
+          <a:xfrm>
+            <a:off x="6705600" y="6356350"/>
+            <a:ext cx="2133600" cy="365125"/>
+          </a:xfrm>
+        </p:spPr>
+        <p:txBody>
+          <a:bodyPr/>
+          <a:lstStyle/>
+          <a:p>
+            <a:fld id="{2119D8CF-8DEC-4D9F-84EE-ADF04DFF3391}" type="slidenum">
+              <a:rPr lang="pt-BR" smtClean="0"/>
+              <a:pPr/>
+              <a:t>‹nº›</a:t>
+            </a:fld>
+            <a:endParaRPr lang="pt-BR"/>
+          </a:p>
+        </p:txBody>
+      </p:sp>
+    </p:spTree>
+  </p:cSld>
+  <p:clrMapOvr>
+    <a:masterClrMapping/>
+  </p:clrMapOvr>
+</p:sldLayout>
+</file>
+
+<file path=ppt/slideLayouts/slideLayout11.xml><?xml version="1.0" encoding="utf-8"?>
+<p:sldLayout xmlns:a="http://schemas.openxmlformats.org/drawingml/2006/main" xmlns:r="http://schemas.openxmlformats.org/officeDocument/2006/relationships" xmlns:p="http://schemas.openxmlformats.org/presentationml/2006/main" type="titleOnly" preserve="1">
+  <p:cSld name="Somente Título">
+    <p:spTree>
+      <p:nvGrpSpPr>
+        <p:cNvPr id="1" name=""/>
+        <p:cNvGrpSpPr/>
+        <p:nvPr/>
+      </p:nvGrpSpPr>
+      <p:grpSpPr>
+        <a:xfrm>
+          <a:off x="0" y="0"/>
+          <a:ext cx="0" cy="0"/>
+          <a:chOff x="0" y="0"/>
+          <a:chExt cx="0" cy="0"/>
+        </a:xfrm>
+      </p:grpSpPr>
+      <p:sp>
+        <p:nvSpPr>
+          <p:cNvPr id="2" name="Title 1"/>
+          <p:cNvSpPr>
+            <a:spLocks noGrp="1"/>
+          </p:cNvSpPr>
+          <p:nvPr>
+            <p:ph type="title"/>
+          </p:nvPr>
+        </p:nvSpPr>
+        <p:spPr/>
+        <p:txBody>
+          <a:bodyPr/>
+          <a:lstStyle/>
+          <a:p>
+            <a:pPr eaLnBrk="1" latinLnBrk="0" hangingPunct="1"/>
+            <a:r>
+              <a:rPr lang="pt-BR" smtClean="0"/>
+              <a:t>Clique para editar o estilo do título mestre</a:t>
+            </a:r>
+            <a:endParaRPr/>
+          </a:p>
+        </p:txBody>
+      </p:sp>
+      <p:sp>
+        <p:nvSpPr>
+          <p:cNvPr id="3" name="Date Placeholder 2"/>
+          <p:cNvSpPr>
+            <a:spLocks noGrp="1"/>
+          </p:cNvSpPr>
+          <p:nvPr>
+            <p:ph type="dt" sz="half" idx="10"/>
+          </p:nvPr>
+        </p:nvSpPr>
+        <p:spPr/>
+        <p:txBody>
+          <a:bodyPr/>
+          <a:lstStyle/>
+          <a:p>
+            <a:fld id="{2E700DB3-DBF0-4086-B675-117E7A9610B8}" type="datetimeFigureOut">
+              <a:rPr lang="pt-BR" smtClean="0"/>
+              <a:pPr/>
+              <a:t>21/01/2014</a:t>
+            </a:fld>
+            <a:endParaRPr lang="pt-BR"/>
+          </a:p>
+        </p:txBody>
+      </p:sp>
+      <p:sp>
+        <p:nvSpPr>
+          <p:cNvPr id="4" name="Footer Placeholder 3"/>
+          <p:cNvSpPr>
+            <a:spLocks noGrp="1"/>
+          </p:cNvSpPr>
+          <p:nvPr>
+            <p:ph type="ftr" sz="quarter" idx="11"/>
+          </p:nvPr>
+        </p:nvSpPr>
+        <p:spPr/>
+        <p:txBody>
+          <a:bodyPr/>
+          <a:lstStyle/>
+          <a:p>
+            <a:endParaRPr lang="pt-BR"/>
+          </a:p>
+        </p:txBody>
+      </p:sp>
+      <p:sp>
+        <p:nvSpPr>
+          <p:cNvPr id="5" name="Slide Number Placeholder 4"/>
+          <p:cNvSpPr>
+            <a:spLocks noGrp="1"/>
+          </p:cNvSpPr>
+          <p:nvPr>
+            <p:ph type="sldNum" sz="quarter" idx="12"/>
+          </p:nvPr>
+        </p:nvSpPr>
+        <p:spPr/>
+        <p:txBody>
+          <a:bodyPr/>
+          <a:lstStyle/>
+          <a:p>
+            <a:fld id="{2119D8CF-8DEC-4D9F-84EE-ADF04DFF3391}" type="slidenum">
+              <a:rPr lang="pt-BR" smtClean="0"/>
+              <a:pPr/>
+              <a:t>‹nº›</a:t>
+            </a:fld>
+            <a:endParaRPr lang="pt-BR"/>
+          </a:p>
+        </p:txBody>
+      </p:sp>
+    </p:spTree>
+  </p:cSld>
+  <p:clrMapOvr>
+    <a:masterClrMapping/>
+  </p:clrMapOvr>
+  <p:transition spd="slow">
+    <p:wipe dir="d"/>
+  </p:transition>
+  <p:timing>
+    <p:tnLst>
+      <p:par>
+        <p:cTn id="1" dur="indefinite" restart="never" nodeType="tmRoot"/>
+      </p:par>
+    </p:tnLst>
+  </p:timing>
+</p:sldLayout>
+</file>
+
+<file path=ppt/slideLayouts/slideLayout12.xml><?xml version="1.0" encoding="utf-8"?>
+<p:sldLayout xmlns:a="http://schemas.openxmlformats.org/drawingml/2006/main" xmlns:r="http://schemas.openxmlformats.org/officeDocument/2006/relationships" xmlns:p="http://schemas.openxmlformats.org/presentationml/2006/main" type="blank" preserve="1">
+  <p:cSld name="Em Branco">
+    <p:spTree>
+      <p:nvGrpSpPr>
+        <p:cNvPr id="1" name=""/>
+        <p:cNvGrpSpPr/>
+        <p:nvPr/>
+      </p:nvGrpSpPr>
+      <p:grpSpPr>
+        <a:xfrm>
+          <a:off x="0" y="0"/>
+          <a:ext cx="0" cy="0"/>
+          <a:chOff x="0" y="0"/>
+          <a:chExt cx="0" cy="0"/>
+        </a:xfrm>
+      </p:grpSpPr>
+      <p:sp>
+        <p:nvSpPr>
+          <p:cNvPr id="2" name="Date Placeholder 1"/>
+          <p:cNvSpPr>
+            <a:spLocks noGrp="1"/>
+          </p:cNvSpPr>
+          <p:nvPr>
+            <p:ph type="dt" sz="half" idx="10"/>
+          </p:nvPr>
+        </p:nvSpPr>
+        <p:spPr/>
+        <p:txBody>
+          <a:bodyPr/>
+          <a:lstStyle/>
+          <a:p>
+            <a:fld id="{2E700DB3-DBF0-4086-B675-117E7A9610B8}" type="datetimeFigureOut">
+              <a:rPr lang="pt-BR" smtClean="0"/>
+              <a:pPr/>
+              <a:t>21/01/2014</a:t>
+            </a:fld>
+            <a:endParaRPr lang="pt-BR"/>
+          </a:p>
+        </p:txBody>
+      </p:sp>
+      <p:sp>
+        <p:nvSpPr>
+          <p:cNvPr id="3" name="Footer Placeholder 2"/>
+          <p:cNvSpPr>
+            <a:spLocks noGrp="1"/>
+          </p:cNvSpPr>
+          <p:nvPr>
+            <p:ph type="ftr" sz="quarter" idx="11"/>
+          </p:nvPr>
+        </p:nvSpPr>
+        <p:spPr/>
+        <p:txBody>
+          <a:bodyPr/>
+          <a:lstStyle/>
+          <a:p>
+            <a:endParaRPr lang="pt-BR"/>
+          </a:p>
+        </p:txBody>
+      </p:sp>
+      <p:sp>
+        <p:nvSpPr>
+          <p:cNvPr id="4" name="Slide Number Placeholder 3"/>
+          <p:cNvSpPr>
+            <a:spLocks noGrp="1"/>
+          </p:cNvSpPr>
+          <p:nvPr>
+            <p:ph type="sldNum" sz="quarter" idx="12"/>
+          </p:nvPr>
+        </p:nvSpPr>
+        <p:spPr/>
+        <p:txBody>
+          <a:bodyPr/>
+          <a:lstStyle/>
+          <a:p>
+            <a:fld id="{2119D8CF-8DEC-4D9F-84EE-ADF04DFF3391}" type="slidenum">
+              <a:rPr lang="pt-BR" smtClean="0"/>
+              <a:pPr/>
+              <a:t>‹nº›</a:t>
+            </a:fld>
+            <a:endParaRPr lang="pt-BR"/>
+          </a:p>
+        </p:txBody>
+      </p:sp>
+    </p:spTree>
+  </p:cSld>
+  <p:clrMapOvr>
+    <a:masterClrMapping/>
+  </p:clrMapOvr>
+  <p:transition spd="slow">
+    <p:wipe dir="d"/>
+  </p:transition>
+  <p:timing>
+    <p:tnLst>
+      <p:par>
+        <p:cTn id="1" dur="indefinite" restart="never" nodeType="tmRoot"/>
+      </p:par>
+    </p:tnLst>
+  </p:timing>
+</p:sldLayout>
+</file>
+
+<file path=ppt/slideLayouts/slideLayout13.xml><?xml version="1.0" encoding="utf-8"?>
+<p:sldLayout xmlns:a="http://schemas.openxmlformats.org/drawingml/2006/main" xmlns:r="http://schemas.openxmlformats.org/officeDocument/2006/relationships" xmlns:p="http://schemas.openxmlformats.org/presentationml/2006/main" showMasterSp="0" preserve="1">
+  <p:cSld name="Somente Plano de Fundo">
+    <p:spTree>
+      <p:nvGrpSpPr>
+        <p:cNvPr id="1" name=""/>
+        <p:cNvGrpSpPr/>
+        <p:nvPr/>
+      </p:nvGrpSpPr>
+      <p:grpSpPr>
+        <a:xfrm>
+          <a:off x="0" y="0"/>
+          <a:ext cx="0" cy="0"/>
+          <a:chOff x="0" y="0"/>
+          <a:chExt cx="0" cy="0"/>
+        </a:xfrm>
+      </p:grpSpPr>
+      <p:pic>
+        <p:nvPicPr>
+          <p:cNvPr id="2" name="Picture 1"/>
+          <p:cNvPicPr>
+            <a:picLocks noChangeAspect="1"/>
+          </p:cNvPicPr>
+          <p:nvPr/>
+        </p:nvPicPr>
+        <p:blipFill rotWithShape="1">
+          <a:blip r:embed="rId2" cstate="email">
+            <a:extLst>
+              <a:ext uri="{28A0092B-C50C-407E-A947-70E740481C1C}">
+                <a14:useLocalDpi xmlns:a14="http://schemas.microsoft.com/office/drawing/2010/main"/>
+              </a:ext>
+            </a:extLst>
+          </a:blip>
+          <a:srcRect/>
+          <a:stretch/>
+        </p:blipFill>
+        <p:spPr>
+          <a:xfrm>
+            <a:off x="43543" y="0"/>
+            <a:ext cx="9100457" cy="6879771"/>
+          </a:xfrm>
+          <a:prstGeom prst="rect">
+            <a:avLst/>
+          </a:prstGeom>
+        </p:spPr>
+      </p:pic>
+      <p:sp>
+        <p:nvSpPr>
+          <p:cNvPr id="3" name="Date Placeholder 3"/>
+          <p:cNvSpPr>
+            <a:spLocks noGrp="1"/>
+          </p:cNvSpPr>
+          <p:nvPr>
+            <p:ph type="dt" sz="half" idx="10"/>
+          </p:nvPr>
+        </p:nvSpPr>
+        <p:spPr>
+          <a:xfrm>
+            <a:off x="762000" y="6356350"/>
+            <a:ext cx="2133600" cy="365125"/>
+          </a:xfrm>
+        </p:spPr>
+        <p:txBody>
+          <a:bodyPr/>
+          <a:lstStyle/>
+          <a:p>
+            <a:fld id="{2E700DB3-DBF0-4086-B675-117E7A9610B8}" type="datetimeFigureOut">
+              <a:rPr lang="pt-BR" smtClean="0"/>
+              <a:pPr/>
+              <a:t>21/01/2014</a:t>
+            </a:fld>
+            <a:endParaRPr lang="pt-BR"/>
+          </a:p>
+        </p:txBody>
+      </p:sp>
+      <p:sp>
+        <p:nvSpPr>
+          <p:cNvPr id="4" name="Footer Placeholder 4"/>
+          <p:cNvSpPr>
+            <a:spLocks noGrp="1"/>
+          </p:cNvSpPr>
+          <p:nvPr>
+            <p:ph type="ftr" sz="quarter" idx="11"/>
+          </p:nvPr>
+        </p:nvSpPr>
+        <p:spPr>
+          <a:xfrm>
+            <a:off x="3352800" y="6356350"/>
+            <a:ext cx="2895600" cy="365125"/>
+          </a:xfrm>
+        </p:spPr>
+        <p:txBody>
+          <a:bodyPr/>
+          <a:lstStyle/>
+          <a:p>
+            <a:endParaRPr lang="pt-BR"/>
+          </a:p>
+        </p:txBody>
+      </p:sp>
+      <p:sp>
+        <p:nvSpPr>
+          <p:cNvPr id="5" name="Slide Number Placeholder 5"/>
+          <p:cNvSpPr>
+            <a:spLocks noGrp="1"/>
+          </p:cNvSpPr>
+          <p:nvPr>
+            <p:ph type="sldNum" sz="quarter" idx="12"/>
+          </p:nvPr>
+        </p:nvSpPr>
+        <p:spPr>
+          <a:xfrm>
+            <a:off x="6705600" y="6356350"/>
+            <a:ext cx="2133600" cy="365125"/>
+          </a:xfrm>
+        </p:spPr>
+        <p:txBody>
+          <a:bodyPr/>
+          <a:lstStyle/>
+          <a:p>
+            <a:fld id="{2119D8CF-8DEC-4D9F-84EE-ADF04DFF3391}" type="slidenum">
+              <a:rPr lang="pt-BR" smtClean="0"/>
+              <a:pPr/>
+              <a:t>‹nº›</a:t>
+            </a:fld>
+            <a:endParaRPr lang="pt-BR"/>
+          </a:p>
+        </p:txBody>
+      </p:sp>
+    </p:spTree>
+  </p:cSld>
+  <p:clrMapOvr>
+    <a:masterClrMapping/>
+  </p:clrMapOvr>
+  <p:transition spd="slow">
+    <p:wipe dir="d"/>
+  </p:transition>
+  <p:timing>
+    <p:tnLst>
+      <p:par>
+        <p:cTn id="1" dur="indefinite" restart="never" nodeType="tmRoot"/>
+      </p:par>
+    </p:tnLst>
+  </p:timing>
+</p:sldLayout>
+</file>
+
+<file path=ppt/slideLayouts/slideLayout14.xml><?xml version="1.0" encoding="utf-8"?>
+<p:sldLayout xmlns:a="http://schemas.openxmlformats.org/drawingml/2006/main" xmlns:r="http://schemas.openxmlformats.org/officeDocument/2006/relationships" xmlns:p="http://schemas.openxmlformats.org/presentationml/2006/main" showMasterSp="0" preserve="1">
+  <p:cSld name="4_Somente Plano de Fundo">
+    <p:spTree>
+      <p:nvGrpSpPr>
+        <p:cNvPr id="1" name=""/>
+        <p:cNvGrpSpPr/>
+        <p:nvPr/>
+      </p:nvGrpSpPr>
+      <p:grpSpPr>
+        <a:xfrm>
+          <a:off x="0" y="0"/>
+          <a:ext cx="0" cy="0"/>
+          <a:chOff x="0" y="0"/>
+          <a:chExt cx="0" cy="0"/>
+        </a:xfrm>
+      </p:grpSpPr>
+      <p:pic>
+        <p:nvPicPr>
+          <p:cNvPr id="2" name="Picture 1"/>
+          <p:cNvPicPr>
+            <a:picLocks noChangeAspect="1"/>
+          </p:cNvPicPr>
+          <p:nvPr/>
+        </p:nvPicPr>
+        <p:blipFill rotWithShape="1">
+          <a:blip r:embed="rId2" cstate="email">
+            <a:extLst>
+              <a:ext uri="{28A0092B-C50C-407E-A947-70E740481C1C}">
+                <a14:useLocalDpi xmlns:a14="http://schemas.microsoft.com/office/drawing/2010/main"/>
+              </a:ext>
+            </a:extLst>
+          </a:blip>
+          <a:srcRect/>
+          <a:stretch/>
+        </p:blipFill>
+        <p:spPr>
+          <a:xfrm>
+            <a:off x="43543" y="0"/>
+            <a:ext cx="9100457" cy="6879771"/>
+          </a:xfrm>
+          <a:prstGeom prst="rect">
+            <a:avLst/>
+          </a:prstGeom>
+        </p:spPr>
+      </p:pic>
+      <p:sp>
+        <p:nvSpPr>
+          <p:cNvPr id="3" name="Date Placeholder 3"/>
+          <p:cNvSpPr>
+            <a:spLocks noGrp="1"/>
+          </p:cNvSpPr>
+          <p:nvPr>
+            <p:ph type="dt" sz="half" idx="10"/>
+          </p:nvPr>
+        </p:nvSpPr>
+        <p:spPr>
+          <a:xfrm>
+            <a:off x="762000" y="6356350"/>
+            <a:ext cx="2133600" cy="365125"/>
+          </a:xfrm>
+        </p:spPr>
+        <p:txBody>
+          <a:bodyPr/>
+          <a:lstStyle/>
+          <a:p>
+            <a:fld id="{2E700DB3-DBF0-4086-B675-117E7A9610B8}" type="datetimeFigureOut">
+              <a:rPr lang="pt-BR" smtClean="0"/>
+              <a:pPr/>
+              <a:t>21/01/2014</a:t>
+            </a:fld>
+            <a:endParaRPr lang="pt-BR"/>
+          </a:p>
+        </p:txBody>
+      </p:sp>
+      <p:sp>
+        <p:nvSpPr>
+          <p:cNvPr id="4" name="Footer Placeholder 4"/>
+          <p:cNvSpPr>
+            <a:spLocks noGrp="1"/>
+          </p:cNvSpPr>
+          <p:nvPr>
+            <p:ph type="ftr" sz="quarter" idx="11"/>
+          </p:nvPr>
+        </p:nvSpPr>
+        <p:spPr>
+          <a:xfrm>
+            <a:off x="3352800" y="6356350"/>
+            <a:ext cx="2895600" cy="365125"/>
+          </a:xfrm>
+        </p:spPr>
+        <p:txBody>
+          <a:bodyPr/>
+          <a:lstStyle/>
+          <a:p>
+            <a:endParaRPr lang="pt-BR"/>
+          </a:p>
+        </p:txBody>
+      </p:sp>
+      <p:sp>
+        <p:nvSpPr>
+          <p:cNvPr id="5" name="Slide Number Placeholder 5"/>
+          <p:cNvSpPr>
+            <a:spLocks noGrp="1"/>
+          </p:cNvSpPr>
+          <p:nvPr>
+            <p:ph type="sldNum" sz="quarter" idx="12"/>
+          </p:nvPr>
+        </p:nvSpPr>
+        <p:spPr>
+          <a:xfrm>
+            <a:off x="6705600" y="6356350"/>
+            <a:ext cx="2133600" cy="365125"/>
+          </a:xfrm>
+        </p:spPr>
+        <p:txBody>
+          <a:bodyPr/>
+          <a:lstStyle/>
+          <a:p>
+            <a:fld id="{2119D8CF-8DEC-4D9F-84EE-ADF04DFF3391}" type="slidenum">
+              <a:rPr lang="pt-BR" smtClean="0"/>
+              <a:pPr/>
+              <a:t>‹nº›</a:t>
+            </a:fld>
+            <a:endParaRPr lang="pt-BR"/>
+          </a:p>
+        </p:txBody>
+      </p:sp>
+      <p:pic>
+        <p:nvPicPr>
+          <p:cNvPr id="6" name="Picture 11"/>
+          <p:cNvPicPr>
+            <a:picLocks noChangeAspect="1"/>
+          </p:cNvPicPr>
+          <p:nvPr/>
+        </p:nvPicPr>
+        <p:blipFill>
+          <a:blip r:embed="rId3" cstate="email">
+            <a:extLst>
+              <a:ext uri="{28A0092B-C50C-407E-A947-70E740481C1C}">
+                <a14:useLocalDpi xmlns:a14="http://schemas.microsoft.com/office/drawing/2010/main"/>
+              </a:ext>
+            </a:extLst>
+          </a:blip>
+          <a:stretch>
+            <a:fillRect/>
+          </a:stretch>
+        </p:blipFill>
+        <p:spPr>
+          <a:xfrm>
+            <a:off x="4191000" y="0"/>
+            <a:ext cx="7765662" cy="16476125"/>
+          </a:xfrm>
+          <a:prstGeom prst="rect">
+            <a:avLst/>
+          </a:prstGeom>
+        </p:spPr>
+      </p:pic>
+    </p:spTree>
+  </p:cSld>
+  <p:clrMapOvr>
+    <a:masterClrMapping/>
+  </p:clrMapOvr>
+  <p:transition spd="slow">
+    <p:wipe dir="d"/>
+  </p:transition>
+  <p:timing>
+    <p:tnLst>
+      <p:par>
+        <p:cTn id="1" dur="indefinite" restart="never" nodeType="tmRoot"/>
+      </p:par>
+    </p:tnLst>
+  </p:timing>
+</p:sldLayout>
+</file>
+
+<file path=ppt/slideLayouts/slideLayout15.xml><?xml version="1.0" encoding="utf-8"?>
+<p:sldLayout xmlns:a="http://schemas.openxmlformats.org/drawingml/2006/main" xmlns:r="http://schemas.openxmlformats.org/officeDocument/2006/relationships" xmlns:p="http://schemas.openxmlformats.org/presentationml/2006/main" showMasterSp="0" preserve="1">
+  <p:cSld name="3_Somente Plano de Fundo">
+    <p:spTree>
+      <p:nvGrpSpPr>
+        <p:cNvPr id="1" name=""/>
+        <p:cNvGrpSpPr/>
+        <p:nvPr/>
+      </p:nvGrpSpPr>
+      <p:grpSpPr>
+        <a:xfrm>
+          <a:off x="0" y="0"/>
+          <a:ext cx="0" cy="0"/>
+          <a:chOff x="0" y="0"/>
+          <a:chExt cx="0" cy="0"/>
+        </a:xfrm>
+      </p:grpSpPr>
+      <p:pic>
+        <p:nvPicPr>
+          <p:cNvPr id="2" name="Picture 1"/>
+          <p:cNvPicPr>
+            <a:picLocks noChangeAspect="1"/>
+          </p:cNvPicPr>
+          <p:nvPr/>
+        </p:nvPicPr>
+        <p:blipFill rotWithShape="1">
+          <a:blip r:embed="rId2" cstate="email">
+            <a:extLst>
+              <a:ext uri="{28A0092B-C50C-407E-A947-70E740481C1C}">
+                <a14:useLocalDpi xmlns:a14="http://schemas.microsoft.com/office/drawing/2010/main"/>
+              </a:ext>
+            </a:extLst>
+          </a:blip>
+          <a:srcRect/>
+          <a:stretch/>
+        </p:blipFill>
+        <p:spPr>
+          <a:xfrm>
+            <a:off x="43543" y="0"/>
+            <a:ext cx="9100457" cy="6879771"/>
+          </a:xfrm>
+          <a:prstGeom prst="rect">
+            <a:avLst/>
+          </a:prstGeom>
+        </p:spPr>
+      </p:pic>
+      <p:sp>
+        <p:nvSpPr>
+          <p:cNvPr id="3" name="Date Placeholder 3"/>
+          <p:cNvSpPr>
+            <a:spLocks noGrp="1"/>
+          </p:cNvSpPr>
+          <p:nvPr>
+            <p:ph type="dt" sz="half" idx="10"/>
+          </p:nvPr>
+        </p:nvSpPr>
+        <p:spPr>
+          <a:xfrm>
+            <a:off x="762000" y="6356350"/>
+            <a:ext cx="2133600" cy="365125"/>
+          </a:xfrm>
+        </p:spPr>
+        <p:txBody>
+          <a:bodyPr/>
+          <a:lstStyle/>
+          <a:p>
+            <a:fld id="{2E700DB3-DBF0-4086-B675-117E7A9610B8}" type="datetimeFigureOut">
+              <a:rPr lang="pt-BR" smtClean="0"/>
+              <a:pPr/>
+              <a:t>21/01/2014</a:t>
+            </a:fld>
+            <a:endParaRPr lang="pt-BR"/>
+          </a:p>
+        </p:txBody>
+      </p:sp>
+      <p:sp>
+        <p:nvSpPr>
+          <p:cNvPr id="4" name="Footer Placeholder 4"/>
+          <p:cNvSpPr>
+            <a:spLocks noGrp="1"/>
+          </p:cNvSpPr>
+          <p:nvPr>
+            <p:ph type="ftr" sz="quarter" idx="11"/>
+          </p:nvPr>
+        </p:nvSpPr>
+        <p:spPr>
+          <a:xfrm>
+            <a:off x="3352800" y="6356350"/>
+            <a:ext cx="2895600" cy="365125"/>
+          </a:xfrm>
+        </p:spPr>
+        <p:txBody>
+          <a:bodyPr/>
+          <a:lstStyle/>
+          <a:p>
+            <a:endParaRPr lang="pt-BR"/>
+          </a:p>
+        </p:txBody>
+      </p:sp>
+      <p:sp>
+        <p:nvSpPr>
+          <p:cNvPr id="5" name="Slide Number Placeholder 5"/>
+          <p:cNvSpPr>
+            <a:spLocks noGrp="1"/>
+          </p:cNvSpPr>
+          <p:nvPr>
+            <p:ph type="sldNum" sz="quarter" idx="12"/>
+          </p:nvPr>
+        </p:nvSpPr>
+        <p:spPr>
+          <a:xfrm>
+            <a:off x="6705600" y="6356350"/>
+            <a:ext cx="2133600" cy="365125"/>
+          </a:xfrm>
+        </p:spPr>
+        <p:txBody>
+          <a:bodyPr/>
+          <a:lstStyle/>
+          <a:p>
+            <a:fld id="{2119D8CF-8DEC-4D9F-84EE-ADF04DFF3391}" type="slidenum">
+              <a:rPr lang="pt-BR" smtClean="0"/>
+              <a:pPr/>
+              <a:t>‹nº›</a:t>
+            </a:fld>
+            <a:endParaRPr lang="pt-BR"/>
+          </a:p>
+        </p:txBody>
+      </p:sp>
+      <p:pic>
+        <p:nvPicPr>
+          <p:cNvPr id="6" name="Picture 8"/>
+          <p:cNvPicPr>
+            <a:picLocks noChangeAspect="1"/>
+          </p:cNvPicPr>
+          <p:nvPr/>
+        </p:nvPicPr>
+        <p:blipFill>
+          <a:blip r:embed="rId3" cstate="email">
+            <a:extLst>
+              <a:ext uri="{28A0092B-C50C-407E-A947-70E740481C1C}">
+                <a14:useLocalDpi xmlns:a14="http://schemas.microsoft.com/office/drawing/2010/main"/>
+              </a:ext>
+            </a:extLst>
+          </a:blip>
+          <a:stretch>
+            <a:fillRect/>
+          </a:stretch>
+        </p:blipFill>
+        <p:spPr>
+          <a:xfrm>
+            <a:off x="-4953000" y="0"/>
+            <a:ext cx="7765662" cy="16476125"/>
+          </a:xfrm>
+          <a:prstGeom prst="rect">
+            <a:avLst/>
+          </a:prstGeom>
+        </p:spPr>
+      </p:pic>
+    </p:spTree>
+  </p:cSld>
+  <p:clrMapOvr>
+    <a:masterClrMapping/>
+  </p:clrMapOvr>
+  <p:transition spd="slow">
+    <p:wipe dir="d"/>
+  </p:transition>
+  <p:timing>
+    <p:tnLst>
+      <p:par>
+        <p:cTn id="1" dur="indefinite" restart="never" nodeType="tmRoot"/>
+      </p:par>
+    </p:tnLst>
+  </p:timing>
+</p:sldLayout>
+</file>
+
+<file path=ppt/slideLayouts/slideLayout16.xml><?xml version="1.0" encoding="utf-8"?>
+<p:sldLayout xmlns:a="http://schemas.openxmlformats.org/drawingml/2006/main" xmlns:r="http://schemas.openxmlformats.org/officeDocument/2006/relationships" xmlns:p="http://schemas.openxmlformats.org/presentationml/2006/main" showMasterSp="0" preserve="1">
+  <p:cSld name="2_Somente Plano de Fundo">
+    <p:spTree>
+      <p:nvGrpSpPr>
+        <p:cNvPr id="1" name=""/>
+        <p:cNvGrpSpPr/>
+        <p:nvPr/>
+      </p:nvGrpSpPr>
+      <p:grpSpPr>
+        <a:xfrm>
+          <a:off x="0" y="0"/>
+          <a:ext cx="0" cy="0"/>
+          <a:chOff x="0" y="0"/>
+          <a:chExt cx="0" cy="0"/>
+        </a:xfrm>
+      </p:grpSpPr>
+      <p:pic>
+        <p:nvPicPr>
+          <p:cNvPr id="2" name="Picture 1"/>
+          <p:cNvPicPr>
+            <a:picLocks noChangeAspect="1"/>
+          </p:cNvPicPr>
+          <p:nvPr/>
+        </p:nvPicPr>
+        <p:blipFill rotWithShape="1">
+          <a:blip r:embed="rId2" cstate="email">
+            <a:extLst>
+              <a:ext uri="{28A0092B-C50C-407E-A947-70E740481C1C}">
+                <a14:useLocalDpi xmlns:a14="http://schemas.microsoft.com/office/drawing/2010/main"/>
+              </a:ext>
+            </a:extLst>
+          </a:blip>
+          <a:srcRect/>
+          <a:stretch/>
+        </p:blipFill>
+        <p:spPr>
+          <a:xfrm>
+            <a:off x="43543" y="0"/>
+            <a:ext cx="9100457" cy="6879771"/>
+          </a:xfrm>
+          <a:prstGeom prst="rect">
+            <a:avLst/>
+          </a:prstGeom>
+        </p:spPr>
+      </p:pic>
+      <p:sp>
+        <p:nvSpPr>
+          <p:cNvPr id="3" name="Date Placeholder 3"/>
+          <p:cNvSpPr>
+            <a:spLocks noGrp="1"/>
+          </p:cNvSpPr>
+          <p:nvPr>
+            <p:ph type="dt" sz="half" idx="10"/>
+          </p:nvPr>
+        </p:nvSpPr>
+        <p:spPr>
+          <a:xfrm>
+            <a:off x="762000" y="6356350"/>
+            <a:ext cx="2133600" cy="365125"/>
+          </a:xfrm>
+        </p:spPr>
+        <p:txBody>
+          <a:bodyPr/>
+          <a:lstStyle/>
+          <a:p>
+            <a:fld id="{2E700DB3-DBF0-4086-B675-117E7A9610B8}" type="datetimeFigureOut">
+              <a:rPr lang="pt-BR" smtClean="0"/>
+              <a:pPr/>
+              <a:t>21/01/2014</a:t>
+            </a:fld>
+            <a:endParaRPr lang="pt-BR"/>
+          </a:p>
+        </p:txBody>
+      </p:sp>
+      <p:sp>
+        <p:nvSpPr>
+          <p:cNvPr id="4" name="Footer Placeholder 4"/>
+          <p:cNvSpPr>
+            <a:spLocks noGrp="1"/>
+          </p:cNvSpPr>
+          <p:nvPr>
+            <p:ph type="ftr" sz="quarter" idx="11"/>
+          </p:nvPr>
+        </p:nvSpPr>
+        <p:spPr>
+          <a:xfrm>
+            <a:off x="3352800" y="6356350"/>
+            <a:ext cx="2895600" cy="365125"/>
+          </a:xfrm>
+        </p:spPr>
+        <p:txBody>
+          <a:bodyPr/>
+          <a:lstStyle/>
+          <a:p>
+            <a:endParaRPr lang="pt-BR"/>
+          </a:p>
+        </p:txBody>
+      </p:sp>
+      <p:sp>
+        <p:nvSpPr>
+          <p:cNvPr id="5" name="Slide Number Placeholder 5"/>
+          <p:cNvSpPr>
+            <a:spLocks noGrp="1"/>
+          </p:cNvSpPr>
+          <p:nvPr>
+            <p:ph type="sldNum" sz="quarter" idx="12"/>
+          </p:nvPr>
+        </p:nvSpPr>
+        <p:spPr>
+          <a:xfrm>
+            <a:off x="6705600" y="6356350"/>
+            <a:ext cx="2133600" cy="365125"/>
+          </a:xfrm>
+        </p:spPr>
+        <p:txBody>
+          <a:bodyPr/>
+          <a:lstStyle/>
+          <a:p>
+            <a:fld id="{2119D8CF-8DEC-4D9F-84EE-ADF04DFF3391}" type="slidenum">
+              <a:rPr lang="pt-BR" smtClean="0"/>
+              <a:pPr/>
+              <a:t>‹nº›</a:t>
+            </a:fld>
+            <a:endParaRPr lang="pt-BR"/>
+          </a:p>
+        </p:txBody>
+      </p:sp>
+      <p:pic>
+        <p:nvPicPr>
+          <p:cNvPr id="6" name="Picture 7"/>
+          <p:cNvPicPr>
+            <a:picLocks noChangeAspect="1"/>
+          </p:cNvPicPr>
+          <p:nvPr/>
+        </p:nvPicPr>
+        <p:blipFill rotWithShape="1">
+          <a:blip r:embed="rId3" cstate="email">
+            <a:extLst>
+              <a:ext uri="{28A0092B-C50C-407E-A947-70E740481C1C}">
+                <a14:useLocalDpi xmlns:a14="http://schemas.microsoft.com/office/drawing/2010/main"/>
+              </a:ext>
+            </a:extLst>
+          </a:blip>
+          <a:srcRect/>
+          <a:stretch/>
+        </p:blipFill>
+        <p:spPr>
+          <a:xfrm rot="20753331" flipH="1">
+            <a:off x="108261" y="-3142205"/>
+            <a:ext cx="2895600" cy="6861081"/>
+          </a:xfrm>
+          <a:prstGeom prst="rect">
+            <a:avLst/>
+          </a:prstGeom>
+        </p:spPr>
+      </p:pic>
+    </p:spTree>
+  </p:cSld>
+  <p:clrMapOvr>
+    <a:masterClrMapping/>
+  </p:clrMapOvr>
+  <p:transition spd="slow">
+    <p:wipe dir="d"/>
+  </p:transition>
+  <p:timing>
+    <p:tnLst>
+      <p:par>
+        <p:cTn id="1" dur="indefinite" restart="never" nodeType="tmRoot"/>
+      </p:par>
+    </p:tnLst>
+  </p:timing>
+</p:sldLayout>
+</file>
+
+<file path=ppt/slideLayouts/slideLayout17.xml><?xml version="1.0" encoding="utf-8"?>
+<p:sldLayout xmlns:a="http://schemas.openxmlformats.org/drawingml/2006/main" xmlns:r="http://schemas.openxmlformats.org/officeDocument/2006/relationships" xmlns:p="http://schemas.openxmlformats.org/presentationml/2006/main" showMasterSp="0" preserve="1">
+  <p:cSld name="1_Somente Plano de Fundo">
+    <p:spTree>
+      <p:nvGrpSpPr>
+        <p:cNvPr id="1" name=""/>
+        <p:cNvGrpSpPr/>
+        <p:nvPr/>
+      </p:nvGrpSpPr>
+      <p:grpSpPr>
+        <a:xfrm>
+          <a:off x="0" y="0"/>
+          <a:ext cx="0" cy="0"/>
+          <a:chOff x="0" y="0"/>
+          <a:chExt cx="0" cy="0"/>
+        </a:xfrm>
+      </p:grpSpPr>
+      <p:pic>
+        <p:nvPicPr>
+          <p:cNvPr id="2" name="Picture 1"/>
+          <p:cNvPicPr>
+            <a:picLocks noChangeAspect="1"/>
+          </p:cNvPicPr>
+          <p:nvPr/>
+        </p:nvPicPr>
+        <p:blipFill rotWithShape="1">
+          <a:blip r:embed="rId2" cstate="email">
+            <a:extLst>
+              <a:ext uri="{28A0092B-C50C-407E-A947-70E740481C1C}">
+                <a14:useLocalDpi xmlns:a14="http://schemas.microsoft.com/office/drawing/2010/main"/>
+              </a:ext>
+            </a:extLst>
+          </a:blip>
+          <a:srcRect/>
+          <a:stretch/>
+        </p:blipFill>
+        <p:spPr>
+          <a:xfrm>
+            <a:off x="43543" y="0"/>
+            <a:ext cx="9100457" cy="6879771"/>
+          </a:xfrm>
+          <a:prstGeom prst="rect">
+            <a:avLst/>
+          </a:prstGeom>
+        </p:spPr>
+      </p:pic>
+      <p:sp>
+        <p:nvSpPr>
+          <p:cNvPr id="3" name="Date Placeholder 3"/>
+          <p:cNvSpPr>
+            <a:spLocks noGrp="1"/>
+          </p:cNvSpPr>
+          <p:nvPr>
+            <p:ph type="dt" sz="half" idx="10"/>
+          </p:nvPr>
+        </p:nvSpPr>
+        <p:spPr>
+          <a:xfrm>
+            <a:off x="762000" y="6356350"/>
+            <a:ext cx="2133600" cy="365125"/>
+          </a:xfrm>
+        </p:spPr>
+        <p:txBody>
+          <a:bodyPr/>
+          <a:lstStyle/>
+          <a:p>
+            <a:fld id="{2E700DB3-DBF0-4086-B675-117E7A9610B8}" type="datetimeFigureOut">
+              <a:rPr lang="pt-BR" smtClean="0"/>
+              <a:pPr/>
+              <a:t>21/01/2014</a:t>
+            </a:fld>
+            <a:endParaRPr lang="pt-BR"/>
+          </a:p>
+        </p:txBody>
+      </p:sp>
+      <p:sp>
+        <p:nvSpPr>
+          <p:cNvPr id="4" name="Footer Placeholder 4"/>
+          <p:cNvSpPr>
+            <a:spLocks noGrp="1"/>
+          </p:cNvSpPr>
+          <p:nvPr>
+            <p:ph type="ftr" sz="quarter" idx="11"/>
+          </p:nvPr>
+        </p:nvSpPr>
+        <p:spPr>
+          <a:xfrm>
+            <a:off x="3352800" y="6356350"/>
+            <a:ext cx="2895600" cy="365125"/>
+          </a:xfrm>
+        </p:spPr>
+        <p:txBody>
+          <a:bodyPr/>
+          <a:lstStyle/>
+          <a:p>
+            <a:endParaRPr lang="pt-BR"/>
+          </a:p>
+        </p:txBody>
+      </p:sp>
+      <p:sp>
+        <p:nvSpPr>
+          <p:cNvPr id="5" name="Slide Number Placeholder 5"/>
+          <p:cNvSpPr>
+            <a:spLocks noGrp="1"/>
+          </p:cNvSpPr>
+          <p:nvPr>
+            <p:ph type="sldNum" sz="quarter" idx="12"/>
+          </p:nvPr>
+        </p:nvSpPr>
+        <p:spPr>
+          <a:xfrm>
+            <a:off x="6705600" y="6356350"/>
+            <a:ext cx="2133600" cy="365125"/>
+          </a:xfrm>
+        </p:spPr>
+        <p:txBody>
+          <a:bodyPr/>
+          <a:lstStyle/>
+          <a:p>
+            <a:fld id="{2119D8CF-8DEC-4D9F-84EE-ADF04DFF3391}" type="slidenum">
+              <a:rPr lang="pt-BR" smtClean="0"/>
+              <a:pPr/>
+              <a:t>‹nº›</a:t>
+            </a:fld>
+            <a:endParaRPr lang="pt-BR"/>
+          </a:p>
+        </p:txBody>
+      </p:sp>
+      <p:pic>
+        <p:nvPicPr>
+          <p:cNvPr id="7" name="Picture 5"/>
+          <p:cNvPicPr>
+            <a:picLocks noChangeAspect="1"/>
+          </p:cNvPicPr>
+          <p:nvPr/>
+        </p:nvPicPr>
+        <p:blipFill>
+          <a:blip r:embed="rId3" cstate="email">
+            <a:extLst>
+              <a:ext uri="{28A0092B-C50C-407E-A947-70E740481C1C}">
+                <a14:useLocalDpi xmlns:a14="http://schemas.microsoft.com/office/drawing/2010/main"/>
+              </a:ext>
+            </a:extLst>
+          </a:blip>
+          <a:stretch>
+            <a:fillRect/>
+          </a:stretch>
+        </p:blipFill>
+        <p:spPr>
+          <a:xfrm>
+            <a:off x="-4963332" y="-6858000"/>
+            <a:ext cx="7765662" cy="16476125"/>
+          </a:xfrm>
+          <a:prstGeom prst="rect">
+            <a:avLst/>
+          </a:prstGeom>
+        </p:spPr>
+      </p:pic>
+      <p:pic>
+        <p:nvPicPr>
+          <p:cNvPr id="8" name="Picture 12"/>
+          <p:cNvPicPr>
+            <a:picLocks noChangeAspect="1"/>
+          </p:cNvPicPr>
+          <p:nvPr/>
+        </p:nvPicPr>
+        <p:blipFill rotWithShape="1">
+          <a:blip r:embed="rId4" cstate="email">
+            <a:extLst>
+              <a:ext uri="{28A0092B-C50C-407E-A947-70E740481C1C}">
+                <a14:useLocalDpi xmlns:a14="http://schemas.microsoft.com/office/drawing/2010/main"/>
+              </a:ext>
+            </a:extLst>
+          </a:blip>
+          <a:srcRect/>
+          <a:stretch/>
+        </p:blipFill>
+        <p:spPr>
+          <a:xfrm rot="20753331" flipH="1">
+            <a:off x="-316180" y="3775286"/>
+            <a:ext cx="2895600" cy="3390489"/>
+          </a:xfrm>
+          <a:prstGeom prst="rect">
+            <a:avLst/>
+          </a:prstGeom>
+        </p:spPr>
+      </p:pic>
+    </p:spTree>
+  </p:cSld>
+  <p:clrMapOvr>
+    <a:masterClrMapping/>
+  </p:clrMapOvr>
+  <p:transition spd="slow">
+    <p:wipe dir="d"/>
+  </p:transition>
+  <p:timing>
+    <p:tnLst>
+      <p:par>
+        <p:cTn id="1" dur="indefinite" restart="never" nodeType="tmRoot"/>
+      </p:par>
+    </p:tnLst>
+  </p:timing>
+</p:sldLayout>
+</file>
+
+<file path=ppt/slideLayouts/slideLayout18.xml><?xml version="1.0" encoding="utf-8"?>
+<p:sldLayout xmlns:a="http://schemas.openxmlformats.org/drawingml/2006/main" xmlns:r="http://schemas.openxmlformats.org/officeDocument/2006/relationships" xmlns:p="http://schemas.openxmlformats.org/presentationml/2006/main" type="title">
+  <p:cSld name="1_Slide de título">
     <p:spTree>
       <p:nvGrpSpPr>
         <p:cNvPr id="1" name=""/>
@@ -363,7 +2128,8 @@
           <a:p>
             <a:fld id="{2E700DB3-DBF0-4086-B675-117E7A9610B8}" type="datetimeFigureOut">
               <a:rPr lang="pt-BR" smtClean="0"/>
-              <a:t>20/01/2014</a:t>
+              <a:pPr/>
+              <a:t>21/01/2014</a:t>
             </a:fld>
             <a:endParaRPr lang="pt-BR"/>
           </a:p>
@@ -405,346 +2171,7 @@
           <a:p>
             <a:fld id="{2119D8CF-8DEC-4D9F-84EE-ADF04DFF3391}" type="slidenum">
               <a:rPr lang="pt-BR" smtClean="0"/>
-              <a:t>‹nº›</a:t>
-            </a:fld>
-            <a:endParaRPr lang="pt-BR"/>
-          </a:p>
-        </p:txBody>
-      </p:sp>
-    </p:spTree>
-  </p:cSld>
-  <p:clrMapOvr>
-    <a:masterClrMapping/>
-  </p:clrMapOvr>
-</p:sldLayout>
-</file>
-
-<file path=ppt/slideLayouts/slideLayout10.xml><?xml version="1.0" encoding="utf-8"?>
-<p:sldLayout xmlns:a="http://schemas.openxmlformats.org/drawingml/2006/main" xmlns:r="http://schemas.openxmlformats.org/officeDocument/2006/relationships" xmlns:p="http://schemas.openxmlformats.org/presentationml/2006/main" type="vertTx" preserve="1">
-  <p:cSld name="Título e texto vertical">
-    <p:spTree>
-      <p:nvGrpSpPr>
-        <p:cNvPr id="1" name=""/>
-        <p:cNvGrpSpPr/>
-        <p:nvPr/>
-      </p:nvGrpSpPr>
-      <p:grpSpPr>
-        <a:xfrm>
-          <a:off x="0" y="0"/>
-          <a:ext cx="0" cy="0"/>
-          <a:chOff x="0" y="0"/>
-          <a:chExt cx="0" cy="0"/>
-        </a:xfrm>
-      </p:grpSpPr>
-      <p:sp>
-        <p:nvSpPr>
-          <p:cNvPr id="2" name="Título 1"/>
-          <p:cNvSpPr>
-            <a:spLocks noGrp="1"/>
-          </p:cNvSpPr>
-          <p:nvPr>
-            <p:ph type="title"/>
-          </p:nvPr>
-        </p:nvSpPr>
-        <p:spPr/>
-        <p:txBody>
-          <a:bodyPr/>
-          <a:lstStyle/>
-          <a:p>
-            <a:r>
-              <a:rPr lang="pt-BR" smtClean="0"/>
-              <a:t>Clique para editar o estilo do título mestre</a:t>
-            </a:r>
-            <a:endParaRPr lang="pt-BR"/>
-          </a:p>
-        </p:txBody>
-      </p:sp>
-      <p:sp>
-        <p:nvSpPr>
-          <p:cNvPr id="3" name="Espaço Reservado para Texto Vertical 2"/>
-          <p:cNvSpPr>
-            <a:spLocks noGrp="1"/>
-          </p:cNvSpPr>
-          <p:nvPr>
-            <p:ph type="body" orient="vert" idx="1"/>
-          </p:nvPr>
-        </p:nvSpPr>
-        <p:spPr/>
-        <p:txBody>
-          <a:bodyPr vert="eaVert"/>
-          <a:lstStyle/>
-          <a:p>
-            <a:pPr lvl="0"/>
-            <a:r>
-              <a:rPr lang="pt-BR" smtClean="0"/>
-              <a:t>Clique para editar os estilos do texto mestre</a:t>
-            </a:r>
-          </a:p>
-          <a:p>
-            <a:pPr lvl="1"/>
-            <a:r>
-              <a:rPr lang="pt-BR" smtClean="0"/>
-              <a:t>Segundo nível</a:t>
-            </a:r>
-          </a:p>
-          <a:p>
-            <a:pPr lvl="2"/>
-            <a:r>
-              <a:rPr lang="pt-BR" smtClean="0"/>
-              <a:t>Terceiro nível</a:t>
-            </a:r>
-          </a:p>
-          <a:p>
-            <a:pPr lvl="3"/>
-            <a:r>
-              <a:rPr lang="pt-BR" smtClean="0"/>
-              <a:t>Quarto nível</a:t>
-            </a:r>
-          </a:p>
-          <a:p>
-            <a:pPr lvl="4"/>
-            <a:r>
-              <a:rPr lang="pt-BR" smtClean="0"/>
-              <a:t>Quinto nível</a:t>
-            </a:r>
-            <a:endParaRPr lang="pt-BR"/>
-          </a:p>
-        </p:txBody>
-      </p:sp>
-      <p:sp>
-        <p:nvSpPr>
-          <p:cNvPr id="4" name="Espaço Reservado para Data 3"/>
-          <p:cNvSpPr>
-            <a:spLocks noGrp="1"/>
-          </p:cNvSpPr>
-          <p:nvPr>
-            <p:ph type="dt" sz="half" idx="10"/>
-          </p:nvPr>
-        </p:nvSpPr>
-        <p:spPr/>
-        <p:txBody>
-          <a:bodyPr/>
-          <a:lstStyle/>
-          <a:p>
-            <a:fld id="{2E700DB3-DBF0-4086-B675-117E7A9610B8}" type="datetimeFigureOut">
-              <a:rPr lang="pt-BR" smtClean="0"/>
-              <a:t>20/01/2014</a:t>
-            </a:fld>
-            <a:endParaRPr lang="pt-BR"/>
-          </a:p>
-        </p:txBody>
-      </p:sp>
-      <p:sp>
-        <p:nvSpPr>
-          <p:cNvPr id="5" name="Espaço Reservado para Rodapé 4"/>
-          <p:cNvSpPr>
-            <a:spLocks noGrp="1"/>
-          </p:cNvSpPr>
-          <p:nvPr>
-            <p:ph type="ftr" sz="quarter" idx="11"/>
-          </p:nvPr>
-        </p:nvSpPr>
-        <p:spPr/>
-        <p:txBody>
-          <a:bodyPr/>
-          <a:lstStyle/>
-          <a:p>
-            <a:endParaRPr lang="pt-BR"/>
-          </a:p>
-        </p:txBody>
-      </p:sp>
-      <p:sp>
-        <p:nvSpPr>
-          <p:cNvPr id="6" name="Espaço Reservado para Número de Slide 5"/>
-          <p:cNvSpPr>
-            <a:spLocks noGrp="1"/>
-          </p:cNvSpPr>
-          <p:nvPr>
-            <p:ph type="sldNum" sz="quarter" idx="12"/>
-          </p:nvPr>
-        </p:nvSpPr>
-        <p:spPr/>
-        <p:txBody>
-          <a:bodyPr/>
-          <a:lstStyle/>
-          <a:p>
-            <a:fld id="{2119D8CF-8DEC-4D9F-84EE-ADF04DFF3391}" type="slidenum">
-              <a:rPr lang="pt-BR" smtClean="0"/>
-              <a:t>‹nº›</a:t>
-            </a:fld>
-            <a:endParaRPr lang="pt-BR"/>
-          </a:p>
-        </p:txBody>
-      </p:sp>
-    </p:spTree>
-  </p:cSld>
-  <p:clrMapOvr>
-    <a:masterClrMapping/>
-  </p:clrMapOvr>
-</p:sldLayout>
-</file>
-
-<file path=ppt/slideLayouts/slideLayout11.xml><?xml version="1.0" encoding="utf-8"?>
-<p:sldLayout xmlns:a="http://schemas.openxmlformats.org/drawingml/2006/main" xmlns:r="http://schemas.openxmlformats.org/officeDocument/2006/relationships" xmlns:p="http://schemas.openxmlformats.org/presentationml/2006/main" type="vertTitleAndTx" preserve="1">
-  <p:cSld name="Título e texto verticais">
-    <p:spTree>
-      <p:nvGrpSpPr>
-        <p:cNvPr id="1" name=""/>
-        <p:cNvGrpSpPr/>
-        <p:nvPr/>
-      </p:nvGrpSpPr>
-      <p:grpSpPr>
-        <a:xfrm>
-          <a:off x="0" y="0"/>
-          <a:ext cx="0" cy="0"/>
-          <a:chOff x="0" y="0"/>
-          <a:chExt cx="0" cy="0"/>
-        </a:xfrm>
-      </p:grpSpPr>
-      <p:sp>
-        <p:nvSpPr>
-          <p:cNvPr id="2" name="Título Vertical 1"/>
-          <p:cNvSpPr>
-            <a:spLocks noGrp="1"/>
-          </p:cNvSpPr>
-          <p:nvPr>
-            <p:ph type="title" orient="vert"/>
-          </p:nvPr>
-        </p:nvSpPr>
-        <p:spPr>
-          <a:xfrm>
-            <a:off x="6629400" y="274638"/>
-            <a:ext cx="2057400" cy="5851525"/>
-          </a:xfrm>
-        </p:spPr>
-        <p:txBody>
-          <a:bodyPr vert="eaVert"/>
-          <a:lstStyle/>
-          <a:p>
-            <a:r>
-              <a:rPr lang="pt-BR" smtClean="0"/>
-              <a:t>Clique para editar o estilo do título mestre</a:t>
-            </a:r>
-            <a:endParaRPr lang="pt-BR"/>
-          </a:p>
-        </p:txBody>
-      </p:sp>
-      <p:sp>
-        <p:nvSpPr>
-          <p:cNvPr id="3" name="Espaço Reservado para Texto Vertical 2"/>
-          <p:cNvSpPr>
-            <a:spLocks noGrp="1"/>
-          </p:cNvSpPr>
-          <p:nvPr>
-            <p:ph type="body" orient="vert" idx="1"/>
-          </p:nvPr>
-        </p:nvSpPr>
-        <p:spPr>
-          <a:xfrm>
-            <a:off x="457200" y="274638"/>
-            <a:ext cx="6019800" cy="5851525"/>
-          </a:xfrm>
-        </p:spPr>
-        <p:txBody>
-          <a:bodyPr vert="eaVert"/>
-          <a:lstStyle/>
-          <a:p>
-            <a:pPr lvl="0"/>
-            <a:r>
-              <a:rPr lang="pt-BR" smtClean="0"/>
-              <a:t>Clique para editar os estilos do texto mestre</a:t>
-            </a:r>
-          </a:p>
-          <a:p>
-            <a:pPr lvl="1"/>
-            <a:r>
-              <a:rPr lang="pt-BR" smtClean="0"/>
-              <a:t>Segundo nível</a:t>
-            </a:r>
-          </a:p>
-          <a:p>
-            <a:pPr lvl="2"/>
-            <a:r>
-              <a:rPr lang="pt-BR" smtClean="0"/>
-              <a:t>Terceiro nível</a:t>
-            </a:r>
-          </a:p>
-          <a:p>
-            <a:pPr lvl="3"/>
-            <a:r>
-              <a:rPr lang="pt-BR" smtClean="0"/>
-              <a:t>Quarto nível</a:t>
-            </a:r>
-          </a:p>
-          <a:p>
-            <a:pPr lvl="4"/>
-            <a:r>
-              <a:rPr lang="pt-BR" smtClean="0"/>
-              <a:t>Quinto nível</a:t>
-            </a:r>
-            <a:endParaRPr lang="pt-BR"/>
-          </a:p>
-        </p:txBody>
-      </p:sp>
-      <p:sp>
-        <p:nvSpPr>
-          <p:cNvPr id="4" name="Espaço Reservado para Data 3"/>
-          <p:cNvSpPr>
-            <a:spLocks noGrp="1"/>
-          </p:cNvSpPr>
-          <p:nvPr>
-            <p:ph type="dt" sz="half" idx="10"/>
-          </p:nvPr>
-        </p:nvSpPr>
-        <p:spPr/>
-        <p:txBody>
-          <a:bodyPr/>
-          <a:lstStyle/>
-          <a:p>
-            <a:fld id="{2E700DB3-DBF0-4086-B675-117E7A9610B8}" type="datetimeFigureOut">
-              <a:rPr lang="pt-BR" smtClean="0"/>
-              <a:t>20/01/2014</a:t>
-            </a:fld>
-            <a:endParaRPr lang="pt-BR"/>
-          </a:p>
-        </p:txBody>
-      </p:sp>
-      <p:sp>
-        <p:nvSpPr>
-          <p:cNvPr id="5" name="Espaço Reservado para Rodapé 4"/>
-          <p:cNvSpPr>
-            <a:spLocks noGrp="1"/>
-          </p:cNvSpPr>
-          <p:nvPr>
-            <p:ph type="ftr" sz="quarter" idx="11"/>
-          </p:nvPr>
-        </p:nvSpPr>
-        <p:spPr/>
-        <p:txBody>
-          <a:bodyPr/>
-          <a:lstStyle/>
-          <a:p>
-            <a:endParaRPr lang="pt-BR"/>
-          </a:p>
-        </p:txBody>
-      </p:sp>
-      <p:sp>
-        <p:nvSpPr>
-          <p:cNvPr id="6" name="Espaço Reservado para Número de Slide 5"/>
-          <p:cNvSpPr>
-            <a:spLocks noGrp="1"/>
-          </p:cNvSpPr>
-          <p:nvPr>
-            <p:ph type="sldNum" sz="quarter" idx="12"/>
-          </p:nvPr>
-        </p:nvSpPr>
-        <p:spPr/>
-        <p:txBody>
-          <a:bodyPr/>
-          <a:lstStyle/>
-          <a:p>
-            <a:fld id="{2119D8CF-8DEC-4D9F-84EE-ADF04DFF3391}" type="slidenum">
-              <a:rPr lang="pt-BR" smtClean="0"/>
+              <a:pPr/>
               <a:t>‹nº›</a:t>
             </a:fld>
             <a:endParaRPr lang="pt-BR"/>
@@ -760,172 +2187,7 @@
 </file>
 
 <file path=ppt/slideLayouts/slideLayout2.xml><?xml version="1.0" encoding="utf-8"?>
-<p:sldLayout xmlns:a="http://schemas.openxmlformats.org/drawingml/2006/main" xmlns:r="http://schemas.openxmlformats.org/officeDocument/2006/relationships" xmlns:p="http://schemas.openxmlformats.org/presentationml/2006/main" type="obj" preserve="1">
-  <p:cSld name="Título e conteúdo">
-    <p:spTree>
-      <p:nvGrpSpPr>
-        <p:cNvPr id="1" name=""/>
-        <p:cNvGrpSpPr/>
-        <p:nvPr/>
-      </p:nvGrpSpPr>
-      <p:grpSpPr>
-        <a:xfrm>
-          <a:off x="0" y="0"/>
-          <a:ext cx="0" cy="0"/>
-          <a:chOff x="0" y="0"/>
-          <a:chExt cx="0" cy="0"/>
-        </a:xfrm>
-      </p:grpSpPr>
-      <p:sp>
-        <p:nvSpPr>
-          <p:cNvPr id="2" name="Título 1"/>
-          <p:cNvSpPr>
-            <a:spLocks noGrp="1"/>
-          </p:cNvSpPr>
-          <p:nvPr>
-            <p:ph type="title"/>
-          </p:nvPr>
-        </p:nvSpPr>
-        <p:spPr/>
-        <p:txBody>
-          <a:bodyPr/>
-          <a:lstStyle/>
-          <a:p>
-            <a:r>
-              <a:rPr lang="pt-BR" smtClean="0"/>
-              <a:t>Clique para editar o estilo do título mestre</a:t>
-            </a:r>
-            <a:endParaRPr lang="pt-BR"/>
-          </a:p>
-        </p:txBody>
-      </p:sp>
-      <p:sp>
-        <p:nvSpPr>
-          <p:cNvPr id="3" name="Espaço Reservado para Conteúdo 2"/>
-          <p:cNvSpPr>
-            <a:spLocks noGrp="1"/>
-          </p:cNvSpPr>
-          <p:nvPr>
-            <p:ph idx="1"/>
-          </p:nvPr>
-        </p:nvSpPr>
-        <p:spPr/>
-        <p:txBody>
-          <a:bodyPr/>
-          <a:lstStyle/>
-          <a:p>
-            <a:pPr lvl="0"/>
-            <a:r>
-              <a:rPr lang="pt-BR" smtClean="0"/>
-              <a:t>Clique para editar os estilos do texto mestre</a:t>
-            </a:r>
-          </a:p>
-          <a:p>
-            <a:pPr lvl="1"/>
-            <a:r>
-              <a:rPr lang="pt-BR" smtClean="0"/>
-              <a:t>Segundo nível</a:t>
-            </a:r>
-          </a:p>
-          <a:p>
-            <a:pPr lvl="2"/>
-            <a:r>
-              <a:rPr lang="pt-BR" smtClean="0"/>
-              <a:t>Terceiro nível</a:t>
-            </a:r>
-          </a:p>
-          <a:p>
-            <a:pPr lvl="3"/>
-            <a:r>
-              <a:rPr lang="pt-BR" smtClean="0"/>
-              <a:t>Quarto nível</a:t>
-            </a:r>
-          </a:p>
-          <a:p>
-            <a:pPr lvl="4"/>
-            <a:r>
-              <a:rPr lang="pt-BR" smtClean="0"/>
-              <a:t>Quinto nível</a:t>
-            </a:r>
-            <a:endParaRPr lang="pt-BR"/>
-          </a:p>
-        </p:txBody>
-      </p:sp>
-      <p:sp>
-        <p:nvSpPr>
-          <p:cNvPr id="4" name="Espaço Reservado para Data 3"/>
-          <p:cNvSpPr>
-            <a:spLocks noGrp="1"/>
-          </p:cNvSpPr>
-          <p:nvPr>
-            <p:ph type="dt" sz="half" idx="10"/>
-          </p:nvPr>
-        </p:nvSpPr>
-        <p:spPr/>
-        <p:txBody>
-          <a:bodyPr/>
-          <a:lstStyle/>
-          <a:p>
-            <a:fld id="{2E700DB3-DBF0-4086-B675-117E7A9610B8}" type="datetimeFigureOut">
-              <a:rPr lang="pt-BR" smtClean="0"/>
-              <a:t>20/01/2014</a:t>
-            </a:fld>
-            <a:endParaRPr lang="pt-BR"/>
-          </a:p>
-        </p:txBody>
-      </p:sp>
-      <p:sp>
-        <p:nvSpPr>
-          <p:cNvPr id="5" name="Espaço Reservado para Rodapé 4"/>
-          <p:cNvSpPr>
-            <a:spLocks noGrp="1"/>
-          </p:cNvSpPr>
-          <p:nvPr>
-            <p:ph type="ftr" sz="quarter" idx="11"/>
-          </p:nvPr>
-        </p:nvSpPr>
-        <p:spPr/>
-        <p:txBody>
-          <a:bodyPr/>
-          <a:lstStyle/>
-          <a:p>
-            <a:endParaRPr lang="pt-BR"/>
-          </a:p>
-        </p:txBody>
-      </p:sp>
-      <p:sp>
-        <p:nvSpPr>
-          <p:cNvPr id="6" name="Espaço Reservado para Número de Slide 5"/>
-          <p:cNvSpPr>
-            <a:spLocks noGrp="1"/>
-          </p:cNvSpPr>
-          <p:nvPr>
-            <p:ph type="sldNum" sz="quarter" idx="12"/>
-          </p:nvPr>
-        </p:nvSpPr>
-        <p:spPr/>
-        <p:txBody>
-          <a:bodyPr/>
-          <a:lstStyle/>
-          <a:p>
-            <a:fld id="{2119D8CF-8DEC-4D9F-84EE-ADF04DFF3391}" type="slidenum">
-              <a:rPr lang="pt-BR" smtClean="0"/>
-              <a:t>‹nº›</a:t>
-            </a:fld>
-            <a:endParaRPr lang="pt-BR"/>
-          </a:p>
-        </p:txBody>
-      </p:sp>
-    </p:spTree>
-  </p:cSld>
-  <p:clrMapOvr>
-    <a:masterClrMapping/>
-  </p:clrMapOvr>
-</p:sldLayout>
-</file>
-
-<file path=ppt/slideLayouts/slideLayout3.xml><?xml version="1.0" encoding="utf-8"?>
-<p:sldLayout xmlns:a="http://schemas.openxmlformats.org/drawingml/2006/main" xmlns:r="http://schemas.openxmlformats.org/officeDocument/2006/relationships" xmlns:p="http://schemas.openxmlformats.org/presentationml/2006/main" type="secHead" preserve="1">
+<p:sldLayout xmlns:a="http://schemas.openxmlformats.org/drawingml/2006/main" xmlns:r="http://schemas.openxmlformats.org/officeDocument/2006/relationships" xmlns:p="http://schemas.openxmlformats.org/presentationml/2006/main" showMasterSp="0" preserve="1">
   <p:cSld name="Cabeçalho da Seção">
     <p:spTree>
       <p:nvGrpSpPr>
@@ -941,160 +2203,102 @@
           <a:chExt cx="0" cy="0"/>
         </a:xfrm>
       </p:grpSpPr>
-      <p:sp>
-        <p:nvSpPr>
-          <p:cNvPr id="2" name="Título 1"/>
-          <p:cNvSpPr>
-            <a:spLocks noGrp="1"/>
-          </p:cNvSpPr>
-          <p:nvPr>
-            <p:ph type="title"/>
-          </p:nvPr>
-        </p:nvSpPr>
+      <p:pic>
+        <p:nvPicPr>
+          <p:cNvPr id="7" name="Picture 6"/>
+          <p:cNvPicPr>
+            <a:picLocks noChangeAspect="1"/>
+          </p:cNvPicPr>
+          <p:nvPr/>
+        </p:nvPicPr>
+        <p:blipFill rotWithShape="1">
+          <a:blip r:embed="rId2" cstate="email">
+            <a:extLst>
+              <a:ext uri="{28A0092B-C50C-407E-A947-70E740481C1C}">
+                <a14:useLocalDpi xmlns:a14="http://schemas.microsoft.com/office/drawing/2010/main"/>
+              </a:ext>
+            </a:extLst>
+          </a:blip>
+          <a:srcRect/>
+          <a:stretch/>
+        </p:blipFill>
         <p:spPr>
           <a:xfrm>
-            <a:off x="722313" y="4406900"/>
-            <a:ext cx="7772400" cy="1362075"/>
-          </a:xfrm>
-        </p:spPr>
-        <p:txBody>
-          <a:bodyPr anchor="t"/>
+            <a:off x="43543" y="0"/>
+            <a:ext cx="9100457" cy="6879771"/>
+          </a:xfrm>
+          <a:prstGeom prst="rect">
+            <a:avLst/>
+          </a:prstGeom>
+        </p:spPr>
+      </p:pic>
+      <p:pic>
+        <p:nvPicPr>
+          <p:cNvPr id="8" name="Picture 7"/>
+          <p:cNvPicPr>
+            <a:picLocks noChangeAspect="1"/>
+          </p:cNvPicPr>
+          <p:nvPr/>
+        </p:nvPicPr>
+        <p:blipFill rotWithShape="1">
+          <a:blip r:embed="rId3" cstate="email">
+            <a:extLst>
+              <a:ext uri="{28A0092B-C50C-407E-A947-70E740481C1C}">
+                <a14:useLocalDpi xmlns:a14="http://schemas.microsoft.com/office/drawing/2010/main"/>
+              </a:ext>
+            </a:extLst>
+          </a:blip>
+          <a:srcRect/>
+          <a:stretch/>
+        </p:blipFill>
+        <p:spPr>
+          <a:xfrm rot="5400000">
+            <a:off x="3161049" y="-3176815"/>
+            <a:ext cx="2819400" cy="9173031"/>
+          </a:xfrm>
+          <a:prstGeom prst="rect">
+            <a:avLst/>
+          </a:prstGeom>
+        </p:spPr>
+      </p:pic>
+      <p:sp>
+        <p:nvSpPr>
+          <p:cNvPr id="2" name="Title 1"/>
+          <p:cNvSpPr>
+            <a:spLocks noGrp="1"/>
+          </p:cNvSpPr>
+          <p:nvPr>
+            <p:ph type="title" hasCustomPrompt="1"/>
+          </p:nvPr>
+        </p:nvSpPr>
+        <p:spPr>
+          <a:xfrm>
+            <a:off x="4572000" y="3048000"/>
+            <a:ext cx="4343400" cy="1362075"/>
+          </a:xfrm>
+        </p:spPr>
+        <p:txBody>
+          <a:bodyPr anchor="b" anchorCtr="0"/>
           <a:lstStyle>
-            <a:lvl1pPr algn="l">
-              <a:defRPr sz="4000" b="1" cap="all"/>
-            </a:lvl1pPr>
-          </a:lstStyle>
-          <a:p>
-            <a:r>
-              <a:rPr lang="pt-BR" smtClean="0"/>
-              <a:t>Clique para editar o estilo do título mestre</a:t>
-            </a:r>
-            <a:endParaRPr lang="pt-BR"/>
-          </a:p>
-        </p:txBody>
-      </p:sp>
-      <p:sp>
-        <p:nvSpPr>
-          <p:cNvPr id="3" name="Espaço Reservado para Texto 2"/>
-          <p:cNvSpPr>
-            <a:spLocks noGrp="1"/>
-          </p:cNvSpPr>
-          <p:nvPr>
-            <p:ph type="body" idx="1"/>
-          </p:nvPr>
-        </p:nvSpPr>
-        <p:spPr>
-          <a:xfrm>
-            <a:off x="722313" y="2906713"/>
-            <a:ext cx="7772400" cy="1500187"/>
-          </a:xfrm>
-        </p:spPr>
-        <p:txBody>
-          <a:bodyPr anchor="b"/>
-          <a:lstStyle>
-            <a:lvl1pPr marL="0" indent="0">
-              <a:buNone/>
-              <a:defRPr sz="2000">
+            <a:lvl1pPr algn="l" eaLnBrk="1" latinLnBrk="0" hangingPunct="1">
+              <a:defRPr kumimoji="0" lang="pt-BR" sz="4000" b="1" cap="small" baseline="0">
                 <a:solidFill>
-                  <a:schemeClr val="tx1">
-                    <a:tint val="75000"/>
-                  </a:schemeClr>
+                  <a:srgbClr val="003300"/>
                 </a:solidFill>
               </a:defRPr>
             </a:lvl1pPr>
-            <a:lvl2pPr marL="457200" indent="0">
-              <a:buNone/>
-              <a:defRPr sz="1800">
-                <a:solidFill>
-                  <a:schemeClr val="tx1">
-                    <a:tint val="75000"/>
-                  </a:schemeClr>
-                </a:solidFill>
-              </a:defRPr>
-            </a:lvl2pPr>
-            <a:lvl3pPr marL="914400" indent="0">
-              <a:buNone/>
-              <a:defRPr sz="1600">
-                <a:solidFill>
-                  <a:schemeClr val="tx1">
-                    <a:tint val="75000"/>
-                  </a:schemeClr>
-                </a:solidFill>
-              </a:defRPr>
-            </a:lvl3pPr>
-            <a:lvl4pPr marL="1371600" indent="0">
-              <a:buNone/>
-              <a:defRPr sz="1400">
-                <a:solidFill>
-                  <a:schemeClr val="tx1">
-                    <a:tint val="75000"/>
-                  </a:schemeClr>
-                </a:solidFill>
-              </a:defRPr>
-            </a:lvl4pPr>
-            <a:lvl5pPr marL="1828800" indent="0">
-              <a:buNone/>
-              <a:defRPr sz="1400">
-                <a:solidFill>
-                  <a:schemeClr val="tx1">
-                    <a:tint val="75000"/>
-                  </a:schemeClr>
-                </a:solidFill>
-              </a:defRPr>
-            </a:lvl5pPr>
-            <a:lvl6pPr marL="2286000" indent="0">
-              <a:buNone/>
-              <a:defRPr sz="1400">
-                <a:solidFill>
-                  <a:schemeClr val="tx1">
-                    <a:tint val="75000"/>
-                  </a:schemeClr>
-                </a:solidFill>
-              </a:defRPr>
-            </a:lvl6pPr>
-            <a:lvl7pPr marL="2743200" indent="0">
-              <a:buNone/>
-              <a:defRPr sz="1400">
-                <a:solidFill>
-                  <a:schemeClr val="tx1">
-                    <a:tint val="75000"/>
-                  </a:schemeClr>
-                </a:solidFill>
-              </a:defRPr>
-            </a:lvl7pPr>
-            <a:lvl8pPr marL="3200400" indent="0">
-              <a:buNone/>
-              <a:defRPr sz="1400">
-                <a:solidFill>
-                  <a:schemeClr val="tx1">
-                    <a:tint val="75000"/>
-                  </a:schemeClr>
-                </a:solidFill>
-              </a:defRPr>
-            </a:lvl8pPr>
-            <a:lvl9pPr marL="3657600" indent="0">
-              <a:buNone/>
-              <a:defRPr sz="1400">
-                <a:solidFill>
-                  <a:schemeClr val="tx1">
-                    <a:tint val="75000"/>
-                  </a:schemeClr>
-                </a:solidFill>
-              </a:defRPr>
-            </a:lvl9pPr>
           </a:lstStyle>
           <a:p>
-            <a:pPr lvl="0"/>
-            <a:r>
-              <a:rPr lang="pt-BR" smtClean="0"/>
-              <a:t>Clique para editar os estilos do texto mestre</a:t>
-            </a:r>
-          </a:p>
-        </p:txBody>
-      </p:sp>
-      <p:sp>
-        <p:nvSpPr>
-          <p:cNvPr id="4" name="Espaço Reservado para Data 3"/>
+            <a:r>
+              <a:rPr kumimoji="0" lang="pt-BR"/>
+              <a:t>Clique para editar o título Mestre</a:t>
+            </a:r>
+          </a:p>
+        </p:txBody>
+      </p:sp>
+      <p:sp>
+        <p:nvSpPr>
+          <p:cNvPr id="4" name="Date Placeholder 3"/>
           <p:cNvSpPr>
             <a:spLocks noGrp="1"/>
           </p:cNvSpPr>
@@ -1109,7 +2313,8 @@
           <a:p>
             <a:fld id="{2E700DB3-DBF0-4086-B675-117E7A9610B8}" type="datetimeFigureOut">
               <a:rPr lang="pt-BR" smtClean="0"/>
-              <a:t>20/01/2014</a:t>
+              <a:pPr/>
+              <a:t>21/01/2014</a:t>
             </a:fld>
             <a:endParaRPr lang="pt-BR"/>
           </a:p>
@@ -1117,7 +2322,7 @@
       </p:sp>
       <p:sp>
         <p:nvSpPr>
-          <p:cNvPr id="5" name="Espaço Reservado para Rodapé 4"/>
+          <p:cNvPr id="5" name="Footer Placeholder 4"/>
           <p:cNvSpPr>
             <a:spLocks noGrp="1"/>
           </p:cNvSpPr>
@@ -1136,7 +2341,7 @@
       </p:sp>
       <p:sp>
         <p:nvSpPr>
-          <p:cNvPr id="6" name="Espaço Reservado para Número de Slide 5"/>
+          <p:cNvPr id="6" name="Slide Number Placeholder 5"/>
           <p:cNvSpPr>
             <a:spLocks noGrp="1"/>
           </p:cNvSpPr>
@@ -1151,9 +2356,44 @@
           <a:p>
             <a:fld id="{2119D8CF-8DEC-4D9F-84EE-ADF04DFF3391}" type="slidenum">
               <a:rPr lang="pt-BR" smtClean="0"/>
+              <a:pPr/>
               <a:t>‹nº›</a:t>
             </a:fld>
             <a:endParaRPr lang="pt-BR"/>
+          </a:p>
+        </p:txBody>
+      </p:sp>
+      <p:sp>
+        <p:nvSpPr>
+          <p:cNvPr id="10" name="Picture Placeholder 9"/>
+          <p:cNvSpPr>
+            <a:spLocks noGrp="1"/>
+          </p:cNvSpPr>
+          <p:nvPr>
+            <p:ph type="pic" sz="quarter" idx="13" hasCustomPrompt="1"/>
+          </p:nvPr>
+        </p:nvSpPr>
+        <p:spPr>
+          <a:xfrm>
+            <a:off x="6781800" y="5334000"/>
+            <a:ext cx="2133600" cy="990600"/>
+          </a:xfrm>
+        </p:spPr>
+        <p:txBody>
+          <a:bodyPr>
+            <a:normAutofit/>
+          </a:bodyPr>
+          <a:lstStyle>
+            <a:lvl1pPr marL="0" indent="0" algn="ctr" eaLnBrk="1" latinLnBrk="0" hangingPunct="1">
+              <a:buNone/>
+              <a:defRPr kumimoji="0" lang="pt-BR" sz="1800"/>
+            </a:lvl1pPr>
+          </a:lstStyle>
+          <a:p>
+            <a:r>
+              <a:rPr kumimoji="0" lang="pt-BR"/>
+              <a:t>Logotipo da Empresa</a:t>
+            </a:r>
           </a:p>
         </p:txBody>
       </p:sp>
@@ -1162,6 +2402,384 @@
   <p:clrMapOvr>
     <a:masterClrMapping/>
   </p:clrMapOvr>
+  <p:transition spd="slow">
+    <p:wipe dir="d"/>
+  </p:transition>
+  <p:timing>
+    <p:tnLst>
+      <p:par>
+        <p:cTn id="1" dur="indefinite" restart="never" nodeType="tmRoot">
+          <p:childTnLst>
+            <p:seq concurrent="1" nextAc="seek">
+              <p:cTn id="2" dur="indefinite" nodeType="mainSeq">
+                <p:childTnLst>
+                  <p:par>
+                    <p:cTn id="3" fill="hold">
+                      <p:stCondLst>
+                        <p:cond delay="indefinite"/>
+                        <p:cond evt="onBegin" delay="0">
+                          <p:tn val="2"/>
+                        </p:cond>
+                      </p:stCondLst>
+                      <p:childTnLst>
+                        <p:par>
+                          <p:cTn id="4" fill="hold">
+                            <p:stCondLst>
+                              <p:cond delay="0"/>
+                            </p:stCondLst>
+                            <p:childTnLst>
+                              <p:par>
+                                <p:cTn id="5" presetID="22" presetClass="entr" presetSubtype="8" fill="hold" nodeType="afterEffect">
+                                  <p:stCondLst>
+                                    <p:cond delay="0"/>
+                                  </p:stCondLst>
+                                  <p:childTnLst>
+                                    <p:set>
+                                      <p:cBhvr>
+                                        <p:cTn id="6" dur="1" fill="hold">
+                                          <p:stCondLst>
+                                            <p:cond delay="0"/>
+                                          </p:stCondLst>
+                                        </p:cTn>
+                                        <p:tgtEl>
+                                          <p:spTgt spid="8"/>
+                                        </p:tgtEl>
+                                        <p:attrNameLst>
+                                          <p:attrName>style.visibility</p:attrName>
+                                        </p:attrNameLst>
+                                      </p:cBhvr>
+                                      <p:to>
+                                        <p:strVal val="visible"/>
+                                      </p:to>
+                                    </p:set>
+                                    <p:animEffect transition="in" filter="wipe(left)">
+                                      <p:cBhvr>
+                                        <p:cTn id="7" dur="500"/>
+                                        <p:tgtEl>
+                                          <p:spTgt spid="8"/>
+                                        </p:tgtEl>
+                                      </p:cBhvr>
+                                    </p:animEffect>
+                                  </p:childTnLst>
+                                </p:cTn>
+                              </p:par>
+                            </p:childTnLst>
+                          </p:cTn>
+                        </p:par>
+                        <p:par>
+                          <p:cTn id="8" fill="hold">
+                            <p:stCondLst>
+                              <p:cond delay="500"/>
+                            </p:stCondLst>
+                            <p:childTnLst>
+                              <p:par>
+                                <p:cTn id="9" presetID="10" presetClass="entr" presetSubtype="0" fill="hold" grpId="0" nodeType="afterEffect">
+                                  <p:stCondLst>
+                                    <p:cond delay="0"/>
+                                  </p:stCondLst>
+                                  <p:childTnLst>
+                                    <p:set>
+                                      <p:cBhvr>
+                                        <p:cTn id="10" dur="1" fill="hold">
+                                          <p:stCondLst>
+                                            <p:cond delay="0"/>
+                                          </p:stCondLst>
+                                        </p:cTn>
+                                        <p:tgtEl>
+                                          <p:spTgt spid="10"/>
+                                        </p:tgtEl>
+                                        <p:attrNameLst>
+                                          <p:attrName>style.visibility</p:attrName>
+                                        </p:attrNameLst>
+                                      </p:cBhvr>
+                                      <p:to>
+                                        <p:strVal val="visible"/>
+                                      </p:to>
+                                    </p:set>
+                                    <p:animEffect transition="in" filter="fade">
+                                      <p:cBhvr>
+                                        <p:cTn id="11" dur="500"/>
+                                        <p:tgtEl>
+                                          <p:spTgt spid="10"/>
+                                        </p:tgtEl>
+                                      </p:cBhvr>
+                                    </p:animEffect>
+                                  </p:childTnLst>
+                                </p:cTn>
+                              </p:par>
+                            </p:childTnLst>
+                          </p:cTn>
+                        </p:par>
+                      </p:childTnLst>
+                    </p:cTn>
+                  </p:par>
+                </p:childTnLst>
+              </p:cTn>
+              <p:prevCondLst>
+                <p:cond evt="onPrev" delay="0">
+                  <p:tgtEl>
+                    <p:sldTgt/>
+                  </p:tgtEl>
+                </p:cond>
+              </p:prevCondLst>
+              <p:nextCondLst>
+                <p:cond evt="onNext" delay="0">
+                  <p:tgtEl>
+                    <p:sldTgt/>
+                  </p:tgtEl>
+                </p:cond>
+              </p:nextCondLst>
+            </p:seq>
+          </p:childTnLst>
+        </p:cTn>
+      </p:par>
+    </p:tnLst>
+    <p:bldLst>
+      <p:bldP spid="10" grpId="0"/>
+    </p:bldLst>
+  </p:timing>
+</p:sldLayout>
+</file>
+
+<file path=ppt/slideLayouts/slideLayout3.xml><?xml version="1.0" encoding="utf-8"?>
+<p:sldLayout xmlns:a="http://schemas.openxmlformats.org/drawingml/2006/main" xmlns:r="http://schemas.openxmlformats.org/officeDocument/2006/relationships" xmlns:p="http://schemas.openxmlformats.org/presentationml/2006/main" preserve="1">
+  <p:cSld name="Título e Conteúdo">
+    <p:bg>
+      <p:bgPr>
+        <a:blipFill dpi="0" rotWithShape="1">
+          <a:blip r:embed="rId2" cstate="email">
+            <a:lum/>
+            <a:extLst>
+              <a:ext uri="{28A0092B-C50C-407E-A947-70E740481C1C}">
+                <a14:useLocalDpi xmlns:a14="http://schemas.microsoft.com/office/drawing/2010/main"/>
+              </a:ext>
+            </a:extLst>
+          </a:blip>
+          <a:srcRect/>
+          <a:stretch>
+            <a:fillRect/>
+          </a:stretch>
+        </a:blipFill>
+        <a:effectLst/>
+      </p:bgPr>
+    </p:bg>
+    <p:spTree>
+      <p:nvGrpSpPr>
+        <p:cNvPr id="1" name=""/>
+        <p:cNvGrpSpPr/>
+        <p:nvPr/>
+      </p:nvGrpSpPr>
+      <p:grpSpPr>
+        <a:xfrm>
+          <a:off x="0" y="0"/>
+          <a:ext cx="0" cy="0"/>
+          <a:chOff x="0" y="0"/>
+          <a:chExt cx="0" cy="0"/>
+        </a:xfrm>
+      </p:grpSpPr>
+      <p:sp>
+        <p:nvSpPr>
+          <p:cNvPr id="2" name="Title 1"/>
+          <p:cNvSpPr>
+            <a:spLocks noGrp="1"/>
+          </p:cNvSpPr>
+          <p:nvPr>
+            <p:ph type="title" hasCustomPrompt="1"/>
+          </p:nvPr>
+        </p:nvSpPr>
+        <p:spPr>
+          <a:xfrm>
+            <a:off x="762000" y="269632"/>
+            <a:ext cx="8077200" cy="1143000"/>
+          </a:xfrm>
+        </p:spPr>
+        <p:txBody>
+          <a:bodyPr anchor="ctr" anchorCtr="0"/>
+          <a:lstStyle>
+            <a:lvl1pPr algn="l" eaLnBrk="1" latinLnBrk="0" hangingPunct="1">
+              <a:defRPr kumimoji="0" lang="pt-BR"/>
+            </a:lvl1pPr>
+          </a:lstStyle>
+          <a:p>
+            <a:r>
+              <a:rPr kumimoji="0" lang="pt-BR"/>
+              <a:t>Clique para editar o título Mestre</a:t>
+            </a:r>
+          </a:p>
+        </p:txBody>
+      </p:sp>
+      <p:sp>
+        <p:nvSpPr>
+          <p:cNvPr id="3" name="Content Placeholder 2"/>
+          <p:cNvSpPr>
+            <a:spLocks noGrp="1"/>
+          </p:cNvSpPr>
+          <p:nvPr>
+            <p:ph idx="1"/>
+          </p:nvPr>
+        </p:nvSpPr>
+        <p:spPr>
+          <a:xfrm>
+            <a:off x="762000" y="1596413"/>
+            <a:ext cx="8077200" cy="4297363"/>
+          </a:xfrm>
+        </p:spPr>
+        <p:txBody>
+          <a:bodyPr>
+            <a:normAutofit/>
+          </a:bodyPr>
+          <a:lstStyle>
+            <a:lvl1pPr eaLnBrk="1" latinLnBrk="0" hangingPunct="1">
+              <a:defRPr kumimoji="0" lang="pt-BR" sz="3200">
+                <a:latin typeface="+mn-lt"/>
+              </a:defRPr>
+            </a:lvl1pPr>
+            <a:lvl2pPr eaLnBrk="1" latinLnBrk="0" hangingPunct="1">
+              <a:defRPr kumimoji="0" lang="pt-BR" sz="2800">
+                <a:latin typeface="+mn-lt"/>
+              </a:defRPr>
+            </a:lvl2pPr>
+            <a:lvl3pPr eaLnBrk="1" latinLnBrk="0" hangingPunct="1">
+              <a:defRPr kumimoji="0" lang="pt-BR" sz="2400">
+                <a:latin typeface="+mn-lt"/>
+              </a:defRPr>
+            </a:lvl3pPr>
+            <a:lvl4pPr eaLnBrk="1" latinLnBrk="0" hangingPunct="1">
+              <a:defRPr kumimoji="0" lang="pt-BR" sz="2400">
+                <a:latin typeface="+mn-lt"/>
+              </a:defRPr>
+            </a:lvl4pPr>
+            <a:lvl5pPr eaLnBrk="1" latinLnBrk="0" hangingPunct="1">
+              <a:defRPr kumimoji="0" lang="pt-BR" sz="2400">
+                <a:latin typeface="+mn-lt"/>
+              </a:defRPr>
+            </a:lvl5pPr>
+          </a:lstStyle>
+          <a:p>
+            <a:pPr lvl="0" eaLnBrk="1" latinLnBrk="0" hangingPunct="1"/>
+            <a:r>
+              <a:rPr lang="pt-BR" smtClean="0"/>
+              <a:t>Clique para editar os estilos do texto mestre</a:t>
+            </a:r>
+          </a:p>
+          <a:p>
+            <a:pPr lvl="1" eaLnBrk="1" latinLnBrk="0" hangingPunct="1"/>
+            <a:r>
+              <a:rPr lang="pt-BR" smtClean="0"/>
+              <a:t>Segundo nível</a:t>
+            </a:r>
+          </a:p>
+          <a:p>
+            <a:pPr lvl="2" eaLnBrk="1" latinLnBrk="0" hangingPunct="1"/>
+            <a:r>
+              <a:rPr lang="pt-BR" smtClean="0"/>
+              <a:t>Terceiro nível</a:t>
+            </a:r>
+          </a:p>
+          <a:p>
+            <a:pPr lvl="3" eaLnBrk="1" latinLnBrk="0" hangingPunct="1"/>
+            <a:r>
+              <a:rPr lang="pt-BR" smtClean="0"/>
+              <a:t>Quarto nível</a:t>
+            </a:r>
+          </a:p>
+          <a:p>
+            <a:pPr lvl="4" eaLnBrk="1" latinLnBrk="0" hangingPunct="1"/>
+            <a:r>
+              <a:rPr lang="pt-BR" smtClean="0"/>
+              <a:t>Quinto nível</a:t>
+            </a:r>
+            <a:endParaRPr/>
+          </a:p>
+        </p:txBody>
+      </p:sp>
+      <p:sp>
+        <p:nvSpPr>
+          <p:cNvPr id="4" name="Date Placeholder 3"/>
+          <p:cNvSpPr>
+            <a:spLocks noGrp="1"/>
+          </p:cNvSpPr>
+          <p:nvPr>
+            <p:ph type="dt" sz="half" idx="10"/>
+          </p:nvPr>
+        </p:nvSpPr>
+        <p:spPr/>
+        <p:txBody>
+          <a:bodyPr/>
+          <a:lstStyle/>
+          <a:p>
+            <a:fld id="{2E700DB3-DBF0-4086-B675-117E7A9610B8}" type="datetimeFigureOut">
+              <a:rPr lang="pt-BR" smtClean="0"/>
+              <a:pPr/>
+              <a:t>21/01/2014</a:t>
+            </a:fld>
+            <a:endParaRPr lang="pt-BR"/>
+          </a:p>
+        </p:txBody>
+      </p:sp>
+      <p:sp>
+        <p:nvSpPr>
+          <p:cNvPr id="5" name="Footer Placeholder 4"/>
+          <p:cNvSpPr>
+            <a:spLocks noGrp="1"/>
+          </p:cNvSpPr>
+          <p:nvPr>
+            <p:ph type="ftr" sz="quarter" idx="11"/>
+          </p:nvPr>
+        </p:nvSpPr>
+        <p:spPr/>
+        <p:txBody>
+          <a:bodyPr/>
+          <a:lstStyle/>
+          <a:p>
+            <a:endParaRPr lang="pt-BR"/>
+          </a:p>
+        </p:txBody>
+      </p:sp>
+      <p:sp>
+        <p:nvSpPr>
+          <p:cNvPr id="6" name="Slide Number Placeholder 5"/>
+          <p:cNvSpPr>
+            <a:spLocks noGrp="1"/>
+          </p:cNvSpPr>
+          <p:nvPr>
+            <p:ph type="sldNum" sz="quarter" idx="12"/>
+          </p:nvPr>
+        </p:nvSpPr>
+        <p:spPr>
+          <a:xfrm>
+            <a:off x="6705600" y="6356350"/>
+            <a:ext cx="2133600" cy="365125"/>
+          </a:xfrm>
+        </p:spPr>
+        <p:txBody>
+          <a:bodyPr/>
+          <a:lstStyle/>
+          <a:p>
+            <a:fld id="{2119D8CF-8DEC-4D9F-84EE-ADF04DFF3391}" type="slidenum">
+              <a:rPr lang="pt-BR" smtClean="0"/>
+              <a:pPr/>
+              <a:t>‹nº›</a:t>
+            </a:fld>
+            <a:endParaRPr lang="pt-BR"/>
+          </a:p>
+        </p:txBody>
+      </p:sp>
+    </p:spTree>
+  </p:cSld>
+  <p:clrMapOvr>
+    <a:masterClrMapping/>
+  </p:clrMapOvr>
+  <p:transition spd="slow">
+    <p:wipe dir="d"/>
+  </p:transition>
+  <p:timing>
+    <p:tnLst>
+      <p:par>
+        <p:cTn id="1" dur="indefinite" restart="never" nodeType="tmRoot"/>
+      </p:par>
+    </p:tnLst>
+  </p:timing>
 </p:sldLayout>
 </file>
 
@@ -1184,7 +2802,7 @@
       </p:grpSpPr>
       <p:sp>
         <p:nvSpPr>
-          <p:cNvPr id="2" name="Título 1"/>
+          <p:cNvPr id="2" name="Title 1"/>
           <p:cNvSpPr>
             <a:spLocks noGrp="1"/>
           </p:cNvSpPr>
@@ -1197,17 +2815,18 @@
           <a:bodyPr/>
           <a:lstStyle/>
           <a:p>
+            <a:pPr eaLnBrk="1" latinLnBrk="0" hangingPunct="1"/>
             <a:r>
               <a:rPr lang="pt-BR" smtClean="0"/>
               <a:t>Clique para editar o estilo do título mestre</a:t>
             </a:r>
-            <a:endParaRPr lang="pt-BR"/>
-          </a:p>
-        </p:txBody>
-      </p:sp>
-      <p:sp>
-        <p:nvSpPr>
-          <p:cNvPr id="3" name="Espaço Reservado para Conteúdo 2"/>
+            <a:endParaRPr/>
+          </a:p>
+        </p:txBody>
+      </p:sp>
+      <p:sp>
+        <p:nvSpPr>
+          <p:cNvPr id="3" name="Content Placeholder 2"/>
           <p:cNvSpPr>
             <a:spLocks noGrp="1"/>
           </p:cNvSpPr>
@@ -1217,82 +2836,82 @@
         </p:nvSpPr>
         <p:spPr>
           <a:xfrm>
-            <a:off x="457200" y="1600200"/>
+            <a:off x="685800" y="1600200"/>
             <a:ext cx="4038600" cy="4525963"/>
           </a:xfrm>
         </p:spPr>
         <p:txBody>
           <a:bodyPr/>
           <a:lstStyle>
-            <a:lvl1pPr>
-              <a:defRPr sz="2800"/>
+            <a:lvl1pPr eaLnBrk="1" latinLnBrk="0" hangingPunct="1">
+              <a:defRPr kumimoji="0" lang="pt-BR" sz="2800"/>
             </a:lvl1pPr>
-            <a:lvl2pPr>
-              <a:defRPr sz="2400"/>
+            <a:lvl2pPr eaLnBrk="1" latinLnBrk="0" hangingPunct="1">
+              <a:defRPr kumimoji="0" lang="pt-BR" sz="2400"/>
             </a:lvl2pPr>
-            <a:lvl3pPr>
-              <a:defRPr sz="2000"/>
+            <a:lvl3pPr eaLnBrk="1" latinLnBrk="0" hangingPunct="1">
+              <a:defRPr kumimoji="0" lang="pt-BR" sz="2000"/>
             </a:lvl3pPr>
-            <a:lvl4pPr>
-              <a:defRPr sz="1800"/>
+            <a:lvl4pPr eaLnBrk="1" latinLnBrk="0" hangingPunct="1">
+              <a:defRPr kumimoji="0" lang="pt-BR" sz="1800"/>
             </a:lvl4pPr>
-            <a:lvl5pPr>
-              <a:defRPr sz="1800"/>
+            <a:lvl5pPr eaLnBrk="1" latinLnBrk="0" hangingPunct="1">
+              <a:defRPr kumimoji="0" lang="pt-BR" sz="1800"/>
             </a:lvl5pPr>
-            <a:lvl6pPr>
-              <a:defRPr sz="1800"/>
+            <a:lvl6pPr eaLnBrk="1" latinLnBrk="0" hangingPunct="1">
+              <a:defRPr kumimoji="0" lang="pt-BR" sz="1800"/>
             </a:lvl6pPr>
-            <a:lvl7pPr>
-              <a:defRPr sz="1800"/>
+            <a:lvl7pPr eaLnBrk="1" latinLnBrk="0" hangingPunct="1">
+              <a:defRPr kumimoji="0" lang="pt-BR" sz="1800"/>
             </a:lvl7pPr>
-            <a:lvl8pPr>
-              <a:defRPr sz="1800"/>
+            <a:lvl8pPr eaLnBrk="1" latinLnBrk="0" hangingPunct="1">
+              <a:defRPr kumimoji="0" lang="pt-BR" sz="1800"/>
             </a:lvl8pPr>
-            <a:lvl9pPr>
-              <a:defRPr sz="1800"/>
+            <a:lvl9pPr eaLnBrk="1" latinLnBrk="0" hangingPunct="1">
+              <a:defRPr kumimoji="0" lang="pt-BR" sz="1800"/>
             </a:lvl9pPr>
           </a:lstStyle>
           <a:p>
-            <a:pPr lvl="0"/>
+            <a:pPr lvl="0" eaLnBrk="1" latinLnBrk="0" hangingPunct="1"/>
             <a:r>
               <a:rPr lang="pt-BR" smtClean="0"/>
               <a:t>Clique para editar os estilos do texto mestre</a:t>
             </a:r>
           </a:p>
           <a:p>
-            <a:pPr lvl="1"/>
+            <a:pPr lvl="1" eaLnBrk="1" latinLnBrk="0" hangingPunct="1"/>
             <a:r>
               <a:rPr lang="pt-BR" smtClean="0"/>
               <a:t>Segundo nível</a:t>
             </a:r>
           </a:p>
           <a:p>
-            <a:pPr lvl="2"/>
+            <a:pPr lvl="2" eaLnBrk="1" latinLnBrk="0" hangingPunct="1"/>
             <a:r>
               <a:rPr lang="pt-BR" smtClean="0"/>
               <a:t>Terceiro nível</a:t>
             </a:r>
           </a:p>
           <a:p>
-            <a:pPr lvl="3"/>
+            <a:pPr lvl="3" eaLnBrk="1" latinLnBrk="0" hangingPunct="1"/>
             <a:r>
               <a:rPr lang="pt-BR" smtClean="0"/>
               <a:t>Quarto nível</a:t>
             </a:r>
           </a:p>
           <a:p>
-            <a:pPr lvl="4"/>
+            <a:pPr lvl="4" eaLnBrk="1" latinLnBrk="0" hangingPunct="1"/>
             <a:r>
               <a:rPr lang="pt-BR" smtClean="0"/>
               <a:t>Quinto nível</a:t>
             </a:r>
-            <a:endParaRPr lang="pt-BR"/>
-          </a:p>
-        </p:txBody>
-      </p:sp>
-      <p:sp>
-        <p:nvSpPr>
-          <p:cNvPr id="4" name="Espaço Reservado para Conteúdo 3"/>
+            <a:endParaRPr/>
+          </a:p>
+        </p:txBody>
+      </p:sp>
+      <p:sp>
+        <p:nvSpPr>
+          <p:cNvPr id="4" name="Content Placeholder 3"/>
           <p:cNvSpPr>
             <a:spLocks noGrp="1"/>
           </p:cNvSpPr>
@@ -1302,82 +2921,82 @@
         </p:nvSpPr>
         <p:spPr>
           <a:xfrm>
-            <a:off x="4648200" y="1600200"/>
+            <a:off x="4876800" y="1600200"/>
             <a:ext cx="4038600" cy="4525963"/>
           </a:xfrm>
         </p:spPr>
         <p:txBody>
           <a:bodyPr/>
           <a:lstStyle>
-            <a:lvl1pPr>
-              <a:defRPr sz="2800"/>
+            <a:lvl1pPr eaLnBrk="1" latinLnBrk="0" hangingPunct="1">
+              <a:defRPr kumimoji="0" lang="pt-BR" sz="2800"/>
             </a:lvl1pPr>
-            <a:lvl2pPr>
-              <a:defRPr sz="2400"/>
+            <a:lvl2pPr eaLnBrk="1" latinLnBrk="0" hangingPunct="1">
+              <a:defRPr kumimoji="0" lang="pt-BR" sz="2400"/>
             </a:lvl2pPr>
-            <a:lvl3pPr>
-              <a:defRPr sz="2000"/>
+            <a:lvl3pPr eaLnBrk="1" latinLnBrk="0" hangingPunct="1">
+              <a:defRPr kumimoji="0" lang="pt-BR" sz="2000"/>
             </a:lvl3pPr>
-            <a:lvl4pPr>
-              <a:defRPr sz="1800"/>
+            <a:lvl4pPr eaLnBrk="1" latinLnBrk="0" hangingPunct="1">
+              <a:defRPr kumimoji="0" lang="pt-BR" sz="1800"/>
             </a:lvl4pPr>
-            <a:lvl5pPr>
-              <a:defRPr sz="1800"/>
+            <a:lvl5pPr eaLnBrk="1" latinLnBrk="0" hangingPunct="1">
+              <a:defRPr kumimoji="0" lang="pt-BR" sz="1800"/>
             </a:lvl5pPr>
-            <a:lvl6pPr>
-              <a:defRPr sz="1800"/>
+            <a:lvl6pPr eaLnBrk="1" latinLnBrk="0" hangingPunct="1">
+              <a:defRPr kumimoji="0" lang="pt-BR" sz="1800"/>
             </a:lvl6pPr>
-            <a:lvl7pPr>
-              <a:defRPr sz="1800"/>
+            <a:lvl7pPr eaLnBrk="1" latinLnBrk="0" hangingPunct="1">
+              <a:defRPr kumimoji="0" lang="pt-BR" sz="1800"/>
             </a:lvl7pPr>
-            <a:lvl8pPr>
-              <a:defRPr sz="1800"/>
+            <a:lvl8pPr eaLnBrk="1" latinLnBrk="0" hangingPunct="1">
+              <a:defRPr kumimoji="0" lang="pt-BR" sz="1800"/>
             </a:lvl8pPr>
-            <a:lvl9pPr>
-              <a:defRPr sz="1800"/>
+            <a:lvl9pPr eaLnBrk="1" latinLnBrk="0" hangingPunct="1">
+              <a:defRPr kumimoji="0" lang="pt-BR" sz="1800"/>
             </a:lvl9pPr>
           </a:lstStyle>
           <a:p>
-            <a:pPr lvl="0"/>
+            <a:pPr lvl="0" eaLnBrk="1" latinLnBrk="0" hangingPunct="1"/>
             <a:r>
               <a:rPr lang="pt-BR" smtClean="0"/>
               <a:t>Clique para editar os estilos do texto mestre</a:t>
             </a:r>
           </a:p>
           <a:p>
-            <a:pPr lvl="1"/>
+            <a:pPr lvl="1" eaLnBrk="1" latinLnBrk="0" hangingPunct="1"/>
             <a:r>
               <a:rPr lang="pt-BR" smtClean="0"/>
               <a:t>Segundo nível</a:t>
             </a:r>
           </a:p>
           <a:p>
-            <a:pPr lvl="2"/>
+            <a:pPr lvl="2" eaLnBrk="1" latinLnBrk="0" hangingPunct="1"/>
             <a:r>
               <a:rPr lang="pt-BR" smtClean="0"/>
               <a:t>Terceiro nível</a:t>
             </a:r>
           </a:p>
           <a:p>
-            <a:pPr lvl="3"/>
+            <a:pPr lvl="3" eaLnBrk="1" latinLnBrk="0" hangingPunct="1"/>
             <a:r>
               <a:rPr lang="pt-BR" smtClean="0"/>
               <a:t>Quarto nível</a:t>
             </a:r>
           </a:p>
           <a:p>
-            <a:pPr lvl="4"/>
+            <a:pPr lvl="4" eaLnBrk="1" latinLnBrk="0" hangingPunct="1"/>
             <a:r>
               <a:rPr lang="pt-BR" smtClean="0"/>
               <a:t>Quinto nível</a:t>
             </a:r>
-            <a:endParaRPr lang="pt-BR"/>
-          </a:p>
-        </p:txBody>
-      </p:sp>
-      <p:sp>
-        <p:nvSpPr>
-          <p:cNvPr id="5" name="Espaço Reservado para Data 4"/>
+            <a:endParaRPr/>
+          </a:p>
+        </p:txBody>
+      </p:sp>
+      <p:sp>
+        <p:nvSpPr>
+          <p:cNvPr id="5" name="Date Placeholder 4"/>
           <p:cNvSpPr>
             <a:spLocks noGrp="1"/>
           </p:cNvSpPr>
@@ -1392,7 +3011,8 @@
           <a:p>
             <a:fld id="{2E700DB3-DBF0-4086-B675-117E7A9610B8}" type="datetimeFigureOut">
               <a:rPr lang="pt-BR" smtClean="0"/>
-              <a:t>20/01/2014</a:t>
+              <a:pPr/>
+              <a:t>21/01/2014</a:t>
             </a:fld>
             <a:endParaRPr lang="pt-BR"/>
           </a:p>
@@ -1400,7 +3020,7 @@
       </p:sp>
       <p:sp>
         <p:nvSpPr>
-          <p:cNvPr id="6" name="Espaço Reservado para Rodapé 5"/>
+          <p:cNvPr id="6" name="Footer Placeholder 5"/>
           <p:cNvSpPr>
             <a:spLocks noGrp="1"/>
           </p:cNvSpPr>
@@ -1419,7 +3039,7 @@
       </p:sp>
       <p:sp>
         <p:nvSpPr>
-          <p:cNvPr id="7" name="Espaço Reservado para Número de Slide 6"/>
+          <p:cNvPr id="7" name="Slide Number Placeholder 6"/>
           <p:cNvSpPr>
             <a:spLocks noGrp="1"/>
           </p:cNvSpPr>
@@ -1434,6 +3054,7 @@
           <a:p>
             <a:fld id="{2119D8CF-8DEC-4D9F-84EE-ADF04DFF3391}" type="slidenum">
               <a:rPr lang="pt-BR" smtClean="0"/>
+              <a:pPr/>
               <a:t>‹nº›</a:t>
             </a:fld>
             <a:endParaRPr lang="pt-BR"/>
@@ -1445,6 +3066,16 @@
   <p:clrMapOvr>
     <a:masterClrMapping/>
   </p:clrMapOvr>
+  <p:transition spd="slow">
+    <p:wipe dir="d"/>
+  </p:transition>
+  <p:timing>
+    <p:tnLst>
+      <p:par>
+        <p:cTn id="1" dur="indefinite" restart="never" nodeType="tmRoot"/>
+      </p:par>
+    </p:tnLst>
+  </p:timing>
 </p:sldLayout>
 </file>
 
@@ -1467,7 +3098,7 @@
       </p:grpSpPr>
       <p:sp>
         <p:nvSpPr>
-          <p:cNvPr id="2" name="Título 1"/>
+          <p:cNvPr id="2" name="Title 1"/>
           <p:cNvSpPr>
             <a:spLocks noGrp="1"/>
           </p:cNvSpPr>
@@ -1479,22 +3110,23 @@
         <p:txBody>
           <a:bodyPr/>
           <a:lstStyle>
-            <a:lvl1pPr>
-              <a:defRPr/>
+            <a:lvl1pPr eaLnBrk="1" latinLnBrk="0" hangingPunct="1">
+              <a:defRPr kumimoji="0" lang="pt-BR"/>
             </a:lvl1pPr>
           </a:lstStyle>
           <a:p>
+            <a:pPr eaLnBrk="1" latinLnBrk="0" hangingPunct="1"/>
             <a:r>
               <a:rPr lang="pt-BR" smtClean="0"/>
               <a:t>Clique para editar o estilo do título mestre</a:t>
             </a:r>
-            <a:endParaRPr lang="pt-BR"/>
-          </a:p>
-        </p:txBody>
-      </p:sp>
-      <p:sp>
-        <p:nvSpPr>
-          <p:cNvPr id="3" name="Espaço Reservado para Texto 2"/>
+            <a:endParaRPr/>
+          </a:p>
+        </p:txBody>
+      </p:sp>
+      <p:sp>
+        <p:nvSpPr>
+          <p:cNvPr id="3" name="Text Placeholder 2"/>
           <p:cNvSpPr>
             <a:spLocks noGrp="1"/>
           </p:cNvSpPr>
@@ -1504,52 +3136,52 @@
         </p:nvSpPr>
         <p:spPr>
           <a:xfrm>
-            <a:off x="457200" y="1535113"/>
+            <a:off x="685800" y="1535113"/>
             <a:ext cx="4040188" cy="639762"/>
           </a:xfrm>
         </p:spPr>
         <p:txBody>
           <a:bodyPr anchor="b"/>
           <a:lstStyle>
-            <a:lvl1pPr marL="0" indent="0">
+            <a:lvl1pPr marL="0" indent="0" eaLnBrk="1" latinLnBrk="0" hangingPunct="1">
               <a:buNone/>
-              <a:defRPr sz="2400" b="1"/>
+              <a:defRPr kumimoji="0" lang="pt-BR" sz="2400" b="1"/>
             </a:lvl1pPr>
-            <a:lvl2pPr marL="457200" indent="0">
+            <a:lvl2pPr marL="457200" indent="0" eaLnBrk="1" latinLnBrk="0" hangingPunct="1">
               <a:buNone/>
-              <a:defRPr sz="2000" b="1"/>
+              <a:defRPr kumimoji="0" lang="pt-BR" sz="2000" b="1"/>
             </a:lvl2pPr>
-            <a:lvl3pPr marL="914400" indent="0">
+            <a:lvl3pPr marL="914400" indent="0" eaLnBrk="1" latinLnBrk="0" hangingPunct="1">
               <a:buNone/>
-              <a:defRPr sz="1800" b="1"/>
+              <a:defRPr kumimoji="0" lang="pt-BR" sz="1800" b="1"/>
             </a:lvl3pPr>
-            <a:lvl4pPr marL="1371600" indent="0">
+            <a:lvl4pPr marL="1371600" indent="0" eaLnBrk="1" latinLnBrk="0" hangingPunct="1">
               <a:buNone/>
-              <a:defRPr sz="1600" b="1"/>
+              <a:defRPr kumimoji="0" lang="pt-BR" sz="1600" b="1"/>
             </a:lvl4pPr>
-            <a:lvl5pPr marL="1828800" indent="0">
+            <a:lvl5pPr marL="1828800" indent="0" eaLnBrk="1" latinLnBrk="0" hangingPunct="1">
               <a:buNone/>
-              <a:defRPr sz="1600" b="1"/>
+              <a:defRPr kumimoji="0" lang="pt-BR" sz="1600" b="1"/>
             </a:lvl5pPr>
-            <a:lvl6pPr marL="2286000" indent="0">
+            <a:lvl6pPr marL="2286000" indent="0" eaLnBrk="1" latinLnBrk="0" hangingPunct="1">
               <a:buNone/>
-              <a:defRPr sz="1600" b="1"/>
+              <a:defRPr kumimoji="0" lang="pt-BR" sz="1600" b="1"/>
             </a:lvl6pPr>
-            <a:lvl7pPr marL="2743200" indent="0">
+            <a:lvl7pPr marL="2743200" indent="0" eaLnBrk="1" latinLnBrk="0" hangingPunct="1">
               <a:buNone/>
-              <a:defRPr sz="1600" b="1"/>
+              <a:defRPr kumimoji="0" lang="pt-BR" sz="1600" b="1"/>
             </a:lvl7pPr>
-            <a:lvl8pPr marL="3200400" indent="0">
+            <a:lvl8pPr marL="3200400" indent="0" eaLnBrk="1" latinLnBrk="0" hangingPunct="1">
               <a:buNone/>
-              <a:defRPr sz="1600" b="1"/>
+              <a:defRPr kumimoji="0" lang="pt-BR" sz="1600" b="1"/>
             </a:lvl8pPr>
-            <a:lvl9pPr marL="3657600" indent="0">
+            <a:lvl9pPr marL="3657600" indent="0" eaLnBrk="1" latinLnBrk="0" hangingPunct="1">
               <a:buNone/>
-              <a:defRPr sz="1600" b="1"/>
+              <a:defRPr kumimoji="0" lang="pt-BR" sz="1600" b="1"/>
             </a:lvl9pPr>
           </a:lstStyle>
           <a:p>
-            <a:pPr lvl="0"/>
+            <a:pPr lvl="0" eaLnBrk="1" latinLnBrk="0" hangingPunct="1"/>
             <a:r>
               <a:rPr lang="pt-BR" smtClean="0"/>
               <a:t>Clique para editar os estilos do texto mestre</a:t>
@@ -1559,7 +3191,7 @@
       </p:sp>
       <p:sp>
         <p:nvSpPr>
-          <p:cNvPr id="4" name="Espaço Reservado para Conteúdo 3"/>
+          <p:cNvPr id="4" name="Content Placeholder 3"/>
           <p:cNvSpPr>
             <a:spLocks noGrp="1"/>
           </p:cNvSpPr>
@@ -1569,82 +3201,82 @@
         </p:nvSpPr>
         <p:spPr>
           <a:xfrm>
-            <a:off x="457200" y="2174875"/>
+            <a:off x="685800" y="2174875"/>
             <a:ext cx="4040188" cy="3951288"/>
           </a:xfrm>
         </p:spPr>
         <p:txBody>
           <a:bodyPr/>
           <a:lstStyle>
-            <a:lvl1pPr>
-              <a:defRPr sz="2400"/>
+            <a:lvl1pPr eaLnBrk="1" latinLnBrk="0" hangingPunct="1">
+              <a:defRPr kumimoji="0" lang="pt-BR" sz="2400"/>
             </a:lvl1pPr>
-            <a:lvl2pPr>
-              <a:defRPr sz="2000"/>
+            <a:lvl2pPr eaLnBrk="1" latinLnBrk="0" hangingPunct="1">
+              <a:defRPr kumimoji="0" lang="pt-BR" sz="2000"/>
             </a:lvl2pPr>
-            <a:lvl3pPr>
-              <a:defRPr sz="1800"/>
+            <a:lvl3pPr eaLnBrk="1" latinLnBrk="0" hangingPunct="1">
+              <a:defRPr kumimoji="0" lang="pt-BR" sz="1800"/>
             </a:lvl3pPr>
-            <a:lvl4pPr>
-              <a:defRPr sz="1600"/>
+            <a:lvl4pPr eaLnBrk="1" latinLnBrk="0" hangingPunct="1">
+              <a:defRPr kumimoji="0" lang="pt-BR" sz="1600"/>
             </a:lvl4pPr>
-            <a:lvl5pPr>
-              <a:defRPr sz="1600"/>
+            <a:lvl5pPr eaLnBrk="1" latinLnBrk="0" hangingPunct="1">
+              <a:defRPr kumimoji="0" lang="pt-BR" sz="1600"/>
             </a:lvl5pPr>
-            <a:lvl6pPr>
-              <a:defRPr sz="1600"/>
+            <a:lvl6pPr eaLnBrk="1" latinLnBrk="0" hangingPunct="1">
+              <a:defRPr kumimoji="0" lang="pt-BR" sz="1600"/>
             </a:lvl6pPr>
-            <a:lvl7pPr>
-              <a:defRPr sz="1600"/>
+            <a:lvl7pPr eaLnBrk="1" latinLnBrk="0" hangingPunct="1">
+              <a:defRPr kumimoji="0" lang="pt-BR" sz="1600"/>
             </a:lvl7pPr>
-            <a:lvl8pPr>
-              <a:defRPr sz="1600"/>
+            <a:lvl8pPr eaLnBrk="1" latinLnBrk="0" hangingPunct="1">
+              <a:defRPr kumimoji="0" lang="pt-BR" sz="1600"/>
             </a:lvl8pPr>
-            <a:lvl9pPr>
-              <a:defRPr sz="1600"/>
+            <a:lvl9pPr eaLnBrk="1" latinLnBrk="0" hangingPunct="1">
+              <a:defRPr kumimoji="0" lang="pt-BR" sz="1600"/>
             </a:lvl9pPr>
           </a:lstStyle>
           <a:p>
-            <a:pPr lvl="0"/>
+            <a:pPr lvl="0" eaLnBrk="1" latinLnBrk="0" hangingPunct="1"/>
             <a:r>
               <a:rPr lang="pt-BR" smtClean="0"/>
               <a:t>Clique para editar os estilos do texto mestre</a:t>
             </a:r>
           </a:p>
           <a:p>
-            <a:pPr lvl="1"/>
+            <a:pPr lvl="1" eaLnBrk="1" latinLnBrk="0" hangingPunct="1"/>
             <a:r>
               <a:rPr lang="pt-BR" smtClean="0"/>
               <a:t>Segundo nível</a:t>
             </a:r>
           </a:p>
           <a:p>
-            <a:pPr lvl="2"/>
+            <a:pPr lvl="2" eaLnBrk="1" latinLnBrk="0" hangingPunct="1"/>
             <a:r>
               <a:rPr lang="pt-BR" smtClean="0"/>
               <a:t>Terceiro nível</a:t>
             </a:r>
           </a:p>
           <a:p>
-            <a:pPr lvl="3"/>
+            <a:pPr lvl="3" eaLnBrk="1" latinLnBrk="0" hangingPunct="1"/>
             <a:r>
               <a:rPr lang="pt-BR" smtClean="0"/>
               <a:t>Quarto nível</a:t>
             </a:r>
           </a:p>
           <a:p>
-            <a:pPr lvl="4"/>
+            <a:pPr lvl="4" eaLnBrk="1" latinLnBrk="0" hangingPunct="1"/>
             <a:r>
               <a:rPr lang="pt-BR" smtClean="0"/>
               <a:t>Quinto nível</a:t>
             </a:r>
-            <a:endParaRPr lang="pt-BR"/>
-          </a:p>
-        </p:txBody>
-      </p:sp>
-      <p:sp>
-        <p:nvSpPr>
-          <p:cNvPr id="5" name="Espaço Reservado para Texto 4"/>
+            <a:endParaRPr/>
+          </a:p>
+        </p:txBody>
+      </p:sp>
+      <p:sp>
+        <p:nvSpPr>
+          <p:cNvPr id="5" name="Text Placeholder 4"/>
           <p:cNvSpPr>
             <a:spLocks noGrp="1"/>
           </p:cNvSpPr>
@@ -1654,52 +3286,52 @@
         </p:nvSpPr>
         <p:spPr>
           <a:xfrm>
-            <a:off x="4645025" y="1535113"/>
+            <a:off x="4873625" y="1535113"/>
             <a:ext cx="4041775" cy="639762"/>
           </a:xfrm>
         </p:spPr>
         <p:txBody>
           <a:bodyPr anchor="b"/>
           <a:lstStyle>
-            <a:lvl1pPr marL="0" indent="0">
+            <a:lvl1pPr marL="0" indent="0" eaLnBrk="1" latinLnBrk="0" hangingPunct="1">
               <a:buNone/>
-              <a:defRPr sz="2400" b="1"/>
+              <a:defRPr kumimoji="0" lang="pt-BR" sz="2400" b="1"/>
             </a:lvl1pPr>
-            <a:lvl2pPr marL="457200" indent="0">
+            <a:lvl2pPr marL="457200" indent="0" eaLnBrk="1" latinLnBrk="0" hangingPunct="1">
               <a:buNone/>
-              <a:defRPr sz="2000" b="1"/>
+              <a:defRPr kumimoji="0" lang="pt-BR" sz="2000" b="1"/>
             </a:lvl2pPr>
-            <a:lvl3pPr marL="914400" indent="0">
+            <a:lvl3pPr marL="914400" indent="0" eaLnBrk="1" latinLnBrk="0" hangingPunct="1">
               <a:buNone/>
-              <a:defRPr sz="1800" b="1"/>
+              <a:defRPr kumimoji="0" lang="pt-BR" sz="1800" b="1"/>
             </a:lvl3pPr>
-            <a:lvl4pPr marL="1371600" indent="0">
+            <a:lvl4pPr marL="1371600" indent="0" eaLnBrk="1" latinLnBrk="0" hangingPunct="1">
               <a:buNone/>
-              <a:defRPr sz="1600" b="1"/>
+              <a:defRPr kumimoji="0" lang="pt-BR" sz="1600" b="1"/>
             </a:lvl4pPr>
-            <a:lvl5pPr marL="1828800" indent="0">
+            <a:lvl5pPr marL="1828800" indent="0" eaLnBrk="1" latinLnBrk="0" hangingPunct="1">
               <a:buNone/>
-              <a:defRPr sz="1600" b="1"/>
+              <a:defRPr kumimoji="0" lang="pt-BR" sz="1600" b="1"/>
             </a:lvl5pPr>
-            <a:lvl6pPr marL="2286000" indent="0">
+            <a:lvl6pPr marL="2286000" indent="0" eaLnBrk="1" latinLnBrk="0" hangingPunct="1">
               <a:buNone/>
-              <a:defRPr sz="1600" b="1"/>
+              <a:defRPr kumimoji="0" lang="pt-BR" sz="1600" b="1"/>
             </a:lvl6pPr>
-            <a:lvl7pPr marL="2743200" indent="0">
+            <a:lvl7pPr marL="2743200" indent="0" eaLnBrk="1" latinLnBrk="0" hangingPunct="1">
               <a:buNone/>
-              <a:defRPr sz="1600" b="1"/>
+              <a:defRPr kumimoji="0" lang="pt-BR" sz="1600" b="1"/>
             </a:lvl7pPr>
-            <a:lvl8pPr marL="3200400" indent="0">
+            <a:lvl8pPr marL="3200400" indent="0" eaLnBrk="1" latinLnBrk="0" hangingPunct="1">
               <a:buNone/>
-              <a:defRPr sz="1600" b="1"/>
+              <a:defRPr kumimoji="0" lang="pt-BR" sz="1600" b="1"/>
             </a:lvl8pPr>
-            <a:lvl9pPr marL="3657600" indent="0">
+            <a:lvl9pPr marL="3657600" indent="0" eaLnBrk="1" latinLnBrk="0" hangingPunct="1">
               <a:buNone/>
-              <a:defRPr sz="1600" b="1"/>
+              <a:defRPr kumimoji="0" lang="pt-BR" sz="1600" b="1"/>
             </a:lvl9pPr>
           </a:lstStyle>
           <a:p>
-            <a:pPr lvl="0"/>
+            <a:pPr lvl="0" eaLnBrk="1" latinLnBrk="0" hangingPunct="1"/>
             <a:r>
               <a:rPr lang="pt-BR" smtClean="0"/>
               <a:t>Clique para editar os estilos do texto mestre</a:t>
@@ -1709,7 +3341,7 @@
       </p:sp>
       <p:sp>
         <p:nvSpPr>
-          <p:cNvPr id="6" name="Espaço Reservado para Conteúdo 5"/>
+          <p:cNvPr id="6" name="Content Placeholder 5"/>
           <p:cNvSpPr>
             <a:spLocks noGrp="1"/>
           </p:cNvSpPr>
@@ -1719,82 +3351,82 @@
         </p:nvSpPr>
         <p:spPr>
           <a:xfrm>
-            <a:off x="4645025" y="2174875"/>
+            <a:off x="4873625" y="2174875"/>
             <a:ext cx="4041775" cy="3951288"/>
           </a:xfrm>
         </p:spPr>
         <p:txBody>
           <a:bodyPr/>
           <a:lstStyle>
-            <a:lvl1pPr>
-              <a:defRPr sz="2400"/>
+            <a:lvl1pPr eaLnBrk="1" latinLnBrk="0" hangingPunct="1">
+              <a:defRPr kumimoji="0" lang="pt-BR" sz="2400"/>
             </a:lvl1pPr>
-            <a:lvl2pPr>
-              <a:defRPr sz="2000"/>
+            <a:lvl2pPr eaLnBrk="1" latinLnBrk="0" hangingPunct="1">
+              <a:defRPr kumimoji="0" lang="pt-BR" sz="2000"/>
             </a:lvl2pPr>
-            <a:lvl3pPr>
-              <a:defRPr sz="1800"/>
+            <a:lvl3pPr eaLnBrk="1" latinLnBrk="0" hangingPunct="1">
+              <a:defRPr kumimoji="0" lang="pt-BR" sz="1800"/>
             </a:lvl3pPr>
-            <a:lvl4pPr>
-              <a:defRPr sz="1600"/>
+            <a:lvl4pPr eaLnBrk="1" latinLnBrk="0" hangingPunct="1">
+              <a:defRPr kumimoji="0" lang="pt-BR" sz="1600"/>
             </a:lvl4pPr>
-            <a:lvl5pPr>
-              <a:defRPr sz="1600"/>
+            <a:lvl5pPr eaLnBrk="1" latinLnBrk="0" hangingPunct="1">
+              <a:defRPr kumimoji="0" lang="pt-BR" sz="1600"/>
             </a:lvl5pPr>
-            <a:lvl6pPr>
-              <a:defRPr sz="1600"/>
+            <a:lvl6pPr eaLnBrk="1" latinLnBrk="0" hangingPunct="1">
+              <a:defRPr kumimoji="0" lang="pt-BR" sz="1600"/>
             </a:lvl6pPr>
-            <a:lvl7pPr>
-              <a:defRPr sz="1600"/>
+            <a:lvl7pPr eaLnBrk="1" latinLnBrk="0" hangingPunct="1">
+              <a:defRPr kumimoji="0" lang="pt-BR" sz="1600"/>
             </a:lvl7pPr>
-            <a:lvl8pPr>
-              <a:defRPr sz="1600"/>
+            <a:lvl8pPr eaLnBrk="1" latinLnBrk="0" hangingPunct="1">
+              <a:defRPr kumimoji="0" lang="pt-BR" sz="1600"/>
             </a:lvl8pPr>
-            <a:lvl9pPr>
-              <a:defRPr sz="1600"/>
+            <a:lvl9pPr eaLnBrk="1" latinLnBrk="0" hangingPunct="1">
+              <a:defRPr kumimoji="0" lang="pt-BR" sz="1600"/>
             </a:lvl9pPr>
           </a:lstStyle>
           <a:p>
-            <a:pPr lvl="0"/>
+            <a:pPr lvl="0" eaLnBrk="1" latinLnBrk="0" hangingPunct="1"/>
             <a:r>
               <a:rPr lang="pt-BR" smtClean="0"/>
               <a:t>Clique para editar os estilos do texto mestre</a:t>
             </a:r>
           </a:p>
           <a:p>
-            <a:pPr lvl="1"/>
+            <a:pPr lvl="1" eaLnBrk="1" latinLnBrk="0" hangingPunct="1"/>
             <a:r>
               <a:rPr lang="pt-BR" smtClean="0"/>
               <a:t>Segundo nível</a:t>
             </a:r>
           </a:p>
           <a:p>
-            <a:pPr lvl="2"/>
+            <a:pPr lvl="2" eaLnBrk="1" latinLnBrk="0" hangingPunct="1"/>
             <a:r>
               <a:rPr lang="pt-BR" smtClean="0"/>
               <a:t>Terceiro nível</a:t>
             </a:r>
           </a:p>
           <a:p>
-            <a:pPr lvl="3"/>
+            <a:pPr lvl="3" eaLnBrk="1" latinLnBrk="0" hangingPunct="1"/>
             <a:r>
               <a:rPr lang="pt-BR" smtClean="0"/>
               <a:t>Quarto nível</a:t>
             </a:r>
           </a:p>
           <a:p>
-            <a:pPr lvl="4"/>
+            <a:pPr lvl="4" eaLnBrk="1" latinLnBrk="0" hangingPunct="1"/>
             <a:r>
               <a:rPr lang="pt-BR" smtClean="0"/>
               <a:t>Quinto nível</a:t>
             </a:r>
-            <a:endParaRPr lang="pt-BR"/>
-          </a:p>
-        </p:txBody>
-      </p:sp>
-      <p:sp>
-        <p:nvSpPr>
-          <p:cNvPr id="7" name="Espaço Reservado para Data 6"/>
+            <a:endParaRPr/>
+          </a:p>
+        </p:txBody>
+      </p:sp>
+      <p:sp>
+        <p:nvSpPr>
+          <p:cNvPr id="7" name="Date Placeholder 6"/>
           <p:cNvSpPr>
             <a:spLocks noGrp="1"/>
           </p:cNvSpPr>
@@ -1809,7 +3441,8 @@
           <a:p>
             <a:fld id="{2E700DB3-DBF0-4086-B675-117E7A9610B8}" type="datetimeFigureOut">
               <a:rPr lang="pt-BR" smtClean="0"/>
-              <a:t>20/01/2014</a:t>
+              <a:pPr/>
+              <a:t>21/01/2014</a:t>
             </a:fld>
             <a:endParaRPr lang="pt-BR"/>
           </a:p>
@@ -1817,7 +3450,7 @@
       </p:sp>
       <p:sp>
         <p:nvSpPr>
-          <p:cNvPr id="8" name="Espaço Reservado para Rodapé 7"/>
+          <p:cNvPr id="8" name="Footer Placeholder 7"/>
           <p:cNvSpPr>
             <a:spLocks noGrp="1"/>
           </p:cNvSpPr>
@@ -1836,7 +3469,7 @@
       </p:sp>
       <p:sp>
         <p:nvSpPr>
-          <p:cNvPr id="9" name="Espaço Reservado para Número de Slide 8"/>
+          <p:cNvPr id="9" name="Slide Number Placeholder 8"/>
           <p:cNvSpPr>
             <a:spLocks noGrp="1"/>
           </p:cNvSpPr>
@@ -1851,6 +3484,7 @@
           <a:p>
             <a:fld id="{2119D8CF-8DEC-4D9F-84EE-ADF04DFF3391}" type="slidenum">
               <a:rPr lang="pt-BR" smtClean="0"/>
+              <a:pPr/>
               <a:t>‹nº›</a:t>
             </a:fld>
             <a:endParaRPr lang="pt-BR"/>
@@ -1862,213 +3496,13 @@
   <p:clrMapOvr>
     <a:masterClrMapping/>
   </p:clrMapOvr>
+  <p:transition spd="slow">
+    <p:wipe dir="d"/>
+  </p:transition>
 </p:sldLayout>
 </file>
 
 <file path=ppt/slideLayouts/slideLayout6.xml><?xml version="1.0" encoding="utf-8"?>
-<p:sldLayout xmlns:a="http://schemas.openxmlformats.org/drawingml/2006/main" xmlns:r="http://schemas.openxmlformats.org/officeDocument/2006/relationships" xmlns:p="http://schemas.openxmlformats.org/presentationml/2006/main" type="titleOnly" preserve="1">
-  <p:cSld name="Somente título">
-    <p:spTree>
-      <p:nvGrpSpPr>
-        <p:cNvPr id="1" name=""/>
-        <p:cNvGrpSpPr/>
-        <p:nvPr/>
-      </p:nvGrpSpPr>
-      <p:grpSpPr>
-        <a:xfrm>
-          <a:off x="0" y="0"/>
-          <a:ext cx="0" cy="0"/>
-          <a:chOff x="0" y="0"/>
-          <a:chExt cx="0" cy="0"/>
-        </a:xfrm>
-      </p:grpSpPr>
-      <p:sp>
-        <p:nvSpPr>
-          <p:cNvPr id="2" name="Título 1"/>
-          <p:cNvSpPr>
-            <a:spLocks noGrp="1"/>
-          </p:cNvSpPr>
-          <p:nvPr>
-            <p:ph type="title"/>
-          </p:nvPr>
-        </p:nvSpPr>
-        <p:spPr/>
-        <p:txBody>
-          <a:bodyPr/>
-          <a:lstStyle/>
-          <a:p>
-            <a:r>
-              <a:rPr lang="pt-BR" smtClean="0"/>
-              <a:t>Clique para editar o estilo do título mestre</a:t>
-            </a:r>
-            <a:endParaRPr lang="pt-BR"/>
-          </a:p>
-        </p:txBody>
-      </p:sp>
-      <p:sp>
-        <p:nvSpPr>
-          <p:cNvPr id="3" name="Espaço Reservado para Data 2"/>
-          <p:cNvSpPr>
-            <a:spLocks noGrp="1"/>
-          </p:cNvSpPr>
-          <p:nvPr>
-            <p:ph type="dt" sz="half" idx="10"/>
-          </p:nvPr>
-        </p:nvSpPr>
-        <p:spPr/>
-        <p:txBody>
-          <a:bodyPr/>
-          <a:lstStyle/>
-          <a:p>
-            <a:fld id="{2E700DB3-DBF0-4086-B675-117E7A9610B8}" type="datetimeFigureOut">
-              <a:rPr lang="pt-BR" smtClean="0"/>
-              <a:t>20/01/2014</a:t>
-            </a:fld>
-            <a:endParaRPr lang="pt-BR"/>
-          </a:p>
-        </p:txBody>
-      </p:sp>
-      <p:sp>
-        <p:nvSpPr>
-          <p:cNvPr id="4" name="Espaço Reservado para Rodapé 3"/>
-          <p:cNvSpPr>
-            <a:spLocks noGrp="1"/>
-          </p:cNvSpPr>
-          <p:nvPr>
-            <p:ph type="ftr" sz="quarter" idx="11"/>
-          </p:nvPr>
-        </p:nvSpPr>
-        <p:spPr/>
-        <p:txBody>
-          <a:bodyPr/>
-          <a:lstStyle/>
-          <a:p>
-            <a:endParaRPr lang="pt-BR"/>
-          </a:p>
-        </p:txBody>
-      </p:sp>
-      <p:sp>
-        <p:nvSpPr>
-          <p:cNvPr id="5" name="Espaço Reservado para Número de Slide 4"/>
-          <p:cNvSpPr>
-            <a:spLocks noGrp="1"/>
-          </p:cNvSpPr>
-          <p:nvPr>
-            <p:ph type="sldNum" sz="quarter" idx="12"/>
-          </p:nvPr>
-        </p:nvSpPr>
-        <p:spPr/>
-        <p:txBody>
-          <a:bodyPr/>
-          <a:lstStyle/>
-          <a:p>
-            <a:fld id="{2119D8CF-8DEC-4D9F-84EE-ADF04DFF3391}" type="slidenum">
-              <a:rPr lang="pt-BR" smtClean="0"/>
-              <a:t>‹nº›</a:t>
-            </a:fld>
-            <a:endParaRPr lang="pt-BR"/>
-          </a:p>
-        </p:txBody>
-      </p:sp>
-    </p:spTree>
-  </p:cSld>
-  <p:clrMapOvr>
-    <a:masterClrMapping/>
-  </p:clrMapOvr>
-</p:sldLayout>
-</file>
-
-<file path=ppt/slideLayouts/slideLayout7.xml><?xml version="1.0" encoding="utf-8"?>
-<p:sldLayout xmlns:a="http://schemas.openxmlformats.org/drawingml/2006/main" xmlns:r="http://schemas.openxmlformats.org/officeDocument/2006/relationships" xmlns:p="http://schemas.openxmlformats.org/presentationml/2006/main" type="blank" preserve="1">
-  <p:cSld name="Em branco">
-    <p:spTree>
-      <p:nvGrpSpPr>
-        <p:cNvPr id="1" name=""/>
-        <p:cNvGrpSpPr/>
-        <p:nvPr/>
-      </p:nvGrpSpPr>
-      <p:grpSpPr>
-        <a:xfrm>
-          <a:off x="0" y="0"/>
-          <a:ext cx="0" cy="0"/>
-          <a:chOff x="0" y="0"/>
-          <a:chExt cx="0" cy="0"/>
-        </a:xfrm>
-      </p:grpSpPr>
-      <p:sp>
-        <p:nvSpPr>
-          <p:cNvPr id="2" name="Espaço Reservado para Data 1"/>
-          <p:cNvSpPr>
-            <a:spLocks noGrp="1"/>
-          </p:cNvSpPr>
-          <p:nvPr>
-            <p:ph type="dt" sz="half" idx="10"/>
-          </p:nvPr>
-        </p:nvSpPr>
-        <p:spPr/>
-        <p:txBody>
-          <a:bodyPr/>
-          <a:lstStyle/>
-          <a:p>
-            <a:fld id="{2E700DB3-DBF0-4086-B675-117E7A9610B8}" type="datetimeFigureOut">
-              <a:rPr lang="pt-BR" smtClean="0"/>
-              <a:t>20/01/2014</a:t>
-            </a:fld>
-            <a:endParaRPr lang="pt-BR"/>
-          </a:p>
-        </p:txBody>
-      </p:sp>
-      <p:sp>
-        <p:nvSpPr>
-          <p:cNvPr id="3" name="Espaço Reservado para Rodapé 2"/>
-          <p:cNvSpPr>
-            <a:spLocks noGrp="1"/>
-          </p:cNvSpPr>
-          <p:nvPr>
-            <p:ph type="ftr" sz="quarter" idx="11"/>
-          </p:nvPr>
-        </p:nvSpPr>
-        <p:spPr/>
-        <p:txBody>
-          <a:bodyPr/>
-          <a:lstStyle/>
-          <a:p>
-            <a:endParaRPr lang="pt-BR"/>
-          </a:p>
-        </p:txBody>
-      </p:sp>
-      <p:sp>
-        <p:nvSpPr>
-          <p:cNvPr id="4" name="Espaço Reservado para Número de Slide 3"/>
-          <p:cNvSpPr>
-            <a:spLocks noGrp="1"/>
-          </p:cNvSpPr>
-          <p:nvPr>
-            <p:ph type="sldNum" sz="quarter" idx="12"/>
-          </p:nvPr>
-        </p:nvSpPr>
-        <p:spPr/>
-        <p:txBody>
-          <a:bodyPr/>
-          <a:lstStyle/>
-          <a:p>
-            <a:fld id="{2119D8CF-8DEC-4D9F-84EE-ADF04DFF3391}" type="slidenum">
-              <a:rPr lang="pt-BR" smtClean="0"/>
-              <a:t>‹nº›</a:t>
-            </a:fld>
-            <a:endParaRPr lang="pt-BR"/>
-          </a:p>
-        </p:txBody>
-      </p:sp>
-    </p:spTree>
-  </p:cSld>
-  <p:clrMapOvr>
-    <a:masterClrMapping/>
-  </p:clrMapOvr>
-</p:sldLayout>
-</file>
-
-<file path=ppt/slideLayouts/slideLayout8.xml><?xml version="1.0" encoding="utf-8"?>
 <p:sldLayout xmlns:a="http://schemas.openxmlformats.org/drawingml/2006/main" xmlns:r="http://schemas.openxmlformats.org/officeDocument/2006/relationships" xmlns:p="http://schemas.openxmlformats.org/presentationml/2006/main" type="objTx" preserve="1">
   <p:cSld name="Conteúdo com Legenda">
     <p:spTree>
@@ -2087,7 +3521,7 @@
       </p:grpSpPr>
       <p:sp>
         <p:nvSpPr>
-          <p:cNvPr id="2" name="Título 1"/>
+          <p:cNvPr id="2" name="Title 1"/>
           <p:cNvSpPr>
             <a:spLocks noGrp="1"/>
           </p:cNvSpPr>
@@ -2097,29 +3531,30 @@
         </p:nvSpPr>
         <p:spPr>
           <a:xfrm>
-            <a:off x="457200" y="273050"/>
+            <a:off x="685800" y="273050"/>
             <a:ext cx="3008313" cy="1162050"/>
           </a:xfrm>
         </p:spPr>
         <p:txBody>
           <a:bodyPr anchor="b"/>
           <a:lstStyle>
-            <a:lvl1pPr algn="l">
-              <a:defRPr sz="2000" b="1"/>
+            <a:lvl1pPr algn="l" eaLnBrk="1" latinLnBrk="0" hangingPunct="1">
+              <a:defRPr kumimoji="0" lang="pt-BR" sz="2000" b="1"/>
             </a:lvl1pPr>
           </a:lstStyle>
           <a:p>
+            <a:pPr eaLnBrk="1" latinLnBrk="0" hangingPunct="1"/>
             <a:r>
               <a:rPr lang="pt-BR" smtClean="0"/>
               <a:t>Clique para editar o estilo do título mestre</a:t>
             </a:r>
-            <a:endParaRPr lang="pt-BR"/>
-          </a:p>
-        </p:txBody>
-      </p:sp>
-      <p:sp>
-        <p:nvSpPr>
-          <p:cNvPr id="3" name="Espaço Reservado para Conteúdo 2"/>
+            <a:endParaRPr/>
+          </a:p>
+        </p:txBody>
+      </p:sp>
+      <p:sp>
+        <p:nvSpPr>
+          <p:cNvPr id="3" name="Content Placeholder 2"/>
           <p:cNvSpPr>
             <a:spLocks noGrp="1"/>
           </p:cNvSpPr>
@@ -2129,82 +3564,82 @@
         </p:nvSpPr>
         <p:spPr>
           <a:xfrm>
-            <a:off x="3575050" y="273050"/>
+            <a:off x="3803650" y="273050"/>
             <a:ext cx="5111750" cy="5853113"/>
           </a:xfrm>
         </p:spPr>
         <p:txBody>
           <a:bodyPr/>
           <a:lstStyle>
-            <a:lvl1pPr>
-              <a:defRPr sz="3200"/>
+            <a:lvl1pPr eaLnBrk="1" latinLnBrk="0" hangingPunct="1">
+              <a:defRPr kumimoji="0" lang="pt-BR" sz="3200"/>
             </a:lvl1pPr>
-            <a:lvl2pPr>
-              <a:defRPr sz="2800"/>
+            <a:lvl2pPr eaLnBrk="1" latinLnBrk="0" hangingPunct="1">
+              <a:defRPr kumimoji="0" lang="pt-BR" sz="2800"/>
             </a:lvl2pPr>
-            <a:lvl3pPr>
-              <a:defRPr sz="2400"/>
+            <a:lvl3pPr eaLnBrk="1" latinLnBrk="0" hangingPunct="1">
+              <a:defRPr kumimoji="0" lang="pt-BR" sz="2400"/>
             </a:lvl3pPr>
-            <a:lvl4pPr>
-              <a:defRPr sz="2000"/>
+            <a:lvl4pPr eaLnBrk="1" latinLnBrk="0" hangingPunct="1">
+              <a:defRPr kumimoji="0" lang="pt-BR" sz="2000"/>
             </a:lvl4pPr>
-            <a:lvl5pPr>
-              <a:defRPr sz="2000"/>
+            <a:lvl5pPr eaLnBrk="1" latinLnBrk="0" hangingPunct="1">
+              <a:defRPr kumimoji="0" lang="pt-BR" sz="2000"/>
             </a:lvl5pPr>
-            <a:lvl6pPr>
-              <a:defRPr sz="2000"/>
+            <a:lvl6pPr eaLnBrk="1" latinLnBrk="0" hangingPunct="1">
+              <a:defRPr kumimoji="0" lang="pt-BR" sz="2000"/>
             </a:lvl6pPr>
-            <a:lvl7pPr>
-              <a:defRPr sz="2000"/>
+            <a:lvl7pPr eaLnBrk="1" latinLnBrk="0" hangingPunct="1">
+              <a:defRPr kumimoji="0" lang="pt-BR" sz="2000"/>
             </a:lvl7pPr>
-            <a:lvl8pPr>
-              <a:defRPr sz="2000"/>
+            <a:lvl8pPr eaLnBrk="1" latinLnBrk="0" hangingPunct="1">
+              <a:defRPr kumimoji="0" lang="pt-BR" sz="2000"/>
             </a:lvl8pPr>
-            <a:lvl9pPr>
-              <a:defRPr sz="2000"/>
+            <a:lvl9pPr eaLnBrk="1" latinLnBrk="0" hangingPunct="1">
+              <a:defRPr kumimoji="0" lang="pt-BR" sz="2000"/>
             </a:lvl9pPr>
           </a:lstStyle>
           <a:p>
-            <a:pPr lvl="0"/>
+            <a:pPr lvl="0" eaLnBrk="1" latinLnBrk="0" hangingPunct="1"/>
             <a:r>
               <a:rPr lang="pt-BR" smtClean="0"/>
               <a:t>Clique para editar os estilos do texto mestre</a:t>
             </a:r>
           </a:p>
           <a:p>
-            <a:pPr lvl="1"/>
+            <a:pPr lvl="1" eaLnBrk="1" latinLnBrk="0" hangingPunct="1"/>
             <a:r>
               <a:rPr lang="pt-BR" smtClean="0"/>
               <a:t>Segundo nível</a:t>
             </a:r>
           </a:p>
           <a:p>
-            <a:pPr lvl="2"/>
+            <a:pPr lvl="2" eaLnBrk="1" latinLnBrk="0" hangingPunct="1"/>
             <a:r>
               <a:rPr lang="pt-BR" smtClean="0"/>
               <a:t>Terceiro nível</a:t>
             </a:r>
           </a:p>
           <a:p>
-            <a:pPr lvl="3"/>
+            <a:pPr lvl="3" eaLnBrk="1" latinLnBrk="0" hangingPunct="1"/>
             <a:r>
               <a:rPr lang="pt-BR" smtClean="0"/>
               <a:t>Quarto nível</a:t>
             </a:r>
           </a:p>
           <a:p>
-            <a:pPr lvl="4"/>
+            <a:pPr lvl="4" eaLnBrk="1" latinLnBrk="0" hangingPunct="1"/>
             <a:r>
               <a:rPr lang="pt-BR" smtClean="0"/>
               <a:t>Quinto nível</a:t>
             </a:r>
-            <a:endParaRPr lang="pt-BR"/>
-          </a:p>
-        </p:txBody>
-      </p:sp>
-      <p:sp>
-        <p:nvSpPr>
-          <p:cNvPr id="4" name="Espaço Reservado para Texto 3"/>
+            <a:endParaRPr/>
+          </a:p>
+        </p:txBody>
+      </p:sp>
+      <p:sp>
+        <p:nvSpPr>
+          <p:cNvPr id="4" name="Text Placeholder 3"/>
           <p:cNvSpPr>
             <a:spLocks noGrp="1"/>
           </p:cNvSpPr>
@@ -2214,52 +3649,52 @@
         </p:nvSpPr>
         <p:spPr>
           <a:xfrm>
-            <a:off x="457200" y="1435100"/>
+            <a:off x="685800" y="1435100"/>
             <a:ext cx="3008313" cy="4691063"/>
           </a:xfrm>
         </p:spPr>
         <p:txBody>
           <a:bodyPr/>
           <a:lstStyle>
-            <a:lvl1pPr marL="0" indent="0">
+            <a:lvl1pPr marL="0" indent="0" eaLnBrk="1" latinLnBrk="0" hangingPunct="1">
               <a:buNone/>
-              <a:defRPr sz="1400"/>
+              <a:defRPr kumimoji="0" lang="pt-BR" sz="1400"/>
             </a:lvl1pPr>
-            <a:lvl2pPr marL="457200" indent="0">
+            <a:lvl2pPr marL="457200" indent="0" eaLnBrk="1" latinLnBrk="0" hangingPunct="1">
               <a:buNone/>
-              <a:defRPr sz="1200"/>
+              <a:defRPr kumimoji="0" lang="pt-BR" sz="1200"/>
             </a:lvl2pPr>
-            <a:lvl3pPr marL="914400" indent="0">
+            <a:lvl3pPr marL="914400" indent="0" eaLnBrk="1" latinLnBrk="0" hangingPunct="1">
               <a:buNone/>
-              <a:defRPr sz="1000"/>
+              <a:defRPr kumimoji="0" lang="pt-BR" sz="1000"/>
             </a:lvl3pPr>
-            <a:lvl4pPr marL="1371600" indent="0">
+            <a:lvl4pPr marL="1371600" indent="0" eaLnBrk="1" latinLnBrk="0" hangingPunct="1">
               <a:buNone/>
-              <a:defRPr sz="900"/>
+              <a:defRPr kumimoji="0" lang="pt-BR" sz="900"/>
             </a:lvl4pPr>
-            <a:lvl5pPr marL="1828800" indent="0">
+            <a:lvl5pPr marL="1828800" indent="0" eaLnBrk="1" latinLnBrk="0" hangingPunct="1">
               <a:buNone/>
-              <a:defRPr sz="900"/>
+              <a:defRPr kumimoji="0" lang="pt-BR" sz="900"/>
             </a:lvl5pPr>
-            <a:lvl6pPr marL="2286000" indent="0">
+            <a:lvl6pPr marL="2286000" indent="0" eaLnBrk="1" latinLnBrk="0" hangingPunct="1">
               <a:buNone/>
-              <a:defRPr sz="900"/>
+              <a:defRPr kumimoji="0" lang="pt-BR" sz="900"/>
             </a:lvl6pPr>
-            <a:lvl7pPr marL="2743200" indent="0">
+            <a:lvl7pPr marL="2743200" indent="0" eaLnBrk="1" latinLnBrk="0" hangingPunct="1">
               <a:buNone/>
-              <a:defRPr sz="900"/>
+              <a:defRPr kumimoji="0" lang="pt-BR" sz="900"/>
             </a:lvl7pPr>
-            <a:lvl8pPr marL="3200400" indent="0">
+            <a:lvl8pPr marL="3200400" indent="0" eaLnBrk="1" latinLnBrk="0" hangingPunct="1">
               <a:buNone/>
-              <a:defRPr sz="900"/>
+              <a:defRPr kumimoji="0" lang="pt-BR" sz="900"/>
             </a:lvl8pPr>
-            <a:lvl9pPr marL="3657600" indent="0">
+            <a:lvl9pPr marL="3657600" indent="0" eaLnBrk="1" latinLnBrk="0" hangingPunct="1">
               <a:buNone/>
-              <a:defRPr sz="900"/>
+              <a:defRPr kumimoji="0" lang="pt-BR" sz="900"/>
             </a:lvl9pPr>
           </a:lstStyle>
           <a:p>
-            <a:pPr lvl="0"/>
+            <a:pPr lvl="0" eaLnBrk="1" latinLnBrk="0" hangingPunct="1"/>
             <a:r>
               <a:rPr lang="pt-BR" smtClean="0"/>
               <a:t>Clique para editar os estilos do texto mestre</a:t>
@@ -2269,7 +3704,7 @@
       </p:sp>
       <p:sp>
         <p:nvSpPr>
-          <p:cNvPr id="5" name="Espaço Reservado para Data 4"/>
+          <p:cNvPr id="5" name="Date Placeholder 4"/>
           <p:cNvSpPr>
             <a:spLocks noGrp="1"/>
           </p:cNvSpPr>
@@ -2284,7 +3719,8 @@
           <a:p>
             <a:fld id="{2E700DB3-DBF0-4086-B675-117E7A9610B8}" type="datetimeFigureOut">
               <a:rPr lang="pt-BR" smtClean="0"/>
-              <a:t>20/01/2014</a:t>
+              <a:pPr/>
+              <a:t>21/01/2014</a:t>
             </a:fld>
             <a:endParaRPr lang="pt-BR"/>
           </a:p>
@@ -2292,7 +3728,7 @@
       </p:sp>
       <p:sp>
         <p:nvSpPr>
-          <p:cNvPr id="6" name="Espaço Reservado para Rodapé 5"/>
+          <p:cNvPr id="6" name="Footer Placeholder 5"/>
           <p:cNvSpPr>
             <a:spLocks noGrp="1"/>
           </p:cNvSpPr>
@@ -2311,7 +3747,7 @@
       </p:sp>
       <p:sp>
         <p:nvSpPr>
-          <p:cNvPr id="7" name="Espaço Reservado para Número de Slide 6"/>
+          <p:cNvPr id="7" name="Slide Number Placeholder 6"/>
           <p:cNvSpPr>
             <a:spLocks noGrp="1"/>
           </p:cNvSpPr>
@@ -2326,6 +3762,7 @@
           <a:p>
             <a:fld id="{2119D8CF-8DEC-4D9F-84EE-ADF04DFF3391}" type="slidenum">
               <a:rPr lang="pt-BR" smtClean="0"/>
+              <a:pPr/>
               <a:t>‹nº›</a:t>
             </a:fld>
             <a:endParaRPr lang="pt-BR"/>
@@ -2337,10 +3774,20 @@
   <p:clrMapOvr>
     <a:masterClrMapping/>
   </p:clrMapOvr>
+  <p:transition spd="slow">
+    <p:wipe dir="d"/>
+  </p:transition>
+  <p:timing>
+    <p:tnLst>
+      <p:par>
+        <p:cTn id="1" dur="indefinite" restart="never" nodeType="tmRoot"/>
+      </p:par>
+    </p:tnLst>
+  </p:timing>
 </p:sldLayout>
 </file>
 
-<file path=ppt/slideLayouts/slideLayout9.xml><?xml version="1.0" encoding="utf-8"?>
+<file path=ppt/slideLayouts/slideLayout7.xml><?xml version="1.0" encoding="utf-8"?>
 <p:sldLayout xmlns:a="http://schemas.openxmlformats.org/drawingml/2006/main" xmlns:r="http://schemas.openxmlformats.org/officeDocument/2006/relationships" xmlns:p="http://schemas.openxmlformats.org/presentationml/2006/main" type="picTx" preserve="1">
   <p:cSld name="Imagem com Legenda">
     <p:spTree>
@@ -2359,7 +3806,7 @@
       </p:grpSpPr>
       <p:sp>
         <p:nvSpPr>
-          <p:cNvPr id="2" name="Título 1"/>
+          <p:cNvPr id="2" name="Title 1"/>
           <p:cNvSpPr>
             <a:spLocks noGrp="1"/>
           </p:cNvSpPr>
@@ -2376,22 +3823,23 @@
         <p:txBody>
           <a:bodyPr anchor="b"/>
           <a:lstStyle>
-            <a:lvl1pPr algn="l">
-              <a:defRPr sz="2000" b="1"/>
+            <a:lvl1pPr algn="l" eaLnBrk="1" latinLnBrk="0" hangingPunct="1">
+              <a:defRPr kumimoji="0" lang="pt-BR" sz="2000" b="1"/>
             </a:lvl1pPr>
           </a:lstStyle>
           <a:p>
+            <a:pPr eaLnBrk="1" latinLnBrk="0" hangingPunct="1"/>
             <a:r>
               <a:rPr lang="pt-BR" smtClean="0"/>
               <a:t>Clique para editar o estilo do título mestre</a:t>
             </a:r>
-            <a:endParaRPr lang="pt-BR"/>
-          </a:p>
-        </p:txBody>
-      </p:sp>
-      <p:sp>
-        <p:nvSpPr>
-          <p:cNvPr id="3" name="Espaço Reservado para Imagem 2"/>
+            <a:endParaRPr/>
+          </a:p>
+        </p:txBody>
+      </p:sp>
+      <p:sp>
+        <p:nvSpPr>
+          <p:cNvPr id="3" name="Picture Placeholder 2"/>
           <p:cNvSpPr>
             <a:spLocks noGrp="1"/>
           </p:cNvSpPr>
@@ -2408,51 +3856,56 @@
         <p:txBody>
           <a:bodyPr/>
           <a:lstStyle>
-            <a:lvl1pPr marL="0" indent="0">
+            <a:lvl1pPr marL="0" indent="0" eaLnBrk="1" latinLnBrk="0" hangingPunct="1">
               <a:buNone/>
-              <a:defRPr sz="3200"/>
+              <a:defRPr kumimoji="0" lang="pt-BR" sz="3200"/>
             </a:lvl1pPr>
-            <a:lvl2pPr marL="457200" indent="0">
+            <a:lvl2pPr marL="457200" indent="0" eaLnBrk="1" latinLnBrk="0" hangingPunct="1">
               <a:buNone/>
-              <a:defRPr sz="2800"/>
+              <a:defRPr kumimoji="0" lang="pt-BR" sz="2800"/>
             </a:lvl2pPr>
-            <a:lvl3pPr marL="914400" indent="0">
+            <a:lvl3pPr marL="914400" indent="0" eaLnBrk="1" latinLnBrk="0" hangingPunct="1">
               <a:buNone/>
-              <a:defRPr sz="2400"/>
+              <a:defRPr kumimoji="0" lang="pt-BR" sz="2400"/>
             </a:lvl3pPr>
-            <a:lvl4pPr marL="1371600" indent="0">
+            <a:lvl4pPr marL="1371600" indent="0" eaLnBrk="1" latinLnBrk="0" hangingPunct="1">
               <a:buNone/>
-              <a:defRPr sz="2000"/>
+              <a:defRPr kumimoji="0" lang="pt-BR" sz="2000"/>
             </a:lvl4pPr>
-            <a:lvl5pPr marL="1828800" indent="0">
+            <a:lvl5pPr marL="1828800" indent="0" eaLnBrk="1" latinLnBrk="0" hangingPunct="1">
               <a:buNone/>
-              <a:defRPr sz="2000"/>
+              <a:defRPr kumimoji="0" lang="pt-BR" sz="2000"/>
             </a:lvl5pPr>
-            <a:lvl6pPr marL="2286000" indent="0">
+            <a:lvl6pPr marL="2286000" indent="0" eaLnBrk="1" latinLnBrk="0" hangingPunct="1">
               <a:buNone/>
-              <a:defRPr sz="2000"/>
+              <a:defRPr kumimoji="0" lang="pt-BR" sz="2000"/>
             </a:lvl6pPr>
-            <a:lvl7pPr marL="2743200" indent="0">
+            <a:lvl7pPr marL="2743200" indent="0" eaLnBrk="1" latinLnBrk="0" hangingPunct="1">
               <a:buNone/>
-              <a:defRPr sz="2000"/>
+              <a:defRPr kumimoji="0" lang="pt-BR" sz="2000"/>
             </a:lvl7pPr>
-            <a:lvl8pPr marL="3200400" indent="0">
+            <a:lvl8pPr marL="3200400" indent="0" eaLnBrk="1" latinLnBrk="0" hangingPunct="1">
               <a:buNone/>
-              <a:defRPr sz="2000"/>
+              <a:defRPr kumimoji="0" lang="pt-BR" sz="2000"/>
             </a:lvl8pPr>
-            <a:lvl9pPr marL="3657600" indent="0">
+            <a:lvl9pPr marL="3657600" indent="0" eaLnBrk="1" latinLnBrk="0" hangingPunct="1">
               <a:buNone/>
-              <a:defRPr sz="2000"/>
+              <a:defRPr kumimoji="0" lang="pt-BR" sz="2000"/>
             </a:lvl9pPr>
           </a:lstStyle>
           <a:p>
-            <a:endParaRPr lang="pt-BR"/>
-          </a:p>
-        </p:txBody>
-      </p:sp>
-      <p:sp>
-        <p:nvSpPr>
-          <p:cNvPr id="4" name="Espaço Reservado para Texto 3"/>
+            <a:pPr eaLnBrk="1" latinLnBrk="0" hangingPunct="1"/>
+            <a:r>
+              <a:rPr lang="pt-BR" smtClean="0"/>
+              <a:t>Clique no ícone para adicionar uma imagem</a:t>
+            </a:r>
+            <a:endParaRPr/>
+          </a:p>
+        </p:txBody>
+      </p:sp>
+      <p:sp>
+        <p:nvSpPr>
+          <p:cNvPr id="4" name="Text Placeholder 3"/>
           <p:cNvSpPr>
             <a:spLocks noGrp="1"/>
           </p:cNvSpPr>
@@ -2469,45 +3922,45 @@
         <p:txBody>
           <a:bodyPr/>
           <a:lstStyle>
-            <a:lvl1pPr marL="0" indent="0">
+            <a:lvl1pPr marL="0" indent="0" eaLnBrk="1" latinLnBrk="0" hangingPunct="1">
               <a:buNone/>
-              <a:defRPr sz="1400"/>
+              <a:defRPr kumimoji="0" lang="pt-BR" sz="1400"/>
             </a:lvl1pPr>
-            <a:lvl2pPr marL="457200" indent="0">
+            <a:lvl2pPr marL="457200" indent="0" eaLnBrk="1" latinLnBrk="0" hangingPunct="1">
               <a:buNone/>
-              <a:defRPr sz="1200"/>
+              <a:defRPr kumimoji="0" lang="pt-BR" sz="1200"/>
             </a:lvl2pPr>
-            <a:lvl3pPr marL="914400" indent="0">
+            <a:lvl3pPr marL="914400" indent="0" eaLnBrk="1" latinLnBrk="0" hangingPunct="1">
               <a:buNone/>
-              <a:defRPr sz="1000"/>
+              <a:defRPr kumimoji="0" lang="pt-BR" sz="1000"/>
             </a:lvl3pPr>
-            <a:lvl4pPr marL="1371600" indent="0">
+            <a:lvl4pPr marL="1371600" indent="0" eaLnBrk="1" latinLnBrk="0" hangingPunct="1">
               <a:buNone/>
-              <a:defRPr sz="900"/>
+              <a:defRPr kumimoji="0" lang="pt-BR" sz="900"/>
             </a:lvl4pPr>
-            <a:lvl5pPr marL="1828800" indent="0">
+            <a:lvl5pPr marL="1828800" indent="0" eaLnBrk="1" latinLnBrk="0" hangingPunct="1">
               <a:buNone/>
-              <a:defRPr sz="900"/>
+              <a:defRPr kumimoji="0" lang="pt-BR" sz="900"/>
             </a:lvl5pPr>
-            <a:lvl6pPr marL="2286000" indent="0">
+            <a:lvl6pPr marL="2286000" indent="0" eaLnBrk="1" latinLnBrk="0" hangingPunct="1">
               <a:buNone/>
-              <a:defRPr sz="900"/>
+              <a:defRPr kumimoji="0" lang="pt-BR" sz="900"/>
             </a:lvl6pPr>
-            <a:lvl7pPr marL="2743200" indent="0">
+            <a:lvl7pPr marL="2743200" indent="0" eaLnBrk="1" latinLnBrk="0" hangingPunct="1">
               <a:buNone/>
-              <a:defRPr sz="900"/>
+              <a:defRPr kumimoji="0" lang="pt-BR" sz="900"/>
             </a:lvl7pPr>
-            <a:lvl8pPr marL="3200400" indent="0">
+            <a:lvl8pPr marL="3200400" indent="0" eaLnBrk="1" latinLnBrk="0" hangingPunct="1">
               <a:buNone/>
-              <a:defRPr sz="900"/>
+              <a:defRPr kumimoji="0" lang="pt-BR" sz="900"/>
             </a:lvl8pPr>
-            <a:lvl9pPr marL="3657600" indent="0">
+            <a:lvl9pPr marL="3657600" indent="0" eaLnBrk="1" latinLnBrk="0" hangingPunct="1">
               <a:buNone/>
-              <a:defRPr sz="900"/>
+              <a:defRPr kumimoji="0" lang="pt-BR" sz="900"/>
             </a:lvl9pPr>
           </a:lstStyle>
           <a:p>
-            <a:pPr lvl="0"/>
+            <a:pPr lvl="0" eaLnBrk="1" latinLnBrk="0" hangingPunct="1"/>
             <a:r>
               <a:rPr lang="pt-BR" smtClean="0"/>
               <a:t>Clique para editar os estilos do texto mestre</a:t>
@@ -2517,7 +3970,7 @@
       </p:sp>
       <p:sp>
         <p:nvSpPr>
-          <p:cNvPr id="5" name="Espaço Reservado para Data 4"/>
+          <p:cNvPr id="5" name="Date Placeholder 4"/>
           <p:cNvSpPr>
             <a:spLocks noGrp="1"/>
           </p:cNvSpPr>
@@ -2532,7 +3985,8 @@
           <a:p>
             <a:fld id="{2E700DB3-DBF0-4086-B675-117E7A9610B8}" type="datetimeFigureOut">
               <a:rPr lang="pt-BR" smtClean="0"/>
-              <a:t>20/01/2014</a:t>
+              <a:pPr/>
+              <a:t>21/01/2014</a:t>
             </a:fld>
             <a:endParaRPr lang="pt-BR"/>
           </a:p>
@@ -2540,7 +3994,7 @@
       </p:sp>
       <p:sp>
         <p:nvSpPr>
-          <p:cNvPr id="6" name="Espaço Reservado para Rodapé 5"/>
+          <p:cNvPr id="6" name="Footer Placeholder 5"/>
           <p:cNvSpPr>
             <a:spLocks noGrp="1"/>
           </p:cNvSpPr>
@@ -2559,7 +4013,7 @@
       </p:sp>
       <p:sp>
         <p:nvSpPr>
-          <p:cNvPr id="7" name="Espaço Reservado para Número de Slide 6"/>
+          <p:cNvPr id="7" name="Slide Number Placeholder 6"/>
           <p:cNvSpPr>
             <a:spLocks noGrp="1"/>
           </p:cNvSpPr>
@@ -2574,6 +4028,7 @@
           <a:p>
             <a:fld id="{2119D8CF-8DEC-4D9F-84EE-ADF04DFF3391}" type="slidenum">
               <a:rPr lang="pt-BR" smtClean="0"/>
+              <a:pPr/>
               <a:t>‹nº›</a:t>
             </a:fld>
             <a:endParaRPr lang="pt-BR"/>
@@ -2585,6 +4040,361 @@
   <p:clrMapOvr>
     <a:masterClrMapping/>
   </p:clrMapOvr>
+  <p:transition spd="slow">
+    <p:wipe dir="d"/>
+  </p:transition>
+</p:sldLayout>
+</file>
+
+<file path=ppt/slideLayouts/slideLayout8.xml><?xml version="1.0" encoding="utf-8"?>
+<p:sldLayout xmlns:a="http://schemas.openxmlformats.org/drawingml/2006/main" xmlns:r="http://schemas.openxmlformats.org/officeDocument/2006/relationships" xmlns:p="http://schemas.openxmlformats.org/presentationml/2006/main" type="vertTx" preserve="1">
+  <p:cSld name="Título e Texto Vertical">
+    <p:spTree>
+      <p:nvGrpSpPr>
+        <p:cNvPr id="1" name=""/>
+        <p:cNvGrpSpPr/>
+        <p:nvPr/>
+      </p:nvGrpSpPr>
+      <p:grpSpPr>
+        <a:xfrm>
+          <a:off x="0" y="0"/>
+          <a:ext cx="0" cy="0"/>
+          <a:chOff x="0" y="0"/>
+          <a:chExt cx="0" cy="0"/>
+        </a:xfrm>
+      </p:grpSpPr>
+      <p:sp>
+        <p:nvSpPr>
+          <p:cNvPr id="2" name="Title 1"/>
+          <p:cNvSpPr>
+            <a:spLocks noGrp="1"/>
+          </p:cNvSpPr>
+          <p:nvPr>
+            <p:ph type="title"/>
+          </p:nvPr>
+        </p:nvSpPr>
+        <p:spPr/>
+        <p:txBody>
+          <a:bodyPr/>
+          <a:lstStyle/>
+          <a:p>
+            <a:pPr eaLnBrk="1" latinLnBrk="0" hangingPunct="1"/>
+            <a:r>
+              <a:rPr lang="pt-BR" smtClean="0"/>
+              <a:t>Clique para editar o estilo do título mestre</a:t>
+            </a:r>
+            <a:endParaRPr/>
+          </a:p>
+        </p:txBody>
+      </p:sp>
+      <p:sp>
+        <p:nvSpPr>
+          <p:cNvPr id="3" name="Vertical Text Placeholder 2"/>
+          <p:cNvSpPr>
+            <a:spLocks noGrp="1"/>
+          </p:cNvSpPr>
+          <p:nvPr>
+            <p:ph type="body" orient="vert" idx="1"/>
+          </p:nvPr>
+        </p:nvSpPr>
+        <p:spPr/>
+        <p:txBody>
+          <a:bodyPr vert="eaVert"/>
+          <a:lstStyle/>
+          <a:p>
+            <a:pPr lvl="0" eaLnBrk="1" latinLnBrk="0" hangingPunct="1"/>
+            <a:r>
+              <a:rPr lang="pt-BR" smtClean="0"/>
+              <a:t>Clique para editar os estilos do texto mestre</a:t>
+            </a:r>
+          </a:p>
+          <a:p>
+            <a:pPr lvl="1" eaLnBrk="1" latinLnBrk="0" hangingPunct="1"/>
+            <a:r>
+              <a:rPr lang="pt-BR" smtClean="0"/>
+              <a:t>Segundo nível</a:t>
+            </a:r>
+          </a:p>
+          <a:p>
+            <a:pPr lvl="2" eaLnBrk="1" latinLnBrk="0" hangingPunct="1"/>
+            <a:r>
+              <a:rPr lang="pt-BR" smtClean="0"/>
+              <a:t>Terceiro nível</a:t>
+            </a:r>
+          </a:p>
+          <a:p>
+            <a:pPr lvl="3" eaLnBrk="1" latinLnBrk="0" hangingPunct="1"/>
+            <a:r>
+              <a:rPr lang="pt-BR" smtClean="0"/>
+              <a:t>Quarto nível</a:t>
+            </a:r>
+          </a:p>
+          <a:p>
+            <a:pPr lvl="4" eaLnBrk="1" latinLnBrk="0" hangingPunct="1"/>
+            <a:r>
+              <a:rPr lang="pt-BR" smtClean="0"/>
+              <a:t>Quinto nível</a:t>
+            </a:r>
+            <a:endParaRPr/>
+          </a:p>
+        </p:txBody>
+      </p:sp>
+      <p:sp>
+        <p:nvSpPr>
+          <p:cNvPr id="4" name="Date Placeholder 3"/>
+          <p:cNvSpPr>
+            <a:spLocks noGrp="1"/>
+          </p:cNvSpPr>
+          <p:nvPr>
+            <p:ph type="dt" sz="half" idx="10"/>
+          </p:nvPr>
+        </p:nvSpPr>
+        <p:spPr/>
+        <p:txBody>
+          <a:bodyPr/>
+          <a:lstStyle/>
+          <a:p>
+            <a:fld id="{2E700DB3-DBF0-4086-B675-117E7A9610B8}" type="datetimeFigureOut">
+              <a:rPr lang="pt-BR" smtClean="0"/>
+              <a:pPr/>
+              <a:t>21/01/2014</a:t>
+            </a:fld>
+            <a:endParaRPr lang="pt-BR"/>
+          </a:p>
+        </p:txBody>
+      </p:sp>
+      <p:sp>
+        <p:nvSpPr>
+          <p:cNvPr id="5" name="Footer Placeholder 4"/>
+          <p:cNvSpPr>
+            <a:spLocks noGrp="1"/>
+          </p:cNvSpPr>
+          <p:nvPr>
+            <p:ph type="ftr" sz="quarter" idx="11"/>
+          </p:nvPr>
+        </p:nvSpPr>
+        <p:spPr/>
+        <p:txBody>
+          <a:bodyPr/>
+          <a:lstStyle/>
+          <a:p>
+            <a:endParaRPr lang="pt-BR"/>
+          </a:p>
+        </p:txBody>
+      </p:sp>
+      <p:sp>
+        <p:nvSpPr>
+          <p:cNvPr id="6" name="Slide Number Placeholder 5"/>
+          <p:cNvSpPr>
+            <a:spLocks noGrp="1"/>
+          </p:cNvSpPr>
+          <p:nvPr>
+            <p:ph type="sldNum" sz="quarter" idx="12"/>
+          </p:nvPr>
+        </p:nvSpPr>
+        <p:spPr/>
+        <p:txBody>
+          <a:bodyPr/>
+          <a:lstStyle/>
+          <a:p>
+            <a:fld id="{2119D8CF-8DEC-4D9F-84EE-ADF04DFF3391}" type="slidenum">
+              <a:rPr lang="pt-BR" smtClean="0"/>
+              <a:pPr/>
+              <a:t>‹nº›</a:t>
+            </a:fld>
+            <a:endParaRPr lang="pt-BR"/>
+          </a:p>
+        </p:txBody>
+      </p:sp>
+    </p:spTree>
+  </p:cSld>
+  <p:clrMapOvr>
+    <a:masterClrMapping/>
+  </p:clrMapOvr>
+  <p:transition spd="slow">
+    <p:wipe dir="d"/>
+  </p:transition>
+</p:sldLayout>
+</file>
+
+<file path=ppt/slideLayouts/slideLayout9.xml><?xml version="1.0" encoding="utf-8"?>
+<p:sldLayout xmlns:a="http://schemas.openxmlformats.org/drawingml/2006/main" xmlns:r="http://schemas.openxmlformats.org/officeDocument/2006/relationships" xmlns:p="http://schemas.openxmlformats.org/presentationml/2006/main" type="vertTitleAndTx" preserve="1">
+  <p:cSld name="Título e Texto Verticais">
+    <p:spTree>
+      <p:nvGrpSpPr>
+        <p:cNvPr id="1" name=""/>
+        <p:cNvGrpSpPr/>
+        <p:nvPr/>
+      </p:nvGrpSpPr>
+      <p:grpSpPr>
+        <a:xfrm>
+          <a:off x="0" y="0"/>
+          <a:ext cx="0" cy="0"/>
+          <a:chOff x="0" y="0"/>
+          <a:chExt cx="0" cy="0"/>
+        </a:xfrm>
+      </p:grpSpPr>
+      <p:sp>
+        <p:nvSpPr>
+          <p:cNvPr id="2" name="Vertical Title 1"/>
+          <p:cNvSpPr>
+            <a:spLocks noGrp="1"/>
+          </p:cNvSpPr>
+          <p:nvPr>
+            <p:ph type="title" orient="vert"/>
+          </p:nvPr>
+        </p:nvSpPr>
+        <p:spPr>
+          <a:xfrm>
+            <a:off x="6781800" y="274638"/>
+            <a:ext cx="2057400" cy="5851525"/>
+          </a:xfrm>
+        </p:spPr>
+        <p:txBody>
+          <a:bodyPr vert="eaVert"/>
+          <a:lstStyle/>
+          <a:p>
+            <a:pPr eaLnBrk="1" latinLnBrk="0" hangingPunct="1"/>
+            <a:r>
+              <a:rPr lang="pt-BR" smtClean="0"/>
+              <a:t>Clique para editar o estilo do título mestre</a:t>
+            </a:r>
+            <a:endParaRPr/>
+          </a:p>
+        </p:txBody>
+      </p:sp>
+      <p:sp>
+        <p:nvSpPr>
+          <p:cNvPr id="3" name="Vertical Text Placeholder 2"/>
+          <p:cNvSpPr>
+            <a:spLocks noGrp="1"/>
+          </p:cNvSpPr>
+          <p:nvPr>
+            <p:ph type="body" orient="vert" idx="1"/>
+          </p:nvPr>
+        </p:nvSpPr>
+        <p:spPr>
+          <a:xfrm>
+            <a:off x="762000" y="274638"/>
+            <a:ext cx="5867400" cy="5851525"/>
+          </a:xfrm>
+        </p:spPr>
+        <p:txBody>
+          <a:bodyPr vert="eaVert"/>
+          <a:lstStyle/>
+          <a:p>
+            <a:pPr lvl="0" eaLnBrk="1" latinLnBrk="0" hangingPunct="1"/>
+            <a:r>
+              <a:rPr lang="pt-BR" smtClean="0"/>
+              <a:t>Clique para editar os estilos do texto mestre</a:t>
+            </a:r>
+          </a:p>
+          <a:p>
+            <a:pPr lvl="1" eaLnBrk="1" latinLnBrk="0" hangingPunct="1"/>
+            <a:r>
+              <a:rPr lang="pt-BR" smtClean="0"/>
+              <a:t>Segundo nível</a:t>
+            </a:r>
+          </a:p>
+          <a:p>
+            <a:pPr lvl="2" eaLnBrk="1" latinLnBrk="0" hangingPunct="1"/>
+            <a:r>
+              <a:rPr lang="pt-BR" smtClean="0"/>
+              <a:t>Terceiro nível</a:t>
+            </a:r>
+          </a:p>
+          <a:p>
+            <a:pPr lvl="3" eaLnBrk="1" latinLnBrk="0" hangingPunct="1"/>
+            <a:r>
+              <a:rPr lang="pt-BR" smtClean="0"/>
+              <a:t>Quarto nível</a:t>
+            </a:r>
+          </a:p>
+          <a:p>
+            <a:pPr lvl="4" eaLnBrk="1" latinLnBrk="0" hangingPunct="1"/>
+            <a:r>
+              <a:rPr lang="pt-BR" smtClean="0"/>
+              <a:t>Quinto nível</a:t>
+            </a:r>
+            <a:endParaRPr/>
+          </a:p>
+        </p:txBody>
+      </p:sp>
+      <p:sp>
+        <p:nvSpPr>
+          <p:cNvPr id="4" name="Date Placeholder 3"/>
+          <p:cNvSpPr>
+            <a:spLocks noGrp="1"/>
+          </p:cNvSpPr>
+          <p:nvPr>
+            <p:ph type="dt" sz="half" idx="10"/>
+          </p:nvPr>
+        </p:nvSpPr>
+        <p:spPr/>
+        <p:txBody>
+          <a:bodyPr/>
+          <a:lstStyle/>
+          <a:p>
+            <a:fld id="{2E700DB3-DBF0-4086-B675-117E7A9610B8}" type="datetimeFigureOut">
+              <a:rPr lang="pt-BR" smtClean="0"/>
+              <a:pPr/>
+              <a:t>21/01/2014</a:t>
+            </a:fld>
+            <a:endParaRPr lang="pt-BR"/>
+          </a:p>
+        </p:txBody>
+      </p:sp>
+      <p:sp>
+        <p:nvSpPr>
+          <p:cNvPr id="5" name="Footer Placeholder 4"/>
+          <p:cNvSpPr>
+            <a:spLocks noGrp="1"/>
+          </p:cNvSpPr>
+          <p:nvPr>
+            <p:ph type="ftr" sz="quarter" idx="11"/>
+          </p:nvPr>
+        </p:nvSpPr>
+        <p:spPr/>
+        <p:txBody>
+          <a:bodyPr/>
+          <a:lstStyle/>
+          <a:p>
+            <a:endParaRPr lang="pt-BR"/>
+          </a:p>
+        </p:txBody>
+      </p:sp>
+      <p:sp>
+        <p:nvSpPr>
+          <p:cNvPr id="6" name="Slide Number Placeholder 5"/>
+          <p:cNvSpPr>
+            <a:spLocks noGrp="1"/>
+          </p:cNvSpPr>
+          <p:nvPr>
+            <p:ph type="sldNum" sz="quarter" idx="12"/>
+          </p:nvPr>
+        </p:nvSpPr>
+        <p:spPr/>
+        <p:txBody>
+          <a:bodyPr/>
+          <a:lstStyle/>
+          <a:p>
+            <a:fld id="{2119D8CF-8DEC-4D9F-84EE-ADF04DFF3391}" type="slidenum">
+              <a:rPr lang="pt-BR" smtClean="0"/>
+              <a:pPr/>
+              <a:t>‹nº›</a:t>
+            </a:fld>
+            <a:endParaRPr lang="pt-BR"/>
+          </a:p>
+        </p:txBody>
+      </p:sp>
+    </p:spTree>
+  </p:cSld>
+  <p:clrMapOvr>
+    <a:masterClrMapping/>
+  </p:clrMapOvr>
+  <p:transition spd="slow">
+    <p:wipe dir="d"/>
+  </p:transition>
 </p:sldLayout>
 </file>
 
@@ -2610,42 +4420,72 @@
           <a:chExt cx="0" cy="0"/>
         </a:xfrm>
       </p:grpSpPr>
-      <p:sp>
-        <p:nvSpPr>
-          <p:cNvPr id="2" name="Espaço Reservado para Título 1"/>
-          <p:cNvSpPr>
-            <a:spLocks noGrp="1"/>
-          </p:cNvSpPr>
-          <p:nvPr>
-            <p:ph type="title"/>
-          </p:nvPr>
-        </p:nvSpPr>
+      <p:pic>
+        <p:nvPicPr>
+          <p:cNvPr id="7" name="Picture 6"/>
+          <p:cNvPicPr>
+            <a:picLocks noChangeAspect="1"/>
+          </p:cNvPicPr>
+          <p:nvPr/>
+        </p:nvPicPr>
+        <p:blipFill rotWithShape="1">
+          <a:blip r:embed="rId20" cstate="email">
+            <a:extLst>
+              <a:ext uri="{28A0092B-C50C-407E-A947-70E740481C1C}">
+                <a14:useLocalDpi xmlns:a14="http://schemas.microsoft.com/office/drawing/2010/main"/>
+              </a:ext>
+            </a:extLst>
+          </a:blip>
+          <a:srcRect/>
+          <a:stretch/>
+        </p:blipFill>
         <p:spPr>
           <a:xfrm>
-            <a:off x="457200" y="274638"/>
-            <a:ext cx="8229600" cy="1143000"/>
+            <a:off x="43543" y="0"/>
+            <a:ext cx="9100457" cy="6879771"/>
           </a:xfrm>
           <a:prstGeom prst="rect">
             <a:avLst/>
           </a:prstGeom>
         </p:spPr>
+      </p:pic>
+      <p:sp>
+        <p:nvSpPr>
+          <p:cNvPr id="2" name="Title Placeholder 1"/>
+          <p:cNvSpPr>
+            <a:spLocks noGrp="1"/>
+          </p:cNvSpPr>
+          <p:nvPr>
+            <p:ph type="title"/>
+          </p:nvPr>
+        </p:nvSpPr>
+        <p:spPr>
+          <a:xfrm>
+            <a:off x="762000" y="274638"/>
+            <a:ext cx="8077200" cy="1143000"/>
+          </a:xfrm>
+          <a:prstGeom prst="rect">
+            <a:avLst/>
+          </a:prstGeom>
+        </p:spPr>
         <p:txBody>
           <a:bodyPr vert="horz" lIns="91440" tIns="45720" rIns="91440" bIns="45720" rtlCol="0" anchor="ctr">
             <a:normAutofit/>
           </a:bodyPr>
           <a:lstStyle/>
           <a:p>
-            <a:r>
-              <a:rPr lang="pt-BR" smtClean="0"/>
+            <a:pPr eaLnBrk="1" latinLnBrk="0" hangingPunct="1"/>
+            <a:r>
+              <a:rPr kumimoji="0" lang="pt-BR" smtClean="0"/>
               <a:t>Clique para editar o estilo do título mestre</a:t>
             </a:r>
-            <a:endParaRPr lang="pt-BR"/>
-          </a:p>
-        </p:txBody>
-      </p:sp>
-      <p:sp>
-        <p:nvSpPr>
-          <p:cNvPr id="3" name="Espaço Reservado para Texto 2"/>
+            <a:endParaRPr kumimoji="0" lang="en-US" smtClean="0"/>
+          </a:p>
+        </p:txBody>
+      </p:sp>
+      <p:sp>
+        <p:nvSpPr>
+          <p:cNvPr id="3" name="Text Placeholder 2"/>
           <p:cNvSpPr>
             <a:spLocks noGrp="1"/>
           </p:cNvSpPr>
@@ -2655,8 +4495,8 @@
         </p:nvSpPr>
         <p:spPr>
           <a:xfrm>
-            <a:off x="457200" y="1600200"/>
-            <a:ext cx="8229600" cy="4525963"/>
+            <a:off x="762000" y="1600200"/>
+            <a:ext cx="8077200" cy="4525963"/>
           </a:xfrm>
           <a:prstGeom prst="rect">
             <a:avLst/>
@@ -2668,46 +4508,46 @@
           </a:bodyPr>
           <a:lstStyle/>
           <a:p>
-            <a:pPr lvl="0"/>
-            <a:r>
-              <a:rPr lang="pt-BR" smtClean="0"/>
+            <a:pPr lvl="0" eaLnBrk="1" latinLnBrk="0" hangingPunct="1"/>
+            <a:r>
+              <a:rPr kumimoji="0" lang="pt-BR" smtClean="0"/>
               <a:t>Clique para editar os estilos do texto mestre</a:t>
             </a:r>
           </a:p>
           <a:p>
-            <a:pPr lvl="1"/>
-            <a:r>
-              <a:rPr lang="pt-BR" smtClean="0"/>
+            <a:pPr lvl="1" eaLnBrk="1" latinLnBrk="0" hangingPunct="1"/>
+            <a:r>
+              <a:rPr kumimoji="0" lang="pt-BR" smtClean="0"/>
               <a:t>Segundo nível</a:t>
             </a:r>
           </a:p>
           <a:p>
-            <a:pPr lvl="2"/>
-            <a:r>
-              <a:rPr lang="pt-BR" smtClean="0"/>
+            <a:pPr lvl="2" eaLnBrk="1" latinLnBrk="0" hangingPunct="1"/>
+            <a:r>
+              <a:rPr kumimoji="0" lang="pt-BR" smtClean="0"/>
               <a:t>Terceiro nível</a:t>
             </a:r>
           </a:p>
           <a:p>
-            <a:pPr lvl="3"/>
-            <a:r>
-              <a:rPr lang="pt-BR" smtClean="0"/>
+            <a:pPr lvl="3" eaLnBrk="1" latinLnBrk="0" hangingPunct="1"/>
+            <a:r>
+              <a:rPr kumimoji="0" lang="pt-BR" smtClean="0"/>
               <a:t>Quarto nível</a:t>
             </a:r>
           </a:p>
           <a:p>
-            <a:pPr lvl="4"/>
-            <a:r>
-              <a:rPr lang="pt-BR" smtClean="0"/>
+            <a:pPr lvl="4" eaLnBrk="1" latinLnBrk="0" hangingPunct="1"/>
+            <a:r>
+              <a:rPr kumimoji="0" lang="pt-BR" smtClean="0"/>
               <a:t>Quinto nível</a:t>
             </a:r>
-            <a:endParaRPr lang="pt-BR"/>
-          </a:p>
-        </p:txBody>
-      </p:sp>
-      <p:sp>
-        <p:nvSpPr>
-          <p:cNvPr id="4" name="Espaço Reservado para Data 3"/>
+            <a:endParaRPr kumimoji="0" lang="en-US"/>
+          </a:p>
+        </p:txBody>
+      </p:sp>
+      <p:sp>
+        <p:nvSpPr>
+          <p:cNvPr id="4" name="Date Placeholder 3"/>
           <p:cNvSpPr>
             <a:spLocks noGrp="1"/>
           </p:cNvSpPr>
@@ -2717,7 +4557,7 @@
         </p:nvSpPr>
         <p:spPr>
           <a:xfrm>
-            <a:off x="457200" y="6356350"/>
+            <a:off x="762000" y="6356350"/>
             <a:ext cx="2133600" cy="365125"/>
           </a:xfrm>
           <a:prstGeom prst="rect">
@@ -2727,8 +4567,8 @@
         <p:txBody>
           <a:bodyPr vert="horz" lIns="91440" tIns="45720" rIns="91440" bIns="45720" rtlCol="0" anchor="ctr"/>
           <a:lstStyle>
-            <a:lvl1pPr algn="l">
-              <a:defRPr sz="1200">
+            <a:lvl1pPr algn="l" eaLnBrk="1" latinLnBrk="0" hangingPunct="1">
+              <a:defRPr kumimoji="0" lang="pt-BR" sz="1200">
                 <a:solidFill>
                   <a:schemeClr val="tx1">
                     <a:tint val="75000"/>
@@ -2740,7 +4580,8 @@
           <a:p>
             <a:fld id="{2E700DB3-DBF0-4086-B675-117E7A9610B8}" type="datetimeFigureOut">
               <a:rPr lang="pt-BR" smtClean="0"/>
-              <a:t>20/01/2014</a:t>
+              <a:pPr/>
+              <a:t>21/01/2014</a:t>
             </a:fld>
             <a:endParaRPr lang="pt-BR"/>
           </a:p>
@@ -2748,7 +4589,7 @@
       </p:sp>
       <p:sp>
         <p:nvSpPr>
-          <p:cNvPr id="5" name="Espaço Reservado para Rodapé 4"/>
+          <p:cNvPr id="5" name="Footer Placeholder 4"/>
           <p:cNvSpPr>
             <a:spLocks noGrp="1"/>
           </p:cNvSpPr>
@@ -2758,7 +4599,7 @@
         </p:nvSpPr>
         <p:spPr>
           <a:xfrm>
-            <a:off x="3124200" y="6356350"/>
+            <a:off x="3352800" y="6356350"/>
             <a:ext cx="2895600" cy="365125"/>
           </a:xfrm>
           <a:prstGeom prst="rect">
@@ -2768,8 +4609,8 @@
         <p:txBody>
           <a:bodyPr vert="horz" lIns="91440" tIns="45720" rIns="91440" bIns="45720" rtlCol="0" anchor="ctr"/>
           <a:lstStyle>
-            <a:lvl1pPr algn="ctr">
-              <a:defRPr sz="1200">
+            <a:lvl1pPr algn="ctr" eaLnBrk="1" latinLnBrk="0" hangingPunct="1">
+              <a:defRPr kumimoji="0" lang="pt-BR" sz="1200">
                 <a:solidFill>
                   <a:schemeClr val="tx1">
                     <a:tint val="75000"/>
@@ -2785,7 +4626,7 @@
       </p:sp>
       <p:sp>
         <p:nvSpPr>
-          <p:cNvPr id="6" name="Espaço Reservado para Número de Slide 5"/>
+          <p:cNvPr id="6" name="Slide Number Placeholder 5"/>
           <p:cNvSpPr>
             <a:spLocks noGrp="1"/>
           </p:cNvSpPr>
@@ -2795,7 +4636,7 @@
         </p:nvSpPr>
         <p:spPr>
           <a:xfrm>
-            <a:off x="6553200" y="6356350"/>
+            <a:off x="6705600" y="6356350"/>
             <a:ext cx="2133600" cy="365125"/>
           </a:xfrm>
           <a:prstGeom prst="rect">
@@ -2805,8 +4646,8 @@
         <p:txBody>
           <a:bodyPr vert="horz" lIns="91440" tIns="45720" rIns="91440" bIns="45720" rtlCol="0" anchor="ctr"/>
           <a:lstStyle>
-            <a:lvl1pPr algn="r">
-              <a:defRPr sz="1200">
+            <a:lvl1pPr algn="r" eaLnBrk="1" latinLnBrk="0" hangingPunct="1">
+              <a:defRPr kumimoji="0" lang="pt-BR" sz="1200">
                 <a:solidFill>
                   <a:schemeClr val="tx1">
                     <a:tint val="75000"/>
@@ -2818,36 +4659,83 @@
           <a:p>
             <a:fld id="{2119D8CF-8DEC-4D9F-84EE-ADF04DFF3391}" type="slidenum">
               <a:rPr lang="pt-BR" smtClean="0"/>
+              <a:pPr/>
               <a:t>‹nº›</a:t>
             </a:fld>
             <a:endParaRPr lang="pt-BR"/>
           </a:p>
         </p:txBody>
       </p:sp>
+      <p:pic>
+        <p:nvPicPr>
+          <p:cNvPr id="8" name="Picture 7"/>
+          <p:cNvPicPr>
+            <a:picLocks noChangeAspect="1"/>
+          </p:cNvPicPr>
+          <p:nvPr/>
+        </p:nvPicPr>
+        <p:blipFill rotWithShape="1">
+          <a:blip r:embed="rId21" cstate="email">
+            <a:extLst>
+              <a:ext uri="{28A0092B-C50C-407E-A947-70E740481C1C}">
+                <a14:useLocalDpi xmlns:a14="http://schemas.microsoft.com/office/drawing/2010/main"/>
+              </a:ext>
+            </a:extLst>
+          </a:blip>
+          <a:srcRect/>
+          <a:stretch/>
+        </p:blipFill>
+        <p:spPr>
+          <a:xfrm>
+            <a:off x="-152400" y="-109183"/>
+            <a:ext cx="818707" cy="7083189"/>
+          </a:xfrm>
+          <a:prstGeom prst="rect">
+            <a:avLst/>
+          </a:prstGeom>
+        </p:spPr>
+      </p:pic>
     </p:spTree>
   </p:cSld>
   <p:clrMap bg1="lt1" tx1="dk1" bg2="lt2" tx2="dk2" accent1="accent1" accent2="accent2" accent3="accent3" accent4="accent4" accent5="accent5" accent6="accent6" hlink="hlink" folHlink="folHlink"/>
   <p:sldLayoutIdLst>
-    <p:sldLayoutId id="2147483649" r:id="rId1"/>
-    <p:sldLayoutId id="2147483650" r:id="rId2"/>
-    <p:sldLayoutId id="2147483651" r:id="rId3"/>
-    <p:sldLayoutId id="2147483652" r:id="rId4"/>
-    <p:sldLayoutId id="2147483653" r:id="rId5"/>
-    <p:sldLayoutId id="2147483654" r:id="rId6"/>
-    <p:sldLayoutId id="2147483655" r:id="rId7"/>
-    <p:sldLayoutId id="2147483656" r:id="rId8"/>
-    <p:sldLayoutId id="2147483657" r:id="rId9"/>
-    <p:sldLayoutId id="2147483658" r:id="rId10"/>
-    <p:sldLayoutId id="2147483659" r:id="rId11"/>
+    <p:sldLayoutId id="2147483661" r:id="rId1"/>
+    <p:sldLayoutId id="2147483662" r:id="rId2"/>
+    <p:sldLayoutId id="2147483663" r:id="rId3"/>
+    <p:sldLayoutId id="2147483664" r:id="rId4"/>
+    <p:sldLayoutId id="2147483665" r:id="rId5"/>
+    <p:sldLayoutId id="2147483666" r:id="rId6"/>
+    <p:sldLayoutId id="2147483667" r:id="rId7"/>
+    <p:sldLayoutId id="2147483668" r:id="rId8"/>
+    <p:sldLayoutId id="2147483669" r:id="rId9"/>
+    <p:sldLayoutId id="2147483670" r:id="rId10"/>
+    <p:sldLayoutId id="2147483671" r:id="rId11"/>
+    <p:sldLayoutId id="2147483672" r:id="rId12"/>
+    <p:sldLayoutId id="2147483673" r:id="rId13"/>
+    <p:sldLayoutId id="2147483674" r:id="rId14"/>
+    <p:sldLayoutId id="2147483675" r:id="rId15"/>
+    <p:sldLayoutId id="2147483676" r:id="rId16"/>
+    <p:sldLayoutId id="2147483677" r:id="rId17"/>
+    <p:sldLayoutId id="2147483678" r:id="rId18"/>
   </p:sldLayoutIdLst>
+  <p:transition spd="slow">
+    <p:wipe dir="d"/>
+  </p:transition>
+  <p:timing>
+    <p:tnLst>
+      <p:par>
+        <p:cTn id="1" dur="indefinite" restart="never" nodeType="tmRoot"/>
+      </p:par>
+    </p:tnLst>
+  </p:timing>
   <p:txStyles>
     <p:titleStyle>
-      <a:lvl1pPr algn="ctr" defTabSz="914400" rtl="0" eaLnBrk="1" latinLnBrk="0" hangingPunct="1">
+      <a:lvl1pPr algn="l" defTabSz="914400" rtl="0" eaLnBrk="1" latinLnBrk="0" hangingPunct="1">
         <a:spcBef>
           <a:spcPct val="0"/>
         </a:spcBef>
         <a:buNone/>
-        <a:defRPr sz="4400" kern="1200">
+        <a:defRPr kumimoji="0" lang="pt-BR" sz="4400" kern="1200">
           <a:solidFill>
             <a:schemeClr val="tx1"/>
           </a:solidFill>
@@ -2864,7 +4752,7 @@
         </a:spcBef>
         <a:buFont typeface="Arial" pitchFamily="34" charset="0"/>
         <a:buChar char="•"/>
-        <a:defRPr sz="3200" kern="1200">
+        <a:defRPr kumimoji="0" lang="pt-BR" sz="2800" kern="1200">
           <a:solidFill>
             <a:schemeClr val="tx1"/>
           </a:solidFill>
@@ -2879,7 +4767,7 @@
         </a:spcBef>
         <a:buFont typeface="Arial" pitchFamily="34" charset="0"/>
         <a:buChar char="–"/>
-        <a:defRPr sz="2800" kern="1200">
+        <a:defRPr kumimoji="0" lang="pt-BR" sz="2400" kern="1200">
           <a:solidFill>
             <a:schemeClr val="tx1"/>
           </a:solidFill>
@@ -2894,7 +4782,7 @@
         </a:spcBef>
         <a:buFont typeface="Arial" pitchFamily="34" charset="0"/>
         <a:buChar char="•"/>
-        <a:defRPr sz="2400" kern="1200">
+        <a:defRPr kumimoji="0" lang="pt-BR" sz="2000" kern="1200">
           <a:solidFill>
             <a:schemeClr val="tx1"/>
           </a:solidFill>
@@ -2909,7 +4797,7 @@
         </a:spcBef>
         <a:buFont typeface="Arial" pitchFamily="34" charset="0"/>
         <a:buChar char="–"/>
-        <a:defRPr sz="2000" kern="1200">
+        <a:defRPr kumimoji="0" lang="pt-BR" sz="1800" kern="1200">
           <a:solidFill>
             <a:schemeClr val="tx1"/>
           </a:solidFill>
@@ -2924,7 +4812,7 @@
         </a:spcBef>
         <a:buFont typeface="Arial" pitchFamily="34" charset="0"/>
         <a:buChar char="»"/>
-        <a:defRPr sz="2000" kern="1200">
+        <a:defRPr kumimoji="0" lang="pt-BR" sz="1800" kern="1200">
           <a:solidFill>
             <a:schemeClr val="tx1"/>
           </a:solidFill>
@@ -2939,7 +4827,7 @@
         </a:spcBef>
         <a:buFont typeface="Arial" pitchFamily="34" charset="0"/>
         <a:buChar char="•"/>
-        <a:defRPr sz="2000" kern="1200">
+        <a:defRPr kumimoji="0" lang="pt-BR" sz="2000" kern="1200">
           <a:solidFill>
             <a:schemeClr val="tx1"/>
           </a:solidFill>
@@ -2954,7 +4842,7 @@
         </a:spcBef>
         <a:buFont typeface="Arial" pitchFamily="34" charset="0"/>
         <a:buChar char="•"/>
-        <a:defRPr sz="2000" kern="1200">
+        <a:defRPr kumimoji="0" lang="pt-BR" sz="2000" kern="1200">
           <a:solidFill>
             <a:schemeClr val="tx1"/>
           </a:solidFill>
@@ -2969,7 +4857,7 @@
         </a:spcBef>
         <a:buFont typeface="Arial" pitchFamily="34" charset="0"/>
         <a:buChar char="•"/>
-        <a:defRPr sz="2000" kern="1200">
+        <a:defRPr kumimoji="0" lang="pt-BR" sz="2000" kern="1200">
           <a:solidFill>
             <a:schemeClr val="tx1"/>
           </a:solidFill>
@@ -2984,7 +4872,7 @@
         </a:spcBef>
         <a:buFont typeface="Arial" pitchFamily="34" charset="0"/>
         <a:buChar char="•"/>
-        <a:defRPr sz="2000" kern="1200">
+        <a:defRPr kumimoji="0" lang="pt-BR" sz="2000" kern="1200">
           <a:solidFill>
             <a:schemeClr val="tx1"/>
           </a:solidFill>
@@ -2996,10 +4884,10 @@
     </p:bodyStyle>
     <p:otherStyle>
       <a:defPPr>
-        <a:defRPr lang="pt-BR"/>
+        <a:defRPr kumimoji="0" lang="pt-BR"/>
       </a:defPPr>
       <a:lvl1pPr marL="0" algn="l" defTabSz="914400" rtl="0" eaLnBrk="1" latinLnBrk="0" hangingPunct="1">
-        <a:defRPr sz="1800" kern="1200">
+        <a:defRPr kumimoji="0" lang="pt-BR" sz="1800" kern="1200">
           <a:solidFill>
             <a:schemeClr val="tx1"/>
           </a:solidFill>
@@ -3009,7 +4897,7 @@
         </a:defRPr>
       </a:lvl1pPr>
       <a:lvl2pPr marL="457200" algn="l" defTabSz="914400" rtl="0" eaLnBrk="1" latinLnBrk="0" hangingPunct="1">
-        <a:defRPr sz="1800" kern="1200">
+        <a:defRPr kumimoji="0" lang="pt-BR" sz="1800" kern="1200">
           <a:solidFill>
             <a:schemeClr val="tx1"/>
           </a:solidFill>
@@ -3019,7 +4907,7 @@
         </a:defRPr>
       </a:lvl2pPr>
       <a:lvl3pPr marL="914400" algn="l" defTabSz="914400" rtl="0" eaLnBrk="1" latinLnBrk="0" hangingPunct="1">
-        <a:defRPr sz="1800" kern="1200">
+        <a:defRPr kumimoji="0" lang="pt-BR" sz="1800" kern="1200">
           <a:solidFill>
             <a:schemeClr val="tx1"/>
           </a:solidFill>
@@ -3029,7 +4917,7 @@
         </a:defRPr>
       </a:lvl3pPr>
       <a:lvl4pPr marL="1371600" algn="l" defTabSz="914400" rtl="0" eaLnBrk="1" latinLnBrk="0" hangingPunct="1">
-        <a:defRPr sz="1800" kern="1200">
+        <a:defRPr kumimoji="0" lang="pt-BR" sz="1800" kern="1200">
           <a:solidFill>
             <a:schemeClr val="tx1"/>
           </a:solidFill>
@@ -3039,7 +4927,7 @@
         </a:defRPr>
       </a:lvl4pPr>
       <a:lvl5pPr marL="1828800" algn="l" defTabSz="914400" rtl="0" eaLnBrk="1" latinLnBrk="0" hangingPunct="1">
-        <a:defRPr sz="1800" kern="1200">
+        <a:defRPr kumimoji="0" lang="pt-BR" sz="1800" kern="1200">
           <a:solidFill>
             <a:schemeClr val="tx1"/>
           </a:solidFill>
@@ -3049,7 +4937,7 @@
         </a:defRPr>
       </a:lvl5pPr>
       <a:lvl6pPr marL="2286000" algn="l" defTabSz="914400" rtl="0" eaLnBrk="1" latinLnBrk="0" hangingPunct="1">
-        <a:defRPr sz="1800" kern="1200">
+        <a:defRPr kumimoji="0" lang="pt-BR" sz="1800" kern="1200">
           <a:solidFill>
             <a:schemeClr val="tx1"/>
           </a:solidFill>
@@ -3059,7 +4947,7 @@
         </a:defRPr>
       </a:lvl6pPr>
       <a:lvl7pPr marL="2743200" algn="l" defTabSz="914400" rtl="0" eaLnBrk="1" latinLnBrk="0" hangingPunct="1">
-        <a:defRPr sz="1800" kern="1200">
+        <a:defRPr kumimoji="0" lang="pt-BR" sz="1800" kern="1200">
           <a:solidFill>
             <a:schemeClr val="tx1"/>
           </a:solidFill>
@@ -3069,7 +4957,7 @@
         </a:defRPr>
       </a:lvl7pPr>
       <a:lvl8pPr marL="3200400" algn="l" defTabSz="914400" rtl="0" eaLnBrk="1" latinLnBrk="0" hangingPunct="1">
-        <a:defRPr sz="1800" kern="1200">
+        <a:defRPr kumimoji="0" lang="pt-BR" sz="1800" kern="1200">
           <a:solidFill>
             <a:schemeClr val="tx1"/>
           </a:solidFill>
@@ -3079,7 +4967,7 @@
         </a:defRPr>
       </a:lvl8pPr>
       <a:lvl9pPr marL="3657600" algn="l" defTabSz="914400" rtl="0" eaLnBrk="1" latinLnBrk="0" hangingPunct="1">
-        <a:defRPr sz="1800" kern="1200">
+        <a:defRPr kumimoji="0" lang="pt-BR" sz="1800" kern="1200">
           <a:solidFill>
             <a:schemeClr val="tx1"/>
           </a:solidFill>
@@ -3267,6 +5155,9 @@
   <p:clrMapOvr>
     <a:masterClrMapping/>
   </p:clrMapOvr>
+  <p:transition spd="slow">
+    <p:wipe dir="d"/>
+  </p:transition>
 </p:sld>
 </file>
 
@@ -3368,6 +5259,9 @@
   <p:clrMapOvr>
     <a:masterClrMapping/>
   </p:clrMapOvr>
+  <p:transition spd="slow">
+    <p:wipe dir="d"/>
+  </p:transition>
 </p:sld>
 </file>
 
@@ -3464,6 +5358,9 @@
   <p:clrMapOvr>
     <a:masterClrMapping/>
   </p:clrMapOvr>
+  <p:transition spd="slow">
+    <p:wipe dir="d"/>
+  </p:transition>
 </p:sld>
 </file>
 
@@ -3551,6 +5448,9 @@
   <p:clrMapOvr>
     <a:masterClrMapping/>
   </p:clrMapOvr>
+  <p:transition spd="slow">
+    <p:wipe dir="d"/>
+  </p:transition>
 </p:sld>
 </file>
 
@@ -3580,7 +5480,7 @@
           <p:nvPr/>
         </p:nvPicPr>
         <p:blipFill>
-          <a:blip r:embed="rId2">
+          <a:blip r:embed="rId2" cstate="print">
             <a:extLst>
               <a:ext uri="{28A0092B-C50C-407E-A947-70E740481C1C}">
                 <a14:useLocalDpi xmlns:a14="http://schemas.microsoft.com/office/drawing/2010/main" val="0"/>
@@ -3622,6 +5522,9 @@
   <p:clrMapOvr>
     <a:masterClrMapping/>
   </p:clrMapOvr>
+  <p:transition spd="slow">
+    <p:wipe dir="d"/>
+  </p:transition>
 </p:sld>
 </file>
 
@@ -3697,6 +5600,9 @@
   <p:clrMapOvr>
     <a:masterClrMapping/>
   </p:clrMapOvr>
+  <p:transition spd="slow">
+    <p:wipe dir="d"/>
+  </p:transition>
 </p:sld>
 </file>
 
@@ -3726,7 +5632,7 @@
           <p:nvPr/>
         </p:nvPicPr>
         <p:blipFill>
-          <a:blip r:embed="rId2">
+          <a:blip r:embed="rId2" cstate="print">
             <a:extLst>
               <a:ext uri="{28A0092B-C50C-407E-A947-70E740481C1C}">
                 <a14:useLocalDpi xmlns:a14="http://schemas.microsoft.com/office/drawing/2010/main" val="0"/>
@@ -3768,6 +5674,9 @@
   <p:clrMapOvr>
     <a:masterClrMapping/>
   </p:clrMapOvr>
+  <p:transition spd="slow">
+    <p:wipe dir="d"/>
+  </p:transition>
 </p:sld>
 </file>
 
@@ -3797,7 +5706,7 @@
           <p:nvPr/>
         </p:nvPicPr>
         <p:blipFill>
-          <a:blip r:embed="rId2">
+          <a:blip r:embed="rId2" cstate="print">
             <a:extLst>
               <a:ext uri="{28A0092B-C50C-407E-A947-70E740481C1C}">
                 <a14:useLocalDpi xmlns:a14="http://schemas.microsoft.com/office/drawing/2010/main" val="0"/>
@@ -3839,6 +5748,9 @@
   <p:clrMapOvr>
     <a:masterClrMapping/>
   </p:clrMapOvr>
+  <p:transition spd="slow">
+    <p:wipe dir="d"/>
+  </p:transition>
 </p:sld>
 </file>
 
@@ -3896,7 +5808,7 @@
           <p:nvPr/>
         </p:nvPicPr>
         <p:blipFill>
-          <a:blip r:embed="rId2">
+          <a:blip r:embed="rId2" cstate="print">
             <a:extLst>
               <a:ext uri="{28A0092B-C50C-407E-A947-70E740481C1C}">
                 <a14:useLocalDpi xmlns:a14="http://schemas.microsoft.com/office/drawing/2010/main" val="0"/>
@@ -3938,6 +5850,9 @@
   <p:clrMapOvr>
     <a:masterClrMapping/>
   </p:clrMapOvr>
+  <p:transition spd="slow">
+    <p:wipe dir="d"/>
+  </p:transition>
 </p:sld>
 </file>
 
@@ -4037,6 +5952,9 @@
   <p:clrMapOvr>
     <a:masterClrMapping/>
   </p:clrMapOvr>
+  <p:transition spd="slow">
+    <p:wipe dir="d"/>
+  </p:transition>
 </p:sld>
 </file>
 
@@ -4129,6 +6047,9 @@
   <p:clrMapOvr>
     <a:masterClrMapping/>
   </p:clrMapOvr>
+  <p:transition spd="slow">
+    <p:wipe dir="d"/>
+  </p:transition>
 </p:sld>
 </file>
 
@@ -4216,7 +6137,7 @@
           <p:nvPr/>
         </p:nvPicPr>
         <p:blipFill>
-          <a:blip r:embed="rId2">
+          <a:blip r:embed="rId2" cstate="print">
             <a:extLst>
               <a:ext uri="{28A0092B-C50C-407E-A947-70E740481C1C}">
                 <a14:useLocalDpi xmlns:a14="http://schemas.microsoft.com/office/drawing/2010/main" val="0"/>
@@ -4230,7 +6151,7 @@
         </p:blipFill>
         <p:spPr bwMode="auto">
           <a:xfrm>
-            <a:off x="395536" y="3573016"/>
+            <a:off x="628581" y="3573016"/>
             <a:ext cx="8515419" cy="1206351"/>
           </a:xfrm>
           <a:prstGeom prst="rect">
@@ -4258,6 +6179,9 @@
   <p:clrMapOvr>
     <a:masterClrMapping/>
   </p:clrMapOvr>
+  <p:transition spd="slow">
+    <p:wipe dir="d"/>
+  </p:transition>
 </p:sld>
 </file>
 
@@ -4607,6 +6531,9 @@
   <p:clrMapOvr>
     <a:masterClrMapping/>
   </p:clrMapOvr>
+  <p:transition spd="slow">
+    <p:wipe dir="d"/>
+  </p:transition>
 </p:sld>
 </file>
 
@@ -4730,6 +6657,9 @@
   <p:clrMapOvr>
     <a:masterClrMapping/>
   </p:clrMapOvr>
+  <p:transition spd="slow">
+    <p:wipe dir="d"/>
+  </p:transition>
 </p:sld>
 </file>
 
@@ -4864,6 +6794,9 @@
   <p:clrMapOvr>
     <a:masterClrMapping/>
   </p:clrMapOvr>
+  <p:transition spd="slow">
+    <p:wipe dir="d"/>
+  </p:transition>
 </p:sld>
 </file>
 
@@ -4999,6 +6932,9 @@
   <p:clrMapOvr>
     <a:masterClrMapping/>
   </p:clrMapOvr>
+  <p:transition spd="slow">
+    <p:wipe dir="d"/>
+  </p:transition>
 </p:sld>
 </file>
 
@@ -5055,7 +6991,7 @@
           <p:nvPr/>
         </p:nvPicPr>
         <p:blipFill>
-          <a:blip r:embed="rId2">
+          <a:blip r:embed="rId2" cstate="print">
             <a:extLst>
               <a:ext uri="{28A0092B-C50C-407E-A947-70E740481C1C}">
                 <a14:useLocalDpi xmlns:a14="http://schemas.microsoft.com/office/drawing/2010/main" val="0"/>
@@ -5096,7 +7032,7 @@
           <p:nvPr/>
         </p:nvPicPr>
         <p:blipFill>
-          <a:blip r:embed="rId3">
+          <a:blip r:embed="rId3" cstate="print">
             <a:extLst>
               <a:ext uri="{28A0092B-C50C-407E-A947-70E740481C1C}">
                 <a14:useLocalDpi xmlns:a14="http://schemas.microsoft.com/office/drawing/2010/main" val="0"/>
@@ -5138,6 +7074,9 @@
   <p:clrMapOvr>
     <a:masterClrMapping/>
   </p:clrMapOvr>
+  <p:transition spd="slow">
+    <p:wipe dir="d"/>
+  </p:transition>
 </p:sld>
 </file>
 
@@ -5194,7 +7133,7 @@
           <p:nvPr/>
         </p:nvPicPr>
         <p:blipFill>
-          <a:blip r:embed="rId2">
+          <a:blip r:embed="rId2" cstate="print">
             <a:extLst>
               <a:ext uri="{28A0092B-C50C-407E-A947-70E740481C1C}">
                 <a14:useLocalDpi xmlns:a14="http://schemas.microsoft.com/office/drawing/2010/main" val="0"/>
@@ -5235,7 +7174,7 @@
           <p:nvPr/>
         </p:nvPicPr>
         <p:blipFill>
-          <a:blip r:embed="rId3">
+          <a:blip r:embed="rId3" cstate="print">
             <a:extLst>
               <a:ext uri="{28A0092B-C50C-407E-A947-70E740481C1C}">
                 <a14:useLocalDpi xmlns:a14="http://schemas.microsoft.com/office/drawing/2010/main" val="0"/>
@@ -5277,6 +7216,9 @@
   <p:clrMapOvr>
     <a:masterClrMapping/>
   </p:clrMapOvr>
+  <p:transition spd="slow">
+    <p:wipe dir="d"/>
+  </p:transition>
 </p:sld>
 </file>
 
@@ -5416,6 +7358,9 @@
   <p:clrMapOvr>
     <a:masterClrMapping/>
   </p:clrMapOvr>
+  <p:transition spd="slow">
+    <p:wipe dir="d"/>
+  </p:transition>
 </p:sld>
 </file>
 
@@ -5472,7 +7417,7 @@
           <p:nvPr/>
         </p:nvPicPr>
         <p:blipFill>
-          <a:blip r:embed="rId2">
+          <a:blip r:embed="rId2" cstate="print">
             <a:extLst>
               <a:ext uri="{28A0092B-C50C-407E-A947-70E740481C1C}">
                 <a14:useLocalDpi xmlns:a14="http://schemas.microsoft.com/office/drawing/2010/main" val="0"/>
@@ -5513,7 +7458,7 @@
           <p:nvPr/>
         </p:nvPicPr>
         <p:blipFill>
-          <a:blip r:embed="rId3">
+          <a:blip r:embed="rId3" cstate="print">
             <a:extLst>
               <a:ext uri="{28A0092B-C50C-407E-A947-70E740481C1C}">
                 <a14:useLocalDpi xmlns:a14="http://schemas.microsoft.com/office/drawing/2010/main" val="0"/>
@@ -5555,6 +7500,9 @@
   <p:clrMapOvr>
     <a:masterClrMapping/>
   </p:clrMapOvr>
+  <p:transition spd="slow">
+    <p:wipe dir="d"/>
+  </p:transition>
 </p:sld>
 </file>
 
@@ -5611,7 +7559,7 @@
           <p:nvPr/>
         </p:nvPicPr>
         <p:blipFill>
-          <a:blip r:embed="rId2">
+          <a:blip r:embed="rId2" cstate="print">
             <a:extLst>
               <a:ext uri="{28A0092B-C50C-407E-A947-70E740481C1C}">
                 <a14:useLocalDpi xmlns:a14="http://schemas.microsoft.com/office/drawing/2010/main" val="0"/>
@@ -5653,6 +7601,9 @@
   <p:clrMapOvr>
     <a:masterClrMapping/>
   </p:clrMapOvr>
+  <p:transition spd="slow">
+    <p:wipe dir="d"/>
+  </p:transition>
 </p:sld>
 </file>
 
@@ -5740,6 +7691,9 @@
   <p:clrMapOvr>
     <a:masterClrMapping/>
   </p:clrMapOvr>
+  <p:transition spd="slow">
+    <p:wipe dir="d"/>
+  </p:transition>
 </p:sld>
 </file>
 
@@ -5800,10 +7754,255 @@
           </a:xfrm>
         </p:spPr>
         <p:txBody>
-          <a:bodyPr/>
-          <a:lstStyle/>
-          <a:p>
-            <a:endParaRPr lang="pt-BR" dirty="0"/>
+          <a:bodyPr>
+            <a:normAutofit/>
+          </a:bodyPr>
+          <a:lstStyle/>
+          <a:p>
+            <a:r>
+              <a:rPr lang="pt-BR" dirty="0" smtClean="0"/>
+              <a:t>Composto por 4 pacotes:</a:t>
+            </a:r>
+          </a:p>
+          <a:p>
+            <a:pPr lvl="1"/>
+            <a:r>
+              <a:rPr lang="pt-BR" dirty="0" err="1" smtClean="0"/>
+              <a:t>lac</a:t>
+            </a:r>
+            <a:r>
+              <a:rPr lang="pt-BR" dirty="0" smtClean="0"/>
+              <a:t>.</a:t>
+            </a:r>
+            <a:r>
+              <a:rPr lang="pt-BR" dirty="0" err="1" smtClean="0"/>
+              <a:t>puc</a:t>
+            </a:r>
+            <a:r>
+              <a:rPr lang="pt-BR" dirty="0" smtClean="0"/>
+              <a:t>.</a:t>
+            </a:r>
+            <a:r>
+              <a:rPr lang="pt-BR" dirty="0" err="1" smtClean="0"/>
+              <a:t>ubi</a:t>
+            </a:r>
+            <a:r>
+              <a:rPr lang="pt-BR" dirty="0" smtClean="0"/>
+              <a:t>.</a:t>
+            </a:r>
+            <a:r>
+              <a:rPr lang="pt-BR" dirty="0" err="1" smtClean="0"/>
+              <a:t>invbat</a:t>
+            </a:r>
+            <a:r>
+              <a:rPr lang="pt-BR" dirty="0" smtClean="0"/>
+              <a:t>.</a:t>
+            </a:r>
+            <a:r>
+              <a:rPr lang="pt-BR" dirty="0" err="1" smtClean="0"/>
+              <a:t>concept</a:t>
+            </a:r>
+            <a:r>
+              <a:rPr lang="pt-BR" dirty="0" smtClean="0"/>
+              <a:t>.comm</a:t>
+            </a:r>
+          </a:p>
+          <a:p>
+            <a:pPr lvl="2"/>
+            <a:r>
+              <a:rPr lang="pt-BR" dirty="0" smtClean="0"/>
+              <a:t>Responsável pelos </a:t>
+            </a:r>
+            <a:r>
+              <a:rPr lang="pt-BR" dirty="0" err="1" smtClean="0"/>
+              <a:t>request</a:t>
+            </a:r>
+            <a:r>
+              <a:rPr lang="pt-BR" dirty="0" smtClean="0"/>
+              <a:t>/</a:t>
+            </a:r>
+            <a:r>
+              <a:rPr lang="pt-BR" dirty="0" err="1" smtClean="0"/>
+              <a:t>response</a:t>
+            </a:r>
+            <a:endParaRPr lang="pt-BR" dirty="0" smtClean="0"/>
+          </a:p>
+          <a:p>
+            <a:pPr lvl="1"/>
+            <a:r>
+              <a:rPr lang="pt-BR" dirty="0" err="1" smtClean="0"/>
+              <a:t>lac</a:t>
+            </a:r>
+            <a:r>
+              <a:rPr lang="pt-BR" dirty="0" smtClean="0"/>
+              <a:t>.</a:t>
+            </a:r>
+            <a:r>
+              <a:rPr lang="pt-BR" dirty="0" err="1" smtClean="0"/>
+              <a:t>puc</a:t>
+            </a:r>
+            <a:r>
+              <a:rPr lang="pt-BR" dirty="0" smtClean="0"/>
+              <a:t>.</a:t>
+            </a:r>
+            <a:r>
+              <a:rPr lang="pt-BR" dirty="0" err="1" smtClean="0"/>
+              <a:t>ubi</a:t>
+            </a:r>
+            <a:r>
+              <a:rPr lang="pt-BR" dirty="0" smtClean="0"/>
+              <a:t>.</a:t>
+            </a:r>
+            <a:r>
+              <a:rPr lang="pt-BR" dirty="0" err="1" smtClean="0"/>
+              <a:t>invbat</a:t>
+            </a:r>
+            <a:r>
+              <a:rPr lang="pt-BR" dirty="0" smtClean="0"/>
+              <a:t>.</a:t>
+            </a:r>
+            <a:r>
+              <a:rPr lang="pt-BR" dirty="0" err="1" smtClean="0"/>
+              <a:t>concept</a:t>
+            </a:r>
+            <a:r>
+              <a:rPr lang="pt-BR" dirty="0" smtClean="0"/>
+              <a:t>.</a:t>
+            </a:r>
+            <a:r>
+              <a:rPr lang="pt-BR" dirty="0" err="1" smtClean="0"/>
+              <a:t>dao</a:t>
+            </a:r>
+            <a:r>
+              <a:rPr lang="pt-BR" dirty="0" smtClean="0"/>
+              <a:t>.banco</a:t>
+            </a:r>
+          </a:p>
+          <a:p>
+            <a:pPr lvl="2"/>
+            <a:r>
+              <a:rPr lang="pt-BR" dirty="0" smtClean="0"/>
+              <a:t>Responsável pelos dados da conexão do banco</a:t>
+            </a:r>
+          </a:p>
+          <a:p>
+            <a:pPr lvl="1"/>
+            <a:r>
+              <a:rPr lang="pt-BR" dirty="0" err="1" smtClean="0"/>
+              <a:t>lac</a:t>
+            </a:r>
+            <a:r>
+              <a:rPr lang="pt-BR" dirty="0" smtClean="0"/>
+              <a:t>.</a:t>
+            </a:r>
+            <a:r>
+              <a:rPr lang="pt-BR" dirty="0" err="1" smtClean="0"/>
+              <a:t>puc</a:t>
+            </a:r>
+            <a:r>
+              <a:rPr lang="pt-BR" dirty="0" smtClean="0"/>
+              <a:t>.</a:t>
+            </a:r>
+            <a:r>
+              <a:rPr lang="pt-BR" dirty="0" err="1" smtClean="0"/>
+              <a:t>ubi</a:t>
+            </a:r>
+            <a:r>
+              <a:rPr lang="pt-BR" dirty="0" smtClean="0"/>
+              <a:t>.</a:t>
+            </a:r>
+            <a:r>
+              <a:rPr lang="pt-BR" dirty="0" err="1" smtClean="0"/>
+              <a:t>invbat</a:t>
+            </a:r>
+            <a:r>
+              <a:rPr lang="pt-BR" dirty="0" smtClean="0"/>
+              <a:t>.</a:t>
+            </a:r>
+            <a:r>
+              <a:rPr lang="pt-BR" dirty="0" err="1" smtClean="0"/>
+              <a:t>concept</a:t>
+            </a:r>
+            <a:r>
+              <a:rPr lang="pt-BR" dirty="0" smtClean="0"/>
+              <a:t>.</a:t>
+            </a:r>
+            <a:r>
+              <a:rPr lang="pt-BR" dirty="0" err="1" smtClean="0"/>
+              <a:t>dao</a:t>
+            </a:r>
+            <a:r>
+              <a:rPr lang="pt-BR" dirty="0" smtClean="0"/>
+              <a:t>.</a:t>
+            </a:r>
+            <a:r>
+              <a:rPr lang="pt-BR" dirty="0" err="1" smtClean="0"/>
+              <a:t>model</a:t>
+            </a:r>
+            <a:endParaRPr lang="pt-BR" dirty="0" smtClean="0"/>
+          </a:p>
+          <a:p>
+            <a:pPr lvl="2"/>
+            <a:r>
+              <a:rPr lang="pt-BR" dirty="0" smtClean="0"/>
+              <a:t>Responsável pelos modelos de dados</a:t>
+            </a:r>
+          </a:p>
+          <a:p>
+            <a:pPr lvl="1"/>
+            <a:r>
+              <a:rPr lang="pt-BR" dirty="0" err="1" smtClean="0"/>
+              <a:t>lac</a:t>
+            </a:r>
+            <a:r>
+              <a:rPr lang="pt-BR" dirty="0" smtClean="0"/>
+              <a:t>.</a:t>
+            </a:r>
+            <a:r>
+              <a:rPr lang="pt-BR" dirty="0" err="1" smtClean="0"/>
+              <a:t>puc</a:t>
+            </a:r>
+            <a:r>
+              <a:rPr lang="pt-BR" dirty="0" smtClean="0"/>
+              <a:t>.</a:t>
+            </a:r>
+            <a:r>
+              <a:rPr lang="pt-BR" dirty="0" err="1" smtClean="0"/>
+              <a:t>ubi</a:t>
+            </a:r>
+            <a:r>
+              <a:rPr lang="pt-BR" dirty="0" smtClean="0"/>
+              <a:t>.</a:t>
+            </a:r>
+            <a:r>
+              <a:rPr lang="pt-BR" dirty="0" err="1" smtClean="0"/>
+              <a:t>invbat</a:t>
+            </a:r>
+            <a:r>
+              <a:rPr lang="pt-BR" dirty="0" smtClean="0"/>
+              <a:t>.</a:t>
+            </a:r>
+            <a:r>
+              <a:rPr lang="pt-BR" dirty="0" err="1" smtClean="0"/>
+              <a:t>concept</a:t>
+            </a:r>
+            <a:r>
+              <a:rPr lang="pt-BR" dirty="0" smtClean="0"/>
+              <a:t>.</a:t>
+            </a:r>
+            <a:r>
+              <a:rPr lang="pt-BR" dirty="0" err="1" smtClean="0"/>
+              <a:t>dao</a:t>
+            </a:r>
+            <a:endParaRPr lang="pt-BR" dirty="0" smtClean="0"/>
+          </a:p>
+          <a:p>
+            <a:pPr lvl="2"/>
+            <a:r>
+              <a:rPr lang="pt-BR" dirty="0" smtClean="0"/>
+              <a:t>Responsável pela persistência dos dados</a:t>
+            </a:r>
+            <a:endParaRPr lang="pt-BR" u="sng" dirty="0" smtClean="0"/>
           </a:p>
         </p:txBody>
       </p:sp>
@@ -5817,6 +8016,9 @@
   <p:clrMapOvr>
     <a:masterClrMapping/>
   </p:clrMapOvr>
+  <p:transition spd="slow">
+    <p:wipe dir="d"/>
+  </p:transition>
 </p:sld>
 </file>
 
@@ -5854,7 +8056,19 @@
           <a:p>
             <a:r>
               <a:rPr lang="pt-BR" dirty="0" smtClean="0"/>
-              <a:t>Problemas e melhorias Futuras</a:t>
+              <a:t>JTS </a:t>
+            </a:r>
+            <a:r>
+              <a:rPr lang="pt-BR" dirty="0" err="1" smtClean="0"/>
+              <a:t>Topology</a:t>
+            </a:r>
+            <a:r>
+              <a:rPr lang="pt-BR" dirty="0" smtClean="0"/>
+              <a:t> </a:t>
+            </a:r>
+            <a:r>
+              <a:rPr lang="pt-BR" dirty="0" err="1" smtClean="0"/>
+              <a:t>Suite</a:t>
             </a:r>
             <a:endParaRPr lang="pt-BR" dirty="0"/>
           </a:p>
@@ -5862,7 +8076,7 @@
       </p:sp>
       <p:sp>
         <p:nvSpPr>
-          <p:cNvPr id="3" name="Espaço Reservado para Conteúdo 2"/>
+          <p:cNvPr id="4" name="Espaço Reservado para Conteúdo 3"/>
           <p:cNvSpPr>
             <a:spLocks noGrp="1"/>
           </p:cNvSpPr>
@@ -5870,79 +8084,44 @@
             <p:ph idx="1"/>
           </p:nvPr>
         </p:nvSpPr>
-        <p:spPr/>
-        <p:txBody>
-          <a:bodyPr/>
-          <a:lstStyle/>
-          <a:p>
-            <a:r>
-              <a:rPr lang="pt-BR" dirty="0" smtClean="0"/>
-              <a:t>Uso do </a:t>
-            </a:r>
-            <a:r>
-              <a:rPr lang="pt-BR" dirty="0" err="1" smtClean="0"/>
-              <a:t>Vagrant</a:t>
-            </a:r>
-            <a:r>
-              <a:rPr lang="pt-BR" dirty="0" smtClean="0"/>
-              <a:t> para possibilitar uso em WAN e testes concisos com o Core Server</a:t>
-            </a:r>
-          </a:p>
-          <a:p>
-            <a:endParaRPr lang="pt-BR" u="sng" dirty="0"/>
-          </a:p>
-          <a:p>
-            <a:r>
-              <a:rPr lang="pt-BR" dirty="0" smtClean="0"/>
-              <a:t>Tornar o jogo interessante com a proposta original</a:t>
-            </a:r>
-          </a:p>
-          <a:p>
-            <a:endParaRPr lang="pt-BR" dirty="0"/>
-          </a:p>
-          <a:p>
-            <a:r>
-              <a:rPr lang="pt-BR" dirty="0" smtClean="0"/>
-              <a:t>Mudar a estratégia de </a:t>
-            </a:r>
-            <a:r>
-              <a:rPr lang="pt-BR" dirty="0" err="1" smtClean="0"/>
-              <a:t>matching</a:t>
-            </a:r>
-            <a:r>
-              <a:rPr lang="pt-BR" dirty="0" smtClean="0"/>
-              <a:t> para </a:t>
-            </a:r>
-            <a:r>
-              <a:rPr lang="pt-BR" dirty="0" err="1" smtClean="0"/>
-              <a:t>client</a:t>
-            </a:r>
-            <a:r>
-              <a:rPr lang="pt-BR" dirty="0" err="1"/>
-              <a:t>-</a:t>
-            </a:r>
-            <a:r>
-              <a:rPr lang="pt-BR" dirty="0" err="1" smtClean="0"/>
-              <a:t>side</a:t>
-            </a:r>
-            <a:r>
-              <a:rPr lang="pt-BR" dirty="0" smtClean="0"/>
-              <a:t>.</a:t>
-            </a:r>
-            <a:endParaRPr lang="pt-BR" dirty="0"/>
+        <p:spPr>
+          <a:xfrm>
+            <a:off x="467544" y="1700808"/>
+            <a:ext cx="8229600" cy="4525963"/>
+          </a:xfrm>
+        </p:spPr>
+        <p:txBody>
+          <a:bodyPr>
+            <a:normAutofit/>
+          </a:bodyPr>
+          <a:lstStyle/>
+          <a:p>
+            <a:r>
+              <a:rPr lang="pt-BR" dirty="0" smtClean="0"/>
+              <a:t>Biblioteca responsável pelo por identificar se um usuário passa por uma região de batalha.</a:t>
+            </a:r>
+          </a:p>
+          <a:p>
+            <a:r>
+              <a:rPr lang="pt-BR" dirty="0" smtClean="0"/>
+              <a:t>Como ele só trabalha com Região e onde o usuário está passando é um ponto, transformamos esse ponto em um triângulo e assim já pode-se usar a biblioteca normalmente.</a:t>
+            </a:r>
           </a:p>
         </p:txBody>
       </p:sp>
     </p:spTree>
     <p:extLst>
       <p:ext uri="{BB962C8B-B14F-4D97-AF65-F5344CB8AC3E}">
-        <p14:creationId xmlns:p14="http://schemas.microsoft.com/office/powerpoint/2010/main" val="3715886609"/>
+        <p14:creationId xmlns:p14="http://schemas.microsoft.com/office/powerpoint/2010/main" val="1596588433"/>
       </p:ext>
     </p:extLst>
   </p:cSld>
   <p:clrMapOvr>
     <a:masterClrMapping/>
   </p:clrMapOvr>
+  <p:transition spd="slow">
+    <p:wipe dir="d"/>
+  </p:transition>
 </p:sld>
 </file>
 
@@ -5979,8 +8158,44 @@
           <a:lstStyle/>
           <a:p>
             <a:r>
-              <a:rPr lang="pt-BR" smtClean="0"/>
-              <a:t>Perguntas?</a:t>
+              <a:rPr lang="pt-BR" dirty="0" err="1" smtClean="0"/>
+              <a:t>lac</a:t>
+            </a:r>
+            <a:r>
+              <a:rPr lang="pt-BR" dirty="0" smtClean="0"/>
+              <a:t>.</a:t>
+            </a:r>
+            <a:r>
+              <a:rPr lang="pt-BR" dirty="0" err="1" smtClean="0"/>
+              <a:t>puc</a:t>
+            </a:r>
+            <a:r>
+              <a:rPr lang="pt-BR" dirty="0" smtClean="0"/>
+              <a:t>.</a:t>
+            </a:r>
+            <a:r>
+              <a:rPr lang="pt-BR" dirty="0" err="1" smtClean="0"/>
+              <a:t>ubi</a:t>
+            </a:r>
+            <a:r>
+              <a:rPr lang="pt-BR" dirty="0" smtClean="0"/>
+              <a:t>.</a:t>
+            </a:r>
+            <a:r>
+              <a:rPr lang="pt-BR" dirty="0" err="1" smtClean="0"/>
+              <a:t>invbat</a:t>
+            </a:r>
+            <a:r>
+              <a:rPr lang="pt-BR" dirty="0" smtClean="0"/>
+              <a:t>.</a:t>
+            </a:r>
+            <a:r>
+              <a:rPr lang="pt-BR" dirty="0" err="1" smtClean="0"/>
+              <a:t>concept</a:t>
+            </a:r>
+            <a:r>
+              <a:rPr lang="pt-BR" dirty="0" smtClean="0"/>
+              <a:t>.core</a:t>
             </a:r>
             <a:endParaRPr lang="pt-BR" dirty="0"/>
           </a:p>
@@ -6001,20 +8216,74 @@
           <a:bodyPr/>
           <a:lstStyle/>
           <a:p>
+            <a:r>
+              <a:rPr lang="pt-BR" dirty="0" err="1" smtClean="0"/>
+              <a:t>BattleCoreServer</a:t>
+            </a:r>
+            <a:r>
+              <a:rPr lang="pt-BR" dirty="0" smtClean="0"/>
+              <a:t>.</a:t>
+            </a:r>
+            <a:r>
+              <a:rPr lang="pt-BR" dirty="0" err="1" smtClean="0"/>
+              <a:t>java</a:t>
+            </a:r>
+            <a:endParaRPr lang="pt-BR" dirty="0" smtClean="0"/>
+          </a:p>
+          <a:p>
+            <a:pPr lvl="1"/>
+            <a:r>
+              <a:rPr lang="pt-BR" dirty="0" smtClean="0"/>
+              <a:t>Classe de teste do servidor</a:t>
+            </a:r>
+          </a:p>
+          <a:p>
+            <a:r>
+              <a:rPr lang="pt-BR" dirty="0" err="1" smtClean="0"/>
+              <a:t>BattleCoreClient</a:t>
+            </a:r>
+            <a:r>
+              <a:rPr lang="pt-BR" dirty="0" smtClean="0"/>
+              <a:t>.</a:t>
+            </a:r>
+            <a:r>
+              <a:rPr lang="pt-BR" dirty="0" err="1" smtClean="0"/>
+              <a:t>java</a:t>
+            </a:r>
+            <a:endParaRPr lang="pt-BR" dirty="0" smtClean="0"/>
+          </a:p>
+          <a:p>
+            <a:pPr lvl="1"/>
+            <a:r>
+              <a:rPr lang="pt-BR" dirty="0" smtClean="0"/>
+              <a:t>Classe de teste do cliente [no caso o </a:t>
+            </a:r>
+            <a:r>
+              <a:rPr lang="pt-BR" dirty="0" err="1" smtClean="0"/>
+              <a:t>android</a:t>
+            </a:r>
+            <a:r>
+              <a:rPr lang="pt-BR" dirty="0" smtClean="0"/>
+              <a:t>]</a:t>
+            </a:r>
+          </a:p>
+          <a:p>
+            <a:pPr lvl="1"/>
+            <a:endParaRPr lang="pt-BR" dirty="0" smtClean="0"/>
+          </a:p>
+          <a:p>
             <a:endParaRPr lang="pt-BR" dirty="0"/>
           </a:p>
         </p:txBody>
       </p:sp>
     </p:spTree>
-    <p:extLst>
-      <p:ext uri="{BB962C8B-B14F-4D97-AF65-F5344CB8AC3E}">
-        <p14:creationId xmlns:p14="http://schemas.microsoft.com/office/powerpoint/2010/main" val="2854714406"/>
-      </p:ext>
-    </p:extLst>
   </p:cSld>
   <p:clrMapOvr>
     <a:masterClrMapping/>
   </p:clrMapOvr>
+  <p:transition spd="slow">
+    <p:wipe dir="d"/>
+  </p:transition>
 </p:sld>
 </file>
 
@@ -6051,6 +8320,393 @@
           <a:lstStyle/>
           <a:p>
             <a:r>
+              <a:rPr lang="pt-BR" dirty="0" err="1" smtClean="0"/>
+              <a:t>BattleCoreClient</a:t>
+            </a:r>
+            <a:endParaRPr lang="pt-BR" dirty="0"/>
+          </a:p>
+        </p:txBody>
+      </p:sp>
+      <p:sp>
+        <p:nvSpPr>
+          <p:cNvPr id="3" name="Espaço Reservado para Conteúdo 2"/>
+          <p:cNvSpPr>
+            <a:spLocks noGrp="1"/>
+          </p:cNvSpPr>
+          <p:nvPr>
+            <p:ph idx="1"/>
+          </p:nvPr>
+        </p:nvSpPr>
+        <p:spPr/>
+        <p:txBody>
+          <a:bodyPr/>
+          <a:lstStyle/>
+          <a:p>
+            <a:r>
+              <a:rPr lang="pt-BR" dirty="0" smtClean="0"/>
+              <a:t>No método “</a:t>
+            </a:r>
+            <a:r>
+              <a:rPr lang="pt-BR" dirty="0" err="1" smtClean="0"/>
+              <a:t>connected</a:t>
+            </a:r>
+            <a:r>
+              <a:rPr lang="pt-BR" dirty="0" smtClean="0"/>
+              <a:t>” mensagens fictícias para o servidor</a:t>
+            </a:r>
+          </a:p>
+          <a:p>
+            <a:r>
+              <a:rPr lang="pt-BR" dirty="0" smtClean="0"/>
+              <a:t>No método “</a:t>
+            </a:r>
+            <a:r>
+              <a:rPr lang="pt-BR" dirty="0" err="1" smtClean="0"/>
+              <a:t>newMessageReceived</a:t>
+            </a:r>
+            <a:r>
+              <a:rPr lang="pt-BR" dirty="0" smtClean="0"/>
+              <a:t>” processa as </a:t>
+            </a:r>
+            <a:r>
+              <a:rPr lang="pt-BR" dirty="0" smtClean="0"/>
+              <a:t>respostas </a:t>
+            </a:r>
+            <a:r>
+              <a:rPr lang="pt-BR" dirty="0" smtClean="0"/>
+              <a:t>advindas do servidor</a:t>
+            </a:r>
+            <a:endParaRPr lang="pt-BR" dirty="0"/>
+          </a:p>
+        </p:txBody>
+      </p:sp>
+    </p:spTree>
+  </p:cSld>
+  <p:clrMapOvr>
+    <a:masterClrMapping/>
+  </p:clrMapOvr>
+  <p:transition spd="slow">
+    <p:wipe dir="d"/>
+  </p:transition>
+</p:sld>
+</file>
+
+<file path=ppt/slides/slide34.xml><?xml version="1.0" encoding="utf-8"?>
+<p:sld xmlns:a="http://schemas.openxmlformats.org/drawingml/2006/main" xmlns:r="http://schemas.openxmlformats.org/officeDocument/2006/relationships" xmlns:p="http://schemas.openxmlformats.org/presentationml/2006/main">
+  <p:cSld>
+    <p:spTree>
+      <p:nvGrpSpPr>
+        <p:cNvPr id="1" name=""/>
+        <p:cNvGrpSpPr/>
+        <p:nvPr/>
+      </p:nvGrpSpPr>
+      <p:grpSpPr>
+        <a:xfrm>
+          <a:off x="0" y="0"/>
+          <a:ext cx="0" cy="0"/>
+          <a:chOff x="0" y="0"/>
+          <a:chExt cx="0" cy="0"/>
+        </a:xfrm>
+      </p:grpSpPr>
+      <p:sp>
+        <p:nvSpPr>
+          <p:cNvPr id="2" name="Título 1"/>
+          <p:cNvSpPr>
+            <a:spLocks noGrp="1"/>
+          </p:cNvSpPr>
+          <p:nvPr>
+            <p:ph type="title"/>
+          </p:nvPr>
+        </p:nvSpPr>
+        <p:spPr/>
+        <p:txBody>
+          <a:bodyPr/>
+          <a:lstStyle/>
+          <a:p>
+            <a:r>
+              <a:rPr lang="pt-BR" dirty="0" err="1" smtClean="0"/>
+              <a:t>BattleCoreServer</a:t>
+            </a:r>
+            <a:endParaRPr lang="pt-BR" dirty="0"/>
+          </a:p>
+        </p:txBody>
+      </p:sp>
+      <p:sp>
+        <p:nvSpPr>
+          <p:cNvPr id="3" name="Espaço Reservado para Conteúdo 2"/>
+          <p:cNvSpPr>
+            <a:spLocks noGrp="1"/>
+          </p:cNvSpPr>
+          <p:nvPr>
+            <p:ph idx="1"/>
+          </p:nvPr>
+        </p:nvSpPr>
+        <p:spPr/>
+        <p:txBody>
+          <a:bodyPr/>
+          <a:lstStyle/>
+          <a:p>
+            <a:r>
+              <a:rPr lang="pt-BR" dirty="0" smtClean="0"/>
+              <a:t>Método “</a:t>
+            </a:r>
+            <a:r>
+              <a:rPr lang="pt-BR" dirty="0" err="1" smtClean="0"/>
+              <a:t>onNewData</a:t>
+            </a:r>
+            <a:r>
+              <a:rPr lang="pt-BR" dirty="0" smtClean="0"/>
+              <a:t>” processa todas as solicitações do cliente [</a:t>
+            </a:r>
+            <a:r>
+              <a:rPr lang="pt-BR" dirty="0" err="1" smtClean="0"/>
+              <a:t>request</a:t>
+            </a:r>
+            <a:r>
+              <a:rPr lang="pt-BR" dirty="0" smtClean="0"/>
+              <a:t>], faz as devidas persistências/consultas no banco e retorna a resposta [</a:t>
+            </a:r>
+            <a:r>
+              <a:rPr lang="pt-BR" dirty="0" smtClean="0"/>
+              <a:t>response</a:t>
+            </a:r>
+            <a:r>
+              <a:rPr lang="pt-BR" dirty="0" smtClean="0"/>
+              <a:t>]</a:t>
+            </a:r>
+          </a:p>
+          <a:p>
+            <a:r>
+              <a:rPr lang="pt-BR" dirty="0" smtClean="0"/>
+              <a:t>Como tudo é classe, são criados “</a:t>
+            </a:r>
+            <a:r>
+              <a:rPr lang="pt-BR" dirty="0" err="1" smtClean="0"/>
+              <a:t>casting</a:t>
+            </a:r>
+            <a:r>
+              <a:rPr lang="pt-BR" dirty="0" smtClean="0"/>
+              <a:t>” e assim os valores são acessados diretamente através das classes [</a:t>
+            </a:r>
+            <a:r>
+              <a:rPr lang="pt-BR" dirty="0" err="1" smtClean="0"/>
+              <a:t>XXXData</a:t>
+            </a:r>
+            <a:r>
+              <a:rPr lang="pt-BR" dirty="0" smtClean="0"/>
+              <a:t>]</a:t>
+            </a:r>
+            <a:endParaRPr lang="pt-BR" dirty="0"/>
+          </a:p>
+        </p:txBody>
+      </p:sp>
+    </p:spTree>
+  </p:cSld>
+  <p:clrMapOvr>
+    <a:masterClrMapping/>
+  </p:clrMapOvr>
+  <p:transition spd="slow">
+    <p:wipe dir="d"/>
+  </p:transition>
+  <p:timing>
+    <p:tnLst>
+      <p:par>
+        <p:cTn id="1" dur="indefinite" restart="never" nodeType="tmRoot"/>
+      </p:par>
+    </p:tnLst>
+  </p:timing>
+</p:sld>
+</file>
+
+<file path=ppt/slides/slide35.xml><?xml version="1.0" encoding="utf-8"?>
+<p:sld xmlns:a="http://schemas.openxmlformats.org/drawingml/2006/main" xmlns:r="http://schemas.openxmlformats.org/officeDocument/2006/relationships" xmlns:p="http://schemas.openxmlformats.org/presentationml/2006/main">
+  <p:cSld>
+    <p:spTree>
+      <p:nvGrpSpPr>
+        <p:cNvPr id="1" name=""/>
+        <p:cNvGrpSpPr/>
+        <p:nvPr/>
+      </p:nvGrpSpPr>
+      <p:grpSpPr>
+        <a:xfrm>
+          <a:off x="0" y="0"/>
+          <a:ext cx="0" cy="0"/>
+          <a:chOff x="0" y="0"/>
+          <a:chExt cx="0" cy="0"/>
+        </a:xfrm>
+      </p:grpSpPr>
+      <p:sp>
+        <p:nvSpPr>
+          <p:cNvPr id="2" name="Título 1"/>
+          <p:cNvSpPr>
+            <a:spLocks noGrp="1"/>
+          </p:cNvSpPr>
+          <p:nvPr>
+            <p:ph type="title"/>
+          </p:nvPr>
+        </p:nvSpPr>
+        <p:spPr/>
+        <p:txBody>
+          <a:bodyPr/>
+          <a:lstStyle/>
+          <a:p>
+            <a:r>
+              <a:rPr lang="pt-BR" dirty="0" smtClean="0"/>
+              <a:t>Problemas e melhorias Futuras</a:t>
+            </a:r>
+            <a:endParaRPr lang="pt-BR" dirty="0"/>
+          </a:p>
+        </p:txBody>
+      </p:sp>
+      <p:sp>
+        <p:nvSpPr>
+          <p:cNvPr id="3" name="Espaço Reservado para Conteúdo 2"/>
+          <p:cNvSpPr>
+            <a:spLocks noGrp="1"/>
+          </p:cNvSpPr>
+          <p:nvPr>
+            <p:ph idx="1"/>
+          </p:nvPr>
+        </p:nvSpPr>
+        <p:spPr/>
+        <p:txBody>
+          <a:bodyPr>
+            <a:normAutofit/>
+          </a:bodyPr>
+          <a:lstStyle/>
+          <a:p>
+            <a:r>
+              <a:rPr lang="pt-BR" dirty="0" smtClean="0"/>
+              <a:t>Uso do </a:t>
+            </a:r>
+            <a:r>
+              <a:rPr lang="pt-BR" dirty="0" err="1" smtClean="0"/>
+              <a:t>Vagrant</a:t>
+            </a:r>
+            <a:r>
+              <a:rPr lang="pt-BR" dirty="0" smtClean="0"/>
+              <a:t> para possibilitar uso em WAN e testes concisos com o Core </a:t>
+            </a:r>
+            <a:r>
+              <a:rPr lang="pt-BR" dirty="0" smtClean="0"/>
+              <a:t>Server</a:t>
+            </a:r>
+            <a:endParaRPr lang="pt-BR" u="sng" dirty="0"/>
+          </a:p>
+          <a:p>
+            <a:r>
+              <a:rPr lang="pt-BR" dirty="0" smtClean="0"/>
+              <a:t>Tornar o jogo interessante com a proposta </a:t>
+            </a:r>
+            <a:r>
+              <a:rPr lang="pt-BR" dirty="0" smtClean="0"/>
+              <a:t>original</a:t>
+            </a:r>
+            <a:endParaRPr lang="pt-BR" dirty="0"/>
+          </a:p>
+          <a:p>
+            <a:r>
+              <a:rPr lang="pt-BR" dirty="0" smtClean="0"/>
+              <a:t>Mudar a estratégia de </a:t>
+            </a:r>
+            <a:r>
+              <a:rPr lang="pt-BR" dirty="0" err="1" smtClean="0"/>
+              <a:t>matching</a:t>
+            </a:r>
+            <a:r>
+              <a:rPr lang="pt-BR" dirty="0" smtClean="0"/>
+              <a:t> para </a:t>
+            </a:r>
+            <a:r>
+              <a:rPr lang="pt-BR" dirty="0" err="1" smtClean="0"/>
+              <a:t>client</a:t>
+            </a:r>
+            <a:r>
+              <a:rPr lang="pt-BR" dirty="0" err="1"/>
+              <a:t>-</a:t>
+            </a:r>
+            <a:r>
+              <a:rPr lang="pt-BR" dirty="0" err="1" smtClean="0"/>
+              <a:t>side</a:t>
+            </a:r>
+            <a:r>
+              <a:rPr lang="pt-BR" dirty="0" smtClean="0"/>
+              <a:t>.</a:t>
+            </a:r>
+          </a:p>
+          <a:p>
+            <a:r>
+              <a:rPr lang="pt-BR" dirty="0" smtClean="0"/>
+              <a:t>Finalizar o </a:t>
+            </a:r>
+            <a:r>
+              <a:rPr lang="pt-BR" dirty="0" err="1" smtClean="0"/>
+              <a:t>GameService</a:t>
+            </a:r>
+            <a:r>
+              <a:rPr lang="pt-BR" dirty="0" smtClean="0"/>
+              <a:t> do Core-Server</a:t>
+            </a:r>
+            <a:endParaRPr lang="pt-BR" dirty="0"/>
+          </a:p>
+        </p:txBody>
+      </p:sp>
+    </p:spTree>
+    <p:extLst>
+      <p:ext uri="{BB962C8B-B14F-4D97-AF65-F5344CB8AC3E}">
+        <p14:creationId xmlns:p14="http://schemas.microsoft.com/office/powerpoint/2010/main" val="3715886609"/>
+      </p:ext>
+    </p:extLst>
+  </p:cSld>
+  <p:clrMapOvr>
+    <a:masterClrMapping/>
+  </p:clrMapOvr>
+  <p:transition spd="slow">
+    <p:wipe dir="d"/>
+  </p:transition>
+  <p:timing>
+    <p:tnLst>
+      <p:par>
+        <p:cTn id="1" dur="indefinite" restart="never" nodeType="tmRoot"/>
+      </p:par>
+    </p:tnLst>
+  </p:timing>
+</p:sld>
+</file>
+
+<file path=ppt/slides/slide36.xml><?xml version="1.0" encoding="utf-8"?>
+<p:sld xmlns:a="http://schemas.openxmlformats.org/drawingml/2006/main" xmlns:r="http://schemas.openxmlformats.org/officeDocument/2006/relationships" xmlns:p="http://schemas.openxmlformats.org/presentationml/2006/main">
+  <p:cSld>
+    <p:spTree>
+      <p:nvGrpSpPr>
+        <p:cNvPr id="1" name=""/>
+        <p:cNvGrpSpPr/>
+        <p:nvPr/>
+      </p:nvGrpSpPr>
+      <p:grpSpPr>
+        <a:xfrm>
+          <a:off x="0" y="0"/>
+          <a:ext cx="0" cy="0"/>
+          <a:chOff x="0" y="0"/>
+          <a:chExt cx="0" cy="0"/>
+        </a:xfrm>
+      </p:grpSpPr>
+      <p:sp>
+        <p:nvSpPr>
+          <p:cNvPr id="2" name="Título 1"/>
+          <p:cNvSpPr>
+            <a:spLocks noGrp="1"/>
+          </p:cNvSpPr>
+          <p:nvPr>
+            <p:ph type="title"/>
+          </p:nvPr>
+        </p:nvSpPr>
+        <p:spPr/>
+        <p:txBody>
+          <a:bodyPr/>
+          <a:lstStyle/>
+          <a:p>
+            <a:r>
               <a:rPr lang="pt-BR" smtClean="0"/>
               <a:t>Perguntas?</a:t>
             </a:r>
@@ -6070,8 +8726,83 @@
         </p:nvSpPr>
         <p:spPr/>
         <p:txBody>
+          <a:bodyPr/>
+          <a:lstStyle/>
+          <a:p>
+            <a:endParaRPr lang="pt-BR" dirty="0"/>
+          </a:p>
+        </p:txBody>
+      </p:sp>
+    </p:spTree>
+    <p:extLst>
+      <p:ext uri="{BB962C8B-B14F-4D97-AF65-F5344CB8AC3E}">
+        <p14:creationId xmlns:p14="http://schemas.microsoft.com/office/powerpoint/2010/main" val="2854714406"/>
+      </p:ext>
+    </p:extLst>
+  </p:cSld>
+  <p:clrMapOvr>
+    <a:masterClrMapping/>
+  </p:clrMapOvr>
+  <p:transition spd="slow">
+    <p:wipe dir="d"/>
+  </p:transition>
+</p:sld>
+</file>
+
+<file path=ppt/slides/slide37.xml><?xml version="1.0" encoding="utf-8"?>
+<p:sld xmlns:a="http://schemas.openxmlformats.org/drawingml/2006/main" xmlns:r="http://schemas.openxmlformats.org/officeDocument/2006/relationships" xmlns:p="http://schemas.openxmlformats.org/presentationml/2006/main">
+  <p:cSld>
+    <p:spTree>
+      <p:nvGrpSpPr>
+        <p:cNvPr id="1" name=""/>
+        <p:cNvGrpSpPr/>
+        <p:nvPr/>
+      </p:nvGrpSpPr>
+      <p:grpSpPr>
+        <a:xfrm>
+          <a:off x="0" y="0"/>
+          <a:ext cx="0" cy="0"/>
+          <a:chOff x="0" y="0"/>
+          <a:chExt cx="0" cy="0"/>
+        </a:xfrm>
+      </p:grpSpPr>
+      <p:sp>
+        <p:nvSpPr>
+          <p:cNvPr id="2" name="Título 1"/>
+          <p:cNvSpPr>
+            <a:spLocks noGrp="1"/>
+          </p:cNvSpPr>
+          <p:nvPr>
+            <p:ph type="title"/>
+          </p:nvPr>
+        </p:nvSpPr>
+        <p:spPr/>
+        <p:txBody>
+          <a:bodyPr/>
+          <a:lstStyle/>
+          <a:p>
+            <a:r>
+              <a:rPr lang="pt-BR" smtClean="0"/>
+              <a:t>Perguntas?</a:t>
+            </a:r>
+            <a:endParaRPr lang="pt-BR" dirty="0"/>
+          </a:p>
+        </p:txBody>
+      </p:sp>
+      <p:sp>
+        <p:nvSpPr>
+          <p:cNvPr id="3" name="Espaço Reservado para Conteúdo 2"/>
+          <p:cNvSpPr>
+            <a:spLocks noGrp="1"/>
+          </p:cNvSpPr>
+          <p:nvPr>
+            <p:ph idx="1"/>
+          </p:nvPr>
+        </p:nvSpPr>
+        <p:spPr/>
+        <p:txBody>
           <a:bodyPr>
-            <a:normAutofit/>
+            <a:normAutofit lnSpcReduction="10000"/>
           </a:bodyPr>
           <a:lstStyle/>
           <a:p>
@@ -6188,6 +8919,9 @@
   <p:clrMapOvr>
     <a:masterClrMapping/>
   </p:clrMapOvr>
+  <p:transition spd="slow">
+    <p:wipe dir="d"/>
+  </p:transition>
 </p:sld>
 </file>
 
@@ -6315,7 +9049,7 @@
         </p:blipFill>
         <p:spPr bwMode="auto">
           <a:xfrm>
-            <a:off x="3935921" y="3573016"/>
+            <a:off x="4144318" y="3573016"/>
             <a:ext cx="715714" cy="721557"/>
           </a:xfrm>
           <a:prstGeom prst="rect">
@@ -6356,7 +9090,7 @@
         </p:blipFill>
         <p:spPr bwMode="auto">
           <a:xfrm>
-            <a:off x="2990205" y="2636912"/>
+            <a:off x="3206229" y="2636912"/>
             <a:ext cx="645691" cy="645691"/>
           </a:xfrm>
           <a:prstGeom prst="rect">
@@ -6397,7 +9131,7 @@
         </p:blipFill>
         <p:spPr bwMode="auto">
           <a:xfrm>
-            <a:off x="3523492" y="4653136"/>
+            <a:off x="3801715" y="4653136"/>
             <a:ext cx="770285" cy="770285"/>
           </a:xfrm>
           <a:prstGeom prst="rect">
@@ -6425,6 +9159,9 @@
   <p:clrMapOvr>
     <a:masterClrMapping/>
   </p:clrMapOvr>
+  <p:transition spd="slow">
+    <p:wipe dir="d"/>
+  </p:transition>
 </p:sld>
 </file>
 
@@ -6793,7 +9530,7 @@
         </p:nvSpPr>
         <p:spPr>
           <a:xfrm>
-            <a:off x="251520" y="5799990"/>
+            <a:off x="564007" y="5799990"/>
             <a:ext cx="1631729" cy="369332"/>
           </a:xfrm>
           <a:prstGeom prst="rect">
@@ -6829,6 +9566,9 @@
   <p:clrMapOvr>
     <a:masterClrMapping/>
   </p:clrMapOvr>
+  <p:transition spd="slow">
+    <p:wipe dir="d"/>
+  </p:transition>
 </p:sld>
 </file>
 
@@ -7231,7 +9971,7 @@
         </p:nvSpPr>
         <p:spPr>
           <a:xfrm>
-            <a:off x="251520" y="5799990"/>
+            <a:off x="555483" y="5799990"/>
             <a:ext cx="1928285" cy="369332"/>
           </a:xfrm>
           <a:prstGeom prst="rect">
@@ -7460,6 +10200,9 @@
   <p:clrMapOvr>
     <a:masterClrMapping/>
   </p:clrMapOvr>
+  <p:transition spd="slow">
+    <p:wipe dir="d"/>
+  </p:transition>
 </p:sld>
 </file>
 
@@ -7575,7 +10318,7 @@
         </p:nvSpPr>
         <p:spPr>
           <a:xfrm>
-            <a:off x="251520" y="5799990"/>
+            <a:off x="539552" y="5799990"/>
             <a:ext cx="1928285" cy="369332"/>
           </a:xfrm>
           <a:prstGeom prst="rect">
@@ -7804,6 +10547,9 @@
   <p:clrMapOvr>
     <a:masterClrMapping/>
   </p:clrMapOvr>
+  <p:transition spd="slow">
+    <p:wipe dir="d"/>
+  </p:transition>
 </p:sld>
 </file>
 
@@ -7919,7 +10665,7 @@
         </p:nvSpPr>
         <p:spPr>
           <a:xfrm>
-            <a:off x="251520" y="5799990"/>
+            <a:off x="539552" y="5799990"/>
             <a:ext cx="1931491" cy="369332"/>
           </a:xfrm>
           <a:prstGeom prst="rect">
@@ -8298,6 +11044,9 @@
   <p:clrMapOvr>
     <a:masterClrMapping/>
   </p:clrMapOvr>
+  <p:transition spd="slow">
+    <p:wipe dir="d"/>
+  </p:transition>
 </p:sld>
 </file>
 
@@ -8413,7 +11162,7 @@
         </p:nvSpPr>
         <p:spPr>
           <a:xfrm>
-            <a:off x="251520" y="5799990"/>
+            <a:off x="552277" y="5799990"/>
             <a:ext cx="1931491" cy="369332"/>
           </a:xfrm>
           <a:prstGeom prst="rect">
@@ -8676,11 +11425,14 @@
   <p:clrMapOvr>
     <a:masterClrMapping/>
   </p:clrMapOvr>
+  <p:transition spd="slow">
+    <p:wipe dir="d"/>
+  </p:transition>
 </p:sld>
 </file>
 
 <file path=ppt/theme/theme1.xml><?xml version="1.0" encoding="utf-8"?>
-<a:theme xmlns:a="http://schemas.openxmlformats.org/drawingml/2006/main" name="Tema do Office">
+<a:theme xmlns:a="http://schemas.openxmlformats.org/drawingml/2006/main" name="Tema1">
   <a:themeElements>
     <a:clrScheme name="Escritório">
       <a:dk1>
@@ -8754,6 +11506,7 @@
         <a:font script="Mong" typeface="Mongolian Baiti"/>
         <a:font script="Viet" typeface="Times New Roman"/>
         <a:font script="Uigh" typeface="Microsoft Uighur"/>
+        <a:font script="Geor" typeface="Sylfaen"/>
       </a:majorFont>
       <a:minorFont>
         <a:latin typeface="Calibri"/>
@@ -8788,6 +11541,7 @@
         <a:font script="Mong" typeface="Mongolian Baiti"/>
         <a:font script="Viet" typeface="Arial"/>
         <a:font script="Uigh" typeface="Microsoft Uighur"/>
+        <a:font script="Geor" typeface="Sylfaen"/>
       </a:minorFont>
     </a:fontScheme>
     <a:fmtScheme name="Escritório">
